--- a/Présentation PP.pptx
+++ b/Présentation PP.pptx
@@ -7,6 +7,9 @@
   <p:sldIdLst>
     <p:sldId id="256" r:id="rId2"/>
     <p:sldId id="257" r:id="rId3"/>
+    <p:sldId id="259" r:id="rId4"/>
+    <p:sldId id="260" r:id="rId5"/>
+    <p:sldId id="258" r:id="rId6"/>
   </p:sldIdLst>
   <p:sldSz cx="12192000" cy="6858000"/>
   <p:notesSz cx="6858000" cy="9144000"/>
@@ -105,6 +108,11 @@
       </a:defRPr>
     </a:lvl9pPr>
   </p:defaultTextStyle>
+  <p:extLst>
+    <p:ext uri="{EFAFB233-063F-42B5-8137-9DF3F51BA10A}">
+      <p15:sldGuideLst xmlns:p15="http://schemas.microsoft.com/office/powerpoint/2012/main"/>
+    </p:ext>
+  </p:extLst>
 </p:presentation>
 </file>
 
@@ -239,9 +247,9 @@
           <a:p>
             <a:fld id="{735EC88F-6CF8-4911-B764-5B0306CAC496}" type="datetimeFigureOut">
               <a:rPr lang="en-US" smtClean="0"/>
-              <a:t>3/15/2025</a:t>
+              <a:t>4/23/2025</a:t>
             </a:fld>
-            <a:endParaRPr lang="en-US"/>
+            <a:endParaRPr lang="en-US" dirty="0"/>
           </a:p>
         </p:txBody>
       </p:sp>
@@ -260,7 +268,7 @@
           <a:bodyPr/>
           <a:lstStyle/>
           <a:p>
-            <a:endParaRPr lang="en-US"/>
+            <a:endParaRPr lang="en-US" dirty="0"/>
           </a:p>
         </p:txBody>
       </p:sp>
@@ -283,7 +291,7 @@
               <a:rPr lang="en-US" smtClean="0"/>
               <a:t>‹N°›</a:t>
             </a:fld>
-            <a:endParaRPr lang="en-US"/>
+            <a:endParaRPr lang="en-US" dirty="0"/>
           </a:p>
         </p:txBody>
       </p:sp>
@@ -409,9 +417,9 @@
           <a:p>
             <a:fld id="{735EC88F-6CF8-4911-B764-5B0306CAC496}" type="datetimeFigureOut">
               <a:rPr lang="en-US" smtClean="0"/>
-              <a:t>3/15/2025</a:t>
+              <a:t>4/23/2025</a:t>
             </a:fld>
-            <a:endParaRPr lang="en-US"/>
+            <a:endParaRPr lang="en-US" dirty="0"/>
           </a:p>
         </p:txBody>
       </p:sp>
@@ -430,7 +438,7 @@
           <a:bodyPr/>
           <a:lstStyle/>
           <a:p>
-            <a:endParaRPr lang="en-US"/>
+            <a:endParaRPr lang="en-US" dirty="0"/>
           </a:p>
         </p:txBody>
       </p:sp>
@@ -453,7 +461,7 @@
               <a:rPr lang="en-US" smtClean="0"/>
               <a:t>‹N°›</a:t>
             </a:fld>
-            <a:endParaRPr lang="en-US"/>
+            <a:endParaRPr lang="en-US" dirty="0"/>
           </a:p>
         </p:txBody>
       </p:sp>
@@ -589,9 +597,9 @@
           <a:p>
             <a:fld id="{735EC88F-6CF8-4911-B764-5B0306CAC496}" type="datetimeFigureOut">
               <a:rPr lang="en-US" smtClean="0"/>
-              <a:t>3/15/2025</a:t>
+              <a:t>4/23/2025</a:t>
             </a:fld>
-            <a:endParaRPr lang="en-US"/>
+            <a:endParaRPr lang="en-US" dirty="0"/>
           </a:p>
         </p:txBody>
       </p:sp>
@@ -610,7 +618,7 @@
           <a:bodyPr/>
           <a:lstStyle/>
           <a:p>
-            <a:endParaRPr lang="en-US"/>
+            <a:endParaRPr lang="en-US" dirty="0"/>
           </a:p>
         </p:txBody>
       </p:sp>
@@ -633,7 +641,7 @@
               <a:rPr lang="en-US" smtClean="0"/>
               <a:t>‹N°›</a:t>
             </a:fld>
-            <a:endParaRPr lang="en-US"/>
+            <a:endParaRPr lang="en-US" dirty="0"/>
           </a:p>
         </p:txBody>
       </p:sp>
@@ -759,9 +767,9 @@
           <a:p>
             <a:fld id="{735EC88F-6CF8-4911-B764-5B0306CAC496}" type="datetimeFigureOut">
               <a:rPr lang="en-US" smtClean="0"/>
-              <a:t>3/15/2025</a:t>
+              <a:t>4/23/2025</a:t>
             </a:fld>
-            <a:endParaRPr lang="en-US"/>
+            <a:endParaRPr lang="en-US" dirty="0"/>
           </a:p>
         </p:txBody>
       </p:sp>
@@ -780,7 +788,7 @@
           <a:bodyPr/>
           <a:lstStyle/>
           <a:p>
-            <a:endParaRPr lang="en-US"/>
+            <a:endParaRPr lang="en-US" dirty="0"/>
           </a:p>
         </p:txBody>
       </p:sp>
@@ -803,7 +811,7 @@
               <a:rPr lang="en-US" smtClean="0"/>
               <a:t>‹N°›</a:t>
             </a:fld>
-            <a:endParaRPr lang="en-US"/>
+            <a:endParaRPr lang="en-US" dirty="0"/>
           </a:p>
         </p:txBody>
       </p:sp>
@@ -1005,9 +1013,9 @@
           <a:p>
             <a:fld id="{735EC88F-6CF8-4911-B764-5B0306CAC496}" type="datetimeFigureOut">
               <a:rPr lang="en-US" smtClean="0"/>
-              <a:t>3/15/2025</a:t>
+              <a:t>4/23/2025</a:t>
             </a:fld>
-            <a:endParaRPr lang="en-US"/>
+            <a:endParaRPr lang="en-US" dirty="0"/>
           </a:p>
         </p:txBody>
       </p:sp>
@@ -1026,7 +1034,7 @@
           <a:bodyPr/>
           <a:lstStyle/>
           <a:p>
-            <a:endParaRPr lang="en-US"/>
+            <a:endParaRPr lang="en-US" dirty="0"/>
           </a:p>
         </p:txBody>
       </p:sp>
@@ -1049,7 +1057,7 @@
               <a:rPr lang="en-US" smtClean="0"/>
               <a:t>‹N°›</a:t>
             </a:fld>
-            <a:endParaRPr lang="en-US"/>
+            <a:endParaRPr lang="en-US" dirty="0"/>
           </a:p>
         </p:txBody>
       </p:sp>
@@ -1237,9 +1245,9 @@
           <a:p>
             <a:fld id="{735EC88F-6CF8-4911-B764-5B0306CAC496}" type="datetimeFigureOut">
               <a:rPr lang="en-US" smtClean="0"/>
-              <a:t>3/15/2025</a:t>
+              <a:t>4/23/2025</a:t>
             </a:fld>
-            <a:endParaRPr lang="en-US"/>
+            <a:endParaRPr lang="en-US" dirty="0"/>
           </a:p>
         </p:txBody>
       </p:sp>
@@ -1258,7 +1266,7 @@
           <a:bodyPr/>
           <a:lstStyle/>
           <a:p>
-            <a:endParaRPr lang="en-US"/>
+            <a:endParaRPr lang="en-US" dirty="0"/>
           </a:p>
         </p:txBody>
       </p:sp>
@@ -1281,7 +1289,7 @@
               <a:rPr lang="en-US" smtClean="0"/>
               <a:t>‹N°›</a:t>
             </a:fld>
-            <a:endParaRPr lang="en-US"/>
+            <a:endParaRPr lang="en-US" dirty="0"/>
           </a:p>
         </p:txBody>
       </p:sp>
@@ -1604,9 +1612,9 @@
           <a:p>
             <a:fld id="{735EC88F-6CF8-4911-B764-5B0306CAC496}" type="datetimeFigureOut">
               <a:rPr lang="en-US" smtClean="0"/>
-              <a:t>3/15/2025</a:t>
+              <a:t>4/23/2025</a:t>
             </a:fld>
-            <a:endParaRPr lang="en-US"/>
+            <a:endParaRPr lang="en-US" dirty="0"/>
           </a:p>
         </p:txBody>
       </p:sp>
@@ -1625,7 +1633,7 @@
           <a:bodyPr/>
           <a:lstStyle/>
           <a:p>
-            <a:endParaRPr lang="en-US"/>
+            <a:endParaRPr lang="en-US" dirty="0"/>
           </a:p>
         </p:txBody>
       </p:sp>
@@ -1648,7 +1656,7 @@
               <a:rPr lang="en-US" smtClean="0"/>
               <a:t>‹N°›</a:t>
             </a:fld>
-            <a:endParaRPr lang="en-US"/>
+            <a:endParaRPr lang="en-US" dirty="0"/>
           </a:p>
         </p:txBody>
       </p:sp>
@@ -1722,9 +1730,9 @@
           <a:p>
             <a:fld id="{735EC88F-6CF8-4911-B764-5B0306CAC496}" type="datetimeFigureOut">
               <a:rPr lang="en-US" smtClean="0"/>
-              <a:t>3/15/2025</a:t>
+              <a:t>4/23/2025</a:t>
             </a:fld>
-            <a:endParaRPr lang="en-US"/>
+            <a:endParaRPr lang="en-US" dirty="0"/>
           </a:p>
         </p:txBody>
       </p:sp>
@@ -1743,7 +1751,7 @@
           <a:bodyPr/>
           <a:lstStyle/>
           <a:p>
-            <a:endParaRPr lang="en-US"/>
+            <a:endParaRPr lang="en-US" dirty="0"/>
           </a:p>
         </p:txBody>
       </p:sp>
@@ -1766,7 +1774,7 @@
               <a:rPr lang="en-US" smtClean="0"/>
               <a:t>‹N°›</a:t>
             </a:fld>
-            <a:endParaRPr lang="en-US"/>
+            <a:endParaRPr lang="en-US" dirty="0"/>
           </a:p>
         </p:txBody>
       </p:sp>
@@ -1817,9 +1825,9 @@
           <a:p>
             <a:fld id="{735EC88F-6CF8-4911-B764-5B0306CAC496}" type="datetimeFigureOut">
               <a:rPr lang="en-US" smtClean="0"/>
-              <a:t>3/15/2025</a:t>
+              <a:t>4/23/2025</a:t>
             </a:fld>
-            <a:endParaRPr lang="en-US"/>
+            <a:endParaRPr lang="en-US" dirty="0"/>
           </a:p>
         </p:txBody>
       </p:sp>
@@ -1838,7 +1846,7 @@
           <a:bodyPr/>
           <a:lstStyle/>
           <a:p>
-            <a:endParaRPr lang="en-US"/>
+            <a:endParaRPr lang="en-US" dirty="0"/>
           </a:p>
         </p:txBody>
       </p:sp>
@@ -1861,7 +1869,7 @@
               <a:rPr lang="en-US" smtClean="0"/>
               <a:t>‹N°›</a:t>
             </a:fld>
-            <a:endParaRPr lang="en-US"/>
+            <a:endParaRPr lang="en-US" dirty="0"/>
           </a:p>
         </p:txBody>
       </p:sp>
@@ -2094,9 +2102,9 @@
           <a:p>
             <a:fld id="{735EC88F-6CF8-4911-B764-5B0306CAC496}" type="datetimeFigureOut">
               <a:rPr lang="en-US" smtClean="0"/>
-              <a:t>3/15/2025</a:t>
+              <a:t>4/23/2025</a:t>
             </a:fld>
-            <a:endParaRPr lang="en-US"/>
+            <a:endParaRPr lang="en-US" dirty="0"/>
           </a:p>
         </p:txBody>
       </p:sp>
@@ -2115,7 +2123,7 @@
           <a:bodyPr/>
           <a:lstStyle/>
           <a:p>
-            <a:endParaRPr lang="en-US"/>
+            <a:endParaRPr lang="en-US" dirty="0"/>
           </a:p>
         </p:txBody>
       </p:sp>
@@ -2138,7 +2146,7 @@
               <a:rPr lang="en-US" smtClean="0"/>
               <a:t>‹N°›</a:t>
             </a:fld>
-            <a:endParaRPr lang="en-US"/>
+            <a:endParaRPr lang="en-US" dirty="0"/>
           </a:p>
         </p:txBody>
       </p:sp>
@@ -2261,7 +2269,7 @@
             </a:lvl9pPr>
           </a:lstStyle>
           <a:p>
-            <a:endParaRPr lang="en-US"/>
+            <a:endParaRPr lang="en-US" dirty="0"/>
           </a:p>
         </p:txBody>
       </p:sp>
@@ -2347,9 +2355,9 @@
           <a:p>
             <a:fld id="{735EC88F-6CF8-4911-B764-5B0306CAC496}" type="datetimeFigureOut">
               <a:rPr lang="en-US" smtClean="0"/>
-              <a:t>3/15/2025</a:t>
+              <a:t>4/23/2025</a:t>
             </a:fld>
-            <a:endParaRPr lang="en-US"/>
+            <a:endParaRPr lang="en-US" dirty="0"/>
           </a:p>
         </p:txBody>
       </p:sp>
@@ -2368,7 +2376,7 @@
           <a:bodyPr/>
           <a:lstStyle/>
           <a:p>
-            <a:endParaRPr lang="en-US"/>
+            <a:endParaRPr lang="en-US" dirty="0"/>
           </a:p>
         </p:txBody>
       </p:sp>
@@ -2391,7 +2399,7 @@
               <a:rPr lang="en-US" smtClean="0"/>
               <a:t>‹N°›</a:t>
             </a:fld>
-            <a:endParaRPr lang="en-US"/>
+            <a:endParaRPr lang="en-US" dirty="0"/>
           </a:p>
         </p:txBody>
       </p:sp>
@@ -2560,9 +2568,9 @@
           <a:p>
             <a:fld id="{735EC88F-6CF8-4911-B764-5B0306CAC496}" type="datetimeFigureOut">
               <a:rPr lang="en-US" smtClean="0"/>
-              <a:t>3/15/2025</a:t>
+              <a:t>4/23/2025</a:t>
             </a:fld>
-            <a:endParaRPr lang="en-US"/>
+            <a:endParaRPr lang="en-US" dirty="0"/>
           </a:p>
         </p:txBody>
       </p:sp>
@@ -2599,7 +2607,7 @@
             </a:lvl1pPr>
           </a:lstStyle>
           <a:p>
-            <a:endParaRPr lang="en-US"/>
+            <a:endParaRPr lang="en-US" dirty="0"/>
           </a:p>
         </p:txBody>
       </p:sp>
@@ -2640,7 +2648,7 @@
               <a:rPr lang="en-US" smtClean="0"/>
               <a:t>‹N°›</a:t>
             </a:fld>
-            <a:endParaRPr lang="en-US"/>
+            <a:endParaRPr lang="en-US" dirty="0"/>
           </a:p>
         </p:txBody>
       </p:sp>
@@ -2973,7 +2981,7 @@
         </p:nvSpPr>
         <p:spPr>
           <a:xfrm>
-            <a:off x="1815737" y="2782389"/>
+            <a:off x="1802675" y="2705443"/>
             <a:ext cx="8536311" cy="1015663"/>
           </a:xfrm>
           <a:prstGeom prst="rect">
@@ -3048,15 +3056,7 @@
           <a:p>
             <a:r>
               <a:rPr lang="fr-FR" dirty="0" smtClean="0"/>
-              <a:t>Présenter par : TAHIENDRAZA </a:t>
-            </a:r>
-            <a:r>
-              <a:rPr lang="fr-FR" dirty="0" err="1" smtClean="0"/>
-              <a:t>Ravilimita</a:t>
-            </a:r>
-            <a:r>
-              <a:rPr lang="fr-FR" dirty="0" smtClean="0"/>
-              <a:t> Zidane</a:t>
+              <a:t>Présenter par : TAHIENDRAZA Ravilimita Zidane</a:t>
             </a:r>
           </a:p>
           <a:p>
@@ -3370,7 +3370,7 @@
         </p:nvSpPr>
         <p:spPr>
           <a:xfrm>
-            <a:off x="4658181" y="3966010"/>
+            <a:off x="4658181" y="3927537"/>
             <a:ext cx="2292615" cy="584775"/>
           </a:xfrm>
           <a:prstGeom prst="rect">
@@ -3450,10 +3450,311 @@
           <a:chExt cx="0" cy="0"/>
         </a:xfrm>
       </p:grpSpPr>
+      <p:sp>
+        <p:nvSpPr>
+          <p:cNvPr id="2" name="ZoneTexte 1"/>
+          <p:cNvSpPr txBox="1"/>
+          <p:nvPr/>
+        </p:nvSpPr>
+        <p:spPr>
+          <a:xfrm>
+            <a:off x="822960" y="522514"/>
+            <a:ext cx="1495922" cy="584775"/>
+          </a:xfrm>
+          <a:prstGeom prst="rect">
+            <a:avLst/>
+          </a:prstGeom>
+          <a:noFill/>
+        </p:spPr>
+        <p:txBody>
+          <a:bodyPr wrap="none" rtlCol="0">
+            <a:spAutoFit/>
+          </a:bodyPr>
+          <a:lstStyle/>
+          <a:p>
+            <a:pPr marL="342900" indent="-342900">
+              <a:buFont typeface="Wingdings" panose="05000000000000000000" pitchFamily="2" charset="2"/>
+              <a:buChar char="v"/>
+            </a:pPr>
+            <a:r>
+              <a:rPr lang="fr-FR" sz="3200" u="sng" dirty="0" smtClean="0">
+                <a:solidFill>
+                  <a:schemeClr val="accent5">
+                    <a:lumMod val="75000"/>
+                  </a:schemeClr>
+                </a:solidFill>
+                <a:effectLst>
+                  <a:outerShdw blurRad="38100" dist="38100" dir="2700000" algn="tl">
+                    <a:srgbClr val="000000">
+                      <a:alpha val="43137"/>
+                    </a:srgbClr>
+                  </a:outerShdw>
+                </a:effectLst>
+                <a:latin typeface="Times New Roman" panose="02020603050405020304" pitchFamily="18" charset="0"/>
+                <a:cs typeface="Times New Roman" panose="02020603050405020304" pitchFamily="18" charset="0"/>
+              </a:rPr>
+              <a:t>Plan :</a:t>
+            </a:r>
+            <a:endParaRPr lang="en-US" sz="3200" u="sng" dirty="0">
+              <a:solidFill>
+                <a:schemeClr val="accent5">
+                  <a:lumMod val="75000"/>
+                </a:schemeClr>
+              </a:solidFill>
+              <a:effectLst>
+                <a:outerShdw blurRad="38100" dist="38100" dir="2700000" algn="tl">
+                  <a:srgbClr val="000000">
+                    <a:alpha val="43137"/>
+                  </a:srgbClr>
+                </a:outerShdw>
+              </a:effectLst>
+              <a:latin typeface="Times New Roman" panose="02020603050405020304" pitchFamily="18" charset="0"/>
+              <a:cs typeface="Times New Roman" panose="02020603050405020304" pitchFamily="18" charset="0"/>
+            </a:endParaRPr>
+          </a:p>
+        </p:txBody>
+      </p:sp>
+      <p:sp>
+        <p:nvSpPr>
+          <p:cNvPr id="3" name="ZoneTexte 2"/>
+          <p:cNvSpPr txBox="1"/>
+          <p:nvPr/>
+        </p:nvSpPr>
+        <p:spPr>
+          <a:xfrm>
+            <a:off x="2756263" y="1107289"/>
+            <a:ext cx="6620980" cy="3231654"/>
+          </a:xfrm>
+          <a:prstGeom prst="rect">
+            <a:avLst/>
+          </a:prstGeom>
+          <a:noFill/>
+        </p:spPr>
+        <p:txBody>
+          <a:bodyPr wrap="none" rtlCol="0">
+            <a:spAutoFit/>
+          </a:bodyPr>
+          <a:lstStyle/>
+          <a:p>
+            <a:pPr marL="285750" indent="-285750">
+              <a:buFont typeface="Wingdings" panose="05000000000000000000" pitchFamily="2" charset="2"/>
+              <a:buChar char="q"/>
+            </a:pPr>
+            <a:r>
+              <a:rPr lang="fr-FR" sz="2800" dirty="0" smtClean="0"/>
+              <a:t>Introduction :</a:t>
+            </a:r>
+          </a:p>
+          <a:p>
+            <a:pPr marL="914400" lvl="1" indent="-457200">
+              <a:buFont typeface="Wingdings" panose="05000000000000000000" pitchFamily="2" charset="2"/>
+              <a:buChar char="Ø"/>
+            </a:pPr>
+            <a:r>
+              <a:rPr lang="fr-FR" sz="2000" dirty="0" smtClean="0"/>
+              <a:t>A propos de l’arbre généalogique</a:t>
+            </a:r>
+          </a:p>
+          <a:p>
+            <a:pPr lvl="1"/>
+            <a:endParaRPr lang="fr-FR" sz="2000" dirty="0" smtClean="0"/>
+          </a:p>
+          <a:p>
+            <a:pPr marL="285750" indent="-285750">
+              <a:buFont typeface="Wingdings" panose="05000000000000000000" pitchFamily="2" charset="2"/>
+              <a:buChar char="q"/>
+            </a:pPr>
+            <a:r>
+              <a:rPr lang="fr-FR" sz="2800" dirty="0" smtClean="0"/>
+              <a:t>Développement:</a:t>
+            </a:r>
+          </a:p>
+          <a:p>
+            <a:pPr marL="800100" lvl="1" indent="-342900">
+              <a:buFont typeface="Wingdings" panose="05000000000000000000" pitchFamily="2" charset="2"/>
+              <a:buChar char="Ø"/>
+            </a:pPr>
+            <a:r>
+              <a:rPr lang="fr-FR" sz="2000" dirty="0" smtClean="0"/>
+              <a:t>Présentation des personnes dans l’arbre généalogique</a:t>
+            </a:r>
+          </a:p>
+          <a:p>
+            <a:pPr marL="800100" lvl="1" indent="-342900">
+              <a:buFont typeface="Wingdings" panose="05000000000000000000" pitchFamily="2" charset="2"/>
+              <a:buChar char="Ø"/>
+            </a:pPr>
+            <a:r>
+              <a:rPr lang="fr-FR" sz="2000" dirty="0" smtClean="0"/>
+              <a:t>Choix des outils et technologies</a:t>
+            </a:r>
+          </a:p>
+          <a:p>
+            <a:pPr marL="800100" lvl="1" indent="-342900">
+              <a:buFont typeface="Wingdings" panose="05000000000000000000" pitchFamily="2" charset="2"/>
+              <a:buChar char="Ø"/>
+            </a:pPr>
+            <a:r>
+              <a:rPr lang="fr-FR" sz="2000" dirty="0" smtClean="0"/>
+              <a:t>Présentation des tables dans la base de données</a:t>
+            </a:r>
+          </a:p>
+          <a:p>
+            <a:pPr lvl="1"/>
+            <a:endParaRPr lang="fr-FR" sz="2000" dirty="0" smtClean="0"/>
+          </a:p>
+          <a:p>
+            <a:pPr marL="285750" indent="-285750">
+              <a:buFont typeface="Wingdings" panose="05000000000000000000" pitchFamily="2" charset="2"/>
+              <a:buChar char="q"/>
+            </a:pPr>
+            <a:r>
+              <a:rPr lang="fr-FR" sz="2800" dirty="0" smtClean="0"/>
+              <a:t>Conclusion</a:t>
+            </a:r>
+          </a:p>
+        </p:txBody>
+      </p:sp>
     </p:spTree>
     <p:extLst>
       <p:ext uri="{BB962C8B-B14F-4D97-AF65-F5344CB8AC3E}">
         <p14:creationId xmlns:p14="http://schemas.microsoft.com/office/powerpoint/2010/main" val="253175950"/>
+      </p:ext>
+    </p:extLst>
+  </p:cSld>
+  <p:clrMapOvr>
+    <a:masterClrMapping/>
+  </p:clrMapOvr>
+</p:sld>
+</file>
+
+<file path=ppt/slides/slide3.xml><?xml version="1.0" encoding="utf-8"?>
+<p:sld xmlns:a="http://schemas.openxmlformats.org/drawingml/2006/main" xmlns:r="http://schemas.openxmlformats.org/officeDocument/2006/relationships" xmlns:p="http://schemas.openxmlformats.org/presentationml/2006/main">
+  <p:cSld>
+    <p:spTree>
+      <p:nvGrpSpPr>
+        <p:cNvPr id="1" name=""/>
+        <p:cNvGrpSpPr/>
+        <p:nvPr/>
+      </p:nvGrpSpPr>
+      <p:grpSpPr>
+        <a:xfrm>
+          <a:off x="0" y="0"/>
+          <a:ext cx="0" cy="0"/>
+          <a:chOff x="0" y="0"/>
+          <a:chExt cx="0" cy="0"/>
+        </a:xfrm>
+      </p:grpSpPr>
+      <p:sp>
+        <p:nvSpPr>
+          <p:cNvPr id="2" name="ZoneTexte 1"/>
+          <p:cNvSpPr txBox="1"/>
+          <p:nvPr/>
+        </p:nvSpPr>
+        <p:spPr>
+          <a:xfrm>
+            <a:off x="509451" y="326571"/>
+            <a:ext cx="2629566" cy="523220"/>
+          </a:xfrm>
+          <a:prstGeom prst="rect">
+            <a:avLst/>
+          </a:prstGeom>
+          <a:noFill/>
+        </p:spPr>
+        <p:txBody>
+          <a:bodyPr wrap="none" rtlCol="0">
+            <a:spAutoFit/>
+          </a:bodyPr>
+          <a:lstStyle/>
+          <a:p>
+            <a:pPr marL="400050" indent="-400050">
+              <a:buFont typeface="+mj-lt"/>
+              <a:buAutoNum type="romanUcPeriod"/>
+            </a:pPr>
+            <a:r>
+              <a:rPr lang="fr-FR" sz="2800" b="1" u="sng" dirty="0" smtClean="0">
+                <a:solidFill>
+                  <a:schemeClr val="accent6">
+                    <a:lumMod val="75000"/>
+                  </a:schemeClr>
+                </a:solidFill>
+              </a:rPr>
+              <a:t>Introduction :</a:t>
+            </a:r>
+            <a:endParaRPr lang="en-US" sz="2800" b="1" u="sng" dirty="0">
+              <a:solidFill>
+                <a:schemeClr val="accent6">
+                  <a:lumMod val="75000"/>
+                </a:schemeClr>
+              </a:solidFill>
+            </a:endParaRPr>
+          </a:p>
+        </p:txBody>
+      </p:sp>
+    </p:spTree>
+    <p:extLst>
+      <p:ext uri="{BB962C8B-B14F-4D97-AF65-F5344CB8AC3E}">
+        <p14:creationId xmlns:p14="http://schemas.microsoft.com/office/powerpoint/2010/main" val="72285755"/>
+      </p:ext>
+    </p:extLst>
+  </p:cSld>
+  <p:clrMapOvr>
+    <a:masterClrMapping/>
+  </p:clrMapOvr>
+</p:sld>
+</file>
+
+<file path=ppt/slides/slide4.xml><?xml version="1.0" encoding="utf-8"?>
+<p:sld xmlns:a="http://schemas.openxmlformats.org/drawingml/2006/main" xmlns:r="http://schemas.openxmlformats.org/officeDocument/2006/relationships" xmlns:p="http://schemas.openxmlformats.org/presentationml/2006/main">
+  <p:cSld>
+    <p:spTree>
+      <p:nvGrpSpPr>
+        <p:cNvPr id="1" name=""/>
+        <p:cNvGrpSpPr/>
+        <p:nvPr/>
+      </p:nvGrpSpPr>
+      <p:grpSpPr>
+        <a:xfrm>
+          <a:off x="0" y="0"/>
+          <a:ext cx="0" cy="0"/>
+          <a:chOff x="0" y="0"/>
+          <a:chExt cx="0" cy="0"/>
+        </a:xfrm>
+      </p:grpSpPr>
+    </p:spTree>
+    <p:extLst>
+      <p:ext uri="{BB962C8B-B14F-4D97-AF65-F5344CB8AC3E}">
+        <p14:creationId xmlns:p14="http://schemas.microsoft.com/office/powerpoint/2010/main" val="1161324532"/>
+      </p:ext>
+    </p:extLst>
+  </p:cSld>
+  <p:clrMapOvr>
+    <a:masterClrMapping/>
+  </p:clrMapOvr>
+</p:sld>
+</file>
+
+<file path=ppt/slides/slide5.xml><?xml version="1.0" encoding="utf-8"?>
+<p:sld xmlns:a="http://schemas.openxmlformats.org/drawingml/2006/main" xmlns:r="http://schemas.openxmlformats.org/officeDocument/2006/relationships" xmlns:p="http://schemas.openxmlformats.org/presentationml/2006/main">
+  <p:cSld>
+    <p:spTree>
+      <p:nvGrpSpPr>
+        <p:cNvPr id="1" name=""/>
+        <p:cNvGrpSpPr/>
+        <p:nvPr/>
+      </p:nvGrpSpPr>
+      <p:grpSpPr>
+        <a:xfrm>
+          <a:off x="0" y="0"/>
+          <a:ext cx="0" cy="0"/>
+          <a:chOff x="0" y="0"/>
+          <a:chExt cx="0" cy="0"/>
+        </a:xfrm>
+      </p:grpSpPr>
+    </p:spTree>
+    <p:extLst>
+      <p:ext uri="{BB962C8B-B14F-4D97-AF65-F5344CB8AC3E}">
+        <p14:creationId xmlns:p14="http://schemas.microsoft.com/office/powerpoint/2010/main" val="3564751602"/>
       </p:ext>
     </p:extLst>
   </p:cSld>

--- a/Présentation PP.pptx
+++ b/Présentation PP.pptx
@@ -247,7 +247,7 @@
           <a:p>
             <a:fld id="{735EC88F-6CF8-4911-B764-5B0306CAC496}" type="datetimeFigureOut">
               <a:rPr lang="en-US" smtClean="0"/>
-              <a:t>4/23/2025</a:t>
+              <a:t>6/2/2025</a:t>
             </a:fld>
             <a:endParaRPr lang="en-US" dirty="0"/>
           </a:p>
@@ -417,7 +417,7 @@
           <a:p>
             <a:fld id="{735EC88F-6CF8-4911-B764-5B0306CAC496}" type="datetimeFigureOut">
               <a:rPr lang="en-US" smtClean="0"/>
-              <a:t>4/23/2025</a:t>
+              <a:t>6/2/2025</a:t>
             </a:fld>
             <a:endParaRPr lang="en-US" dirty="0"/>
           </a:p>
@@ -597,7 +597,7 @@
           <a:p>
             <a:fld id="{735EC88F-6CF8-4911-B764-5B0306CAC496}" type="datetimeFigureOut">
               <a:rPr lang="en-US" smtClean="0"/>
-              <a:t>4/23/2025</a:t>
+              <a:t>6/2/2025</a:t>
             </a:fld>
             <a:endParaRPr lang="en-US" dirty="0"/>
           </a:p>
@@ -767,7 +767,7 @@
           <a:p>
             <a:fld id="{735EC88F-6CF8-4911-B764-5B0306CAC496}" type="datetimeFigureOut">
               <a:rPr lang="en-US" smtClean="0"/>
-              <a:t>4/23/2025</a:t>
+              <a:t>6/2/2025</a:t>
             </a:fld>
             <a:endParaRPr lang="en-US" dirty="0"/>
           </a:p>
@@ -1013,7 +1013,7 @@
           <a:p>
             <a:fld id="{735EC88F-6CF8-4911-B764-5B0306CAC496}" type="datetimeFigureOut">
               <a:rPr lang="en-US" smtClean="0"/>
-              <a:t>4/23/2025</a:t>
+              <a:t>6/2/2025</a:t>
             </a:fld>
             <a:endParaRPr lang="en-US" dirty="0"/>
           </a:p>
@@ -1245,7 +1245,7 @@
           <a:p>
             <a:fld id="{735EC88F-6CF8-4911-B764-5B0306CAC496}" type="datetimeFigureOut">
               <a:rPr lang="en-US" smtClean="0"/>
-              <a:t>4/23/2025</a:t>
+              <a:t>6/2/2025</a:t>
             </a:fld>
             <a:endParaRPr lang="en-US" dirty="0"/>
           </a:p>
@@ -1612,7 +1612,7 @@
           <a:p>
             <a:fld id="{735EC88F-6CF8-4911-B764-5B0306CAC496}" type="datetimeFigureOut">
               <a:rPr lang="en-US" smtClean="0"/>
-              <a:t>4/23/2025</a:t>
+              <a:t>6/2/2025</a:t>
             </a:fld>
             <a:endParaRPr lang="en-US" dirty="0"/>
           </a:p>
@@ -1730,7 +1730,7 @@
           <a:p>
             <a:fld id="{735EC88F-6CF8-4911-B764-5B0306CAC496}" type="datetimeFigureOut">
               <a:rPr lang="en-US" smtClean="0"/>
-              <a:t>4/23/2025</a:t>
+              <a:t>6/2/2025</a:t>
             </a:fld>
             <a:endParaRPr lang="en-US" dirty="0"/>
           </a:p>
@@ -1825,7 +1825,7 @@
           <a:p>
             <a:fld id="{735EC88F-6CF8-4911-B764-5B0306CAC496}" type="datetimeFigureOut">
               <a:rPr lang="en-US" smtClean="0"/>
-              <a:t>4/23/2025</a:t>
+              <a:t>6/2/2025</a:t>
             </a:fld>
             <a:endParaRPr lang="en-US" dirty="0"/>
           </a:p>
@@ -2102,7 +2102,7 @@
           <a:p>
             <a:fld id="{735EC88F-6CF8-4911-B764-5B0306CAC496}" type="datetimeFigureOut">
               <a:rPr lang="en-US" smtClean="0"/>
-              <a:t>4/23/2025</a:t>
+              <a:t>6/2/2025</a:t>
             </a:fld>
             <a:endParaRPr lang="en-US" dirty="0"/>
           </a:p>
@@ -2355,7 +2355,7 @@
           <a:p>
             <a:fld id="{735EC88F-6CF8-4911-B764-5B0306CAC496}" type="datetimeFigureOut">
               <a:rPr lang="en-US" smtClean="0"/>
-              <a:t>4/23/2025</a:t>
+              <a:t>6/2/2025</a:t>
             </a:fld>
             <a:endParaRPr lang="en-US" dirty="0"/>
           </a:p>
@@ -2568,7 +2568,7 @@
           <a:p>
             <a:fld id="{735EC88F-6CF8-4911-B764-5B0306CAC496}" type="datetimeFigureOut">
               <a:rPr lang="en-US" smtClean="0"/>
-              <a:t>4/23/2025</a:t>
+              <a:t>6/2/2025</a:t>
             </a:fld>
             <a:endParaRPr lang="en-US" dirty="0"/>
           </a:p>
@@ -3523,7 +3523,7 @@
         <p:spPr>
           <a:xfrm>
             <a:off x="2756263" y="1107289"/>
-            <a:ext cx="6620980" cy="3231654"/>
+            <a:ext cx="6862520" cy="3231654"/>
           </a:xfrm>
           <a:prstGeom prst="rect">
             <a:avLst/>
@@ -3552,8 +3552,13 @@
             </a:pPr>
             <a:r>
               <a:rPr lang="fr-FR" sz="2000" dirty="0" smtClean="0"/>
-              <a:t>A propos de l’arbre généalogique</a:t>
-            </a:r>
+              <a:t>A propos </a:t>
+            </a:r>
+            <a:r>
+              <a:rPr lang="fr-FR" sz="2000" dirty="0" smtClean="0"/>
+              <a:t>du projet</a:t>
+            </a:r>
+            <a:endParaRPr lang="fr-FR" sz="2000" dirty="0" smtClean="0"/>
           </a:p>
           <a:p>
             <a:pPr lvl="1"/>
@@ -3576,7 +3581,15 @@
             </a:pPr>
             <a:r>
               <a:rPr lang="fr-FR" sz="2000" dirty="0" smtClean="0"/>
-              <a:t>Présentation des personnes dans l’arbre généalogique</a:t>
+              <a:t>Présentation des </a:t>
+            </a:r>
+            <a:r>
+              <a:rPr lang="fr-FR" sz="2000" dirty="0" smtClean="0"/>
+              <a:t>personnages </a:t>
+            </a:r>
+            <a:r>
+              <a:rPr lang="fr-FR" sz="2000" dirty="0" smtClean="0"/>
+              <a:t>dans l’arbre généalogique</a:t>
             </a:r>
           </a:p>
           <a:p>
@@ -3586,8 +3599,13 @@
             </a:pPr>
             <a:r>
               <a:rPr lang="fr-FR" sz="2000" dirty="0" smtClean="0"/>
-              <a:t>Choix des outils et technologies</a:t>
-            </a:r>
+              <a:t>Choix des outils et </a:t>
+            </a:r>
+            <a:r>
+              <a:rPr lang="fr-FR" sz="2000" dirty="0" smtClean="0"/>
+              <a:t>technologies de développement</a:t>
+            </a:r>
+            <a:endParaRPr lang="fr-FR" sz="2000" dirty="0" smtClean="0"/>
           </a:p>
           <a:p>
             <a:pPr marL="800100" lvl="1" indent="-342900">

--- a/Présentation PP.pptx
+++ b/Présentation PP.pptx
@@ -10,6 +10,10 @@
     <p:sldId id="259" r:id="rId4"/>
     <p:sldId id="260" r:id="rId5"/>
     <p:sldId id="258" r:id="rId6"/>
+    <p:sldId id="261" r:id="rId7"/>
+    <p:sldId id="262" r:id="rId8"/>
+    <p:sldId id="264" r:id="rId9"/>
+    <p:sldId id="265" r:id="rId10"/>
   </p:sldIdLst>
   <p:sldSz cx="12192000" cy="6858000"/>
   <p:notesSz cx="6858000" cy="9144000"/>
@@ -247,7 +251,7 @@
           <a:p>
             <a:fld id="{735EC88F-6CF8-4911-B764-5B0306CAC496}" type="datetimeFigureOut">
               <a:rPr lang="en-US" smtClean="0"/>
-              <a:t>6/2/2025</a:t>
+              <a:t>6/11/2025</a:t>
             </a:fld>
             <a:endParaRPr lang="en-US" dirty="0"/>
           </a:p>
@@ -417,7 +421,7 @@
           <a:p>
             <a:fld id="{735EC88F-6CF8-4911-B764-5B0306CAC496}" type="datetimeFigureOut">
               <a:rPr lang="en-US" smtClean="0"/>
-              <a:t>6/2/2025</a:t>
+              <a:t>6/11/2025</a:t>
             </a:fld>
             <a:endParaRPr lang="en-US" dirty="0"/>
           </a:p>
@@ -597,7 +601,7 @@
           <a:p>
             <a:fld id="{735EC88F-6CF8-4911-B764-5B0306CAC496}" type="datetimeFigureOut">
               <a:rPr lang="en-US" smtClean="0"/>
-              <a:t>6/2/2025</a:t>
+              <a:t>6/11/2025</a:t>
             </a:fld>
             <a:endParaRPr lang="en-US" dirty="0"/>
           </a:p>
@@ -767,7 +771,7 @@
           <a:p>
             <a:fld id="{735EC88F-6CF8-4911-B764-5B0306CAC496}" type="datetimeFigureOut">
               <a:rPr lang="en-US" smtClean="0"/>
-              <a:t>6/2/2025</a:t>
+              <a:t>6/11/2025</a:t>
             </a:fld>
             <a:endParaRPr lang="en-US" dirty="0"/>
           </a:p>
@@ -1013,7 +1017,7 @@
           <a:p>
             <a:fld id="{735EC88F-6CF8-4911-B764-5B0306CAC496}" type="datetimeFigureOut">
               <a:rPr lang="en-US" smtClean="0"/>
-              <a:t>6/2/2025</a:t>
+              <a:t>6/11/2025</a:t>
             </a:fld>
             <a:endParaRPr lang="en-US" dirty="0"/>
           </a:p>
@@ -1245,7 +1249,7 @@
           <a:p>
             <a:fld id="{735EC88F-6CF8-4911-B764-5B0306CAC496}" type="datetimeFigureOut">
               <a:rPr lang="en-US" smtClean="0"/>
-              <a:t>6/2/2025</a:t>
+              <a:t>6/11/2025</a:t>
             </a:fld>
             <a:endParaRPr lang="en-US" dirty="0"/>
           </a:p>
@@ -1612,7 +1616,7 @@
           <a:p>
             <a:fld id="{735EC88F-6CF8-4911-B764-5B0306CAC496}" type="datetimeFigureOut">
               <a:rPr lang="en-US" smtClean="0"/>
-              <a:t>6/2/2025</a:t>
+              <a:t>6/11/2025</a:t>
             </a:fld>
             <a:endParaRPr lang="en-US" dirty="0"/>
           </a:p>
@@ -1730,7 +1734,7 @@
           <a:p>
             <a:fld id="{735EC88F-6CF8-4911-B764-5B0306CAC496}" type="datetimeFigureOut">
               <a:rPr lang="en-US" smtClean="0"/>
-              <a:t>6/2/2025</a:t>
+              <a:t>6/11/2025</a:t>
             </a:fld>
             <a:endParaRPr lang="en-US" dirty="0"/>
           </a:p>
@@ -1825,7 +1829,7 @@
           <a:p>
             <a:fld id="{735EC88F-6CF8-4911-B764-5B0306CAC496}" type="datetimeFigureOut">
               <a:rPr lang="en-US" smtClean="0"/>
-              <a:t>6/2/2025</a:t>
+              <a:t>6/11/2025</a:t>
             </a:fld>
             <a:endParaRPr lang="en-US" dirty="0"/>
           </a:p>
@@ -2102,7 +2106,7 @@
           <a:p>
             <a:fld id="{735EC88F-6CF8-4911-B764-5B0306CAC496}" type="datetimeFigureOut">
               <a:rPr lang="en-US" smtClean="0"/>
-              <a:t>6/2/2025</a:t>
+              <a:t>6/11/2025</a:t>
             </a:fld>
             <a:endParaRPr lang="en-US" dirty="0"/>
           </a:p>
@@ -2355,7 +2359,7 @@
           <a:p>
             <a:fld id="{735EC88F-6CF8-4911-B764-5B0306CAC496}" type="datetimeFigureOut">
               <a:rPr lang="en-US" smtClean="0"/>
-              <a:t>6/2/2025</a:t>
+              <a:t>6/11/2025</a:t>
             </a:fld>
             <a:endParaRPr lang="en-US" dirty="0"/>
           </a:p>
@@ -2568,7 +2572,7 @@
           <a:p>
             <a:fld id="{735EC88F-6CF8-4911-B764-5B0306CAC496}" type="datetimeFigureOut">
               <a:rPr lang="en-US" smtClean="0"/>
-              <a:t>6/2/2025</a:t>
+              <a:t>6/11/2025</a:t>
             </a:fld>
             <a:endParaRPr lang="en-US" dirty="0"/>
           </a:p>
@@ -3430,6 +3434,13 @@
   <p:clrMapOvr>
     <a:masterClrMapping/>
   </p:clrMapOvr>
+  <p:timing>
+    <p:tnLst>
+      <p:par>
+        <p:cTn id="1" dur="indefinite" restart="never" nodeType="tmRoot"/>
+      </p:par>
+    </p:tnLst>
+  </p:timing>
 </p:sld>
 </file>
 
@@ -3552,13 +3563,8 @@
             </a:pPr>
             <a:r>
               <a:rPr lang="fr-FR" sz="2000" dirty="0" smtClean="0"/>
-              <a:t>A propos </a:t>
-            </a:r>
-            <a:r>
-              <a:rPr lang="fr-FR" sz="2000" dirty="0" smtClean="0"/>
-              <a:t>du projet</a:t>
-            </a:r>
-            <a:endParaRPr lang="fr-FR" sz="2000" dirty="0" smtClean="0"/>
+              <a:t>A propos du projet</a:t>
+            </a:r>
           </a:p>
           <a:p>
             <a:pPr lvl="1"/>
@@ -3581,15 +3587,7 @@
             </a:pPr>
             <a:r>
               <a:rPr lang="fr-FR" sz="2000" dirty="0" smtClean="0"/>
-              <a:t>Présentation des </a:t>
-            </a:r>
-            <a:r>
-              <a:rPr lang="fr-FR" sz="2000" dirty="0" smtClean="0"/>
-              <a:t>personnages </a:t>
-            </a:r>
-            <a:r>
-              <a:rPr lang="fr-FR" sz="2000" dirty="0" smtClean="0"/>
-              <a:t>dans l’arbre généalogique</a:t>
+              <a:t>Présentation des personnages dans l’arbre généalogique</a:t>
             </a:r>
           </a:p>
           <a:p>
@@ -3599,11 +3597,7 @@
             </a:pPr>
             <a:r>
               <a:rPr lang="fr-FR" sz="2000" dirty="0" smtClean="0"/>
-              <a:t>Choix des outils et </a:t>
-            </a:r>
-            <a:r>
-              <a:rPr lang="fr-FR" sz="2000" dirty="0" smtClean="0"/>
-              <a:t>technologies de développement</a:t>
+              <a:t>Choix des outils et technologies de développement</a:t>
             </a:r>
             <a:endParaRPr lang="fr-FR" sz="2000" dirty="0" smtClean="0"/>
           </a:p>
@@ -3614,8 +3608,13 @@
             </a:pPr>
             <a:r>
               <a:rPr lang="fr-FR" sz="2000" dirty="0" smtClean="0"/>
-              <a:t>Présentation des tables dans la base de données</a:t>
-            </a:r>
+              <a:t>Présentation des tables dans la base de </a:t>
+            </a:r>
+            <a:r>
+              <a:rPr lang="fr-FR" sz="2000" dirty="0" smtClean="0"/>
+              <a:t>données</a:t>
+            </a:r>
+            <a:endParaRPr lang="fr-FR" sz="2000" dirty="0" smtClean="0"/>
           </a:p>
           <a:p>
             <a:pPr lvl="1"/>
@@ -3643,6 +3642,13 @@
   <p:clrMapOvr>
     <a:masterClrMapping/>
   </p:clrMapOvr>
+  <p:timing>
+    <p:tnLst>
+      <p:par>
+        <p:cTn id="1" dur="indefinite" restart="never" nodeType="tmRoot"/>
+      </p:par>
+    </p:tnLst>
+  </p:timing>
 </p:sld>
 </file>
 
@@ -3671,8 +3677,8 @@
         </p:nvSpPr>
         <p:spPr>
           <a:xfrm>
-            <a:off x="509451" y="326571"/>
-            <a:ext cx="2629566" cy="523220"/>
+            <a:off x="4060598" y="726204"/>
+            <a:ext cx="2749407" cy="523220"/>
           </a:xfrm>
           <a:prstGeom prst="rect">
             <a:avLst/>
@@ -3696,6 +3702,8 @@
                     <a:lumMod val="75000"/>
                   </a:schemeClr>
                 </a:solidFill>
+                <a:latin typeface="Times New Roman" panose="02020603050405020304" pitchFamily="18" charset="0"/>
+                <a:cs typeface="Times New Roman" panose="02020603050405020304" pitchFamily="18" charset="0"/>
               </a:rPr>
               <a:t>Introduction :</a:t>
             </a:r>
@@ -3705,6 +3713,120 @@
                   <a:lumMod val="75000"/>
                 </a:schemeClr>
               </a:solidFill>
+              <a:latin typeface="Times New Roman" panose="02020603050405020304" pitchFamily="18" charset="0"/>
+              <a:cs typeface="Times New Roman" panose="02020603050405020304" pitchFamily="18" charset="0"/>
+            </a:endParaRPr>
+          </a:p>
+        </p:txBody>
+      </p:sp>
+      <p:sp>
+        <p:nvSpPr>
+          <p:cNvPr id="3" name="ZoneTexte 2"/>
+          <p:cNvSpPr txBox="1"/>
+          <p:nvPr/>
+        </p:nvSpPr>
+        <p:spPr>
+          <a:xfrm>
+            <a:off x="613954" y="1432304"/>
+            <a:ext cx="9642694" cy="1477328"/>
+          </a:xfrm>
+          <a:prstGeom prst="rect">
+            <a:avLst/>
+          </a:prstGeom>
+          <a:noFill/>
+        </p:spPr>
+        <p:txBody>
+          <a:bodyPr wrap="square" rtlCol="0">
+            <a:spAutoFit/>
+          </a:bodyPr>
+          <a:lstStyle/>
+          <a:p>
+            <a:r>
+              <a:rPr lang="fr-FR" dirty="0" smtClean="0">
+                <a:latin typeface="Times New Roman" panose="02020603050405020304" pitchFamily="18" charset="0"/>
+                <a:cs typeface="Times New Roman" panose="02020603050405020304" pitchFamily="18" charset="0"/>
+              </a:rPr>
+              <a:t>        Ce </a:t>
+            </a:r>
+            <a:r>
+              <a:rPr lang="fr-FR" dirty="0">
+                <a:latin typeface="Times New Roman" panose="02020603050405020304" pitchFamily="18" charset="0"/>
+                <a:cs typeface="Times New Roman" panose="02020603050405020304" pitchFamily="18" charset="0"/>
+              </a:rPr>
+              <a:t>projet présente la conception et la réalisation d'un arbre généalogique interactif</a:t>
+            </a:r>
+            <a:r>
+              <a:rPr lang="fr-FR" dirty="0" smtClean="0">
+                <a:latin typeface="Times New Roman" panose="02020603050405020304" pitchFamily="18" charset="0"/>
+                <a:cs typeface="Times New Roman" panose="02020603050405020304" pitchFamily="18" charset="0"/>
+              </a:rPr>
+              <a:t>,</a:t>
+            </a:r>
+          </a:p>
+          <a:p>
+            <a:r>
+              <a:rPr lang="fr-FR" dirty="0" smtClean="0">
+                <a:latin typeface="Times New Roman" panose="02020603050405020304" pitchFamily="18" charset="0"/>
+                <a:cs typeface="Times New Roman" panose="02020603050405020304" pitchFamily="18" charset="0"/>
+              </a:rPr>
+              <a:t>développé </a:t>
+            </a:r>
+            <a:r>
+              <a:rPr lang="fr-FR" dirty="0">
+                <a:latin typeface="Times New Roman" panose="02020603050405020304" pitchFamily="18" charset="0"/>
+                <a:cs typeface="Times New Roman" panose="02020603050405020304" pitchFamily="18" charset="0"/>
+              </a:rPr>
+              <a:t>à l'aide du langage de programmation Python et de la bibliothèque graphique Tkinter</a:t>
+            </a:r>
+            <a:r>
+              <a:rPr lang="fr-FR" dirty="0" smtClean="0">
+                <a:latin typeface="Times New Roman" panose="02020603050405020304" pitchFamily="18" charset="0"/>
+                <a:cs typeface="Times New Roman" panose="02020603050405020304" pitchFamily="18" charset="0"/>
+              </a:rPr>
+              <a:t>.</a:t>
+            </a:r>
+          </a:p>
+          <a:p>
+            <a:r>
+              <a:rPr lang="fr-FR" dirty="0" smtClean="0">
+                <a:latin typeface="Times New Roman" panose="02020603050405020304" pitchFamily="18" charset="0"/>
+                <a:cs typeface="Times New Roman" panose="02020603050405020304" pitchFamily="18" charset="0"/>
+              </a:rPr>
+              <a:t>        L'objectif </a:t>
+            </a:r>
+            <a:r>
+              <a:rPr lang="fr-FR" dirty="0">
+                <a:latin typeface="Times New Roman" panose="02020603050405020304" pitchFamily="18" charset="0"/>
+                <a:cs typeface="Times New Roman" panose="02020603050405020304" pitchFamily="18" charset="0"/>
+              </a:rPr>
+              <a:t>principal est de fournir une plateforme visuelle et intuitive pour explorer les relations familiales à travers les générations. En offrant une représentation claire des liens de parenté</a:t>
+            </a:r>
+            <a:r>
+              <a:rPr lang="fr-FR" dirty="0" smtClean="0">
+                <a:latin typeface="Times New Roman" panose="02020603050405020304" pitchFamily="18" charset="0"/>
+                <a:cs typeface="Times New Roman" panose="02020603050405020304" pitchFamily="18" charset="0"/>
+              </a:rPr>
+              <a:t>,</a:t>
+            </a:r>
+          </a:p>
+          <a:p>
+            <a:r>
+              <a:rPr lang="fr-FR" dirty="0" smtClean="0">
+                <a:latin typeface="Times New Roman" panose="02020603050405020304" pitchFamily="18" charset="0"/>
+                <a:cs typeface="Times New Roman" panose="02020603050405020304" pitchFamily="18" charset="0"/>
+              </a:rPr>
+              <a:t> </a:t>
+            </a:r>
+            <a:r>
+              <a:rPr lang="fr-FR" dirty="0">
+                <a:latin typeface="Times New Roman" panose="02020603050405020304" pitchFamily="18" charset="0"/>
+                <a:cs typeface="Times New Roman" panose="02020603050405020304" pitchFamily="18" charset="0"/>
+              </a:rPr>
+              <a:t>cette application permet une navigation aisée et une compréhension approfondie de l'histoire familiale</a:t>
+            </a:r>
+            <a:endParaRPr lang="en-US" dirty="0">
+              <a:latin typeface="Times New Roman" panose="02020603050405020304" pitchFamily="18" charset="0"/>
+              <a:cs typeface="Times New Roman" panose="02020603050405020304" pitchFamily="18" charset="0"/>
             </a:endParaRPr>
           </a:p>
         </p:txBody>
@@ -3719,6 +3841,13 @@
   <p:clrMapOvr>
     <a:masterClrMapping/>
   </p:clrMapOvr>
+  <p:timing>
+    <p:tnLst>
+      <p:par>
+        <p:cTn id="1" dur="indefinite" restart="never" nodeType="tmRoot"/>
+      </p:par>
+    </p:tnLst>
+  </p:timing>
 </p:sld>
 </file>
 
@@ -3739,6 +3868,632 @@
           <a:chExt cx="0" cy="0"/>
         </a:xfrm>
       </p:grpSpPr>
+      <p:sp>
+        <p:nvSpPr>
+          <p:cNvPr id="2" name="ZoneTexte 1"/>
+          <p:cNvSpPr txBox="1"/>
+          <p:nvPr/>
+        </p:nvSpPr>
+        <p:spPr>
+          <a:xfrm>
+            <a:off x="653143" y="548641"/>
+            <a:ext cx="6910866" cy="461665"/>
+          </a:xfrm>
+          <a:prstGeom prst="rect">
+            <a:avLst/>
+          </a:prstGeom>
+          <a:noFill/>
+        </p:spPr>
+        <p:txBody>
+          <a:bodyPr wrap="none" rtlCol="0">
+            <a:spAutoFit/>
+          </a:bodyPr>
+          <a:lstStyle/>
+          <a:p>
+            <a:pPr marL="514350" lvl="1" indent="-514350">
+              <a:buFont typeface="+mj-lt"/>
+              <a:buAutoNum type="romanUcPeriod" startAt="2"/>
+            </a:pPr>
+            <a:r>
+              <a:rPr lang="fr-FR" sz="2400" b="1" u="sng" dirty="0" smtClean="0">
+                <a:solidFill>
+                  <a:schemeClr val="accent6">
+                    <a:lumMod val="75000"/>
+                  </a:schemeClr>
+                </a:solidFill>
+                <a:latin typeface="Times New Roman" panose="02020603050405020304" pitchFamily="18" charset="0"/>
+                <a:cs typeface="Times New Roman" panose="02020603050405020304" pitchFamily="18" charset="0"/>
+              </a:rPr>
+              <a:t>Présentation et informations </a:t>
+            </a:r>
+            <a:r>
+              <a:rPr lang="fr-FR" sz="2400" b="1" u="sng" dirty="0">
+                <a:solidFill>
+                  <a:schemeClr val="accent6">
+                    <a:lumMod val="75000"/>
+                  </a:schemeClr>
+                </a:solidFill>
+                <a:latin typeface="Times New Roman" panose="02020603050405020304" pitchFamily="18" charset="0"/>
+                <a:cs typeface="Times New Roman" panose="02020603050405020304" pitchFamily="18" charset="0"/>
+              </a:rPr>
+              <a:t>des personnages </a:t>
+            </a:r>
+            <a:r>
+              <a:rPr lang="en-US" sz="2400" b="1" u="sng" dirty="0" smtClean="0">
+                <a:solidFill>
+                  <a:schemeClr val="accent6">
+                    <a:lumMod val="75000"/>
+                  </a:schemeClr>
+                </a:solidFill>
+                <a:latin typeface="Times New Roman" panose="02020603050405020304" pitchFamily="18" charset="0"/>
+                <a:cs typeface="Times New Roman" panose="02020603050405020304" pitchFamily="18" charset="0"/>
+              </a:rPr>
+              <a:t> :</a:t>
+            </a:r>
+            <a:endParaRPr lang="fr-FR" sz="2400" b="1" u="sng" dirty="0">
+              <a:solidFill>
+                <a:schemeClr val="accent6">
+                  <a:lumMod val="75000"/>
+                </a:schemeClr>
+              </a:solidFill>
+              <a:latin typeface="Times New Roman" panose="02020603050405020304" pitchFamily="18" charset="0"/>
+              <a:cs typeface="Times New Roman" panose="02020603050405020304" pitchFamily="18" charset="0"/>
+            </a:endParaRPr>
+          </a:p>
+        </p:txBody>
+      </p:sp>
+      <p:sp>
+        <p:nvSpPr>
+          <p:cNvPr id="5" name="Rectangle 2"/>
+          <p:cNvSpPr>
+            <a:spLocks noChangeArrowheads="1"/>
+          </p:cNvSpPr>
+          <p:nvPr/>
+        </p:nvSpPr>
+        <p:spPr bwMode="auto">
+          <a:xfrm rot="10800000" flipV="1">
+            <a:off x="1275932" y="1179213"/>
+            <a:ext cx="10271632" cy="3693319"/>
+          </a:xfrm>
+          <a:prstGeom prst="rect">
+            <a:avLst/>
+          </a:prstGeom>
+          <a:noFill/>
+          <a:ln>
+            <a:noFill/>
+          </a:ln>
+          <a:effectLst/>
+          <a:extLst>
+            <a:ext uri="{909E8E84-426E-40DD-AFC4-6F175D3DCCD1}">
+              <a14:hiddenFill xmlns:a14="http://schemas.microsoft.com/office/drawing/2010/main">
+                <a:solidFill>
+                  <a:schemeClr val="accent1"/>
+                </a:solidFill>
+              </a14:hiddenFill>
+            </a:ext>
+            <a:ext uri="{91240B29-F687-4F45-9708-019B960494DF}">
+              <a14:hiddenLine xmlns:a14="http://schemas.microsoft.com/office/drawing/2010/main" w="9525">
+                <a:solidFill>
+                  <a:schemeClr val="tx1"/>
+                </a:solidFill>
+                <a:miter lim="800000"/>
+                <a:headEnd/>
+                <a:tailEnd/>
+              </a14:hiddenLine>
+            </a:ext>
+            <a:ext uri="{AF507438-7753-43E0-B8FC-AC1667EBCBE1}">
+              <a14:hiddenEffects xmlns:a14="http://schemas.microsoft.com/office/drawing/2010/main">
+                <a:effectLst>
+                  <a:outerShdw dist="35921" dir="2700000" algn="ctr" rotWithShape="0">
+                    <a:schemeClr val="bg2"/>
+                  </a:outerShdw>
+                </a:effectLst>
+              </a14:hiddenEffects>
+            </a:ext>
+          </a:extLst>
+        </p:spPr>
+        <p:txBody>
+          <a:bodyPr vert="horz" wrap="square" lIns="91440" tIns="45720" rIns="91440" bIns="45720" numCol="1" anchor="ctr" anchorCtr="0" compatLnSpc="1">
+            <a:prstTxWarp prst="textNoShape">
+              <a:avLst/>
+            </a:prstTxWarp>
+            <a:spAutoFit/>
+          </a:bodyPr>
+          <a:lstStyle/>
+          <a:p>
+            <a:pPr lvl="0" eaLnBrk="0" fontAlgn="base" hangingPunct="0">
+              <a:spcBef>
+                <a:spcPct val="0"/>
+              </a:spcBef>
+              <a:spcAft>
+                <a:spcPct val="0"/>
+              </a:spcAft>
+              <a:buFontTx/>
+              <a:buChar char="•"/>
+            </a:pPr>
+            <a:r>
+              <a:rPr kumimoji="0" lang="en-US" altLang="en-US" sz="1800" b="1" i="0" u="sng" strike="noStrike" cap="none" normalizeH="0" baseline="0" dirty="0" smtClean="0">
+                <a:ln>
+                  <a:noFill/>
+                </a:ln>
+                <a:solidFill>
+                  <a:schemeClr val="accent5">
+                    <a:lumMod val="75000"/>
+                  </a:schemeClr>
+                </a:solidFill>
+                <a:effectLst/>
+                <a:latin typeface="Arial" panose="020B0604020202020204" pitchFamily="34" charset="0"/>
+              </a:rPr>
+              <a:t>Grands-parents :</a:t>
+            </a:r>
+            <a:r>
+              <a:rPr kumimoji="0" lang="en-US" altLang="en-US" sz="1800" b="1" i="0" strike="noStrike" cap="none" normalizeH="0" baseline="0" dirty="0" smtClean="0">
+                <a:ln>
+                  <a:noFill/>
+                </a:ln>
+                <a:solidFill>
+                  <a:schemeClr val="accent5">
+                    <a:lumMod val="75000"/>
+                  </a:schemeClr>
+                </a:solidFill>
+                <a:effectLst/>
+                <a:latin typeface="Arial" panose="020B0604020202020204" pitchFamily="34" charset="0"/>
+              </a:rPr>
+              <a:t> </a:t>
+            </a:r>
+            <a:r>
+              <a:rPr lang="en-US" altLang="en-US" dirty="0" smtClean="0">
+                <a:latin typeface="Arial" panose="020B0604020202020204" pitchFamily="34" charset="0"/>
+              </a:rPr>
+              <a:t>représente comme la première génération (</a:t>
+            </a:r>
+            <a:r>
+              <a:rPr lang="en-US" altLang="en-US" dirty="0">
+                <a:latin typeface="Arial" panose="020B0604020202020204" pitchFamily="34" charset="0"/>
+              </a:rPr>
+              <a:t>le couple </a:t>
+            </a:r>
+            <a:r>
+              <a:rPr lang="en-US" altLang="en-US" dirty="0" smtClean="0">
+                <a:latin typeface="Arial" panose="020B0604020202020204" pitchFamily="34" charset="0"/>
+              </a:rPr>
+              <a:t>initial).</a:t>
+            </a:r>
+            <a:endParaRPr lang="en-US" altLang="en-US" u="sng" dirty="0" smtClean="0">
+              <a:latin typeface="Arial" panose="020B0604020202020204" pitchFamily="34" charset="0"/>
+            </a:endParaRPr>
+          </a:p>
+          <a:p>
+            <a:pPr marL="1200150" lvl="2" indent="-285750" eaLnBrk="0" fontAlgn="base" hangingPunct="0">
+              <a:lnSpc>
+                <a:spcPct val="150000"/>
+              </a:lnSpc>
+              <a:spcBef>
+                <a:spcPct val="0"/>
+              </a:spcBef>
+              <a:spcAft>
+                <a:spcPct val="0"/>
+              </a:spcAft>
+              <a:buFont typeface="Wingdings" panose="05000000000000000000" pitchFamily="2" charset="2"/>
+              <a:buChar char="§"/>
+            </a:pPr>
+            <a:r>
+              <a:rPr kumimoji="0" lang="en-US" altLang="en-US" b="0" i="0" u="none" strike="noStrike" cap="none" normalizeH="0" baseline="0" dirty="0" smtClean="0">
+                <a:ln>
+                  <a:noFill/>
+                </a:ln>
+                <a:solidFill>
+                  <a:schemeClr val="tx1"/>
+                </a:solidFill>
+                <a:effectLst/>
+                <a:latin typeface="Arial" panose="020B0604020202020204" pitchFamily="34" charset="0"/>
+              </a:rPr>
+              <a:t>Mariette</a:t>
+            </a:r>
+            <a:r>
+              <a:rPr kumimoji="0" lang="en-US" altLang="en-US" b="0" i="0" u="none" strike="noStrike" cap="none" normalizeH="0" dirty="0" smtClean="0">
+                <a:ln>
+                  <a:noFill/>
+                </a:ln>
+                <a:solidFill>
+                  <a:schemeClr val="tx1"/>
+                </a:solidFill>
+                <a:effectLst/>
+                <a:latin typeface="Arial" panose="020B0604020202020204" pitchFamily="34" charset="0"/>
+              </a:rPr>
+              <a:t> : Grand-mère</a:t>
+            </a:r>
+            <a:endParaRPr kumimoji="0" lang="en-US" altLang="en-US" b="0" i="0" u="none" strike="noStrike" cap="none" normalizeH="0" baseline="0" dirty="0" smtClean="0">
+              <a:ln>
+                <a:noFill/>
+              </a:ln>
+              <a:solidFill>
+                <a:schemeClr val="tx1"/>
+              </a:solidFill>
+              <a:effectLst/>
+              <a:latin typeface="Arial" panose="020B0604020202020204" pitchFamily="34" charset="0"/>
+            </a:endParaRPr>
+          </a:p>
+          <a:p>
+            <a:pPr marL="1200150" lvl="2" indent="-285750" eaLnBrk="0" fontAlgn="base" hangingPunct="0">
+              <a:spcBef>
+                <a:spcPct val="0"/>
+              </a:spcBef>
+              <a:spcAft>
+                <a:spcPct val="0"/>
+              </a:spcAft>
+              <a:buFont typeface="Wingdings" panose="05000000000000000000" pitchFamily="2" charset="2"/>
+              <a:buChar char="§"/>
+            </a:pPr>
+            <a:r>
+              <a:rPr lang="fr-FR" altLang="en-US" dirty="0" smtClean="0">
+                <a:latin typeface="Arial" panose="020B0604020202020204" pitchFamily="34" charset="0"/>
+              </a:rPr>
+              <a:t>Motherland : Grand-père</a:t>
+            </a:r>
+            <a:endParaRPr kumimoji="0" lang="en-US" altLang="en-US" b="0" i="0" u="none" strike="noStrike" cap="none" normalizeH="0" baseline="0" dirty="0" smtClean="0">
+              <a:ln>
+                <a:noFill/>
+              </a:ln>
+              <a:solidFill>
+                <a:schemeClr val="tx1"/>
+              </a:solidFill>
+              <a:effectLst/>
+              <a:latin typeface="Arial" panose="020B0604020202020204" pitchFamily="34" charset="0"/>
+            </a:endParaRPr>
+          </a:p>
+          <a:p>
+            <a:pPr marL="0" marR="0" lvl="0" indent="0" algn="l" defTabSz="914400" rtl="0" eaLnBrk="0" fontAlgn="base" latinLnBrk="0" hangingPunct="0">
+              <a:lnSpc>
+                <a:spcPct val="100000"/>
+              </a:lnSpc>
+              <a:spcBef>
+                <a:spcPct val="0"/>
+              </a:spcBef>
+              <a:spcAft>
+                <a:spcPct val="0"/>
+              </a:spcAft>
+              <a:buClrTx/>
+              <a:buSzTx/>
+              <a:tabLst/>
+            </a:pPr>
+            <a:endParaRPr kumimoji="0" lang="en-US" altLang="en-US" sz="1800" b="0" i="0" u="none" strike="noStrike" cap="none" normalizeH="0" baseline="0" dirty="0" smtClean="0">
+              <a:ln>
+                <a:noFill/>
+              </a:ln>
+              <a:solidFill>
+                <a:schemeClr val="tx1"/>
+              </a:solidFill>
+              <a:effectLst/>
+              <a:latin typeface="Arial" panose="020B0604020202020204" pitchFamily="34" charset="0"/>
+            </a:endParaRPr>
+          </a:p>
+          <a:p>
+            <a:pPr eaLnBrk="0" fontAlgn="base" hangingPunct="0">
+              <a:spcBef>
+                <a:spcPct val="0"/>
+              </a:spcBef>
+              <a:spcAft>
+                <a:spcPct val="0"/>
+              </a:spcAft>
+              <a:buFontTx/>
+              <a:buChar char="•"/>
+            </a:pPr>
+            <a:r>
+              <a:rPr kumimoji="0" lang="en-US" altLang="en-US" sz="1800" b="1" i="0" u="sng" strike="noStrike" cap="none" normalizeH="0" baseline="0" dirty="0" smtClean="0">
+                <a:ln>
+                  <a:noFill/>
+                </a:ln>
+                <a:solidFill>
+                  <a:schemeClr val="accent5">
+                    <a:lumMod val="75000"/>
+                  </a:schemeClr>
+                </a:solidFill>
+                <a:effectLst/>
+                <a:latin typeface="Arial" panose="020B0604020202020204" pitchFamily="34" charset="0"/>
+              </a:rPr>
+              <a:t>Parents (incluant les oncles/tantes) :</a:t>
+            </a:r>
+            <a:r>
+              <a:rPr lang="en-US" altLang="en-US" b="1" dirty="0">
+                <a:solidFill>
+                  <a:schemeClr val="accent5">
+                    <a:lumMod val="75000"/>
+                  </a:schemeClr>
+                </a:solidFill>
+                <a:latin typeface="Arial" panose="020B0604020202020204" pitchFamily="34" charset="0"/>
+              </a:rPr>
+              <a:t> </a:t>
+            </a:r>
+            <a:r>
+              <a:rPr lang="en-US" altLang="en-US" dirty="0">
+                <a:latin typeface="Arial" panose="020B0604020202020204" pitchFamily="34" charset="0"/>
+              </a:rPr>
+              <a:t>R</a:t>
+            </a:r>
+            <a:r>
+              <a:rPr lang="en-US" altLang="en-US" dirty="0" smtClean="0">
+                <a:latin typeface="Arial" panose="020B0604020202020204" pitchFamily="34" charset="0"/>
+              </a:rPr>
+              <a:t>eprésente </a:t>
+            </a:r>
+            <a:r>
+              <a:rPr lang="en-US" altLang="en-US" dirty="0">
+                <a:latin typeface="Arial" panose="020B0604020202020204" pitchFamily="34" charset="0"/>
+              </a:rPr>
+              <a:t>les enfants des grands-parents et leurs conjoints</a:t>
+            </a:r>
+            <a:r>
+              <a:rPr lang="en-US" altLang="en-US" dirty="0" smtClean="0">
+                <a:latin typeface="Arial" panose="020B0604020202020204" pitchFamily="34" charset="0"/>
+              </a:rPr>
+              <a:t>. ( deuxième génération ). </a:t>
+            </a:r>
+            <a:endParaRPr lang="en-US" altLang="en-US" u="sng" dirty="0">
+              <a:latin typeface="Arial" panose="020B0604020202020204" pitchFamily="34" charset="0"/>
+            </a:endParaRPr>
+          </a:p>
+          <a:p>
+            <a:pPr marL="1200150" lvl="2" indent="-285750" eaLnBrk="0" fontAlgn="base" hangingPunct="0">
+              <a:lnSpc>
+                <a:spcPct val="150000"/>
+              </a:lnSpc>
+              <a:spcBef>
+                <a:spcPct val="0"/>
+              </a:spcBef>
+              <a:spcAft>
+                <a:spcPct val="0"/>
+              </a:spcAft>
+              <a:buFont typeface="Wingdings" panose="05000000000000000000" pitchFamily="2" charset="2"/>
+              <a:buChar char="§"/>
+            </a:pPr>
+            <a:r>
+              <a:rPr kumimoji="0" lang="en-US" altLang="en-US" b="0" i="0" u="none" strike="noStrike" cap="none" normalizeH="0" baseline="0" dirty="0" smtClean="0">
+                <a:ln>
+                  <a:noFill/>
+                </a:ln>
+                <a:solidFill>
+                  <a:schemeClr val="tx1"/>
+                </a:solidFill>
+                <a:effectLst/>
+                <a:latin typeface="Arial" panose="020B0604020202020204" pitchFamily="34" charset="0"/>
+              </a:rPr>
+              <a:t>Mana Thomas : Père</a:t>
+            </a:r>
+          </a:p>
+          <a:p>
+            <a:pPr marL="1200150" lvl="2" indent="-285750" eaLnBrk="0" fontAlgn="base" hangingPunct="0">
+              <a:spcBef>
+                <a:spcPct val="0"/>
+              </a:spcBef>
+              <a:spcAft>
+                <a:spcPct val="0"/>
+              </a:spcAft>
+              <a:buFont typeface="Wingdings" panose="05000000000000000000" pitchFamily="2" charset="2"/>
+              <a:buChar char="§"/>
+            </a:pPr>
+            <a:r>
+              <a:rPr kumimoji="0" lang="en-US" altLang="en-US" b="0" i="0" u="none" strike="noStrike" cap="none" normalizeH="0" baseline="0" dirty="0" smtClean="0">
+                <a:ln>
+                  <a:noFill/>
+                </a:ln>
+                <a:solidFill>
+                  <a:schemeClr val="tx1"/>
+                </a:solidFill>
+                <a:effectLst/>
+                <a:latin typeface="Arial" panose="020B0604020202020204" pitchFamily="34" charset="0"/>
+              </a:rPr>
+              <a:t> Sidonie</a:t>
+            </a:r>
+            <a:r>
+              <a:rPr lang="en-US" altLang="en-US" dirty="0">
+                <a:latin typeface="Arial" panose="020B0604020202020204" pitchFamily="34" charset="0"/>
+              </a:rPr>
+              <a:t> </a:t>
+            </a:r>
+            <a:r>
+              <a:rPr lang="en-US" altLang="en-US" dirty="0" smtClean="0">
+                <a:latin typeface="Arial" panose="020B0604020202020204" pitchFamily="34" charset="0"/>
+              </a:rPr>
+              <a:t>: Mère</a:t>
+            </a:r>
+          </a:p>
+          <a:p>
+            <a:pPr marL="1200150" lvl="2" indent="-285750" eaLnBrk="0" fontAlgn="base" hangingPunct="0">
+              <a:spcBef>
+                <a:spcPct val="0"/>
+              </a:spcBef>
+              <a:spcAft>
+                <a:spcPct val="0"/>
+              </a:spcAft>
+              <a:buFont typeface="Wingdings" panose="05000000000000000000" pitchFamily="2" charset="2"/>
+              <a:buChar char="§"/>
+            </a:pPr>
+            <a:r>
+              <a:rPr kumimoji="0" lang="en-US" altLang="en-US" b="0" i="0" u="none" strike="noStrike" cap="none" normalizeH="0" baseline="0" dirty="0" smtClean="0">
+                <a:ln>
+                  <a:noFill/>
+                </a:ln>
+                <a:solidFill>
+                  <a:schemeClr val="tx1"/>
+                </a:solidFill>
+                <a:effectLst/>
+                <a:latin typeface="Arial" panose="020B0604020202020204" pitchFamily="34" charset="0"/>
+              </a:rPr>
+              <a:t> Tambou </a:t>
+            </a:r>
+            <a:r>
+              <a:rPr lang="en-US" altLang="en-US" dirty="0" smtClean="0">
+                <a:latin typeface="Arial" panose="020B0604020202020204" pitchFamily="34" charset="0"/>
+              </a:rPr>
+              <a:t>: Oncle</a:t>
+            </a:r>
+            <a:r>
+              <a:rPr lang="en-US" altLang="en-US" dirty="0">
+                <a:latin typeface="Arial" panose="020B0604020202020204" pitchFamily="34" charset="0"/>
+              </a:rPr>
+              <a:t> </a:t>
+            </a:r>
+            <a:r>
+              <a:rPr lang="en-US" altLang="en-US" dirty="0" smtClean="0">
+                <a:latin typeface="Arial" panose="020B0604020202020204" pitchFamily="34" charset="0"/>
+              </a:rPr>
+              <a:t>(</a:t>
+            </a:r>
+            <a:r>
+              <a:rPr lang="en-US" altLang="en-US" dirty="0">
+                <a:latin typeface="Arial" panose="020B0604020202020204" pitchFamily="34" charset="0"/>
+              </a:rPr>
+              <a:t>P</a:t>
+            </a:r>
+            <a:r>
+              <a:rPr lang="en-US" altLang="en-US" dirty="0" smtClean="0">
+                <a:latin typeface="Arial" panose="020B0604020202020204" pitchFamily="34" charset="0"/>
+              </a:rPr>
+              <a:t>ère de Echa et Iliman)</a:t>
+            </a:r>
+          </a:p>
+          <a:p>
+            <a:pPr marL="1200150" lvl="2" indent="-285750" eaLnBrk="0" fontAlgn="base" hangingPunct="0">
+              <a:spcBef>
+                <a:spcPct val="0"/>
+              </a:spcBef>
+              <a:spcAft>
+                <a:spcPct val="0"/>
+              </a:spcAft>
+              <a:buFont typeface="Wingdings" panose="05000000000000000000" pitchFamily="2" charset="2"/>
+              <a:buChar char="§"/>
+            </a:pPr>
+            <a:r>
+              <a:rPr kumimoji="0" lang="en-US" altLang="en-US" b="0" i="0" u="none" strike="noStrike" cap="none" normalizeH="0" baseline="0" dirty="0" smtClean="0">
+                <a:ln>
+                  <a:noFill/>
+                </a:ln>
+                <a:solidFill>
+                  <a:schemeClr val="tx1"/>
+                </a:solidFill>
+                <a:effectLst/>
+                <a:latin typeface="Arial" panose="020B0604020202020204" pitchFamily="34" charset="0"/>
+              </a:rPr>
+              <a:t> Felana</a:t>
+            </a:r>
+            <a:r>
+              <a:rPr lang="en-US" altLang="en-US" dirty="0">
+                <a:latin typeface="Arial" panose="020B0604020202020204" pitchFamily="34" charset="0"/>
+              </a:rPr>
+              <a:t> </a:t>
+            </a:r>
+            <a:r>
+              <a:rPr lang="en-US" altLang="en-US" dirty="0" smtClean="0">
+                <a:latin typeface="Arial" panose="020B0604020202020204" pitchFamily="34" charset="0"/>
+              </a:rPr>
+              <a:t>: Tante (</a:t>
+            </a:r>
+            <a:r>
+              <a:rPr lang="en-US" altLang="en-US" dirty="0">
+                <a:latin typeface="Arial" panose="020B0604020202020204" pitchFamily="34" charset="0"/>
+              </a:rPr>
+              <a:t>M</a:t>
+            </a:r>
+            <a:r>
+              <a:rPr lang="en-US" altLang="en-US" dirty="0" smtClean="0">
+                <a:latin typeface="Arial" panose="020B0604020202020204" pitchFamily="34" charset="0"/>
+              </a:rPr>
+              <a:t>ère de Echa et Iliman)</a:t>
+            </a:r>
+          </a:p>
+          <a:p>
+            <a:pPr marL="1200150" lvl="2" indent="-285750" eaLnBrk="0" fontAlgn="base" hangingPunct="0">
+              <a:spcBef>
+                <a:spcPct val="0"/>
+              </a:spcBef>
+              <a:spcAft>
+                <a:spcPct val="0"/>
+              </a:spcAft>
+              <a:buFont typeface="Wingdings" panose="05000000000000000000" pitchFamily="2" charset="2"/>
+              <a:buChar char="§"/>
+            </a:pPr>
+            <a:r>
+              <a:rPr kumimoji="0" lang="en-US" altLang="en-US" b="0" i="0" u="none" strike="noStrike" cap="none" normalizeH="0" baseline="0" dirty="0" smtClean="0">
+                <a:ln>
+                  <a:noFill/>
+                </a:ln>
+                <a:solidFill>
+                  <a:schemeClr val="tx1"/>
+                </a:solidFill>
+                <a:effectLst/>
+                <a:latin typeface="Arial" panose="020B0604020202020204" pitchFamily="34" charset="0"/>
+              </a:rPr>
+              <a:t> Parally</a:t>
+            </a:r>
+            <a:r>
+              <a:rPr lang="en-US" altLang="en-US" dirty="0" smtClean="0">
+                <a:latin typeface="Arial" panose="020B0604020202020204" pitchFamily="34" charset="0"/>
+              </a:rPr>
+              <a:t> : Oncle (Père de </a:t>
+            </a:r>
+            <a:r>
+              <a:rPr lang="en-US" altLang="en-US" dirty="0">
+                <a:latin typeface="Arial" panose="020B0604020202020204" pitchFamily="34" charset="0"/>
+              </a:rPr>
+              <a:t>C</a:t>
+            </a:r>
+            <a:r>
+              <a:rPr lang="en-US" altLang="en-US" dirty="0" smtClean="0">
+                <a:latin typeface="Arial" panose="020B0604020202020204" pitchFamily="34" charset="0"/>
+              </a:rPr>
+              <a:t>heria et Dinot)</a:t>
+            </a:r>
+          </a:p>
+          <a:p>
+            <a:pPr marL="1200150" lvl="2" indent="-285750" eaLnBrk="0" fontAlgn="base" hangingPunct="0">
+              <a:spcBef>
+                <a:spcPct val="0"/>
+              </a:spcBef>
+              <a:spcAft>
+                <a:spcPct val="0"/>
+              </a:spcAft>
+              <a:buFont typeface="Wingdings" panose="05000000000000000000" pitchFamily="2" charset="2"/>
+              <a:buChar char="§"/>
+            </a:pPr>
+            <a:r>
+              <a:rPr kumimoji="0" lang="en-US" altLang="en-US" b="0" i="0" u="none" strike="noStrike" cap="none" normalizeH="0" baseline="0" dirty="0" smtClean="0">
+                <a:ln>
+                  <a:noFill/>
+                </a:ln>
+                <a:solidFill>
+                  <a:schemeClr val="tx1"/>
+                </a:solidFill>
+                <a:effectLst/>
+                <a:latin typeface="Arial" panose="020B0604020202020204" pitchFamily="34" charset="0"/>
+              </a:rPr>
+              <a:t> Niry</a:t>
+            </a:r>
+            <a:r>
+              <a:rPr lang="en-US" altLang="en-US" dirty="0">
+                <a:latin typeface="Arial" panose="020B0604020202020204" pitchFamily="34" charset="0"/>
+              </a:rPr>
+              <a:t> </a:t>
+            </a:r>
+            <a:r>
+              <a:rPr lang="en-US" altLang="en-US" dirty="0" smtClean="0">
+                <a:latin typeface="Arial" panose="020B0604020202020204" pitchFamily="34" charset="0"/>
+              </a:rPr>
+              <a:t>: Tante (Mère de Cheria et Dinot)</a:t>
+            </a:r>
+            <a:endParaRPr kumimoji="0" lang="en-US" altLang="en-US" sz="1800" b="0" i="0" u="none" strike="noStrike" cap="none" normalizeH="0" baseline="0" dirty="0" smtClean="0">
+              <a:ln>
+                <a:noFill/>
+              </a:ln>
+              <a:solidFill>
+                <a:schemeClr val="tx1"/>
+              </a:solidFill>
+              <a:effectLst/>
+              <a:latin typeface="Arial" panose="020B0604020202020204" pitchFamily="34" charset="0"/>
+            </a:endParaRPr>
+          </a:p>
+        </p:txBody>
+      </p:sp>
     </p:spTree>
     <p:extLst>
       <p:ext uri="{BB962C8B-B14F-4D97-AF65-F5344CB8AC3E}">
@@ -3749,6 +4504,13 @@
   <p:clrMapOvr>
     <a:masterClrMapping/>
   </p:clrMapOvr>
+  <p:timing>
+    <p:tnLst>
+      <p:par>
+        <p:cTn id="1" dur="indefinite" restart="never" nodeType="tmRoot"/>
+      </p:par>
+    </p:tnLst>
+  </p:timing>
 </p:sld>
 </file>
 
@@ -3769,6 +4531,391 @@
           <a:chExt cx="0" cy="0"/>
         </a:xfrm>
       </p:grpSpPr>
+      <p:sp>
+        <p:nvSpPr>
+          <p:cNvPr id="2" name="Rectangle 1"/>
+          <p:cNvSpPr/>
+          <p:nvPr/>
+        </p:nvSpPr>
+        <p:spPr>
+          <a:xfrm>
+            <a:off x="1049381" y="733421"/>
+            <a:ext cx="10694127" cy="3416320"/>
+          </a:xfrm>
+          <a:prstGeom prst="rect">
+            <a:avLst/>
+          </a:prstGeom>
+        </p:spPr>
+        <p:txBody>
+          <a:bodyPr wrap="square">
+            <a:spAutoFit/>
+          </a:bodyPr>
+          <a:lstStyle/>
+          <a:p>
+            <a:pPr eaLnBrk="0" fontAlgn="base" hangingPunct="0">
+              <a:spcBef>
+                <a:spcPct val="0"/>
+              </a:spcBef>
+              <a:spcAft>
+                <a:spcPct val="0"/>
+              </a:spcAft>
+              <a:buFontTx/>
+              <a:buChar char="•"/>
+            </a:pPr>
+            <a:r>
+              <a:rPr lang="en-US" altLang="en-US" b="1" u="sng" dirty="0">
+                <a:solidFill>
+                  <a:schemeClr val="accent5">
+                    <a:lumMod val="75000"/>
+                  </a:schemeClr>
+                </a:solidFill>
+                <a:latin typeface="Arial" panose="020B0604020202020204" pitchFamily="34" charset="0"/>
+              </a:rPr>
+              <a:t>Enfants (cousins/cousines, </a:t>
+            </a:r>
+            <a:r>
+              <a:rPr lang="en-US" altLang="en-US" b="1" u="sng" dirty="0" smtClean="0">
+                <a:solidFill>
+                  <a:schemeClr val="accent5">
+                    <a:lumMod val="75000"/>
+                  </a:schemeClr>
+                </a:solidFill>
+                <a:latin typeface="Arial" panose="020B0604020202020204" pitchFamily="34" charset="0"/>
+              </a:rPr>
+              <a:t>moi </a:t>
+            </a:r>
+            <a:r>
+              <a:rPr lang="en-US" altLang="en-US" b="1" u="sng" dirty="0">
+                <a:solidFill>
+                  <a:schemeClr val="accent5">
+                    <a:lumMod val="75000"/>
+                  </a:schemeClr>
+                </a:solidFill>
+                <a:latin typeface="Arial" panose="020B0604020202020204" pitchFamily="34" charset="0"/>
+              </a:rPr>
+              <a:t>et </a:t>
+            </a:r>
+            <a:r>
+              <a:rPr lang="en-US" altLang="en-US" b="1" u="sng" dirty="0" smtClean="0">
+                <a:solidFill>
+                  <a:schemeClr val="accent5">
+                    <a:lumMod val="75000"/>
+                  </a:schemeClr>
+                </a:solidFill>
+                <a:latin typeface="Arial" panose="020B0604020202020204" pitchFamily="34" charset="0"/>
+              </a:rPr>
+              <a:t>ma </a:t>
+            </a:r>
+            <a:r>
+              <a:rPr lang="en-US" altLang="en-US" b="1" u="sng" dirty="0">
+                <a:solidFill>
+                  <a:schemeClr val="accent5">
+                    <a:lumMod val="75000"/>
+                  </a:schemeClr>
+                </a:solidFill>
+                <a:latin typeface="Arial" panose="020B0604020202020204" pitchFamily="34" charset="0"/>
+              </a:rPr>
+              <a:t>sœur) </a:t>
+            </a:r>
+            <a:r>
+              <a:rPr lang="en-US" altLang="en-US" b="1" u="sng" dirty="0" smtClean="0">
+                <a:solidFill>
+                  <a:schemeClr val="accent5">
+                    <a:lumMod val="75000"/>
+                  </a:schemeClr>
+                </a:solidFill>
+                <a:latin typeface="Arial" panose="020B0604020202020204" pitchFamily="34" charset="0"/>
+              </a:rPr>
+              <a:t>:</a:t>
+            </a:r>
+            <a:r>
+              <a:rPr lang="en-US" altLang="en-US" b="1" dirty="0" smtClean="0">
+                <a:solidFill>
+                  <a:schemeClr val="accent5">
+                    <a:lumMod val="75000"/>
+                  </a:schemeClr>
+                </a:solidFill>
+                <a:latin typeface="Arial" panose="020B0604020202020204" pitchFamily="34" charset="0"/>
+              </a:rPr>
+              <a:t> </a:t>
+            </a:r>
+            <a:r>
+              <a:rPr lang="en-US" altLang="en-US" dirty="0">
+                <a:latin typeface="Arial" panose="020B0604020202020204" pitchFamily="34" charset="0"/>
+              </a:rPr>
+              <a:t>Représente les enfants des </a:t>
+            </a:r>
+            <a:r>
+              <a:rPr lang="en-US" altLang="en-US" dirty="0" smtClean="0">
+                <a:latin typeface="Arial" panose="020B0604020202020204" pitchFamily="34" charset="0"/>
+              </a:rPr>
+              <a:t>parents (troisième </a:t>
+            </a:r>
+            <a:r>
+              <a:rPr lang="en-US" altLang="en-US" dirty="0">
+                <a:latin typeface="Arial" panose="020B0604020202020204" pitchFamily="34" charset="0"/>
+              </a:rPr>
+              <a:t>génération ). </a:t>
+            </a:r>
+            <a:endParaRPr lang="en-US" altLang="en-US" u="sng" dirty="0">
+              <a:latin typeface="Arial" panose="020B0604020202020204" pitchFamily="34" charset="0"/>
+            </a:endParaRPr>
+          </a:p>
+          <a:p>
+            <a:pPr lvl="0" eaLnBrk="0" fontAlgn="base" hangingPunct="0">
+              <a:spcBef>
+                <a:spcPct val="0"/>
+              </a:spcBef>
+              <a:spcAft>
+                <a:spcPct val="0"/>
+              </a:spcAft>
+              <a:buFontTx/>
+              <a:buChar char="•"/>
+            </a:pPr>
+            <a:endParaRPr lang="en-US" altLang="en-US" u="sng" dirty="0">
+              <a:solidFill>
+                <a:schemeClr val="accent5">
+                  <a:lumMod val="75000"/>
+                </a:schemeClr>
+              </a:solidFill>
+              <a:latin typeface="Arial" panose="020B0604020202020204" pitchFamily="34" charset="0"/>
+            </a:endParaRPr>
+          </a:p>
+          <a:p>
+            <a:pPr marL="1200150" lvl="2" indent="-285750" eaLnBrk="0" fontAlgn="base" hangingPunct="0">
+              <a:spcBef>
+                <a:spcPct val="0"/>
+              </a:spcBef>
+              <a:spcAft>
+                <a:spcPct val="0"/>
+              </a:spcAft>
+              <a:buFont typeface="Wingdings" panose="05000000000000000000" pitchFamily="2" charset="2"/>
+              <a:buChar char="§"/>
+            </a:pPr>
+            <a:r>
+              <a:rPr lang="en-US" altLang="en-US" dirty="0" smtClean="0">
+                <a:latin typeface="Arial" panose="020B0604020202020204" pitchFamily="34" charset="0"/>
+              </a:rPr>
+              <a:t>Zidane</a:t>
+            </a:r>
+            <a:r>
+              <a:rPr lang="en-US" altLang="en-US" dirty="0">
+                <a:latin typeface="Arial" panose="020B0604020202020204" pitchFamily="34" charset="0"/>
+              </a:rPr>
+              <a:t> </a:t>
+            </a:r>
+            <a:r>
+              <a:rPr lang="en-US" altLang="en-US" dirty="0" smtClean="0">
+                <a:latin typeface="Arial" panose="020B0604020202020204" pitchFamily="34" charset="0"/>
+              </a:rPr>
+              <a:t>: Moi</a:t>
+            </a:r>
+          </a:p>
+          <a:p>
+            <a:pPr marL="1200150" lvl="2" indent="-285750" eaLnBrk="0" fontAlgn="base" hangingPunct="0">
+              <a:spcBef>
+                <a:spcPct val="0"/>
+              </a:spcBef>
+              <a:spcAft>
+                <a:spcPct val="0"/>
+              </a:spcAft>
+              <a:buFont typeface="Wingdings" panose="05000000000000000000" pitchFamily="2" charset="2"/>
+              <a:buChar char="§"/>
+            </a:pPr>
+            <a:r>
+              <a:rPr lang="en-US" altLang="en-US" dirty="0" smtClean="0">
+                <a:latin typeface="Arial" panose="020B0604020202020204" pitchFamily="34" charset="0"/>
+              </a:rPr>
+              <a:t> Juana : Ma Soeur</a:t>
+            </a:r>
+          </a:p>
+          <a:p>
+            <a:pPr marL="1200150" lvl="2" indent="-285750" eaLnBrk="0" fontAlgn="base" hangingPunct="0">
+              <a:spcBef>
+                <a:spcPct val="0"/>
+              </a:spcBef>
+              <a:spcAft>
+                <a:spcPct val="0"/>
+              </a:spcAft>
+              <a:buFont typeface="Wingdings" panose="05000000000000000000" pitchFamily="2" charset="2"/>
+              <a:buChar char="§"/>
+            </a:pPr>
+            <a:r>
+              <a:rPr lang="en-US" altLang="en-US" dirty="0" smtClean="0">
+                <a:latin typeface="Arial" panose="020B0604020202020204" pitchFamily="34" charset="0"/>
+              </a:rPr>
+              <a:t> Echa : Cousine (Fille de Tabou et Felana)</a:t>
+            </a:r>
+          </a:p>
+          <a:p>
+            <a:pPr marL="1200150" lvl="2" indent="-285750" eaLnBrk="0" fontAlgn="base" hangingPunct="0">
+              <a:spcBef>
+                <a:spcPct val="0"/>
+              </a:spcBef>
+              <a:spcAft>
+                <a:spcPct val="0"/>
+              </a:spcAft>
+              <a:buFont typeface="Wingdings" panose="05000000000000000000" pitchFamily="2" charset="2"/>
+              <a:buChar char="§"/>
+            </a:pPr>
+            <a:r>
+              <a:rPr lang="en-US" altLang="en-US" dirty="0" smtClean="0">
+                <a:latin typeface="Arial" panose="020B0604020202020204" pitchFamily="34" charset="0"/>
+              </a:rPr>
+              <a:t> Iliman : Cousine </a:t>
+            </a:r>
+            <a:r>
+              <a:rPr lang="en-US" altLang="en-US" dirty="0">
+                <a:latin typeface="Arial" panose="020B0604020202020204" pitchFamily="34" charset="0"/>
+              </a:rPr>
+              <a:t>(Fille de Tabou et Felana)</a:t>
+            </a:r>
+            <a:endParaRPr lang="en-US" altLang="en-US" dirty="0" smtClean="0">
+              <a:latin typeface="Arial" panose="020B0604020202020204" pitchFamily="34" charset="0"/>
+            </a:endParaRPr>
+          </a:p>
+          <a:p>
+            <a:pPr marL="1200150" lvl="2" indent="-285750" eaLnBrk="0" fontAlgn="base" hangingPunct="0">
+              <a:spcBef>
+                <a:spcPct val="0"/>
+              </a:spcBef>
+              <a:spcAft>
+                <a:spcPct val="0"/>
+              </a:spcAft>
+              <a:buFont typeface="Wingdings" panose="05000000000000000000" pitchFamily="2" charset="2"/>
+              <a:buChar char="§"/>
+            </a:pPr>
+            <a:r>
+              <a:rPr lang="en-US" altLang="en-US" dirty="0" smtClean="0">
+                <a:latin typeface="Arial" panose="020B0604020202020204" pitchFamily="34" charset="0"/>
+              </a:rPr>
+              <a:t> Dinot</a:t>
+            </a:r>
+            <a:r>
+              <a:rPr lang="en-US" altLang="en-US" dirty="0">
+                <a:latin typeface="Arial" panose="020B0604020202020204" pitchFamily="34" charset="0"/>
+              </a:rPr>
+              <a:t> </a:t>
+            </a:r>
+            <a:r>
+              <a:rPr lang="en-US" altLang="en-US" dirty="0" smtClean="0">
+                <a:latin typeface="Arial" panose="020B0604020202020204" pitchFamily="34" charset="0"/>
+              </a:rPr>
+              <a:t>: Cousin (Fils de Parally et Niry</a:t>
+            </a:r>
+            <a:r>
+              <a:rPr lang="en-US" altLang="en-US" dirty="0">
+                <a:latin typeface="Arial" panose="020B0604020202020204" pitchFamily="34" charset="0"/>
+              </a:rPr>
+              <a:t>)</a:t>
+            </a:r>
+            <a:endParaRPr lang="en-US" altLang="en-US" dirty="0" smtClean="0">
+              <a:latin typeface="Arial" panose="020B0604020202020204" pitchFamily="34" charset="0"/>
+            </a:endParaRPr>
+          </a:p>
+          <a:p>
+            <a:pPr marL="1200150" lvl="2" indent="-285750" eaLnBrk="0" fontAlgn="base" hangingPunct="0">
+              <a:spcBef>
+                <a:spcPct val="0"/>
+              </a:spcBef>
+              <a:spcAft>
+                <a:spcPct val="0"/>
+              </a:spcAft>
+              <a:buFont typeface="Wingdings" panose="05000000000000000000" pitchFamily="2" charset="2"/>
+              <a:buChar char="§"/>
+            </a:pPr>
+            <a:r>
+              <a:rPr lang="en-US" altLang="en-US" dirty="0" smtClean="0">
+                <a:latin typeface="Arial" panose="020B0604020202020204" pitchFamily="34" charset="0"/>
+              </a:rPr>
+              <a:t> Cheria : Cousine </a:t>
+            </a:r>
+            <a:r>
+              <a:rPr lang="en-US" altLang="en-US" dirty="0">
+                <a:latin typeface="Arial" panose="020B0604020202020204" pitchFamily="34" charset="0"/>
+              </a:rPr>
+              <a:t>(</a:t>
+            </a:r>
+            <a:r>
+              <a:rPr lang="en-US" altLang="en-US" dirty="0" smtClean="0">
+                <a:latin typeface="Arial" panose="020B0604020202020204" pitchFamily="34" charset="0"/>
+              </a:rPr>
+              <a:t>Fille </a:t>
+            </a:r>
+            <a:r>
+              <a:rPr lang="en-US" altLang="en-US" dirty="0">
+                <a:latin typeface="Arial" panose="020B0604020202020204" pitchFamily="34" charset="0"/>
+              </a:rPr>
+              <a:t>de Parally et Niry)</a:t>
+            </a:r>
+          </a:p>
+          <a:p>
+            <a:pPr lvl="0" eaLnBrk="0" fontAlgn="base" hangingPunct="0">
+              <a:spcBef>
+                <a:spcPct val="0"/>
+              </a:spcBef>
+              <a:spcAft>
+                <a:spcPct val="0"/>
+              </a:spcAft>
+            </a:pPr>
+            <a:endParaRPr lang="en-US" altLang="en-US" dirty="0">
+              <a:latin typeface="Arial" panose="020B0604020202020204" pitchFamily="34" charset="0"/>
+            </a:endParaRPr>
+          </a:p>
+          <a:p>
+            <a:pPr lvl="0" eaLnBrk="0" fontAlgn="base" hangingPunct="0">
+              <a:spcBef>
+                <a:spcPct val="0"/>
+              </a:spcBef>
+              <a:spcAft>
+                <a:spcPct val="0"/>
+              </a:spcAft>
+              <a:buFontTx/>
+              <a:buChar char="•"/>
+            </a:pPr>
+            <a:r>
+              <a:rPr lang="en-US" altLang="en-US" b="1" u="sng" dirty="0">
+                <a:solidFill>
+                  <a:schemeClr val="accent2">
+                    <a:lumMod val="75000"/>
+                  </a:schemeClr>
+                </a:solidFill>
+                <a:latin typeface="Arial" panose="020B0604020202020204" pitchFamily="34" charset="0"/>
+              </a:rPr>
+              <a:t>Type d'informations affichées par personnage :</a:t>
+            </a:r>
+            <a:r>
+              <a:rPr lang="en-US" altLang="en-US" u="sng" dirty="0">
+                <a:solidFill>
+                  <a:schemeClr val="accent2">
+                    <a:lumMod val="75000"/>
+                  </a:schemeClr>
+                </a:solidFill>
+                <a:latin typeface="Arial" panose="020B0604020202020204" pitchFamily="34" charset="0"/>
+              </a:rPr>
+              <a:t> </a:t>
+            </a:r>
+          </a:p>
+          <a:p>
+            <a:pPr marL="1200150" lvl="2" indent="-285750" eaLnBrk="0" fontAlgn="base" hangingPunct="0">
+              <a:spcBef>
+                <a:spcPct val="0"/>
+              </a:spcBef>
+              <a:spcAft>
+                <a:spcPct val="0"/>
+              </a:spcAft>
+              <a:buFont typeface="Wingdings" panose="05000000000000000000" pitchFamily="2" charset="2"/>
+              <a:buChar char="§"/>
+            </a:pPr>
+            <a:r>
+              <a:rPr lang="en-US" altLang="en-US" dirty="0">
+                <a:latin typeface="Arial" panose="020B0604020202020204" pitchFamily="34" charset="0"/>
+              </a:rPr>
+              <a:t>Nom, âge, avatar, informations supplémentaires (infos). </a:t>
+            </a:r>
+          </a:p>
+        </p:txBody>
+      </p:sp>
     </p:spTree>
     <p:extLst>
       <p:ext uri="{BB962C8B-B14F-4D97-AF65-F5344CB8AC3E}">
@@ -3779,6 +4926,4646 @@
   <p:clrMapOvr>
     <a:masterClrMapping/>
   </p:clrMapOvr>
+  <p:timing>
+    <p:tnLst>
+      <p:par>
+        <p:cTn id="1" dur="indefinite" restart="never" nodeType="tmRoot"/>
+      </p:par>
+    </p:tnLst>
+  </p:timing>
+</p:sld>
+</file>
+
+<file path=ppt/slides/slide6.xml><?xml version="1.0" encoding="utf-8"?>
+<p:sld xmlns:a="http://schemas.openxmlformats.org/drawingml/2006/main" xmlns:r="http://schemas.openxmlformats.org/officeDocument/2006/relationships" xmlns:p="http://schemas.openxmlformats.org/presentationml/2006/main">
+  <p:cSld>
+    <p:spTree>
+      <p:nvGrpSpPr>
+        <p:cNvPr id="1" name=""/>
+        <p:cNvGrpSpPr/>
+        <p:nvPr/>
+      </p:nvGrpSpPr>
+      <p:grpSpPr>
+        <a:xfrm>
+          <a:off x="0" y="0"/>
+          <a:ext cx="0" cy="0"/>
+          <a:chOff x="0" y="0"/>
+          <a:chExt cx="0" cy="0"/>
+        </a:xfrm>
+      </p:grpSpPr>
+      <p:sp>
+        <p:nvSpPr>
+          <p:cNvPr id="2" name="ZoneTexte 1"/>
+          <p:cNvSpPr txBox="1"/>
+          <p:nvPr/>
+        </p:nvSpPr>
+        <p:spPr>
+          <a:xfrm>
+            <a:off x="836023" y="535577"/>
+            <a:ext cx="7360989" cy="461665"/>
+          </a:xfrm>
+          <a:prstGeom prst="rect">
+            <a:avLst/>
+          </a:prstGeom>
+          <a:noFill/>
+        </p:spPr>
+        <p:txBody>
+          <a:bodyPr wrap="none" rtlCol="0">
+            <a:spAutoFit/>
+          </a:bodyPr>
+          <a:lstStyle/>
+          <a:p>
+            <a:pPr marL="514350" indent="-514350">
+              <a:buFont typeface="+mj-lt"/>
+              <a:buAutoNum type="romanUcPeriod" startAt="3"/>
+            </a:pPr>
+            <a:r>
+              <a:rPr lang="fr-FR" sz="2400" b="1" u="sng" dirty="0">
+                <a:solidFill>
+                  <a:schemeClr val="accent6">
+                    <a:lumMod val="75000"/>
+                  </a:schemeClr>
+                </a:solidFill>
+                <a:latin typeface="Times New Roman" panose="02020603050405020304" pitchFamily="18" charset="0"/>
+                <a:cs typeface="Times New Roman" panose="02020603050405020304" pitchFamily="18" charset="0"/>
+              </a:rPr>
+              <a:t>Choix des outils et technologies de </a:t>
+            </a:r>
+            <a:r>
+              <a:rPr lang="fr-FR" sz="2400" b="1" u="sng" dirty="0" smtClean="0">
+                <a:solidFill>
+                  <a:schemeClr val="accent6">
+                    <a:lumMod val="75000"/>
+                  </a:schemeClr>
+                </a:solidFill>
+                <a:latin typeface="Times New Roman" panose="02020603050405020304" pitchFamily="18" charset="0"/>
+                <a:cs typeface="Times New Roman" panose="02020603050405020304" pitchFamily="18" charset="0"/>
+              </a:rPr>
+              <a:t>développement :</a:t>
+            </a:r>
+            <a:endParaRPr lang="en-US" sz="2400" b="1" u="sng" dirty="0">
+              <a:solidFill>
+                <a:schemeClr val="accent6">
+                  <a:lumMod val="75000"/>
+                </a:schemeClr>
+              </a:solidFill>
+              <a:latin typeface="Times New Roman" panose="02020603050405020304" pitchFamily="18" charset="0"/>
+              <a:cs typeface="Times New Roman" panose="02020603050405020304" pitchFamily="18" charset="0"/>
+            </a:endParaRPr>
+          </a:p>
+        </p:txBody>
+      </p:sp>
+      <p:sp>
+        <p:nvSpPr>
+          <p:cNvPr id="3" name="Rectangle 1"/>
+          <p:cNvSpPr>
+            <a:spLocks noChangeArrowheads="1"/>
+          </p:cNvSpPr>
+          <p:nvPr/>
+        </p:nvSpPr>
+        <p:spPr bwMode="auto">
+          <a:xfrm>
+            <a:off x="1211131" y="1233033"/>
+            <a:ext cx="10284183" cy="5216813"/>
+          </a:xfrm>
+          <a:prstGeom prst="rect">
+            <a:avLst/>
+          </a:prstGeom>
+          <a:noFill/>
+          <a:ln>
+            <a:noFill/>
+          </a:ln>
+          <a:effectLst/>
+          <a:extLst>
+            <a:ext uri="{909E8E84-426E-40DD-AFC4-6F175D3DCCD1}">
+              <a14:hiddenFill xmlns:a14="http://schemas.microsoft.com/office/drawing/2010/main">
+                <a:solidFill>
+                  <a:schemeClr val="accent1"/>
+                </a:solidFill>
+              </a14:hiddenFill>
+            </a:ext>
+            <a:ext uri="{91240B29-F687-4F45-9708-019B960494DF}">
+              <a14:hiddenLine xmlns:a14="http://schemas.microsoft.com/office/drawing/2010/main" w="9525">
+                <a:solidFill>
+                  <a:schemeClr val="tx1"/>
+                </a:solidFill>
+                <a:miter lim="800000"/>
+                <a:headEnd/>
+                <a:tailEnd/>
+              </a14:hiddenLine>
+            </a:ext>
+            <a:ext uri="{AF507438-7753-43E0-B8FC-AC1667EBCBE1}">
+              <a14:hiddenEffects xmlns:a14="http://schemas.microsoft.com/office/drawing/2010/main">
+                <a:effectLst>
+                  <a:outerShdw dist="35921" dir="2700000" algn="ctr" rotWithShape="0">
+                    <a:schemeClr val="bg2"/>
+                  </a:outerShdw>
+                </a:effectLst>
+              </a14:hiddenEffects>
+            </a:ext>
+          </a:extLst>
+        </p:spPr>
+        <p:txBody>
+          <a:bodyPr vert="horz" wrap="square" lIns="91440" tIns="45720" rIns="91440" bIns="45720" numCol="1" anchor="ctr" anchorCtr="0" compatLnSpc="1">
+            <a:prstTxWarp prst="textNoShape">
+              <a:avLst/>
+            </a:prstTxWarp>
+            <a:spAutoFit/>
+          </a:bodyPr>
+          <a:lstStyle/>
+          <a:p>
+            <a:pPr marL="0" marR="0" lvl="0" indent="0" algn="l" defTabSz="914400" rtl="0" eaLnBrk="0" fontAlgn="base" latinLnBrk="0" hangingPunct="0">
+              <a:lnSpc>
+                <a:spcPct val="150000"/>
+              </a:lnSpc>
+              <a:spcBef>
+                <a:spcPct val="0"/>
+              </a:spcBef>
+              <a:spcAft>
+                <a:spcPct val="0"/>
+              </a:spcAft>
+              <a:buClrTx/>
+              <a:buSzTx/>
+              <a:buFontTx/>
+              <a:buChar char="•"/>
+              <a:tabLst/>
+            </a:pPr>
+            <a:r>
+              <a:rPr kumimoji="0" lang="en-US" altLang="en-US" sz="1800" b="1" i="0" u="none" strike="noStrike" cap="none" normalizeH="0" baseline="0" dirty="0" err="1" smtClean="0">
+                <a:ln>
+                  <a:noFill/>
+                </a:ln>
+                <a:solidFill>
+                  <a:schemeClr val="tx1"/>
+                </a:solidFill>
+                <a:effectLst/>
+                <a:latin typeface="Arial" panose="020B0604020202020204" pitchFamily="34" charset="0"/>
+              </a:rPr>
+              <a:t>Langage</a:t>
+            </a:r>
+            <a:r>
+              <a:rPr kumimoji="0" lang="en-US" altLang="en-US" sz="1800" b="1" i="0" u="none" strike="noStrike" cap="none" normalizeH="0" baseline="0" dirty="0" smtClean="0">
+                <a:ln>
+                  <a:noFill/>
+                </a:ln>
+                <a:solidFill>
+                  <a:schemeClr val="tx1"/>
+                </a:solidFill>
+                <a:effectLst/>
+                <a:latin typeface="Arial" panose="020B0604020202020204" pitchFamily="34" charset="0"/>
+              </a:rPr>
+              <a:t> de </a:t>
+            </a:r>
+            <a:r>
+              <a:rPr kumimoji="0" lang="en-US" altLang="en-US" sz="1800" b="1" i="0" u="none" strike="noStrike" cap="none" normalizeH="0" baseline="0" dirty="0" err="1" smtClean="0">
+                <a:ln>
+                  <a:noFill/>
+                </a:ln>
+                <a:solidFill>
+                  <a:schemeClr val="tx1"/>
+                </a:solidFill>
+                <a:effectLst/>
+                <a:latin typeface="Arial" panose="020B0604020202020204" pitchFamily="34" charset="0"/>
+              </a:rPr>
+              <a:t>Programmation</a:t>
+            </a:r>
+            <a:r>
+              <a:rPr kumimoji="0" lang="en-US" altLang="en-US" sz="1800" b="1" i="0" u="none" strike="noStrike" cap="none" normalizeH="0" baseline="0" dirty="0" smtClean="0">
+                <a:ln>
+                  <a:noFill/>
+                </a:ln>
+                <a:solidFill>
+                  <a:schemeClr val="tx1"/>
+                </a:solidFill>
+                <a:effectLst/>
+                <a:latin typeface="Arial" panose="020B0604020202020204" pitchFamily="34" charset="0"/>
+              </a:rPr>
+              <a:t> : Python</a:t>
+            </a:r>
+            <a:r>
+              <a:rPr kumimoji="0" lang="en-US" altLang="en-US" sz="1800" b="0" i="0" u="none" strike="noStrike" cap="none" normalizeH="0" baseline="0" dirty="0" smtClean="0">
+                <a:ln>
+                  <a:noFill/>
+                </a:ln>
+                <a:solidFill>
+                  <a:schemeClr val="tx1"/>
+                </a:solidFill>
+                <a:effectLst/>
+                <a:latin typeface="Arial" panose="020B0604020202020204" pitchFamily="34" charset="0"/>
+              </a:rPr>
+              <a:t> </a:t>
+            </a:r>
+          </a:p>
+          <a:p>
+            <a:pPr marL="0" marR="0" lvl="0" indent="0" algn="l" defTabSz="914400" rtl="0" eaLnBrk="0" fontAlgn="base" latinLnBrk="0" hangingPunct="0">
+              <a:lnSpc>
+                <a:spcPct val="150000"/>
+              </a:lnSpc>
+              <a:spcBef>
+                <a:spcPct val="0"/>
+              </a:spcBef>
+              <a:spcAft>
+                <a:spcPct val="0"/>
+              </a:spcAft>
+              <a:buClrTx/>
+              <a:buSzTx/>
+              <a:buFontTx/>
+              <a:buChar char="•"/>
+              <a:tabLst/>
+            </a:pPr>
+            <a:r>
+              <a:rPr kumimoji="0" lang="en-US" altLang="en-US" sz="1800" b="1" i="0" u="none" strike="noStrike" cap="none" normalizeH="0" baseline="0" dirty="0" err="1" smtClean="0">
+                <a:ln>
+                  <a:noFill/>
+                </a:ln>
+                <a:solidFill>
+                  <a:schemeClr val="tx1"/>
+                </a:solidFill>
+                <a:effectLst/>
+                <a:latin typeface="Arial" panose="020B0604020202020204" pitchFamily="34" charset="0"/>
+              </a:rPr>
+              <a:t>Pourquoi</a:t>
+            </a:r>
+            <a:r>
+              <a:rPr kumimoji="0" lang="en-US" altLang="en-US" sz="1800" b="1" i="0" u="none" strike="noStrike" cap="none" normalizeH="0" baseline="0" dirty="0" smtClean="0">
+                <a:ln>
+                  <a:noFill/>
+                </a:ln>
+                <a:solidFill>
+                  <a:schemeClr val="tx1"/>
+                </a:solidFill>
+                <a:effectLst/>
+                <a:latin typeface="Arial" panose="020B0604020202020204" pitchFamily="34" charset="0"/>
+              </a:rPr>
+              <a:t> Python ?</a:t>
+            </a:r>
+            <a:r>
+              <a:rPr kumimoji="0" lang="en-US" altLang="en-US" sz="1800" b="0" i="0" u="none" strike="noStrike" cap="none" normalizeH="0" baseline="0" dirty="0" smtClean="0">
+                <a:ln>
+                  <a:noFill/>
+                </a:ln>
+                <a:solidFill>
+                  <a:schemeClr val="tx1"/>
+                </a:solidFill>
+                <a:effectLst/>
+                <a:latin typeface="Arial" panose="020B0604020202020204" pitchFamily="34" charset="0"/>
+              </a:rPr>
+              <a:t> </a:t>
+            </a:r>
+            <a:r>
+              <a:rPr kumimoji="0" lang="en-US" altLang="en-US" sz="1800" b="0" i="0" u="none" strike="noStrike" cap="none" normalizeH="0" baseline="0" dirty="0" err="1" smtClean="0">
+                <a:ln>
+                  <a:noFill/>
+                </a:ln>
+                <a:solidFill>
+                  <a:schemeClr val="tx1"/>
+                </a:solidFill>
+                <a:effectLst/>
+                <a:latin typeface="Arial" panose="020B0604020202020204" pitchFamily="34" charset="0"/>
+              </a:rPr>
+              <a:t>Facilité</a:t>
+            </a:r>
+            <a:r>
+              <a:rPr kumimoji="0" lang="en-US" altLang="en-US" sz="1800" b="0" i="0" u="none" strike="noStrike" cap="none" normalizeH="0" baseline="0" dirty="0" smtClean="0">
+                <a:ln>
+                  <a:noFill/>
+                </a:ln>
+                <a:solidFill>
+                  <a:schemeClr val="tx1"/>
+                </a:solidFill>
+                <a:effectLst/>
+                <a:latin typeface="Arial" panose="020B0604020202020204" pitchFamily="34" charset="0"/>
+              </a:rPr>
+              <a:t> </a:t>
+            </a:r>
+            <a:r>
+              <a:rPr kumimoji="0" lang="en-US" altLang="en-US" sz="1800" b="0" i="0" u="none" strike="noStrike" cap="none" normalizeH="0" baseline="0" dirty="0" err="1" smtClean="0">
+                <a:ln>
+                  <a:noFill/>
+                </a:ln>
+                <a:solidFill>
+                  <a:schemeClr val="tx1"/>
+                </a:solidFill>
+                <a:effectLst/>
+                <a:latin typeface="Arial" panose="020B0604020202020204" pitchFamily="34" charset="0"/>
+              </a:rPr>
+              <a:t>d'apprentissage</a:t>
+            </a:r>
+            <a:r>
+              <a:rPr kumimoji="0" lang="en-US" altLang="en-US" sz="1800" b="0" i="0" u="none" strike="noStrike" cap="none" normalizeH="0" baseline="0" dirty="0" smtClean="0">
+                <a:ln>
+                  <a:noFill/>
+                </a:ln>
+                <a:solidFill>
+                  <a:schemeClr val="tx1"/>
+                </a:solidFill>
+                <a:effectLst/>
+                <a:latin typeface="Arial" panose="020B0604020202020204" pitchFamily="34" charset="0"/>
+              </a:rPr>
+              <a:t>, polyvalence, </a:t>
+            </a:r>
+            <a:r>
+              <a:rPr kumimoji="0" lang="en-US" altLang="en-US" sz="1800" b="0" i="0" u="none" strike="noStrike" cap="none" normalizeH="0" baseline="0" dirty="0" err="1" smtClean="0">
+                <a:ln>
+                  <a:noFill/>
+                </a:ln>
+                <a:solidFill>
+                  <a:schemeClr val="tx1"/>
+                </a:solidFill>
+                <a:effectLst/>
+                <a:latin typeface="Arial" panose="020B0604020202020204" pitchFamily="34" charset="0"/>
+              </a:rPr>
+              <a:t>vaste</a:t>
+            </a:r>
+            <a:r>
+              <a:rPr kumimoji="0" lang="en-US" altLang="en-US" sz="1800" b="0" i="0" u="none" strike="noStrike" cap="none" normalizeH="0" baseline="0" dirty="0" smtClean="0">
+                <a:ln>
+                  <a:noFill/>
+                </a:ln>
+                <a:solidFill>
+                  <a:schemeClr val="tx1"/>
+                </a:solidFill>
+                <a:effectLst/>
+                <a:latin typeface="Arial" panose="020B0604020202020204" pitchFamily="34" charset="0"/>
+              </a:rPr>
+              <a:t> </a:t>
+            </a:r>
+            <a:r>
+              <a:rPr kumimoji="0" lang="en-US" altLang="en-US" sz="1800" b="0" i="0" u="none" strike="noStrike" cap="none" normalizeH="0" baseline="0" dirty="0" err="1" smtClean="0">
+                <a:ln>
+                  <a:noFill/>
+                </a:ln>
+                <a:solidFill>
+                  <a:schemeClr val="tx1"/>
+                </a:solidFill>
+                <a:effectLst/>
+                <a:latin typeface="Arial" panose="020B0604020202020204" pitchFamily="34" charset="0"/>
+              </a:rPr>
+              <a:t>écosystème</a:t>
+            </a:r>
+            <a:r>
+              <a:rPr kumimoji="0" lang="en-US" altLang="en-US" sz="1800" b="0" i="0" u="none" strike="noStrike" cap="none" normalizeH="0" baseline="0" dirty="0" smtClean="0">
+                <a:ln>
+                  <a:noFill/>
+                </a:ln>
+                <a:solidFill>
+                  <a:schemeClr val="tx1"/>
+                </a:solidFill>
+                <a:effectLst/>
+                <a:latin typeface="Arial" panose="020B0604020202020204" pitchFamily="34" charset="0"/>
+              </a:rPr>
+              <a:t> de </a:t>
+            </a:r>
+            <a:r>
+              <a:rPr kumimoji="0" lang="en-US" altLang="en-US" sz="1800" b="0" i="0" u="none" strike="noStrike" cap="none" normalizeH="0" baseline="0" dirty="0" err="1" smtClean="0">
+                <a:ln>
+                  <a:noFill/>
+                </a:ln>
+                <a:solidFill>
+                  <a:schemeClr val="tx1"/>
+                </a:solidFill>
+                <a:effectLst/>
+                <a:latin typeface="Arial" panose="020B0604020202020204" pitchFamily="34" charset="0"/>
+              </a:rPr>
+              <a:t>bibliothèques</a:t>
+            </a:r>
+            <a:r>
+              <a:rPr kumimoji="0" lang="en-US" altLang="en-US" sz="1800" b="0" i="0" u="none" strike="noStrike" cap="none" normalizeH="0" baseline="0" dirty="0" smtClean="0">
+                <a:ln>
+                  <a:noFill/>
+                </a:ln>
+                <a:solidFill>
+                  <a:schemeClr val="tx1"/>
+                </a:solidFill>
+                <a:effectLst/>
+                <a:latin typeface="Arial" panose="020B0604020202020204" pitchFamily="34" charset="0"/>
+              </a:rPr>
+              <a:t>. </a:t>
+            </a:r>
+          </a:p>
+          <a:p>
+            <a:pPr marL="0" marR="0" lvl="0" indent="0" algn="l" defTabSz="914400" rtl="0" eaLnBrk="0" fontAlgn="base" latinLnBrk="0" hangingPunct="0">
+              <a:lnSpc>
+                <a:spcPct val="150000"/>
+              </a:lnSpc>
+              <a:spcBef>
+                <a:spcPct val="0"/>
+              </a:spcBef>
+              <a:spcAft>
+                <a:spcPct val="0"/>
+              </a:spcAft>
+              <a:buClrTx/>
+              <a:buSzTx/>
+              <a:buFontTx/>
+              <a:buChar char="•"/>
+              <a:tabLst/>
+            </a:pPr>
+            <a:r>
+              <a:rPr kumimoji="0" lang="en-US" altLang="en-US" sz="1800" b="1" i="0" u="none" strike="noStrike" cap="none" normalizeH="0" baseline="0" dirty="0" smtClean="0">
+                <a:ln>
+                  <a:noFill/>
+                </a:ln>
+                <a:solidFill>
+                  <a:schemeClr val="tx1"/>
+                </a:solidFill>
+                <a:effectLst/>
+                <a:latin typeface="Arial" panose="020B0604020202020204" pitchFamily="34" charset="0"/>
+              </a:rPr>
+              <a:t>Interface </a:t>
+            </a:r>
+            <a:r>
+              <a:rPr kumimoji="0" lang="en-US" altLang="en-US" sz="1800" b="1" i="0" u="none" strike="noStrike" cap="none" normalizeH="0" baseline="0" dirty="0" err="1" smtClean="0">
+                <a:ln>
+                  <a:noFill/>
+                </a:ln>
+                <a:solidFill>
+                  <a:schemeClr val="tx1"/>
+                </a:solidFill>
+                <a:effectLst/>
+                <a:latin typeface="Arial" panose="020B0604020202020204" pitchFamily="34" charset="0"/>
+              </a:rPr>
+              <a:t>Graphique</a:t>
+            </a:r>
+            <a:r>
+              <a:rPr kumimoji="0" lang="en-US" altLang="en-US" sz="1800" b="1" i="0" u="none" strike="noStrike" cap="none" normalizeH="0" baseline="0" dirty="0" smtClean="0">
+                <a:ln>
+                  <a:noFill/>
+                </a:ln>
+                <a:solidFill>
+                  <a:schemeClr val="tx1"/>
+                </a:solidFill>
+                <a:effectLst/>
+                <a:latin typeface="Arial" panose="020B0604020202020204" pitchFamily="34" charset="0"/>
+              </a:rPr>
+              <a:t> : </a:t>
+            </a:r>
+            <a:r>
+              <a:rPr kumimoji="0" lang="en-US" altLang="en-US" sz="1800" b="1" i="0" u="none" strike="noStrike" cap="none" normalizeH="0" baseline="0" dirty="0" err="1" smtClean="0">
+                <a:ln>
+                  <a:noFill/>
+                </a:ln>
+                <a:solidFill>
+                  <a:schemeClr val="tx1"/>
+                </a:solidFill>
+                <a:effectLst/>
+                <a:latin typeface="Arial" panose="020B0604020202020204" pitchFamily="34" charset="0"/>
+              </a:rPr>
+              <a:t>Tkinter</a:t>
+            </a:r>
+            <a:r>
+              <a:rPr kumimoji="0" lang="en-US" altLang="en-US" sz="1800" b="1" i="0" u="none" strike="noStrike" cap="none" normalizeH="0" baseline="0" dirty="0" smtClean="0">
+                <a:ln>
+                  <a:noFill/>
+                </a:ln>
+                <a:solidFill>
+                  <a:schemeClr val="tx1"/>
+                </a:solidFill>
+                <a:effectLst/>
+                <a:latin typeface="Arial" panose="020B0604020202020204" pitchFamily="34" charset="0"/>
+              </a:rPr>
+              <a:t> (via </a:t>
+            </a:r>
+            <a:r>
+              <a:rPr kumimoji="0" lang="en-US" altLang="en-US" sz="1800" b="1" i="0" u="none" strike="noStrike" cap="none" normalizeH="0" baseline="0" dirty="0" err="1" smtClean="0">
+                <a:ln>
+                  <a:noFill/>
+                </a:ln>
+                <a:solidFill>
+                  <a:schemeClr val="tx1"/>
+                </a:solidFill>
+                <a:effectLst/>
+                <a:latin typeface="Arial" panose="020B0604020202020204" pitchFamily="34" charset="0"/>
+              </a:rPr>
+              <a:t>CustomTkinter</a:t>
+            </a:r>
+            <a:r>
+              <a:rPr kumimoji="0" lang="en-US" altLang="en-US" sz="1800" b="1" i="0" u="none" strike="noStrike" cap="none" normalizeH="0" baseline="0" dirty="0" smtClean="0">
+                <a:ln>
+                  <a:noFill/>
+                </a:ln>
+                <a:solidFill>
+                  <a:schemeClr val="tx1"/>
+                </a:solidFill>
+                <a:effectLst/>
+                <a:latin typeface="Arial" panose="020B0604020202020204" pitchFamily="34" charset="0"/>
+              </a:rPr>
+              <a:t>)</a:t>
+            </a:r>
+            <a:r>
+              <a:rPr kumimoji="0" lang="en-US" altLang="en-US" sz="1800" b="0" i="0" u="none" strike="noStrike" cap="none" normalizeH="0" baseline="0" dirty="0" smtClean="0">
+                <a:ln>
+                  <a:noFill/>
+                </a:ln>
+                <a:solidFill>
+                  <a:schemeClr val="tx1"/>
+                </a:solidFill>
+                <a:effectLst/>
+                <a:latin typeface="Arial" panose="020B0604020202020204" pitchFamily="34" charset="0"/>
+              </a:rPr>
+              <a:t> </a:t>
+            </a:r>
+          </a:p>
+          <a:p>
+            <a:pPr marL="0" marR="0" lvl="0" indent="0" algn="l" defTabSz="914400" rtl="0" eaLnBrk="0" fontAlgn="base" latinLnBrk="0" hangingPunct="0">
+              <a:spcBef>
+                <a:spcPct val="0"/>
+              </a:spcBef>
+              <a:spcAft>
+                <a:spcPct val="0"/>
+              </a:spcAft>
+              <a:buClrTx/>
+              <a:buSzTx/>
+              <a:buFontTx/>
+              <a:buChar char="•"/>
+              <a:tabLst/>
+            </a:pPr>
+            <a:r>
+              <a:rPr kumimoji="0" lang="en-US" altLang="en-US" sz="1800" b="1" i="0" u="none" strike="noStrike" cap="none" normalizeH="0" baseline="0" dirty="0" err="1" smtClean="0">
+                <a:ln>
+                  <a:noFill/>
+                </a:ln>
+                <a:solidFill>
+                  <a:schemeClr val="tx1"/>
+                </a:solidFill>
+                <a:effectLst/>
+                <a:latin typeface="Arial" panose="020B0604020202020204" pitchFamily="34" charset="0"/>
+              </a:rPr>
+              <a:t>Pourquoi</a:t>
+            </a:r>
+            <a:r>
+              <a:rPr kumimoji="0" lang="en-US" altLang="en-US" sz="1800" b="1" i="0" u="none" strike="noStrike" cap="none" normalizeH="0" baseline="0" dirty="0" smtClean="0">
+                <a:ln>
+                  <a:noFill/>
+                </a:ln>
+                <a:solidFill>
+                  <a:schemeClr val="tx1"/>
+                </a:solidFill>
+                <a:effectLst/>
+                <a:latin typeface="Arial" panose="020B0604020202020204" pitchFamily="34" charset="0"/>
+              </a:rPr>
+              <a:t> </a:t>
+            </a:r>
+            <a:r>
+              <a:rPr kumimoji="0" lang="en-US" altLang="en-US" sz="1800" b="1" i="0" u="none" strike="noStrike" cap="none" normalizeH="0" baseline="0" dirty="0" err="1" smtClean="0">
+                <a:ln>
+                  <a:noFill/>
+                </a:ln>
+                <a:solidFill>
+                  <a:schemeClr val="tx1"/>
+                </a:solidFill>
+                <a:effectLst/>
+                <a:latin typeface="Arial" panose="020B0604020202020204" pitchFamily="34" charset="0"/>
+              </a:rPr>
+              <a:t>Tkinter</a:t>
+            </a:r>
+            <a:r>
+              <a:rPr kumimoji="0" lang="en-US" altLang="en-US" sz="1800" b="1" i="0" u="none" strike="noStrike" cap="none" normalizeH="0" baseline="0" dirty="0" smtClean="0">
+                <a:ln>
+                  <a:noFill/>
+                </a:ln>
+                <a:solidFill>
+                  <a:schemeClr val="tx1"/>
+                </a:solidFill>
+                <a:effectLst/>
+                <a:latin typeface="Arial" panose="020B0604020202020204" pitchFamily="34" charset="0"/>
+              </a:rPr>
+              <a:t>/</a:t>
+            </a:r>
+            <a:r>
+              <a:rPr kumimoji="0" lang="en-US" altLang="en-US" sz="1800" b="1" i="0" u="none" strike="noStrike" cap="none" normalizeH="0" baseline="0" dirty="0" err="1" smtClean="0">
+                <a:ln>
+                  <a:noFill/>
+                </a:ln>
+                <a:solidFill>
+                  <a:schemeClr val="tx1"/>
+                </a:solidFill>
+                <a:effectLst/>
+                <a:latin typeface="Arial" panose="020B0604020202020204" pitchFamily="34" charset="0"/>
+              </a:rPr>
+              <a:t>CustomTkinter</a:t>
+            </a:r>
+            <a:r>
+              <a:rPr kumimoji="0" lang="en-US" altLang="en-US" sz="1800" b="1" i="0" u="none" strike="noStrike" cap="none" normalizeH="0" baseline="0" dirty="0" smtClean="0">
+                <a:ln>
+                  <a:noFill/>
+                </a:ln>
+                <a:solidFill>
+                  <a:schemeClr val="tx1"/>
+                </a:solidFill>
+                <a:effectLst/>
+                <a:latin typeface="Arial" panose="020B0604020202020204" pitchFamily="34" charset="0"/>
+              </a:rPr>
+              <a:t> ?</a:t>
+            </a:r>
+            <a:r>
+              <a:rPr kumimoji="0" lang="en-US" altLang="en-US" sz="1800" b="0" i="0" u="none" strike="noStrike" cap="none" normalizeH="0" baseline="0" dirty="0" smtClean="0">
+                <a:ln>
+                  <a:noFill/>
+                </a:ln>
+                <a:solidFill>
+                  <a:schemeClr val="tx1"/>
+                </a:solidFill>
+                <a:effectLst/>
+                <a:latin typeface="Arial" panose="020B0604020202020204" pitchFamily="34" charset="0"/>
+              </a:rPr>
+              <a:t> </a:t>
+            </a:r>
+            <a:r>
+              <a:rPr kumimoji="0" lang="en-US" altLang="en-US" sz="1800" b="0" i="0" u="none" strike="noStrike" cap="none" normalizeH="0" baseline="0" dirty="0" err="1" smtClean="0">
+                <a:ln>
+                  <a:noFill/>
+                </a:ln>
+                <a:solidFill>
+                  <a:schemeClr val="tx1"/>
+                </a:solidFill>
+                <a:effectLst/>
+                <a:latin typeface="Arial" panose="020B0604020202020204" pitchFamily="34" charset="0"/>
+              </a:rPr>
+              <a:t>Bibliothèque</a:t>
+            </a:r>
+            <a:r>
+              <a:rPr kumimoji="0" lang="en-US" altLang="en-US" sz="1800" b="0" i="0" u="none" strike="noStrike" cap="none" normalizeH="0" baseline="0" dirty="0" smtClean="0">
+                <a:ln>
+                  <a:noFill/>
+                </a:ln>
+                <a:solidFill>
+                  <a:schemeClr val="tx1"/>
+                </a:solidFill>
+                <a:effectLst/>
+                <a:latin typeface="Arial" panose="020B0604020202020204" pitchFamily="34" charset="0"/>
+              </a:rPr>
+              <a:t> standard de Python, </a:t>
+            </a:r>
+            <a:r>
+              <a:rPr kumimoji="0" lang="en-US" altLang="en-US" sz="1800" b="0" i="0" u="none" strike="noStrike" cap="none" normalizeH="0" baseline="0" dirty="0" err="1" smtClean="0">
+                <a:ln>
+                  <a:noFill/>
+                </a:ln>
+                <a:solidFill>
+                  <a:schemeClr val="tx1"/>
+                </a:solidFill>
+                <a:effectLst/>
+                <a:latin typeface="Arial" panose="020B0604020202020204" pitchFamily="34" charset="0"/>
+              </a:rPr>
+              <a:t>légèreté</a:t>
+            </a:r>
+            <a:r>
+              <a:rPr kumimoji="0" lang="en-US" altLang="en-US" sz="1800" b="0" i="0" u="none" strike="noStrike" cap="none" normalizeH="0" baseline="0" dirty="0" smtClean="0">
+                <a:ln>
+                  <a:noFill/>
+                </a:ln>
+                <a:solidFill>
+                  <a:schemeClr val="tx1"/>
+                </a:solidFill>
+                <a:effectLst/>
+                <a:latin typeface="Arial" panose="020B0604020202020204" pitchFamily="34" charset="0"/>
+              </a:rPr>
+              <a:t>, </a:t>
+            </a:r>
+            <a:r>
+              <a:rPr kumimoji="0" lang="en-US" altLang="en-US" sz="1800" b="0" i="0" u="none" strike="noStrike" cap="none" normalizeH="0" baseline="0" dirty="0" err="1" smtClean="0">
+                <a:ln>
+                  <a:noFill/>
+                </a:ln>
+                <a:solidFill>
+                  <a:schemeClr val="tx1"/>
+                </a:solidFill>
+                <a:effectLst/>
+                <a:latin typeface="Arial" panose="020B0604020202020204" pitchFamily="34" charset="0"/>
+              </a:rPr>
+              <a:t>facilité</a:t>
+            </a:r>
+            <a:r>
+              <a:rPr kumimoji="0" lang="en-US" altLang="en-US" sz="1800" b="0" i="0" u="none" strike="noStrike" cap="none" normalizeH="0" baseline="0" dirty="0" smtClean="0">
+                <a:ln>
+                  <a:noFill/>
+                </a:ln>
+                <a:solidFill>
+                  <a:schemeClr val="tx1"/>
+                </a:solidFill>
+                <a:effectLst/>
+                <a:latin typeface="Arial" panose="020B0604020202020204" pitchFamily="34" charset="0"/>
+              </a:rPr>
+              <a:t> </a:t>
+            </a:r>
+            <a:r>
+              <a:rPr kumimoji="0" lang="en-US" altLang="en-US" sz="1800" b="0" i="0" u="none" strike="noStrike" cap="none" normalizeH="0" baseline="0" dirty="0" err="1" smtClean="0">
+                <a:ln>
+                  <a:noFill/>
+                </a:ln>
+                <a:solidFill>
+                  <a:schemeClr val="tx1"/>
+                </a:solidFill>
+                <a:effectLst/>
+                <a:latin typeface="Arial" panose="020B0604020202020204" pitchFamily="34" charset="0"/>
+              </a:rPr>
+              <a:t>d'intégration</a:t>
+            </a:r>
+            <a:r>
+              <a:rPr kumimoji="0" lang="en-US" altLang="en-US" sz="1800" b="0" i="0" u="none" strike="noStrike" cap="none" normalizeH="0" baseline="0" dirty="0" smtClean="0">
+                <a:ln>
+                  <a:noFill/>
+                </a:ln>
+                <a:solidFill>
+                  <a:schemeClr val="tx1"/>
+                </a:solidFill>
+                <a:effectLst/>
+                <a:latin typeface="Arial" panose="020B0604020202020204" pitchFamily="34" charset="0"/>
+              </a:rPr>
+              <a:t>, </a:t>
+            </a:r>
+            <a:r>
+              <a:rPr kumimoji="0" lang="en-US" altLang="en-US" sz="1800" b="0" i="0" u="none" strike="noStrike" cap="none" normalizeH="0" baseline="0" dirty="0" err="1" smtClean="0">
+                <a:ln>
+                  <a:noFill/>
+                </a:ln>
+                <a:solidFill>
+                  <a:schemeClr val="tx1"/>
+                </a:solidFill>
+                <a:effectLst/>
+                <a:latin typeface="Arial" panose="020B0604020202020204" pitchFamily="34" charset="0"/>
+              </a:rPr>
+              <a:t>permet</a:t>
+            </a:r>
+            <a:r>
+              <a:rPr kumimoji="0" lang="en-US" altLang="en-US" sz="1800" b="0" i="0" u="none" strike="noStrike" cap="none" normalizeH="0" baseline="0" dirty="0" smtClean="0">
+                <a:ln>
+                  <a:noFill/>
+                </a:ln>
+                <a:solidFill>
+                  <a:schemeClr val="tx1"/>
+                </a:solidFill>
+                <a:effectLst/>
+                <a:latin typeface="Arial" panose="020B0604020202020204" pitchFamily="34" charset="0"/>
+              </a:rPr>
+              <a:t> </a:t>
+            </a:r>
+            <a:r>
+              <a:rPr kumimoji="0" lang="en-US" altLang="en-US" sz="1800" b="0" i="0" u="none" strike="noStrike" cap="none" normalizeH="0" baseline="0" dirty="0" err="1" smtClean="0">
+                <a:ln>
+                  <a:noFill/>
+                </a:ln>
+                <a:solidFill>
+                  <a:schemeClr val="tx1"/>
+                </a:solidFill>
+                <a:effectLst/>
+                <a:latin typeface="Arial" panose="020B0604020202020204" pitchFamily="34" charset="0"/>
+              </a:rPr>
+              <a:t>une</a:t>
+            </a:r>
+            <a:r>
+              <a:rPr kumimoji="0" lang="en-US" altLang="en-US" sz="1800" b="0" i="0" u="none" strike="noStrike" cap="none" normalizeH="0" baseline="0" dirty="0" smtClean="0">
+                <a:ln>
+                  <a:noFill/>
+                </a:ln>
+                <a:solidFill>
+                  <a:schemeClr val="tx1"/>
+                </a:solidFill>
+                <a:effectLst/>
+                <a:latin typeface="Arial" panose="020B0604020202020204" pitchFamily="34" charset="0"/>
+              </a:rPr>
+              <a:t> </a:t>
+            </a:r>
+            <a:r>
+              <a:rPr kumimoji="0" lang="en-US" altLang="en-US" sz="1800" b="0" i="0" u="none" strike="noStrike" cap="none" normalizeH="0" baseline="0" dirty="0" err="1" smtClean="0">
+                <a:ln>
+                  <a:noFill/>
+                </a:ln>
+                <a:solidFill>
+                  <a:schemeClr val="tx1"/>
+                </a:solidFill>
+                <a:effectLst/>
+                <a:latin typeface="Arial" panose="020B0604020202020204" pitchFamily="34" charset="0"/>
+              </a:rPr>
+              <a:t>personnalisation</a:t>
+            </a:r>
+            <a:r>
+              <a:rPr kumimoji="0" lang="en-US" altLang="en-US" sz="1800" b="0" i="0" u="none" strike="noStrike" cap="none" normalizeH="0" baseline="0" dirty="0" smtClean="0">
+                <a:ln>
+                  <a:noFill/>
+                </a:ln>
+                <a:solidFill>
+                  <a:schemeClr val="tx1"/>
+                </a:solidFill>
+                <a:effectLst/>
+                <a:latin typeface="Arial" panose="020B0604020202020204" pitchFamily="34" charset="0"/>
+              </a:rPr>
+              <a:t> </a:t>
+            </a:r>
+            <a:r>
+              <a:rPr kumimoji="0" lang="en-US" altLang="en-US" sz="1800" b="0" i="0" u="none" strike="noStrike" cap="none" normalizeH="0" baseline="0" dirty="0" err="1" smtClean="0">
+                <a:ln>
+                  <a:noFill/>
+                </a:ln>
+                <a:solidFill>
+                  <a:schemeClr val="tx1"/>
+                </a:solidFill>
+                <a:effectLst/>
+                <a:latin typeface="Arial" panose="020B0604020202020204" pitchFamily="34" charset="0"/>
+              </a:rPr>
+              <a:t>moderne</a:t>
+            </a:r>
+            <a:r>
+              <a:rPr kumimoji="0" lang="en-US" altLang="en-US" sz="1800" b="0" i="0" u="none" strike="noStrike" cap="none" normalizeH="0" baseline="0" dirty="0" smtClean="0">
+                <a:ln>
+                  <a:noFill/>
+                </a:ln>
+                <a:solidFill>
+                  <a:schemeClr val="tx1"/>
+                </a:solidFill>
+                <a:effectLst/>
+                <a:latin typeface="Arial" panose="020B0604020202020204" pitchFamily="34" charset="0"/>
+              </a:rPr>
+              <a:t> de </a:t>
+            </a:r>
+            <a:r>
+              <a:rPr kumimoji="0" lang="en-US" altLang="en-US" sz="1800" b="0" i="0" u="none" strike="noStrike" cap="none" normalizeH="0" baseline="0" dirty="0" err="1" smtClean="0">
+                <a:ln>
+                  <a:noFill/>
+                </a:ln>
+                <a:solidFill>
+                  <a:schemeClr val="tx1"/>
+                </a:solidFill>
+                <a:effectLst/>
+                <a:latin typeface="Arial" panose="020B0604020202020204" pitchFamily="34" charset="0"/>
+              </a:rPr>
+              <a:t>l'interface</a:t>
+            </a:r>
+            <a:r>
+              <a:rPr kumimoji="0" lang="en-US" altLang="en-US" sz="1800" b="0" i="0" u="none" strike="noStrike" cap="none" normalizeH="0" baseline="0" dirty="0" smtClean="0">
+                <a:ln>
+                  <a:noFill/>
+                </a:ln>
+                <a:solidFill>
+                  <a:schemeClr val="tx1"/>
+                </a:solidFill>
+                <a:effectLst/>
+                <a:latin typeface="Arial" panose="020B0604020202020204" pitchFamily="34" charset="0"/>
+              </a:rPr>
+              <a:t> </a:t>
+            </a:r>
+            <a:r>
+              <a:rPr kumimoji="0" lang="en-US" altLang="en-US" sz="1800" b="0" i="0" u="none" strike="noStrike" cap="none" normalizeH="0" baseline="0" dirty="0" err="1" smtClean="0">
+                <a:ln>
+                  <a:noFill/>
+                </a:ln>
+                <a:solidFill>
+                  <a:schemeClr val="tx1"/>
+                </a:solidFill>
+                <a:effectLst/>
+                <a:latin typeface="Arial" panose="020B0604020202020204" pitchFamily="34" charset="0"/>
+              </a:rPr>
+              <a:t>utilisateur</a:t>
+            </a:r>
+            <a:r>
+              <a:rPr kumimoji="0" lang="en-US" altLang="en-US" sz="1800" b="0" i="0" u="none" strike="noStrike" cap="none" normalizeH="0" baseline="0" dirty="0" smtClean="0">
+                <a:ln>
+                  <a:noFill/>
+                </a:ln>
+                <a:solidFill>
+                  <a:schemeClr val="tx1"/>
+                </a:solidFill>
+                <a:effectLst/>
+                <a:latin typeface="Arial" panose="020B0604020202020204" pitchFamily="34" charset="0"/>
+              </a:rPr>
+              <a:t>. </a:t>
+            </a:r>
+          </a:p>
+          <a:p>
+            <a:pPr marL="0" marR="0" lvl="0" indent="0" algn="l" defTabSz="914400" rtl="0" eaLnBrk="0" fontAlgn="base" latinLnBrk="0" hangingPunct="0">
+              <a:lnSpc>
+                <a:spcPct val="150000"/>
+              </a:lnSpc>
+              <a:spcBef>
+                <a:spcPct val="0"/>
+              </a:spcBef>
+              <a:spcAft>
+                <a:spcPct val="0"/>
+              </a:spcAft>
+              <a:buClrTx/>
+              <a:buSzTx/>
+              <a:buFontTx/>
+              <a:buChar char="•"/>
+              <a:tabLst/>
+            </a:pPr>
+            <a:r>
+              <a:rPr kumimoji="0" lang="en-US" altLang="en-US" sz="1800" b="1" i="0" u="none" strike="noStrike" cap="none" normalizeH="0" baseline="0" dirty="0" err="1" smtClean="0">
+                <a:ln>
+                  <a:noFill/>
+                </a:ln>
+                <a:solidFill>
+                  <a:schemeClr val="tx1"/>
+                </a:solidFill>
+                <a:effectLst/>
+                <a:latin typeface="Arial" panose="020B0604020202020204" pitchFamily="34" charset="0"/>
+              </a:rPr>
+              <a:t>Gestion</a:t>
+            </a:r>
+            <a:r>
+              <a:rPr kumimoji="0" lang="en-US" altLang="en-US" sz="1800" b="1" i="0" u="none" strike="noStrike" cap="none" normalizeH="0" baseline="0" dirty="0" smtClean="0">
+                <a:ln>
+                  <a:noFill/>
+                </a:ln>
+                <a:solidFill>
+                  <a:schemeClr val="tx1"/>
+                </a:solidFill>
+                <a:effectLst/>
+                <a:latin typeface="Arial" panose="020B0604020202020204" pitchFamily="34" charset="0"/>
+              </a:rPr>
+              <a:t> de Base de </a:t>
+            </a:r>
+            <a:r>
+              <a:rPr kumimoji="0" lang="en-US" altLang="en-US" sz="1800" b="1" i="0" u="none" strike="noStrike" cap="none" normalizeH="0" baseline="0" dirty="0" err="1" smtClean="0">
+                <a:ln>
+                  <a:noFill/>
+                </a:ln>
+                <a:solidFill>
+                  <a:schemeClr val="tx1"/>
+                </a:solidFill>
+                <a:effectLst/>
+                <a:latin typeface="Arial" panose="020B0604020202020204" pitchFamily="34" charset="0"/>
+              </a:rPr>
+              <a:t>Données</a:t>
+            </a:r>
+            <a:r>
+              <a:rPr kumimoji="0" lang="en-US" altLang="en-US" sz="1800" b="1" i="0" u="none" strike="noStrike" cap="none" normalizeH="0" baseline="0" dirty="0" smtClean="0">
+                <a:ln>
+                  <a:noFill/>
+                </a:ln>
+                <a:solidFill>
+                  <a:schemeClr val="tx1"/>
+                </a:solidFill>
+                <a:effectLst/>
+                <a:latin typeface="Arial" panose="020B0604020202020204" pitchFamily="34" charset="0"/>
+              </a:rPr>
+              <a:t> : MySQL (via </a:t>
+            </a:r>
+            <a:r>
+              <a:rPr kumimoji="0" lang="en-US" altLang="en-US" sz="1800" b="1" i="0" u="none" strike="noStrike" cap="none" normalizeH="0" baseline="0" dirty="0" err="1" smtClean="0">
+                <a:ln>
+                  <a:noFill/>
+                </a:ln>
+                <a:solidFill>
+                  <a:schemeClr val="tx1"/>
+                </a:solidFill>
+                <a:effectLst/>
+                <a:latin typeface="Arial" panose="020B0604020202020204" pitchFamily="34" charset="0"/>
+              </a:rPr>
+              <a:t>phpMyAdmin</a:t>
+            </a:r>
+            <a:r>
+              <a:rPr kumimoji="0" lang="en-US" altLang="en-US" sz="1800" b="1" i="0" u="none" strike="noStrike" cap="none" normalizeH="0" baseline="0" dirty="0" smtClean="0">
+                <a:ln>
+                  <a:noFill/>
+                </a:ln>
+                <a:solidFill>
+                  <a:schemeClr val="tx1"/>
+                </a:solidFill>
+                <a:effectLst/>
+                <a:latin typeface="Arial" panose="020B0604020202020204" pitchFamily="34" charset="0"/>
+              </a:rPr>
+              <a:t>)</a:t>
+            </a:r>
+            <a:r>
+              <a:rPr kumimoji="0" lang="en-US" altLang="en-US" sz="1800" b="0" i="0" u="none" strike="noStrike" cap="none" normalizeH="0" baseline="0" dirty="0" smtClean="0">
+                <a:ln>
+                  <a:noFill/>
+                </a:ln>
+                <a:solidFill>
+                  <a:schemeClr val="tx1"/>
+                </a:solidFill>
+                <a:effectLst/>
+                <a:latin typeface="Arial" panose="020B0604020202020204" pitchFamily="34" charset="0"/>
+              </a:rPr>
+              <a:t> </a:t>
+            </a:r>
+          </a:p>
+          <a:p>
+            <a:pPr marL="0" marR="0" lvl="0" indent="0" algn="l" defTabSz="914400" rtl="0" eaLnBrk="0" fontAlgn="base" latinLnBrk="0" hangingPunct="0">
+              <a:lnSpc>
+                <a:spcPct val="150000"/>
+              </a:lnSpc>
+              <a:spcBef>
+                <a:spcPct val="0"/>
+              </a:spcBef>
+              <a:spcAft>
+                <a:spcPct val="0"/>
+              </a:spcAft>
+              <a:buClrTx/>
+              <a:buSzTx/>
+              <a:buFontTx/>
+              <a:buChar char="•"/>
+              <a:tabLst/>
+            </a:pPr>
+            <a:r>
+              <a:rPr kumimoji="0" lang="en-US" altLang="en-US" sz="1800" b="1" i="0" u="none" strike="noStrike" cap="none" normalizeH="0" baseline="0" dirty="0" err="1" smtClean="0">
+                <a:ln>
+                  <a:noFill/>
+                </a:ln>
+                <a:solidFill>
+                  <a:schemeClr val="tx1"/>
+                </a:solidFill>
+                <a:effectLst/>
+                <a:latin typeface="Arial" panose="020B0604020202020204" pitchFamily="34" charset="0"/>
+              </a:rPr>
+              <a:t>Pourquoi</a:t>
+            </a:r>
+            <a:r>
+              <a:rPr kumimoji="0" lang="en-US" altLang="en-US" sz="1800" b="1" i="0" u="none" strike="noStrike" cap="none" normalizeH="0" baseline="0" dirty="0" smtClean="0">
+                <a:ln>
+                  <a:noFill/>
+                </a:ln>
+                <a:solidFill>
+                  <a:schemeClr val="tx1"/>
+                </a:solidFill>
+                <a:effectLst/>
+                <a:latin typeface="Arial" panose="020B0604020202020204" pitchFamily="34" charset="0"/>
+              </a:rPr>
+              <a:t> MySQL ?</a:t>
+            </a:r>
+            <a:r>
+              <a:rPr kumimoji="0" lang="en-US" altLang="en-US" sz="1800" b="0" i="0" u="none" strike="noStrike" cap="none" normalizeH="0" baseline="0" dirty="0" smtClean="0">
+                <a:ln>
+                  <a:noFill/>
+                </a:ln>
+                <a:solidFill>
+                  <a:schemeClr val="tx1"/>
+                </a:solidFill>
+                <a:effectLst/>
+                <a:latin typeface="Arial" panose="020B0604020202020204" pitchFamily="34" charset="0"/>
+              </a:rPr>
+              <a:t> Base de </a:t>
+            </a:r>
+            <a:r>
+              <a:rPr kumimoji="0" lang="en-US" altLang="en-US" sz="1800" b="0" i="0" u="none" strike="noStrike" cap="none" normalizeH="0" baseline="0" dirty="0" err="1" smtClean="0">
+                <a:ln>
+                  <a:noFill/>
+                </a:ln>
+                <a:solidFill>
+                  <a:schemeClr val="tx1"/>
+                </a:solidFill>
+                <a:effectLst/>
+                <a:latin typeface="Arial" panose="020B0604020202020204" pitchFamily="34" charset="0"/>
+              </a:rPr>
+              <a:t>données</a:t>
+            </a:r>
+            <a:r>
+              <a:rPr kumimoji="0" lang="en-US" altLang="en-US" sz="1800" b="0" i="0" u="none" strike="noStrike" cap="none" normalizeH="0" baseline="0" dirty="0" smtClean="0">
+                <a:ln>
+                  <a:noFill/>
+                </a:ln>
+                <a:solidFill>
+                  <a:schemeClr val="tx1"/>
+                </a:solidFill>
+                <a:effectLst/>
+                <a:latin typeface="Arial" panose="020B0604020202020204" pitchFamily="34" charset="0"/>
+              </a:rPr>
+              <a:t> </a:t>
+            </a:r>
+            <a:r>
+              <a:rPr kumimoji="0" lang="en-US" altLang="en-US" sz="1800" b="0" i="0" u="none" strike="noStrike" cap="none" normalizeH="0" baseline="0" dirty="0" err="1" smtClean="0">
+                <a:ln>
+                  <a:noFill/>
+                </a:ln>
+                <a:solidFill>
+                  <a:schemeClr val="tx1"/>
+                </a:solidFill>
+                <a:effectLst/>
+                <a:latin typeface="Arial" panose="020B0604020202020204" pitchFamily="34" charset="0"/>
+              </a:rPr>
+              <a:t>relationnelle</a:t>
+            </a:r>
+            <a:r>
+              <a:rPr kumimoji="0" lang="en-US" altLang="en-US" sz="1800" b="0" i="0" u="none" strike="noStrike" cap="none" normalizeH="0" baseline="0" dirty="0" smtClean="0">
+                <a:ln>
+                  <a:noFill/>
+                </a:ln>
+                <a:solidFill>
+                  <a:schemeClr val="tx1"/>
+                </a:solidFill>
+                <a:effectLst/>
+                <a:latin typeface="Arial" panose="020B0604020202020204" pitchFamily="34" charset="0"/>
+              </a:rPr>
+              <a:t> </a:t>
+            </a:r>
+            <a:r>
+              <a:rPr kumimoji="0" lang="en-US" altLang="en-US" sz="1800" b="0" i="0" u="none" strike="noStrike" cap="none" normalizeH="0" baseline="0" dirty="0" err="1" smtClean="0">
+                <a:ln>
+                  <a:noFill/>
+                </a:ln>
+                <a:solidFill>
+                  <a:schemeClr val="tx1"/>
+                </a:solidFill>
+                <a:effectLst/>
+                <a:latin typeface="Arial" panose="020B0604020202020204" pitchFamily="34" charset="0"/>
+              </a:rPr>
+              <a:t>robuste</a:t>
+            </a:r>
+            <a:r>
+              <a:rPr kumimoji="0" lang="en-US" altLang="en-US" sz="1800" b="0" i="0" u="none" strike="noStrike" cap="none" normalizeH="0" baseline="0" dirty="0" smtClean="0">
+                <a:ln>
+                  <a:noFill/>
+                </a:ln>
+                <a:solidFill>
+                  <a:schemeClr val="tx1"/>
+                </a:solidFill>
+                <a:effectLst/>
+                <a:latin typeface="Arial" panose="020B0604020202020204" pitchFamily="34" charset="0"/>
+              </a:rPr>
+              <a:t> et </a:t>
+            </a:r>
+            <a:r>
+              <a:rPr kumimoji="0" lang="en-US" altLang="en-US" sz="1800" b="0" i="0" u="none" strike="noStrike" cap="none" normalizeH="0" baseline="0" dirty="0" err="1" smtClean="0">
+                <a:ln>
+                  <a:noFill/>
+                </a:ln>
+                <a:solidFill>
+                  <a:schemeClr val="tx1"/>
+                </a:solidFill>
+                <a:effectLst/>
+                <a:latin typeface="Arial" panose="020B0604020202020204" pitchFamily="34" charset="0"/>
+              </a:rPr>
+              <a:t>largement</a:t>
+            </a:r>
+            <a:r>
+              <a:rPr kumimoji="0" lang="en-US" altLang="en-US" sz="1800" b="0" i="0" u="none" strike="noStrike" cap="none" normalizeH="0" baseline="0" dirty="0" smtClean="0">
+                <a:ln>
+                  <a:noFill/>
+                </a:ln>
+                <a:solidFill>
+                  <a:schemeClr val="tx1"/>
+                </a:solidFill>
+                <a:effectLst/>
+                <a:latin typeface="Arial" panose="020B0604020202020204" pitchFamily="34" charset="0"/>
+              </a:rPr>
+              <a:t> </a:t>
+            </a:r>
+            <a:r>
+              <a:rPr kumimoji="0" lang="en-US" altLang="en-US" sz="1800" b="0" i="0" u="none" strike="noStrike" cap="none" normalizeH="0" baseline="0" dirty="0" err="1" smtClean="0">
+                <a:ln>
+                  <a:noFill/>
+                </a:ln>
+                <a:solidFill>
+                  <a:schemeClr val="tx1"/>
+                </a:solidFill>
+                <a:effectLst/>
+                <a:latin typeface="Arial" panose="020B0604020202020204" pitchFamily="34" charset="0"/>
+              </a:rPr>
+              <a:t>utilisée</a:t>
+            </a:r>
+            <a:r>
+              <a:rPr kumimoji="0" lang="en-US" altLang="en-US" sz="1800" b="0" i="0" u="none" strike="noStrike" cap="none" normalizeH="0" baseline="0" dirty="0" smtClean="0">
+                <a:ln>
+                  <a:noFill/>
+                </a:ln>
+                <a:solidFill>
+                  <a:schemeClr val="tx1"/>
+                </a:solidFill>
+                <a:effectLst/>
+                <a:latin typeface="Arial" panose="020B0604020202020204" pitchFamily="34" charset="0"/>
+              </a:rPr>
+              <a:t>, open-source. </a:t>
+            </a:r>
+          </a:p>
+          <a:p>
+            <a:pPr marL="0" marR="0" lvl="0" indent="0" algn="l" defTabSz="914400" rtl="0" eaLnBrk="0" fontAlgn="base" latinLnBrk="0" hangingPunct="0">
+              <a:lnSpc>
+                <a:spcPct val="150000"/>
+              </a:lnSpc>
+              <a:spcBef>
+                <a:spcPct val="0"/>
+              </a:spcBef>
+              <a:spcAft>
+                <a:spcPct val="0"/>
+              </a:spcAft>
+              <a:buClrTx/>
+              <a:buSzTx/>
+              <a:buFontTx/>
+              <a:buChar char="•"/>
+              <a:tabLst/>
+            </a:pPr>
+            <a:r>
+              <a:rPr kumimoji="0" lang="en-US" altLang="en-US" sz="1800" b="1" i="0" u="none" strike="noStrike" cap="none" normalizeH="0" baseline="0" dirty="0" err="1" smtClean="0">
+                <a:ln>
+                  <a:noFill/>
+                </a:ln>
+                <a:solidFill>
+                  <a:schemeClr val="tx1"/>
+                </a:solidFill>
+                <a:effectLst/>
+                <a:latin typeface="Arial" panose="020B0604020202020204" pitchFamily="34" charset="0"/>
+              </a:rPr>
+              <a:t>phpMyAdmin</a:t>
+            </a:r>
+            <a:r>
+              <a:rPr kumimoji="0" lang="en-US" altLang="en-US" sz="1800" b="1" i="0" u="none" strike="noStrike" cap="none" normalizeH="0" baseline="0" dirty="0" smtClean="0">
+                <a:ln>
+                  <a:noFill/>
+                </a:ln>
+                <a:solidFill>
+                  <a:schemeClr val="tx1"/>
+                </a:solidFill>
+                <a:effectLst/>
+                <a:latin typeface="Arial" panose="020B0604020202020204" pitchFamily="34" charset="0"/>
+              </a:rPr>
+              <a:t> :</a:t>
+            </a:r>
+            <a:r>
+              <a:rPr kumimoji="0" lang="en-US" altLang="en-US" sz="1800" b="0" i="0" u="none" strike="noStrike" cap="none" normalizeH="0" baseline="0" dirty="0" smtClean="0">
+                <a:ln>
+                  <a:noFill/>
+                </a:ln>
+                <a:solidFill>
+                  <a:schemeClr val="tx1"/>
+                </a:solidFill>
+                <a:effectLst/>
+                <a:latin typeface="Arial" panose="020B0604020202020204" pitchFamily="34" charset="0"/>
+              </a:rPr>
+              <a:t> </a:t>
+            </a:r>
+            <a:r>
+              <a:rPr kumimoji="0" lang="en-US" altLang="en-US" sz="1800" b="0" i="0" u="none" strike="noStrike" cap="none" normalizeH="0" baseline="0" dirty="0" err="1" smtClean="0">
+                <a:ln>
+                  <a:noFill/>
+                </a:ln>
+                <a:solidFill>
+                  <a:schemeClr val="tx1"/>
+                </a:solidFill>
+                <a:effectLst/>
+                <a:latin typeface="Arial" panose="020B0604020202020204" pitchFamily="34" charset="0"/>
+              </a:rPr>
+              <a:t>Outil</a:t>
+            </a:r>
+            <a:r>
+              <a:rPr kumimoji="0" lang="en-US" altLang="en-US" sz="1800" b="0" i="0" u="none" strike="noStrike" cap="none" normalizeH="0" baseline="0" dirty="0" smtClean="0">
+                <a:ln>
+                  <a:noFill/>
+                </a:ln>
+                <a:solidFill>
+                  <a:schemeClr val="tx1"/>
+                </a:solidFill>
+                <a:effectLst/>
+                <a:latin typeface="Arial" panose="020B0604020202020204" pitchFamily="34" charset="0"/>
+              </a:rPr>
+              <a:t> web pour </a:t>
+            </a:r>
+            <a:r>
+              <a:rPr kumimoji="0" lang="en-US" altLang="en-US" sz="1800" b="0" i="0" u="none" strike="noStrike" cap="none" normalizeH="0" baseline="0" dirty="0" err="1" smtClean="0">
+                <a:ln>
+                  <a:noFill/>
+                </a:ln>
+                <a:solidFill>
+                  <a:schemeClr val="tx1"/>
+                </a:solidFill>
+                <a:effectLst/>
+                <a:latin typeface="Arial" panose="020B0604020202020204" pitchFamily="34" charset="0"/>
+              </a:rPr>
+              <a:t>l'administration</a:t>
+            </a:r>
+            <a:r>
+              <a:rPr kumimoji="0" lang="en-US" altLang="en-US" sz="1800" b="0" i="0" u="none" strike="noStrike" cap="none" normalizeH="0" baseline="0" dirty="0" smtClean="0">
+                <a:ln>
+                  <a:noFill/>
+                </a:ln>
+                <a:solidFill>
+                  <a:schemeClr val="tx1"/>
+                </a:solidFill>
+                <a:effectLst/>
+                <a:latin typeface="Arial" panose="020B0604020202020204" pitchFamily="34" charset="0"/>
+              </a:rPr>
+              <a:t> facile de la base de </a:t>
+            </a:r>
+            <a:r>
+              <a:rPr kumimoji="0" lang="en-US" altLang="en-US" sz="1800" b="0" i="0" u="none" strike="noStrike" cap="none" normalizeH="0" baseline="0" dirty="0" err="1" smtClean="0">
+                <a:ln>
+                  <a:noFill/>
+                </a:ln>
+                <a:solidFill>
+                  <a:schemeClr val="tx1"/>
+                </a:solidFill>
+                <a:effectLst/>
+                <a:latin typeface="Arial" panose="020B0604020202020204" pitchFamily="34" charset="0"/>
+              </a:rPr>
+              <a:t>données</a:t>
+            </a:r>
+            <a:r>
+              <a:rPr kumimoji="0" lang="en-US" altLang="en-US" sz="1800" b="0" i="0" u="none" strike="noStrike" cap="none" normalizeH="0" baseline="0" dirty="0" smtClean="0">
+                <a:ln>
+                  <a:noFill/>
+                </a:ln>
+                <a:solidFill>
+                  <a:schemeClr val="tx1"/>
+                </a:solidFill>
+                <a:effectLst/>
+                <a:latin typeface="Arial" panose="020B0604020202020204" pitchFamily="34" charset="0"/>
+              </a:rPr>
+              <a:t>. </a:t>
+            </a:r>
+          </a:p>
+          <a:p>
+            <a:pPr marL="0" marR="0" lvl="0" indent="0" algn="l" defTabSz="914400" rtl="0" eaLnBrk="0" fontAlgn="base" latinLnBrk="0" hangingPunct="0">
+              <a:lnSpc>
+                <a:spcPct val="150000"/>
+              </a:lnSpc>
+              <a:spcBef>
+                <a:spcPct val="0"/>
+              </a:spcBef>
+              <a:spcAft>
+                <a:spcPct val="0"/>
+              </a:spcAft>
+              <a:buClrTx/>
+              <a:buSzTx/>
+              <a:buFontTx/>
+              <a:buChar char="•"/>
+              <a:tabLst/>
+            </a:pPr>
+            <a:r>
+              <a:rPr kumimoji="0" lang="en-US" altLang="en-US" sz="1800" b="1" i="0" u="none" strike="noStrike" cap="none" normalizeH="0" baseline="0" dirty="0" err="1" smtClean="0">
+                <a:ln>
+                  <a:noFill/>
+                </a:ln>
+                <a:solidFill>
+                  <a:schemeClr val="tx1"/>
+                </a:solidFill>
+                <a:effectLst/>
+                <a:latin typeface="Arial" panose="020B0604020202020204" pitchFamily="34" charset="0"/>
+              </a:rPr>
+              <a:t>Bibliothèques</a:t>
+            </a:r>
+            <a:r>
+              <a:rPr kumimoji="0" lang="en-US" altLang="en-US" sz="1800" b="1" i="0" u="none" strike="noStrike" cap="none" normalizeH="0" baseline="0" dirty="0" smtClean="0">
+                <a:ln>
+                  <a:noFill/>
+                </a:ln>
+                <a:solidFill>
+                  <a:schemeClr val="tx1"/>
+                </a:solidFill>
+                <a:effectLst/>
+                <a:latin typeface="Arial" panose="020B0604020202020204" pitchFamily="34" charset="0"/>
+              </a:rPr>
+              <a:t> Python </a:t>
+            </a:r>
+            <a:r>
+              <a:rPr kumimoji="0" lang="en-US" altLang="en-US" sz="1800" b="1" i="0" u="none" strike="noStrike" cap="none" normalizeH="0" baseline="0" dirty="0" err="1" smtClean="0">
+                <a:ln>
+                  <a:noFill/>
+                </a:ln>
+                <a:solidFill>
+                  <a:schemeClr val="tx1"/>
+                </a:solidFill>
+                <a:effectLst/>
+                <a:latin typeface="Arial" panose="020B0604020202020204" pitchFamily="34" charset="0"/>
+              </a:rPr>
+              <a:t>additionnelles</a:t>
+            </a:r>
+            <a:r>
+              <a:rPr kumimoji="0" lang="en-US" altLang="en-US" sz="1800" b="1" i="0" u="none" strike="noStrike" cap="none" normalizeH="0" baseline="0" dirty="0" smtClean="0">
+                <a:ln>
+                  <a:noFill/>
+                </a:ln>
+                <a:solidFill>
+                  <a:schemeClr val="tx1"/>
+                </a:solidFill>
+                <a:effectLst/>
+                <a:latin typeface="Arial" panose="020B0604020202020204" pitchFamily="34" charset="0"/>
+              </a:rPr>
+              <a:t> :</a:t>
+            </a:r>
+            <a:r>
+              <a:rPr kumimoji="0" lang="en-US" altLang="en-US" sz="1800" b="0" i="0" u="none" strike="noStrike" cap="none" normalizeH="0" baseline="0" dirty="0" smtClean="0">
+                <a:ln>
+                  <a:noFill/>
+                </a:ln>
+                <a:solidFill>
+                  <a:schemeClr val="tx1"/>
+                </a:solidFill>
+                <a:effectLst/>
+                <a:latin typeface="Arial" panose="020B0604020202020204" pitchFamily="34" charset="0"/>
+              </a:rPr>
+              <a:t> </a:t>
+            </a:r>
+          </a:p>
+          <a:p>
+            <a:pPr marL="0" marR="0" lvl="0" indent="0" algn="l" defTabSz="914400" rtl="0" eaLnBrk="0" fontAlgn="base" latinLnBrk="0" hangingPunct="0">
+              <a:lnSpc>
+                <a:spcPct val="150000"/>
+              </a:lnSpc>
+              <a:spcBef>
+                <a:spcPct val="0"/>
+              </a:spcBef>
+              <a:spcAft>
+                <a:spcPct val="0"/>
+              </a:spcAft>
+              <a:buClrTx/>
+              <a:buSzTx/>
+              <a:buFontTx/>
+              <a:buChar char="•"/>
+              <a:tabLst/>
+            </a:pPr>
+            <a:r>
+              <a:rPr kumimoji="0" lang="en-US" altLang="en-US" sz="1800" b="1" i="0" u="none" strike="noStrike" cap="none" normalizeH="0" baseline="0" dirty="0" smtClean="0">
+                <a:ln>
+                  <a:noFill/>
+                </a:ln>
+                <a:solidFill>
+                  <a:schemeClr val="tx1"/>
+                </a:solidFill>
+                <a:effectLst/>
+                <a:latin typeface="Arial" panose="020B0604020202020204" pitchFamily="34" charset="0"/>
+              </a:rPr>
+              <a:t>Pillow (PIL) :</a:t>
+            </a:r>
+            <a:r>
+              <a:rPr kumimoji="0" lang="en-US" altLang="en-US" sz="1800" b="0" i="0" u="none" strike="noStrike" cap="none" normalizeH="0" baseline="0" dirty="0" smtClean="0">
+                <a:ln>
+                  <a:noFill/>
+                </a:ln>
+                <a:solidFill>
+                  <a:schemeClr val="tx1"/>
+                </a:solidFill>
+                <a:effectLst/>
+                <a:latin typeface="Arial" panose="020B0604020202020204" pitchFamily="34" charset="0"/>
+              </a:rPr>
+              <a:t> Pour la manipulation et </a:t>
+            </a:r>
+            <a:r>
+              <a:rPr kumimoji="0" lang="en-US" altLang="en-US" sz="1800" b="0" i="0" u="none" strike="noStrike" cap="none" normalizeH="0" baseline="0" dirty="0" err="1" smtClean="0">
+                <a:ln>
+                  <a:noFill/>
+                </a:ln>
+                <a:solidFill>
+                  <a:schemeClr val="tx1"/>
+                </a:solidFill>
+                <a:effectLst/>
+                <a:latin typeface="Arial" panose="020B0604020202020204" pitchFamily="34" charset="0"/>
+              </a:rPr>
+              <a:t>l'affichage</a:t>
+            </a:r>
+            <a:r>
+              <a:rPr kumimoji="0" lang="en-US" altLang="en-US" sz="1800" b="0" i="0" u="none" strike="noStrike" cap="none" normalizeH="0" baseline="0" dirty="0" smtClean="0">
+                <a:ln>
+                  <a:noFill/>
+                </a:ln>
+                <a:solidFill>
+                  <a:schemeClr val="tx1"/>
+                </a:solidFill>
+                <a:effectLst/>
+                <a:latin typeface="Arial" panose="020B0604020202020204" pitchFamily="34" charset="0"/>
+              </a:rPr>
+              <a:t> des images (avatars). </a:t>
+            </a:r>
+          </a:p>
+          <a:p>
+            <a:pPr marL="0" marR="0" lvl="0" indent="0" algn="l" defTabSz="914400" rtl="0" eaLnBrk="0" fontAlgn="base" latinLnBrk="0" hangingPunct="0">
+              <a:lnSpc>
+                <a:spcPct val="150000"/>
+              </a:lnSpc>
+              <a:spcBef>
+                <a:spcPct val="0"/>
+              </a:spcBef>
+              <a:spcAft>
+                <a:spcPct val="0"/>
+              </a:spcAft>
+              <a:buClrTx/>
+              <a:buSzTx/>
+              <a:buFontTx/>
+              <a:buChar char="•"/>
+              <a:tabLst/>
+            </a:pPr>
+            <a:r>
+              <a:rPr kumimoji="0" lang="en-US" altLang="en-US" sz="1000" b="1" i="0" u="none" strike="noStrike" cap="none" normalizeH="0" baseline="0" dirty="0" err="1" smtClean="0">
+                <a:ln>
+                  <a:noFill/>
+                </a:ln>
+                <a:solidFill>
+                  <a:schemeClr val="tx1"/>
+                </a:solidFill>
+                <a:effectLst/>
+                <a:latin typeface="Arial Unicode MS" panose="020B0604020202020204" pitchFamily="34" charset="-128"/>
+              </a:rPr>
+              <a:t>subprocess</a:t>
+            </a:r>
+            <a:r>
+              <a:rPr kumimoji="0" lang="en-US" altLang="en-US" sz="1100" b="1" i="0" u="none" strike="noStrike" cap="none" normalizeH="0" baseline="0" dirty="0" smtClean="0">
+                <a:ln>
+                  <a:noFill/>
+                </a:ln>
+                <a:solidFill>
+                  <a:schemeClr val="tx1"/>
+                </a:solidFill>
+                <a:effectLst/>
+              </a:rPr>
+              <a:t> :</a:t>
+            </a:r>
+            <a:r>
+              <a:rPr kumimoji="0" lang="en-US" altLang="en-US" sz="1800" b="0" i="0" u="none" strike="noStrike" cap="none" normalizeH="0" baseline="0" dirty="0" smtClean="0">
+                <a:ln>
+                  <a:noFill/>
+                </a:ln>
+                <a:solidFill>
+                  <a:schemeClr val="tx1"/>
+                </a:solidFill>
+                <a:effectLst/>
+                <a:latin typeface="Arial" panose="020B0604020202020204" pitchFamily="34" charset="0"/>
+              </a:rPr>
+              <a:t> Pour </a:t>
+            </a:r>
+            <a:r>
+              <a:rPr kumimoji="0" lang="en-US" altLang="en-US" sz="1800" b="0" i="0" u="none" strike="noStrike" cap="none" normalizeH="0" baseline="0" dirty="0" err="1" smtClean="0">
+                <a:ln>
+                  <a:noFill/>
+                </a:ln>
+                <a:solidFill>
+                  <a:schemeClr val="tx1"/>
+                </a:solidFill>
+                <a:effectLst/>
+                <a:latin typeface="Arial" panose="020B0604020202020204" pitchFamily="34" charset="0"/>
+              </a:rPr>
+              <a:t>l'ouverture</a:t>
+            </a:r>
+            <a:r>
+              <a:rPr kumimoji="0" lang="en-US" altLang="en-US" sz="1800" b="0" i="0" u="none" strike="noStrike" cap="none" normalizeH="0" baseline="0" dirty="0" smtClean="0">
+                <a:ln>
+                  <a:noFill/>
+                </a:ln>
+                <a:solidFill>
+                  <a:schemeClr val="tx1"/>
+                </a:solidFill>
+                <a:effectLst/>
+                <a:latin typeface="Arial" panose="020B0604020202020204" pitchFamily="34" charset="0"/>
+              </a:rPr>
+              <a:t> de </a:t>
+            </a:r>
+            <a:r>
+              <a:rPr kumimoji="0" lang="en-US" altLang="en-US" sz="1800" b="0" i="0" u="none" strike="noStrike" cap="none" normalizeH="0" baseline="0" dirty="0" err="1" smtClean="0">
+                <a:ln>
+                  <a:noFill/>
+                </a:ln>
+                <a:solidFill>
+                  <a:schemeClr val="tx1"/>
+                </a:solidFill>
+                <a:effectLst/>
+                <a:latin typeface="Arial" panose="020B0604020202020204" pitchFamily="34" charset="0"/>
+              </a:rPr>
+              <a:t>fenêtres</a:t>
+            </a:r>
+            <a:r>
+              <a:rPr kumimoji="0" lang="en-US" altLang="en-US" sz="1800" b="0" i="0" u="none" strike="noStrike" cap="none" normalizeH="0" baseline="0" dirty="0" smtClean="0">
+                <a:ln>
+                  <a:noFill/>
+                </a:ln>
+                <a:solidFill>
+                  <a:schemeClr val="tx1"/>
+                </a:solidFill>
+                <a:effectLst/>
+                <a:latin typeface="Arial" panose="020B0604020202020204" pitchFamily="34" charset="0"/>
+              </a:rPr>
+              <a:t> </a:t>
+            </a:r>
+            <a:r>
+              <a:rPr kumimoji="0" lang="en-US" altLang="en-US" sz="1800" b="0" i="0" u="none" strike="noStrike" cap="none" normalizeH="0" baseline="0" dirty="0" err="1" smtClean="0">
+                <a:ln>
+                  <a:noFill/>
+                </a:ln>
+                <a:solidFill>
+                  <a:schemeClr val="tx1"/>
+                </a:solidFill>
+                <a:effectLst/>
+                <a:latin typeface="Arial" panose="020B0604020202020204" pitchFamily="34" charset="0"/>
+              </a:rPr>
+              <a:t>secondaires</a:t>
+            </a:r>
+            <a:r>
+              <a:rPr kumimoji="0" lang="en-US" altLang="en-US" sz="1800" b="0" i="0" u="none" strike="noStrike" cap="none" normalizeH="0" baseline="0" dirty="0" smtClean="0">
+                <a:ln>
+                  <a:noFill/>
+                </a:ln>
+                <a:solidFill>
+                  <a:schemeClr val="tx1"/>
+                </a:solidFill>
+                <a:effectLst/>
+                <a:latin typeface="Arial" panose="020B0604020202020204" pitchFamily="34" charset="0"/>
+              </a:rPr>
+              <a:t> </a:t>
+            </a:r>
+            <a:r>
+              <a:rPr kumimoji="0" lang="en-US" altLang="en-US" sz="1800" b="0" i="0" u="none" strike="noStrike" cap="none" normalizeH="0" baseline="0" dirty="0" err="1" smtClean="0">
+                <a:ln>
+                  <a:noFill/>
+                </a:ln>
+                <a:solidFill>
+                  <a:schemeClr val="tx1"/>
+                </a:solidFill>
+                <a:effectLst/>
+                <a:latin typeface="Arial" panose="020B0604020202020204" pitchFamily="34" charset="0"/>
+              </a:rPr>
+              <a:t>ou</a:t>
+            </a:r>
+            <a:r>
+              <a:rPr kumimoji="0" lang="en-US" altLang="en-US" sz="1800" b="0" i="0" u="none" strike="noStrike" cap="none" normalizeH="0" baseline="0" dirty="0" smtClean="0">
+                <a:ln>
+                  <a:noFill/>
+                </a:ln>
+                <a:solidFill>
+                  <a:schemeClr val="tx1"/>
+                </a:solidFill>
+                <a:effectLst/>
+                <a:latin typeface="Arial" panose="020B0604020202020204" pitchFamily="34" charset="0"/>
+              </a:rPr>
+              <a:t> </a:t>
+            </a:r>
+            <a:r>
+              <a:rPr kumimoji="0" lang="en-US" altLang="en-US" sz="1800" b="0" i="0" u="none" strike="noStrike" cap="none" normalizeH="0" baseline="0" dirty="0" err="1" smtClean="0">
+                <a:ln>
+                  <a:noFill/>
+                </a:ln>
+                <a:solidFill>
+                  <a:schemeClr val="tx1"/>
+                </a:solidFill>
+                <a:effectLst/>
+                <a:latin typeface="Arial" panose="020B0604020202020204" pitchFamily="34" charset="0"/>
+              </a:rPr>
+              <a:t>l'exécution</a:t>
+            </a:r>
+            <a:r>
+              <a:rPr kumimoji="0" lang="en-US" altLang="en-US" sz="1800" b="0" i="0" u="none" strike="noStrike" cap="none" normalizeH="0" baseline="0" dirty="0" smtClean="0">
+                <a:ln>
+                  <a:noFill/>
+                </a:ln>
+                <a:solidFill>
+                  <a:schemeClr val="tx1"/>
+                </a:solidFill>
+                <a:effectLst/>
+                <a:latin typeface="Arial" panose="020B0604020202020204" pitchFamily="34" charset="0"/>
+              </a:rPr>
+              <a:t> de scripts </a:t>
+            </a:r>
+            <a:r>
+              <a:rPr kumimoji="0" lang="en-US" altLang="en-US" sz="1800" b="0" i="0" u="none" strike="noStrike" cap="none" normalizeH="0" baseline="0" dirty="0" err="1" smtClean="0">
+                <a:ln>
+                  <a:noFill/>
+                </a:ln>
+                <a:solidFill>
+                  <a:schemeClr val="tx1"/>
+                </a:solidFill>
+                <a:effectLst/>
+                <a:latin typeface="Arial" panose="020B0604020202020204" pitchFamily="34" charset="0"/>
+              </a:rPr>
+              <a:t>externes</a:t>
+            </a:r>
+            <a:r>
+              <a:rPr kumimoji="0" lang="en-US" altLang="en-US" sz="1800" b="0" i="0" u="none" strike="noStrike" cap="none" normalizeH="0" baseline="0" dirty="0" smtClean="0">
+                <a:ln>
+                  <a:noFill/>
+                </a:ln>
+                <a:solidFill>
+                  <a:schemeClr val="tx1"/>
+                </a:solidFill>
+                <a:effectLst/>
+                <a:latin typeface="Arial" panose="020B0604020202020204" pitchFamily="34" charset="0"/>
+              </a:rPr>
+              <a:t> (</a:t>
+            </a:r>
+            <a:r>
+              <a:rPr kumimoji="0" lang="en-US" altLang="en-US" sz="1000" b="0" i="0" u="none" strike="noStrike" cap="none" normalizeH="0" baseline="0" dirty="0" smtClean="0">
+                <a:ln>
+                  <a:noFill/>
+                </a:ln>
+                <a:solidFill>
+                  <a:schemeClr val="tx1"/>
+                </a:solidFill>
+                <a:effectLst/>
+                <a:latin typeface="Arial Unicode MS" panose="020B0604020202020204" pitchFamily="34" charset="-128"/>
+              </a:rPr>
+              <a:t>plus_infos_fenetre.py</a:t>
+            </a:r>
+            <a:r>
+              <a:rPr kumimoji="0" lang="en-US" altLang="en-US" sz="1100" b="0" i="0" u="none" strike="noStrike" cap="none" normalizeH="0" baseline="0" dirty="0" smtClean="0">
+                <a:ln>
+                  <a:noFill/>
+                </a:ln>
+                <a:solidFill>
+                  <a:schemeClr val="tx1"/>
+                </a:solidFill>
+                <a:effectLst/>
+              </a:rPr>
+              <a:t>).</a:t>
+            </a:r>
+            <a:r>
+              <a:rPr kumimoji="0" lang="en-US" altLang="en-US" sz="1800" b="0" i="0" u="none" strike="noStrike" cap="none" normalizeH="0" baseline="0" dirty="0" smtClean="0">
+                <a:ln>
+                  <a:noFill/>
+                </a:ln>
+                <a:solidFill>
+                  <a:schemeClr val="tx1"/>
+                </a:solidFill>
+                <a:effectLst/>
+                <a:latin typeface="Arial" panose="020B0604020202020204" pitchFamily="34" charset="0"/>
+              </a:rPr>
+              <a:t> </a:t>
+            </a:r>
+          </a:p>
+          <a:p>
+            <a:pPr marL="0" marR="0" lvl="0" indent="0" algn="l" defTabSz="914400" rtl="0" eaLnBrk="0" fontAlgn="base" latinLnBrk="0" hangingPunct="0">
+              <a:lnSpc>
+                <a:spcPct val="150000"/>
+              </a:lnSpc>
+              <a:spcBef>
+                <a:spcPct val="0"/>
+              </a:spcBef>
+              <a:spcAft>
+                <a:spcPct val="0"/>
+              </a:spcAft>
+              <a:buClrTx/>
+              <a:buSzTx/>
+              <a:buFontTx/>
+              <a:buChar char="•"/>
+              <a:tabLst/>
+            </a:pPr>
+            <a:r>
+              <a:rPr kumimoji="0" lang="en-US" altLang="en-US" sz="1000" b="1" i="0" u="none" strike="noStrike" cap="none" normalizeH="0" baseline="0" dirty="0" err="1" smtClean="0">
+                <a:ln>
+                  <a:noFill/>
+                </a:ln>
+                <a:solidFill>
+                  <a:schemeClr val="tx1"/>
+                </a:solidFill>
+                <a:effectLst/>
+                <a:latin typeface="Arial Unicode MS" panose="020B0604020202020204" pitchFamily="34" charset="-128"/>
+              </a:rPr>
+              <a:t>os</a:t>
+            </a:r>
+            <a:r>
+              <a:rPr kumimoji="0" lang="en-US" altLang="en-US" sz="1100" b="1" i="0" u="none" strike="noStrike" cap="none" normalizeH="0" baseline="0" dirty="0" smtClean="0">
+                <a:ln>
+                  <a:noFill/>
+                </a:ln>
+                <a:solidFill>
+                  <a:schemeClr val="tx1"/>
+                </a:solidFill>
+                <a:effectLst/>
+              </a:rPr>
+              <a:t> :</a:t>
+            </a:r>
+            <a:r>
+              <a:rPr kumimoji="0" lang="en-US" altLang="en-US" sz="1800" b="0" i="0" u="none" strike="noStrike" cap="none" normalizeH="0" baseline="0" dirty="0" smtClean="0">
+                <a:ln>
+                  <a:noFill/>
+                </a:ln>
+                <a:solidFill>
+                  <a:schemeClr val="tx1"/>
+                </a:solidFill>
+                <a:effectLst/>
+                <a:latin typeface="Arial" panose="020B0604020202020204" pitchFamily="34" charset="0"/>
+              </a:rPr>
+              <a:t> Pour la </a:t>
+            </a:r>
+            <a:r>
+              <a:rPr kumimoji="0" lang="en-US" altLang="en-US" sz="1800" b="0" i="0" u="none" strike="noStrike" cap="none" normalizeH="0" baseline="0" dirty="0" err="1" smtClean="0">
+                <a:ln>
+                  <a:noFill/>
+                </a:ln>
+                <a:solidFill>
+                  <a:schemeClr val="tx1"/>
+                </a:solidFill>
+                <a:effectLst/>
+                <a:latin typeface="Arial" panose="020B0604020202020204" pitchFamily="34" charset="0"/>
+              </a:rPr>
+              <a:t>gestion</a:t>
+            </a:r>
+            <a:r>
+              <a:rPr kumimoji="0" lang="en-US" altLang="en-US" sz="1800" b="0" i="0" u="none" strike="noStrike" cap="none" normalizeH="0" baseline="0" dirty="0" smtClean="0">
+                <a:ln>
+                  <a:noFill/>
+                </a:ln>
+                <a:solidFill>
+                  <a:schemeClr val="tx1"/>
+                </a:solidFill>
+                <a:effectLst/>
+                <a:latin typeface="Arial" panose="020B0604020202020204" pitchFamily="34" charset="0"/>
+              </a:rPr>
+              <a:t> des </a:t>
+            </a:r>
+            <a:r>
+              <a:rPr kumimoji="0" lang="en-US" altLang="en-US" sz="1800" b="0" i="0" u="none" strike="noStrike" cap="none" normalizeH="0" baseline="0" dirty="0" err="1" smtClean="0">
+                <a:ln>
+                  <a:noFill/>
+                </a:ln>
+                <a:solidFill>
+                  <a:schemeClr val="tx1"/>
+                </a:solidFill>
+                <a:effectLst/>
+                <a:latin typeface="Arial" panose="020B0604020202020204" pitchFamily="34" charset="0"/>
+              </a:rPr>
+              <a:t>chemins</a:t>
+            </a:r>
+            <a:r>
+              <a:rPr kumimoji="0" lang="en-US" altLang="en-US" sz="1800" b="0" i="0" u="none" strike="noStrike" cap="none" normalizeH="0" baseline="0" dirty="0" smtClean="0">
+                <a:ln>
+                  <a:noFill/>
+                </a:ln>
+                <a:solidFill>
+                  <a:schemeClr val="tx1"/>
+                </a:solidFill>
+                <a:effectLst/>
+                <a:latin typeface="Arial" panose="020B0604020202020204" pitchFamily="34" charset="0"/>
+              </a:rPr>
+              <a:t> de </a:t>
+            </a:r>
+            <a:r>
+              <a:rPr kumimoji="0" lang="en-US" altLang="en-US" sz="1800" b="0" i="0" u="none" strike="noStrike" cap="none" normalizeH="0" baseline="0" dirty="0" err="1" smtClean="0">
+                <a:ln>
+                  <a:noFill/>
+                </a:ln>
+                <a:solidFill>
+                  <a:schemeClr val="tx1"/>
+                </a:solidFill>
+                <a:effectLst/>
+                <a:latin typeface="Arial" panose="020B0604020202020204" pitchFamily="34" charset="0"/>
+              </a:rPr>
+              <a:t>fichiers</a:t>
+            </a:r>
+            <a:r>
+              <a:rPr kumimoji="0" lang="en-US" altLang="en-US" sz="1800" b="0" i="0" u="none" strike="noStrike" cap="none" normalizeH="0" baseline="0" dirty="0" smtClean="0">
+                <a:ln>
+                  <a:noFill/>
+                </a:ln>
+                <a:solidFill>
+                  <a:schemeClr val="tx1"/>
+                </a:solidFill>
+                <a:effectLst/>
+                <a:latin typeface="Arial" panose="020B0604020202020204" pitchFamily="34" charset="0"/>
+              </a:rPr>
+              <a:t>.</a:t>
+            </a:r>
+          </a:p>
+          <a:p>
+            <a:pPr marL="0" marR="0" lvl="0" indent="0" algn="l" defTabSz="914400" rtl="0" eaLnBrk="0" fontAlgn="base" latinLnBrk="0" hangingPunct="0">
+              <a:lnSpc>
+                <a:spcPct val="150000"/>
+              </a:lnSpc>
+              <a:spcBef>
+                <a:spcPct val="0"/>
+              </a:spcBef>
+              <a:spcAft>
+                <a:spcPct val="0"/>
+              </a:spcAft>
+              <a:buClrTx/>
+              <a:buSzTx/>
+              <a:buFontTx/>
+              <a:buNone/>
+              <a:tabLst/>
+            </a:pPr>
+            <a:endParaRPr kumimoji="0" lang="en-US" altLang="en-US" sz="1800" b="0" i="0" u="none" strike="noStrike" cap="none" normalizeH="0" baseline="0" dirty="0" smtClean="0">
+              <a:ln>
+                <a:noFill/>
+              </a:ln>
+              <a:solidFill>
+                <a:schemeClr val="tx1"/>
+              </a:solidFill>
+              <a:effectLst/>
+              <a:latin typeface="Arial" panose="020B0604020202020204" pitchFamily="34" charset="0"/>
+            </a:endParaRPr>
+          </a:p>
+        </p:txBody>
+      </p:sp>
+    </p:spTree>
+    <p:extLst>
+      <p:ext uri="{BB962C8B-B14F-4D97-AF65-F5344CB8AC3E}">
+        <p14:creationId xmlns:p14="http://schemas.microsoft.com/office/powerpoint/2010/main" val="345878209"/>
+      </p:ext>
+    </p:extLst>
+  </p:cSld>
+  <p:clrMapOvr>
+    <a:masterClrMapping/>
+  </p:clrMapOvr>
+  <p:timing>
+    <p:tnLst>
+      <p:par>
+        <p:cTn id="1" dur="indefinite" restart="never" nodeType="tmRoot"/>
+      </p:par>
+    </p:tnLst>
+  </p:timing>
+</p:sld>
+</file>
+
+<file path=ppt/slides/slide7.xml><?xml version="1.0" encoding="utf-8"?>
+<p:sld xmlns:a="http://schemas.openxmlformats.org/drawingml/2006/main" xmlns:r="http://schemas.openxmlformats.org/officeDocument/2006/relationships" xmlns:p="http://schemas.openxmlformats.org/presentationml/2006/main">
+  <p:cSld>
+    <p:spTree>
+      <p:nvGrpSpPr>
+        <p:cNvPr id="1" name=""/>
+        <p:cNvGrpSpPr/>
+        <p:nvPr/>
+      </p:nvGrpSpPr>
+      <p:grpSpPr>
+        <a:xfrm>
+          <a:off x="0" y="0"/>
+          <a:ext cx="0" cy="0"/>
+          <a:chOff x="0" y="0"/>
+          <a:chExt cx="0" cy="0"/>
+        </a:xfrm>
+      </p:grpSpPr>
+      <p:sp>
+        <p:nvSpPr>
+          <p:cNvPr id="4" name="Rectangle 2"/>
+          <p:cNvSpPr>
+            <a:spLocks noChangeArrowheads="1"/>
+          </p:cNvSpPr>
+          <p:nvPr/>
+        </p:nvSpPr>
+        <p:spPr bwMode="auto">
+          <a:xfrm>
+            <a:off x="455278" y="388743"/>
+            <a:ext cx="11187953" cy="6370975"/>
+          </a:xfrm>
+          <a:prstGeom prst="rect">
+            <a:avLst/>
+          </a:prstGeom>
+          <a:noFill/>
+          <a:ln>
+            <a:noFill/>
+          </a:ln>
+          <a:effectLst/>
+          <a:extLst>
+            <a:ext uri="{909E8E84-426E-40DD-AFC4-6F175D3DCCD1}">
+              <a14:hiddenFill xmlns:a14="http://schemas.microsoft.com/office/drawing/2010/main">
+                <a:solidFill>
+                  <a:schemeClr val="accent1"/>
+                </a:solidFill>
+              </a14:hiddenFill>
+            </a:ext>
+            <a:ext uri="{91240B29-F687-4F45-9708-019B960494DF}">
+              <a14:hiddenLine xmlns:a14="http://schemas.microsoft.com/office/drawing/2010/main" w="9525">
+                <a:solidFill>
+                  <a:schemeClr val="tx1"/>
+                </a:solidFill>
+                <a:miter lim="800000"/>
+                <a:headEnd/>
+                <a:tailEnd/>
+              </a14:hiddenLine>
+            </a:ext>
+            <a:ext uri="{AF507438-7753-43E0-B8FC-AC1667EBCBE1}">
+              <a14:hiddenEffects xmlns:a14="http://schemas.microsoft.com/office/drawing/2010/main">
+                <a:effectLst>
+                  <a:outerShdw dist="35921" dir="2700000" algn="ctr" rotWithShape="0">
+                    <a:schemeClr val="bg2"/>
+                  </a:outerShdw>
+                </a:effectLst>
+              </a14:hiddenEffects>
+            </a:ext>
+          </a:extLst>
+        </p:spPr>
+        <p:txBody>
+          <a:bodyPr vert="horz" wrap="square" lIns="91440" tIns="45720" rIns="91440" bIns="45720" numCol="1" anchor="ctr" anchorCtr="0" compatLnSpc="1">
+            <a:prstTxWarp prst="textNoShape">
+              <a:avLst/>
+            </a:prstTxWarp>
+            <a:spAutoFit/>
+          </a:bodyPr>
+          <a:lstStyle/>
+          <a:p>
+            <a:pPr marL="342900" indent="-342900" eaLnBrk="0" fontAlgn="base" hangingPunct="0">
+              <a:spcBef>
+                <a:spcPct val="0"/>
+              </a:spcBef>
+              <a:spcAft>
+                <a:spcPct val="0"/>
+              </a:spcAft>
+              <a:buFont typeface="Wingdings" panose="05000000000000000000" pitchFamily="2" charset="2"/>
+              <a:buChar char="v"/>
+            </a:pPr>
+            <a:r>
+              <a:rPr kumimoji="0" lang="en-US" altLang="en-US" sz="2400" b="1" i="0" u="sng" strike="noStrike" cap="none" normalizeH="0" baseline="0" dirty="0" err="1" smtClean="0">
+                <a:ln>
+                  <a:noFill/>
+                </a:ln>
+                <a:solidFill>
+                  <a:schemeClr val="accent2">
+                    <a:lumMod val="75000"/>
+                  </a:schemeClr>
+                </a:solidFill>
+                <a:effectLst/>
+                <a:cs typeface="Times New Roman" panose="02020603050405020304" pitchFamily="18" charset="0"/>
+              </a:rPr>
+              <a:t>Expliquez</a:t>
+            </a:r>
+            <a:r>
+              <a:rPr kumimoji="0" lang="en-US" altLang="en-US" sz="2400" b="1" i="0" u="sng" strike="noStrike" cap="none" normalizeH="0" baseline="0" dirty="0" smtClean="0">
+                <a:ln>
+                  <a:noFill/>
+                </a:ln>
+                <a:solidFill>
+                  <a:schemeClr val="accent2">
+                    <a:lumMod val="75000"/>
+                  </a:schemeClr>
+                </a:solidFill>
+                <a:effectLst/>
+                <a:cs typeface="Times New Roman" panose="02020603050405020304" pitchFamily="18" charset="0"/>
+              </a:rPr>
+              <a:t> le </a:t>
+            </a:r>
+            <a:r>
+              <a:rPr kumimoji="0" lang="en-US" altLang="en-US" sz="2400" b="1" i="0" u="sng" strike="noStrike" cap="none" normalizeH="0" baseline="0" dirty="0" err="1" smtClean="0">
+                <a:ln>
+                  <a:noFill/>
+                </a:ln>
+                <a:solidFill>
+                  <a:schemeClr val="accent2">
+                    <a:lumMod val="75000"/>
+                  </a:schemeClr>
+                </a:solidFill>
+                <a:effectLst/>
+                <a:cs typeface="Times New Roman" panose="02020603050405020304" pitchFamily="18" charset="0"/>
+              </a:rPr>
+              <a:t>rôle</a:t>
+            </a:r>
+            <a:r>
+              <a:rPr kumimoji="0" lang="en-US" altLang="en-US" sz="2400" b="1" i="0" u="sng" strike="noStrike" cap="none" normalizeH="0" baseline="0" dirty="0" smtClean="0">
+                <a:ln>
+                  <a:noFill/>
+                </a:ln>
+                <a:solidFill>
+                  <a:schemeClr val="accent2">
+                    <a:lumMod val="75000"/>
+                  </a:schemeClr>
+                </a:solidFill>
+                <a:effectLst/>
+                <a:cs typeface="Times New Roman" panose="02020603050405020304" pitchFamily="18" charset="0"/>
+              </a:rPr>
+              <a:t> de </a:t>
+            </a:r>
+            <a:r>
+              <a:rPr kumimoji="0" lang="en-US" altLang="en-US" sz="2400" b="1" i="0" u="sng" strike="noStrike" cap="none" normalizeH="0" baseline="0" dirty="0" err="1" smtClean="0">
+                <a:ln>
+                  <a:noFill/>
+                </a:ln>
+                <a:solidFill>
+                  <a:schemeClr val="accent2">
+                    <a:lumMod val="75000"/>
+                  </a:schemeClr>
+                </a:solidFill>
+                <a:effectLst/>
+                <a:cs typeface="Times New Roman" panose="02020603050405020304" pitchFamily="18" charset="0"/>
+              </a:rPr>
+              <a:t>chaque</a:t>
+            </a:r>
+            <a:r>
+              <a:rPr kumimoji="0" lang="en-US" altLang="en-US" sz="2400" b="1" i="0" u="sng" strike="noStrike" cap="none" normalizeH="0" baseline="0" dirty="0" smtClean="0">
+                <a:ln>
+                  <a:noFill/>
+                </a:ln>
+                <a:solidFill>
+                  <a:schemeClr val="accent2">
+                    <a:lumMod val="75000"/>
+                  </a:schemeClr>
+                </a:solidFill>
+                <a:effectLst/>
+                <a:cs typeface="Times New Roman" panose="02020603050405020304" pitchFamily="18" charset="0"/>
+              </a:rPr>
+              <a:t> table :</a:t>
+            </a:r>
+            <a:r>
+              <a:rPr kumimoji="0" lang="en-US" altLang="en-US" sz="2400" b="0" i="0" u="sng" strike="noStrike" cap="none" normalizeH="0" baseline="0" dirty="0" smtClean="0">
+                <a:ln>
+                  <a:noFill/>
+                </a:ln>
+                <a:solidFill>
+                  <a:schemeClr val="accent2">
+                    <a:lumMod val="75000"/>
+                  </a:schemeClr>
+                </a:solidFill>
+                <a:effectLst/>
+                <a:cs typeface="Times New Roman" panose="02020603050405020304" pitchFamily="18" charset="0"/>
+              </a:rPr>
+              <a:t> </a:t>
+            </a:r>
+            <a:r>
+              <a:rPr kumimoji="0" lang="en-US" altLang="en-US" b="0" i="0" u="none" strike="noStrike" cap="none" normalizeH="0" baseline="0" dirty="0" err="1" smtClean="0">
+                <a:ln>
+                  <a:noFill/>
+                </a:ln>
+                <a:solidFill>
+                  <a:schemeClr val="tx1"/>
+                </a:solidFill>
+                <a:effectLst/>
+                <a:cs typeface="Times New Roman" panose="02020603050405020304" pitchFamily="18" charset="0"/>
+              </a:rPr>
+              <a:t>Chaque</a:t>
+            </a:r>
+            <a:r>
+              <a:rPr kumimoji="0" lang="en-US" altLang="en-US" b="0" i="0" u="none" strike="noStrike" cap="none" normalizeH="0" baseline="0" dirty="0" smtClean="0">
+                <a:ln>
+                  <a:noFill/>
+                </a:ln>
+                <a:solidFill>
+                  <a:schemeClr val="tx1"/>
+                </a:solidFill>
+                <a:effectLst/>
+                <a:cs typeface="Times New Roman" panose="02020603050405020304" pitchFamily="18" charset="0"/>
+              </a:rPr>
+              <a:t> table </a:t>
+            </a:r>
+            <a:r>
+              <a:rPr lang="en-US" altLang="en-US" dirty="0" err="1" smtClean="0">
+                <a:cs typeface="Times New Roman" panose="02020603050405020304" pitchFamily="18" charset="0"/>
+              </a:rPr>
+              <a:t>stocke</a:t>
+            </a:r>
+            <a:r>
+              <a:rPr lang="en-US" altLang="en-US" dirty="0" smtClean="0">
+                <a:cs typeface="Times New Roman" panose="02020603050405020304" pitchFamily="18" charset="0"/>
+              </a:rPr>
+              <a:t> </a:t>
+            </a:r>
+            <a:r>
+              <a:rPr lang="en-US" altLang="en-US" dirty="0">
+                <a:cs typeface="Times New Roman" panose="02020603050405020304" pitchFamily="18" charset="0"/>
+              </a:rPr>
+              <a:t>les informations des grands-parents </a:t>
+            </a:r>
+            <a:endParaRPr lang="en-US" altLang="en-US" dirty="0" smtClean="0">
+              <a:cs typeface="Times New Roman" panose="02020603050405020304" pitchFamily="18" charset="0"/>
+            </a:endParaRPr>
+          </a:p>
+          <a:p>
+            <a:pPr eaLnBrk="0" fontAlgn="base" hangingPunct="0">
+              <a:spcBef>
+                <a:spcPct val="0"/>
+              </a:spcBef>
+              <a:spcAft>
+                <a:spcPct val="0"/>
+              </a:spcAft>
+            </a:pPr>
+            <a:r>
+              <a:rPr lang="en-US" altLang="en-US" dirty="0">
+                <a:cs typeface="Times New Roman" panose="02020603050405020304" pitchFamily="18" charset="0"/>
+              </a:rPr>
+              <a:t> </a:t>
+            </a:r>
+            <a:r>
+              <a:rPr lang="en-US" altLang="en-US" dirty="0" smtClean="0">
+                <a:cs typeface="Times New Roman" panose="02020603050405020304" pitchFamily="18" charset="0"/>
+              </a:rPr>
+              <a:t>                                                                                                                        (</a:t>
+            </a:r>
+            <a:r>
+              <a:rPr lang="en-US" altLang="en-US" dirty="0">
+                <a:cs typeface="Times New Roman" panose="02020603050405020304" pitchFamily="18" charset="0"/>
+              </a:rPr>
+              <a:t>ID, nom, âge, infos, avatar). </a:t>
+            </a:r>
+            <a:endParaRPr kumimoji="0" lang="en-US" altLang="en-US" b="0" i="0" u="none" strike="noStrike" cap="none" normalizeH="0" baseline="0" dirty="0" smtClean="0">
+              <a:ln>
+                <a:noFill/>
+              </a:ln>
+              <a:solidFill>
+                <a:schemeClr val="tx1"/>
+              </a:solidFill>
+              <a:effectLst/>
+              <a:cs typeface="Times New Roman" panose="02020603050405020304" pitchFamily="18" charset="0"/>
+            </a:endParaRPr>
+          </a:p>
+          <a:p>
+            <a:pPr lvl="2" eaLnBrk="0" fontAlgn="base" hangingPunct="0">
+              <a:spcBef>
+                <a:spcPct val="0"/>
+              </a:spcBef>
+              <a:spcAft>
+                <a:spcPct val="0"/>
+              </a:spcAft>
+              <a:buFontTx/>
+              <a:buChar char="•"/>
+            </a:pPr>
+            <a:r>
+              <a:rPr kumimoji="0" lang="en-US" altLang="en-US" sz="2000" b="0" i="0" strike="noStrike" cap="none" normalizeH="0" baseline="0" dirty="0" err="1" smtClean="0">
+                <a:ln>
+                  <a:noFill/>
+                </a:ln>
+                <a:solidFill>
+                  <a:schemeClr val="accent5">
+                    <a:lumMod val="75000"/>
+                  </a:schemeClr>
+                </a:solidFill>
+                <a:effectLst/>
+                <a:cs typeface="Times New Roman" panose="02020603050405020304" pitchFamily="18" charset="0"/>
+              </a:rPr>
+              <a:t>grand_parents</a:t>
+            </a:r>
+            <a:r>
+              <a:rPr kumimoji="0" lang="en-US" altLang="en-US" sz="2000" b="0" i="0" strike="noStrike" cap="none" normalizeH="0" baseline="0" dirty="0" smtClean="0">
+                <a:ln>
+                  <a:noFill/>
+                </a:ln>
+                <a:solidFill>
+                  <a:schemeClr val="accent5">
+                    <a:lumMod val="75000"/>
+                  </a:schemeClr>
+                </a:solidFill>
+                <a:effectLst/>
+                <a:cs typeface="Times New Roman" panose="02020603050405020304" pitchFamily="18" charset="0"/>
+              </a:rPr>
+              <a:t>: </a:t>
+            </a:r>
+            <a:r>
+              <a:rPr kumimoji="0" lang="en-US" altLang="en-US" b="0" i="0" u="none" strike="noStrike" cap="none" normalizeH="0" baseline="0" dirty="0" smtClean="0">
+                <a:ln>
+                  <a:noFill/>
+                </a:ln>
+                <a:solidFill>
+                  <a:schemeClr val="tx1"/>
+                </a:solidFill>
+                <a:effectLst/>
+                <a:cs typeface="Times New Roman" panose="02020603050405020304" pitchFamily="18" charset="0"/>
+              </a:rPr>
+              <a:t>parents</a:t>
+            </a:r>
+          </a:p>
+          <a:p>
+            <a:pPr lvl="2" eaLnBrk="0" fontAlgn="base" hangingPunct="0">
+              <a:spcBef>
+                <a:spcPct val="0"/>
+              </a:spcBef>
+              <a:spcAft>
+                <a:spcPct val="0"/>
+              </a:spcAft>
+            </a:pPr>
+            <a:endParaRPr kumimoji="0" lang="en-US" altLang="en-US" b="0" i="0" u="none" strike="noStrike" cap="none" normalizeH="0" baseline="0" dirty="0" smtClean="0">
+              <a:ln>
+                <a:noFill/>
+              </a:ln>
+              <a:solidFill>
+                <a:schemeClr val="tx1"/>
+              </a:solidFill>
+              <a:effectLst/>
+              <a:cs typeface="Times New Roman" panose="02020603050405020304" pitchFamily="18" charset="0"/>
+            </a:endParaRPr>
+          </a:p>
+          <a:p>
+            <a:pPr lvl="2" eaLnBrk="0" fontAlgn="base" hangingPunct="0">
+              <a:spcBef>
+                <a:spcPct val="0"/>
+              </a:spcBef>
+              <a:spcAft>
+                <a:spcPct val="0"/>
+              </a:spcAft>
+              <a:buFontTx/>
+              <a:buChar char="•"/>
+            </a:pPr>
+            <a:r>
+              <a:rPr kumimoji="0" lang="en-US" altLang="en-US" sz="2000" b="0" i="0" strike="noStrike" cap="none" normalizeH="0" baseline="0" dirty="0" smtClean="0">
+                <a:ln>
+                  <a:noFill/>
+                </a:ln>
+                <a:solidFill>
+                  <a:schemeClr val="accent5">
+                    <a:lumMod val="75000"/>
+                  </a:schemeClr>
+                </a:solidFill>
+                <a:effectLst/>
+                <a:cs typeface="Times New Roman" panose="02020603050405020304" pitchFamily="18" charset="0"/>
+              </a:rPr>
+              <a:t>oncle1_tante1 et oncle2_tante2: </a:t>
+            </a:r>
+            <a:r>
+              <a:rPr kumimoji="0" lang="en-US" altLang="en-US" b="0" i="0" u="none" strike="noStrike" cap="none" normalizeH="0" baseline="0" dirty="0" smtClean="0">
+                <a:ln>
+                  <a:noFill/>
+                </a:ln>
+                <a:solidFill>
+                  <a:schemeClr val="tx1"/>
+                </a:solidFill>
+                <a:effectLst/>
+                <a:cs typeface="Times New Roman" panose="02020603050405020304" pitchFamily="18" charset="0"/>
+              </a:rPr>
+              <a:t>Tables </a:t>
+            </a:r>
+            <a:r>
+              <a:rPr kumimoji="0" lang="en-US" altLang="en-US" b="0" i="0" u="none" strike="noStrike" cap="none" normalizeH="0" baseline="0" dirty="0" err="1" smtClean="0">
+                <a:ln>
+                  <a:noFill/>
+                </a:ln>
+                <a:solidFill>
+                  <a:schemeClr val="tx1"/>
+                </a:solidFill>
+                <a:effectLst/>
+                <a:cs typeface="Times New Roman" panose="02020603050405020304" pitchFamily="18" charset="0"/>
+              </a:rPr>
+              <a:t>spécifiques</a:t>
+            </a:r>
+            <a:r>
+              <a:rPr kumimoji="0" lang="en-US" altLang="en-US" b="0" i="0" u="none" strike="noStrike" cap="none" normalizeH="0" baseline="0" dirty="0" smtClean="0">
+                <a:ln>
+                  <a:noFill/>
+                </a:ln>
+                <a:solidFill>
+                  <a:schemeClr val="tx1"/>
+                </a:solidFill>
+                <a:effectLst/>
+                <a:cs typeface="Times New Roman" panose="02020603050405020304" pitchFamily="18" charset="0"/>
+              </a:rPr>
+              <a:t> pour les oncles et tantes, </a:t>
+            </a:r>
+          </a:p>
+          <a:p>
+            <a:pPr lvl="2" eaLnBrk="0" fontAlgn="base" hangingPunct="0">
+              <a:spcBef>
+                <a:spcPct val="0"/>
+              </a:spcBef>
+              <a:spcAft>
+                <a:spcPct val="0"/>
+              </a:spcAft>
+            </a:pPr>
+            <a:r>
+              <a:rPr lang="en-US" altLang="en-US" dirty="0">
+                <a:cs typeface="Times New Roman" panose="02020603050405020304" pitchFamily="18" charset="0"/>
+              </a:rPr>
+              <a:t> </a:t>
+            </a:r>
+            <a:r>
+              <a:rPr lang="en-US" altLang="en-US" dirty="0" smtClean="0">
+                <a:cs typeface="Times New Roman" panose="02020603050405020304" pitchFamily="18" charset="0"/>
+              </a:rPr>
+              <a:t>                           </a:t>
+            </a:r>
+            <a:r>
+              <a:rPr kumimoji="0" lang="en-US" altLang="en-US" b="0" i="0" u="none" strike="noStrike" cap="none" normalizeH="0" baseline="0" dirty="0" smtClean="0">
+                <a:ln>
+                  <a:noFill/>
+                </a:ln>
+                <a:solidFill>
+                  <a:schemeClr val="tx1"/>
+                </a:solidFill>
+                <a:effectLst/>
+                <a:cs typeface="Times New Roman" panose="02020603050405020304" pitchFamily="18" charset="0"/>
+              </a:rPr>
+              <a:t>qui </a:t>
+            </a:r>
+            <a:r>
+              <a:rPr kumimoji="0" lang="en-US" altLang="en-US" b="0" i="0" u="none" strike="noStrike" cap="none" normalizeH="0" baseline="0" dirty="0" err="1" smtClean="0">
+                <a:ln>
+                  <a:noFill/>
+                </a:ln>
+                <a:solidFill>
+                  <a:schemeClr val="tx1"/>
+                </a:solidFill>
+                <a:effectLst/>
+                <a:cs typeface="Times New Roman" panose="02020603050405020304" pitchFamily="18" charset="0"/>
+              </a:rPr>
+              <a:t>sont</a:t>
+            </a:r>
+            <a:r>
+              <a:rPr kumimoji="0" lang="en-US" altLang="en-US" b="0" i="0" u="none" strike="noStrike" cap="none" normalizeH="0" baseline="0" dirty="0" smtClean="0">
+                <a:ln>
+                  <a:noFill/>
+                </a:ln>
+                <a:solidFill>
+                  <a:schemeClr val="tx1"/>
+                </a:solidFill>
+                <a:effectLst/>
+                <a:cs typeface="Times New Roman" panose="02020603050405020304" pitchFamily="18" charset="0"/>
+              </a:rPr>
+              <a:t> </a:t>
+            </a:r>
+            <a:r>
+              <a:rPr kumimoji="0" lang="en-US" altLang="en-US" b="0" i="0" u="none" strike="noStrike" cap="none" normalizeH="0" baseline="0" dirty="0" err="1" smtClean="0">
+                <a:ln>
+                  <a:noFill/>
+                </a:ln>
+                <a:solidFill>
+                  <a:schemeClr val="tx1"/>
+                </a:solidFill>
+                <a:effectLst/>
+                <a:cs typeface="Times New Roman" panose="02020603050405020304" pitchFamily="18" charset="0"/>
+              </a:rPr>
+              <a:t>aussi</a:t>
+            </a:r>
+            <a:r>
+              <a:rPr kumimoji="0" lang="en-US" altLang="en-US" b="0" i="0" u="none" strike="noStrike" cap="none" normalizeH="0" baseline="0" dirty="0" smtClean="0">
+                <a:ln>
+                  <a:noFill/>
+                </a:ln>
+                <a:solidFill>
+                  <a:schemeClr val="tx1"/>
+                </a:solidFill>
+                <a:effectLst/>
+                <a:cs typeface="Times New Roman" panose="02020603050405020304" pitchFamily="18" charset="0"/>
+              </a:rPr>
+              <a:t> </a:t>
+            </a:r>
+            <a:r>
+              <a:rPr kumimoji="0" lang="en-US" altLang="en-US" b="0" i="0" u="none" strike="noStrike" cap="none" normalizeH="0" baseline="0" dirty="0" err="1" smtClean="0">
+                <a:ln>
+                  <a:noFill/>
+                </a:ln>
+                <a:solidFill>
+                  <a:schemeClr val="tx1"/>
+                </a:solidFill>
+                <a:effectLst/>
+                <a:cs typeface="Times New Roman" panose="02020603050405020304" pitchFamily="18" charset="0"/>
+              </a:rPr>
+              <a:t>considérés</a:t>
+            </a:r>
+            <a:r>
+              <a:rPr kumimoji="0" lang="en-US" altLang="en-US" b="0" i="0" u="none" strike="noStrike" cap="none" normalizeH="0" baseline="0" dirty="0" smtClean="0">
+                <a:ln>
+                  <a:noFill/>
+                </a:ln>
+                <a:solidFill>
+                  <a:schemeClr val="tx1"/>
+                </a:solidFill>
+                <a:effectLst/>
+                <a:cs typeface="Times New Roman" panose="02020603050405020304" pitchFamily="18" charset="0"/>
+              </a:rPr>
+              <a:t> comme "Parents" </a:t>
+            </a:r>
+            <a:r>
+              <a:rPr kumimoji="0" lang="en-US" altLang="en-US" b="0" i="0" u="none" strike="noStrike" cap="none" normalizeH="0" baseline="0" dirty="0" err="1" smtClean="0">
+                <a:ln>
+                  <a:noFill/>
+                </a:ln>
+                <a:solidFill>
+                  <a:schemeClr val="tx1"/>
+                </a:solidFill>
+                <a:effectLst/>
+                <a:cs typeface="Times New Roman" panose="02020603050405020304" pitchFamily="18" charset="0"/>
+              </a:rPr>
+              <a:t>dans</a:t>
+            </a:r>
+            <a:r>
+              <a:rPr kumimoji="0" lang="en-US" altLang="en-US" b="0" i="0" u="none" strike="noStrike" cap="none" normalizeH="0" baseline="0" dirty="0" smtClean="0">
+                <a:ln>
+                  <a:noFill/>
+                </a:ln>
+                <a:solidFill>
+                  <a:schemeClr val="tx1"/>
+                </a:solidFill>
+                <a:effectLst/>
+                <a:cs typeface="Times New Roman" panose="02020603050405020304" pitchFamily="18" charset="0"/>
+              </a:rPr>
+              <a:t> </a:t>
+            </a:r>
+            <a:r>
+              <a:rPr kumimoji="0" lang="en-US" altLang="en-US" b="0" i="0" u="none" strike="noStrike" cap="none" normalizeH="0" baseline="0" dirty="0" err="1" smtClean="0">
+                <a:ln>
+                  <a:noFill/>
+                </a:ln>
+                <a:solidFill>
+                  <a:schemeClr val="tx1"/>
+                </a:solidFill>
+                <a:effectLst/>
+                <a:cs typeface="Times New Roman" panose="02020603050405020304" pitchFamily="18" charset="0"/>
+              </a:rPr>
+              <a:t>votre</a:t>
+            </a:r>
+            <a:r>
+              <a:rPr kumimoji="0" lang="en-US" altLang="en-US" b="0" i="0" u="none" strike="noStrike" cap="none" normalizeH="0" baseline="0" dirty="0" smtClean="0">
+                <a:ln>
+                  <a:noFill/>
+                </a:ln>
+                <a:solidFill>
+                  <a:schemeClr val="tx1"/>
+                </a:solidFill>
+                <a:effectLst/>
+                <a:cs typeface="Times New Roman" panose="02020603050405020304" pitchFamily="18" charset="0"/>
+              </a:rPr>
+              <a:t> application Python. </a:t>
+            </a:r>
+          </a:p>
+          <a:p>
+            <a:pPr lvl="2" eaLnBrk="0" fontAlgn="base" hangingPunct="0">
+              <a:spcBef>
+                <a:spcPct val="0"/>
+              </a:spcBef>
+              <a:spcAft>
+                <a:spcPct val="0"/>
+              </a:spcAft>
+            </a:pPr>
+            <a:endParaRPr kumimoji="0" lang="en-US" altLang="en-US" b="0" i="0" u="none" strike="noStrike" cap="none" normalizeH="0" baseline="0" dirty="0" smtClean="0">
+              <a:ln>
+                <a:noFill/>
+              </a:ln>
+              <a:solidFill>
+                <a:schemeClr val="tx1"/>
+              </a:solidFill>
+              <a:effectLst/>
+              <a:cs typeface="Times New Roman" panose="02020603050405020304" pitchFamily="18" charset="0"/>
+            </a:endParaRPr>
+          </a:p>
+          <a:p>
+            <a:pPr lvl="2" eaLnBrk="0" fontAlgn="base" hangingPunct="0">
+              <a:spcBef>
+                <a:spcPct val="0"/>
+              </a:spcBef>
+              <a:spcAft>
+                <a:spcPct val="0"/>
+              </a:spcAft>
+              <a:buFontTx/>
+              <a:buChar char="•"/>
+            </a:pPr>
+            <a:r>
+              <a:rPr kumimoji="0" lang="en-US" altLang="en-US" sz="2000" b="0" i="0" u="none" strike="noStrike" cap="none" normalizeH="0" baseline="0" dirty="0" err="1" smtClean="0">
+                <a:ln>
+                  <a:noFill/>
+                </a:ln>
+                <a:solidFill>
+                  <a:schemeClr val="accent5">
+                    <a:lumMod val="75000"/>
+                  </a:schemeClr>
+                </a:solidFill>
+                <a:effectLst/>
+                <a:cs typeface="Times New Roman" panose="02020603050405020304" pitchFamily="18" charset="0"/>
+              </a:rPr>
+              <a:t>moi_et_ma_soeur</a:t>
+            </a:r>
+            <a:r>
+              <a:rPr kumimoji="0" lang="en-US" altLang="en-US" sz="2000" b="0" i="0" u="none" strike="noStrike" cap="none" normalizeH="0" baseline="0" dirty="0" smtClean="0">
+                <a:ln>
+                  <a:noFill/>
+                </a:ln>
+                <a:solidFill>
+                  <a:schemeClr val="accent5">
+                    <a:lumMod val="75000"/>
+                  </a:schemeClr>
+                </a:solidFill>
+                <a:effectLst/>
+                <a:cs typeface="Times New Roman" panose="02020603050405020304" pitchFamily="18" charset="0"/>
+              </a:rPr>
+              <a:t>, cousine_1_cousin_1, cousine_2_3: </a:t>
+            </a:r>
+            <a:r>
+              <a:rPr kumimoji="0" lang="en-US" altLang="en-US" b="0" i="0" u="none" strike="noStrike" cap="none" normalizeH="0" baseline="0" dirty="0" smtClean="0">
+                <a:ln>
+                  <a:noFill/>
+                </a:ln>
+                <a:solidFill>
+                  <a:schemeClr val="tx1"/>
+                </a:solidFill>
+                <a:effectLst/>
+                <a:cs typeface="Times New Roman" panose="02020603050405020304" pitchFamily="18" charset="0"/>
+              </a:rPr>
+              <a:t>Tables pour les enfants de la génération </a:t>
+            </a:r>
+          </a:p>
+          <a:p>
+            <a:pPr lvl="2" eaLnBrk="0" fontAlgn="base" hangingPunct="0">
+              <a:spcBef>
+                <a:spcPct val="0"/>
+              </a:spcBef>
+              <a:spcAft>
+                <a:spcPct val="0"/>
+              </a:spcAft>
+            </a:pPr>
+            <a:r>
+              <a:rPr lang="en-US" altLang="en-US" dirty="0">
+                <a:cs typeface="Times New Roman" panose="02020603050405020304" pitchFamily="18" charset="0"/>
+              </a:rPr>
+              <a:t> </a:t>
+            </a:r>
+            <a:r>
+              <a:rPr lang="en-US" altLang="en-US" dirty="0" smtClean="0">
+                <a:cs typeface="Times New Roman" panose="02020603050405020304" pitchFamily="18" charset="0"/>
+              </a:rPr>
+              <a:t>                            </a:t>
+            </a:r>
+            <a:r>
+              <a:rPr kumimoji="0" lang="en-US" altLang="en-US" b="0" i="0" u="none" strike="noStrike" cap="none" normalizeH="0" baseline="0" dirty="0" smtClean="0">
+                <a:ln>
+                  <a:noFill/>
+                </a:ln>
+                <a:solidFill>
+                  <a:schemeClr val="tx1"/>
+                </a:solidFill>
+                <a:effectLst/>
+                <a:cs typeface="Times New Roman" panose="02020603050405020304" pitchFamily="18" charset="0"/>
+              </a:rPr>
+              <a:t>la plus </a:t>
+            </a:r>
+            <a:r>
+              <a:rPr kumimoji="0" lang="en-US" altLang="en-US" b="0" i="0" u="none" strike="noStrike" cap="none" normalizeH="0" baseline="0" dirty="0" err="1" smtClean="0">
+                <a:ln>
+                  <a:noFill/>
+                </a:ln>
+                <a:solidFill>
+                  <a:schemeClr val="tx1"/>
+                </a:solidFill>
+                <a:effectLst/>
+                <a:cs typeface="Times New Roman" panose="02020603050405020304" pitchFamily="18" charset="0"/>
+              </a:rPr>
+              <a:t>jeune</a:t>
+            </a:r>
+            <a:r>
+              <a:rPr kumimoji="0" lang="en-US" altLang="en-US" b="0" i="0" u="none" strike="noStrike" cap="none" normalizeH="0" baseline="0" dirty="0" smtClean="0">
+                <a:ln>
+                  <a:noFill/>
+                </a:ln>
+                <a:solidFill>
+                  <a:schemeClr val="tx1"/>
+                </a:solidFill>
+                <a:effectLst/>
+                <a:cs typeface="Times New Roman" panose="02020603050405020304" pitchFamily="18" charset="0"/>
+              </a:rPr>
+              <a:t>, </a:t>
+            </a:r>
+            <a:r>
+              <a:rPr kumimoji="0" lang="en-US" altLang="en-US" b="0" i="0" u="none" strike="noStrike" cap="none" normalizeH="0" baseline="0" dirty="0" err="1" smtClean="0">
+                <a:ln>
+                  <a:noFill/>
+                </a:ln>
+                <a:solidFill>
+                  <a:schemeClr val="tx1"/>
+                </a:solidFill>
+                <a:effectLst/>
+                <a:cs typeface="Times New Roman" panose="02020603050405020304" pitchFamily="18" charset="0"/>
+              </a:rPr>
+              <a:t>classées</a:t>
+            </a:r>
+            <a:r>
+              <a:rPr kumimoji="0" lang="en-US" altLang="en-US" b="0" i="0" u="none" strike="noStrike" cap="none" normalizeH="0" baseline="0" dirty="0" smtClean="0">
+                <a:ln>
+                  <a:noFill/>
+                </a:ln>
+                <a:solidFill>
+                  <a:schemeClr val="tx1"/>
+                </a:solidFill>
+                <a:effectLst/>
+                <a:cs typeface="Times New Roman" panose="02020603050405020304" pitchFamily="18" charset="0"/>
+              </a:rPr>
+              <a:t> par </a:t>
+            </a:r>
+            <a:r>
+              <a:rPr kumimoji="0" lang="en-US" altLang="en-US" b="0" i="0" u="none" strike="noStrike" cap="none" normalizeH="0" baseline="0" dirty="0" err="1" smtClean="0">
+                <a:ln>
+                  <a:noFill/>
+                </a:ln>
+                <a:solidFill>
+                  <a:schemeClr val="tx1"/>
+                </a:solidFill>
+                <a:effectLst/>
+                <a:cs typeface="Times New Roman" panose="02020603050405020304" pitchFamily="18" charset="0"/>
+              </a:rPr>
+              <a:t>groupes</a:t>
+            </a:r>
+            <a:r>
+              <a:rPr kumimoji="0" lang="en-US" altLang="en-US" b="0" i="0" u="none" strike="noStrike" cap="none" normalizeH="0" baseline="0" dirty="0" smtClean="0">
+                <a:ln>
+                  <a:noFill/>
+                </a:ln>
+                <a:solidFill>
+                  <a:schemeClr val="tx1"/>
+                </a:solidFill>
+                <a:effectLst/>
+                <a:cs typeface="Times New Roman" panose="02020603050405020304" pitchFamily="18" charset="0"/>
+              </a:rPr>
+              <a:t> </a:t>
+            </a:r>
+            <a:r>
+              <a:rPr kumimoji="0" lang="en-US" altLang="en-US" b="0" i="0" u="none" strike="noStrike" cap="none" normalizeH="0" baseline="0" dirty="0" err="1" smtClean="0">
+                <a:ln>
+                  <a:noFill/>
+                </a:ln>
+                <a:solidFill>
+                  <a:schemeClr val="tx1"/>
+                </a:solidFill>
+                <a:effectLst/>
+                <a:cs typeface="Times New Roman" panose="02020603050405020304" pitchFamily="18" charset="0"/>
+              </a:rPr>
+              <a:t>familiaux</a:t>
+            </a:r>
+            <a:r>
+              <a:rPr kumimoji="0" lang="en-US" altLang="en-US" b="0" i="0" u="none" strike="noStrike" cap="none" normalizeH="0" baseline="0" dirty="0" smtClean="0">
+                <a:ln>
+                  <a:noFill/>
+                </a:ln>
+                <a:solidFill>
+                  <a:schemeClr val="tx1"/>
+                </a:solidFill>
+                <a:effectLst/>
+                <a:cs typeface="Times New Roman" panose="02020603050405020304" pitchFamily="18" charset="0"/>
+              </a:rPr>
+              <a:t>. </a:t>
+            </a:r>
+          </a:p>
+          <a:p>
+            <a:pPr marL="0" marR="0" lvl="0" indent="0" algn="l" defTabSz="914400" rtl="0" eaLnBrk="0" fontAlgn="base" latinLnBrk="0" hangingPunct="0">
+              <a:lnSpc>
+                <a:spcPct val="100000"/>
+              </a:lnSpc>
+              <a:spcBef>
+                <a:spcPct val="0"/>
+              </a:spcBef>
+              <a:spcAft>
+                <a:spcPct val="0"/>
+              </a:spcAft>
+              <a:buClrTx/>
+              <a:buSzTx/>
+              <a:tabLst/>
+            </a:pPr>
+            <a:endParaRPr kumimoji="0" lang="en-US" altLang="en-US" b="0" i="0" u="none" strike="noStrike" cap="none" normalizeH="0" baseline="0" dirty="0" smtClean="0">
+              <a:ln>
+                <a:noFill/>
+              </a:ln>
+              <a:solidFill>
+                <a:schemeClr val="tx1"/>
+              </a:solidFill>
+              <a:effectLst/>
+              <a:cs typeface="Times New Roman" panose="02020603050405020304" pitchFamily="18" charset="0"/>
+            </a:endParaRPr>
+          </a:p>
+          <a:p>
+            <a:pPr marL="285750" marR="0" lvl="0" indent="-285750" algn="l" defTabSz="914400" rtl="0" eaLnBrk="0" fontAlgn="base" latinLnBrk="0" hangingPunct="0">
+              <a:lnSpc>
+                <a:spcPct val="100000"/>
+              </a:lnSpc>
+              <a:spcBef>
+                <a:spcPct val="0"/>
+              </a:spcBef>
+              <a:spcAft>
+                <a:spcPct val="0"/>
+              </a:spcAft>
+              <a:buClrTx/>
+              <a:buSzTx/>
+              <a:buFont typeface="Wingdings" panose="05000000000000000000" pitchFamily="2" charset="2"/>
+              <a:buChar char="q"/>
+              <a:tabLst/>
+            </a:pPr>
+            <a:r>
+              <a:rPr kumimoji="0" lang="en-US" altLang="en-US" b="1" i="0" u="none" strike="noStrike" cap="none" normalizeH="0" baseline="0" dirty="0" err="1" smtClean="0">
+                <a:ln>
+                  <a:noFill/>
+                </a:ln>
+                <a:solidFill>
+                  <a:schemeClr val="accent6">
+                    <a:lumMod val="75000"/>
+                  </a:schemeClr>
+                </a:solidFill>
+                <a:effectLst/>
+                <a:cs typeface="Times New Roman" panose="02020603050405020304" pitchFamily="18" charset="0"/>
+              </a:rPr>
+              <a:t>personnes</a:t>
+            </a:r>
+            <a:r>
+              <a:rPr kumimoji="0" lang="en-US" altLang="en-US" b="1" i="0" u="none" strike="noStrike" cap="none" normalizeH="0" baseline="0" dirty="0" smtClean="0">
+                <a:ln>
+                  <a:noFill/>
+                </a:ln>
+                <a:solidFill>
+                  <a:schemeClr val="tx1"/>
+                </a:solidFill>
+                <a:effectLst/>
+                <a:cs typeface="Times New Roman" panose="02020603050405020304" pitchFamily="18" charset="0"/>
+              </a:rPr>
+              <a:t> (TABLE CENTRALE):</a:t>
+            </a:r>
+            <a:r>
+              <a:rPr kumimoji="0" lang="en-US" altLang="en-US" b="0" i="0" u="none" strike="noStrike" cap="none" normalizeH="0" baseline="0" dirty="0" smtClean="0">
+                <a:ln>
+                  <a:noFill/>
+                </a:ln>
+                <a:solidFill>
+                  <a:schemeClr val="tx1"/>
+                </a:solidFill>
+                <a:effectLst/>
+                <a:cs typeface="Times New Roman" panose="02020603050405020304" pitchFamily="18" charset="0"/>
+              </a:rPr>
+              <a:t> </a:t>
+            </a:r>
+          </a:p>
+          <a:p>
+            <a:pPr marL="457200" marR="0" lvl="1" indent="0" algn="l" defTabSz="914400" rtl="0" eaLnBrk="0" fontAlgn="base" latinLnBrk="0" hangingPunct="0">
+              <a:lnSpc>
+                <a:spcPct val="100000"/>
+              </a:lnSpc>
+              <a:spcBef>
+                <a:spcPct val="0"/>
+              </a:spcBef>
+              <a:spcAft>
+                <a:spcPct val="0"/>
+              </a:spcAft>
+              <a:buClrTx/>
+              <a:buSzTx/>
+              <a:buFontTx/>
+              <a:buChar char="•"/>
+              <a:tabLst/>
+            </a:pPr>
+            <a:r>
+              <a:rPr kumimoji="0" lang="en-US" altLang="en-US" b="0" i="0" u="none" strike="noStrike" cap="none" normalizeH="0" baseline="0" dirty="0" err="1" smtClean="0">
+                <a:ln>
+                  <a:noFill/>
+                </a:ln>
+                <a:solidFill>
+                  <a:schemeClr val="tx1"/>
+                </a:solidFill>
+                <a:effectLst/>
+                <a:cs typeface="Times New Roman" panose="02020603050405020304" pitchFamily="18" charset="0"/>
+              </a:rPr>
+              <a:t>C'est</a:t>
+            </a:r>
+            <a:r>
+              <a:rPr kumimoji="0" lang="en-US" altLang="en-US" b="0" i="0" u="none" strike="noStrike" cap="none" normalizeH="0" baseline="0" dirty="0" smtClean="0">
+                <a:ln>
+                  <a:noFill/>
+                </a:ln>
+                <a:solidFill>
+                  <a:schemeClr val="tx1"/>
+                </a:solidFill>
+                <a:effectLst/>
+                <a:cs typeface="Times New Roman" panose="02020603050405020304" pitchFamily="18" charset="0"/>
+              </a:rPr>
+              <a:t> la table la plus </a:t>
+            </a:r>
+            <a:r>
+              <a:rPr kumimoji="0" lang="en-US" altLang="en-US" b="0" i="0" u="none" strike="noStrike" cap="none" normalizeH="0" baseline="0" dirty="0" err="1" smtClean="0">
+                <a:ln>
+                  <a:noFill/>
+                </a:ln>
+                <a:solidFill>
+                  <a:schemeClr val="tx1"/>
+                </a:solidFill>
+                <a:effectLst/>
+                <a:cs typeface="Times New Roman" panose="02020603050405020304" pitchFamily="18" charset="0"/>
+              </a:rPr>
+              <a:t>importante</a:t>
+            </a:r>
+            <a:r>
+              <a:rPr kumimoji="0" lang="en-US" altLang="en-US" b="0" i="0" u="none" strike="noStrike" cap="none" normalizeH="0" baseline="0" dirty="0" smtClean="0">
+                <a:ln>
+                  <a:noFill/>
+                </a:ln>
+                <a:solidFill>
+                  <a:schemeClr val="tx1"/>
+                </a:solidFill>
+                <a:effectLst/>
+                <a:cs typeface="Times New Roman" panose="02020603050405020304" pitchFamily="18" charset="0"/>
+              </a:rPr>
+              <a:t> pour la </a:t>
+            </a:r>
+            <a:r>
+              <a:rPr kumimoji="0" lang="en-US" altLang="en-US" b="0" i="0" u="none" strike="noStrike" cap="none" normalizeH="0" baseline="0" dirty="0" err="1" smtClean="0">
+                <a:ln>
+                  <a:noFill/>
+                </a:ln>
+                <a:solidFill>
+                  <a:schemeClr val="tx1"/>
+                </a:solidFill>
+                <a:effectLst/>
+                <a:cs typeface="Times New Roman" panose="02020603050405020304" pitchFamily="18" charset="0"/>
+              </a:rPr>
+              <a:t>logique</a:t>
+            </a:r>
+            <a:r>
+              <a:rPr kumimoji="0" lang="en-US" altLang="en-US" b="0" i="0" u="none" strike="noStrike" cap="none" normalizeH="0" baseline="0" dirty="0" smtClean="0">
+                <a:ln>
+                  <a:noFill/>
+                </a:ln>
+                <a:solidFill>
+                  <a:schemeClr val="tx1"/>
+                </a:solidFill>
+                <a:effectLst/>
+                <a:cs typeface="Times New Roman" panose="02020603050405020304" pitchFamily="18" charset="0"/>
+              </a:rPr>
+              <a:t> de </a:t>
+            </a:r>
+            <a:r>
+              <a:rPr kumimoji="0" lang="en-US" altLang="en-US" b="0" i="0" u="none" strike="noStrike" cap="none" normalizeH="0" baseline="0" dirty="0" err="1" smtClean="0">
+                <a:ln>
+                  <a:noFill/>
+                </a:ln>
+                <a:solidFill>
+                  <a:schemeClr val="tx1"/>
+                </a:solidFill>
+                <a:effectLst/>
+                <a:cs typeface="Times New Roman" panose="02020603050405020304" pitchFamily="18" charset="0"/>
+              </a:rPr>
+              <a:t>l'arbre</a:t>
+            </a:r>
+            <a:r>
+              <a:rPr kumimoji="0" lang="en-US" altLang="en-US" b="0" i="0" u="none" strike="noStrike" cap="none" normalizeH="0" baseline="0" dirty="0" smtClean="0">
+                <a:ln>
+                  <a:noFill/>
+                </a:ln>
+                <a:solidFill>
+                  <a:schemeClr val="tx1"/>
+                </a:solidFill>
+                <a:effectLst/>
+                <a:cs typeface="Times New Roman" panose="02020603050405020304" pitchFamily="18" charset="0"/>
+              </a:rPr>
+              <a:t>. </a:t>
+            </a:r>
+          </a:p>
+          <a:p>
+            <a:pPr marL="457200" marR="0" lvl="1" indent="0" algn="l" defTabSz="914400" rtl="0" eaLnBrk="0" fontAlgn="base" latinLnBrk="0" hangingPunct="0">
+              <a:lnSpc>
+                <a:spcPct val="100000"/>
+              </a:lnSpc>
+              <a:spcBef>
+                <a:spcPct val="0"/>
+              </a:spcBef>
+              <a:spcAft>
+                <a:spcPct val="0"/>
+              </a:spcAft>
+              <a:buClrTx/>
+              <a:buSzTx/>
+              <a:buFontTx/>
+              <a:buChar char="•"/>
+              <a:tabLst/>
+            </a:pPr>
+            <a:r>
+              <a:rPr kumimoji="0" lang="en-US" altLang="en-US" b="0" i="0" u="none" strike="noStrike" cap="none" normalizeH="0" baseline="0" dirty="0" smtClean="0">
+                <a:ln>
+                  <a:noFill/>
+                </a:ln>
+                <a:solidFill>
+                  <a:schemeClr val="tx1"/>
+                </a:solidFill>
+                <a:effectLst/>
+                <a:cs typeface="Times New Roman" panose="02020603050405020304" pitchFamily="18" charset="0"/>
+              </a:rPr>
+              <a:t>Elle </a:t>
+            </a:r>
+            <a:r>
+              <a:rPr kumimoji="0" lang="en-US" altLang="en-US" b="0" i="0" u="none" strike="noStrike" cap="none" normalizeH="0" baseline="0" dirty="0" err="1" smtClean="0">
+                <a:ln>
+                  <a:noFill/>
+                </a:ln>
+                <a:solidFill>
+                  <a:schemeClr val="tx1"/>
+                </a:solidFill>
+                <a:effectLst/>
+                <a:cs typeface="Times New Roman" panose="02020603050405020304" pitchFamily="18" charset="0"/>
+              </a:rPr>
+              <a:t>contienne</a:t>
+            </a:r>
+            <a:r>
+              <a:rPr kumimoji="0" lang="en-US" altLang="en-US" b="0" i="0" u="none" strike="noStrike" cap="none" normalizeH="0" baseline="0" dirty="0" smtClean="0">
+                <a:ln>
+                  <a:noFill/>
+                </a:ln>
+                <a:solidFill>
+                  <a:schemeClr val="tx1"/>
+                </a:solidFill>
+                <a:effectLst/>
+                <a:cs typeface="Times New Roman" panose="02020603050405020304" pitchFamily="18" charset="0"/>
+              </a:rPr>
+              <a:t> </a:t>
+            </a:r>
+            <a:r>
+              <a:rPr kumimoji="0" lang="en-US" altLang="en-US" b="0" i="0" u="none" strike="noStrike" cap="none" normalizeH="0" baseline="0" dirty="0" err="1" smtClean="0">
+                <a:ln>
+                  <a:noFill/>
+                </a:ln>
+                <a:solidFill>
+                  <a:schemeClr val="tx1"/>
+                </a:solidFill>
+                <a:effectLst/>
+                <a:cs typeface="Times New Roman" panose="02020603050405020304" pitchFamily="18" charset="0"/>
+              </a:rPr>
+              <a:t>toutes</a:t>
+            </a:r>
+            <a:r>
+              <a:rPr kumimoji="0" lang="en-US" altLang="en-US" b="0" i="0" u="none" strike="noStrike" cap="none" normalizeH="0" baseline="0" dirty="0" smtClean="0">
+                <a:ln>
+                  <a:noFill/>
+                </a:ln>
+                <a:solidFill>
+                  <a:schemeClr val="tx1"/>
+                </a:solidFill>
+                <a:effectLst/>
+                <a:cs typeface="Times New Roman" panose="02020603050405020304" pitchFamily="18" charset="0"/>
+              </a:rPr>
+              <a:t> les </a:t>
+            </a:r>
+            <a:r>
+              <a:rPr kumimoji="0" lang="en-US" altLang="en-US" b="0" i="0" u="none" strike="noStrike" cap="none" normalizeH="0" baseline="0" dirty="0" err="1" smtClean="0">
+                <a:ln>
+                  <a:noFill/>
+                </a:ln>
+                <a:solidFill>
+                  <a:schemeClr val="tx1"/>
+                </a:solidFill>
+                <a:effectLst/>
+                <a:cs typeface="Times New Roman" panose="02020603050405020304" pitchFamily="18" charset="0"/>
+              </a:rPr>
+              <a:t>personnes</a:t>
+            </a:r>
+            <a:r>
+              <a:rPr kumimoji="0" lang="en-US" altLang="en-US" b="0" i="0" u="none" strike="noStrike" cap="none" normalizeH="0" baseline="0" dirty="0" smtClean="0">
+                <a:ln>
+                  <a:noFill/>
+                </a:ln>
+                <a:solidFill>
+                  <a:schemeClr val="tx1"/>
+                </a:solidFill>
+                <a:effectLst/>
+                <a:cs typeface="Times New Roman" panose="02020603050405020304" pitchFamily="18" charset="0"/>
+              </a:rPr>
+              <a:t> de </a:t>
+            </a:r>
+            <a:r>
+              <a:rPr kumimoji="0" lang="en-US" altLang="en-US" b="0" i="0" u="none" strike="noStrike" cap="none" normalizeH="0" baseline="0" dirty="0" err="1" smtClean="0">
+                <a:ln>
+                  <a:noFill/>
+                </a:ln>
+                <a:solidFill>
+                  <a:schemeClr val="tx1"/>
+                </a:solidFill>
+                <a:effectLst/>
+                <a:cs typeface="Times New Roman" panose="02020603050405020304" pitchFamily="18" charset="0"/>
+              </a:rPr>
+              <a:t>l'arbre</a:t>
+            </a:r>
+            <a:r>
+              <a:rPr kumimoji="0" lang="en-US" altLang="en-US" b="0" i="0" u="none" strike="noStrike" cap="none" normalizeH="0" baseline="0" dirty="0" smtClean="0">
+                <a:ln>
+                  <a:noFill/>
+                </a:ln>
+                <a:solidFill>
+                  <a:schemeClr val="tx1"/>
+                </a:solidFill>
+                <a:effectLst/>
+                <a:cs typeface="Times New Roman" panose="02020603050405020304" pitchFamily="18" charset="0"/>
+              </a:rPr>
+              <a:t>. </a:t>
+            </a:r>
+          </a:p>
+          <a:p>
+            <a:pPr marL="457200" marR="0" lvl="1" indent="0" algn="l" defTabSz="914400" rtl="0" eaLnBrk="0" fontAlgn="base" latinLnBrk="0" hangingPunct="0">
+              <a:lnSpc>
+                <a:spcPct val="100000"/>
+              </a:lnSpc>
+              <a:spcBef>
+                <a:spcPct val="0"/>
+              </a:spcBef>
+              <a:spcAft>
+                <a:spcPct val="0"/>
+              </a:spcAft>
+              <a:buClrTx/>
+              <a:buSzTx/>
+              <a:buFontTx/>
+              <a:buChar char="•"/>
+              <a:tabLst/>
+            </a:pPr>
+            <a:endParaRPr lang="en-US" altLang="en-US" dirty="0">
+              <a:solidFill>
+                <a:schemeClr val="accent6">
+                  <a:lumMod val="75000"/>
+                </a:schemeClr>
+              </a:solidFill>
+              <a:cs typeface="Times New Roman" panose="02020603050405020304" pitchFamily="18" charset="0"/>
+            </a:endParaRPr>
+          </a:p>
+          <a:p>
+            <a:pPr marL="285750" indent="-285750" eaLnBrk="0" fontAlgn="base" hangingPunct="0">
+              <a:spcBef>
+                <a:spcPct val="0"/>
+              </a:spcBef>
+              <a:spcAft>
+                <a:spcPct val="0"/>
+              </a:spcAft>
+              <a:buFont typeface="Wingdings" panose="05000000000000000000" pitchFamily="2" charset="2"/>
+              <a:buChar char="q"/>
+            </a:pPr>
+            <a:r>
+              <a:rPr kumimoji="0" lang="en-US" altLang="en-US" b="1" i="0" u="none" strike="noStrike" cap="none" normalizeH="0" baseline="0" dirty="0" err="1" smtClean="0">
+                <a:ln>
+                  <a:noFill/>
+                </a:ln>
+                <a:solidFill>
+                  <a:schemeClr val="accent6">
+                    <a:lumMod val="75000"/>
+                  </a:schemeClr>
+                </a:solidFill>
+                <a:effectLst/>
+                <a:cs typeface="Times New Roman" panose="02020603050405020304" pitchFamily="18" charset="0"/>
+              </a:rPr>
+              <a:t>Clés</a:t>
+            </a:r>
+            <a:r>
+              <a:rPr kumimoji="0" lang="en-US" altLang="en-US" b="1" i="0" u="none" strike="noStrike" cap="none" normalizeH="0" baseline="0" dirty="0" smtClean="0">
+                <a:ln>
+                  <a:noFill/>
+                </a:ln>
+                <a:solidFill>
+                  <a:schemeClr val="accent6">
+                    <a:lumMod val="75000"/>
+                  </a:schemeClr>
+                </a:solidFill>
+                <a:effectLst/>
+                <a:cs typeface="Times New Roman" panose="02020603050405020304" pitchFamily="18" charset="0"/>
+              </a:rPr>
+              <a:t> </a:t>
+            </a:r>
+            <a:r>
+              <a:rPr kumimoji="0" lang="en-US" altLang="en-US" b="1" i="0" u="none" strike="noStrike" cap="none" normalizeH="0" baseline="0" dirty="0" err="1" smtClean="0">
+                <a:ln>
+                  <a:noFill/>
+                </a:ln>
+                <a:solidFill>
+                  <a:schemeClr val="accent6">
+                    <a:lumMod val="75000"/>
+                  </a:schemeClr>
+                </a:solidFill>
+                <a:effectLst/>
+                <a:cs typeface="Times New Roman" panose="02020603050405020304" pitchFamily="18" charset="0"/>
+              </a:rPr>
+              <a:t>étrangères</a:t>
+            </a:r>
+            <a:r>
+              <a:rPr kumimoji="0" lang="en-US" altLang="en-US" b="1" i="0" u="none" strike="noStrike" cap="none" normalizeH="0" baseline="0" dirty="0" smtClean="0">
+                <a:ln>
+                  <a:noFill/>
+                </a:ln>
+                <a:solidFill>
+                  <a:schemeClr val="accent6">
+                    <a:lumMod val="75000"/>
+                  </a:schemeClr>
+                </a:solidFill>
+                <a:effectLst/>
+                <a:cs typeface="Times New Roman" panose="02020603050405020304" pitchFamily="18" charset="0"/>
+              </a:rPr>
+              <a:t> :</a:t>
+            </a:r>
+            <a:r>
+              <a:rPr kumimoji="0" lang="en-US" altLang="en-US" b="0" i="0" u="none" strike="noStrike" cap="none" normalizeH="0" baseline="0" dirty="0" smtClean="0">
+                <a:ln>
+                  <a:noFill/>
+                </a:ln>
+                <a:solidFill>
+                  <a:schemeClr val="accent6">
+                    <a:lumMod val="75000"/>
+                  </a:schemeClr>
+                </a:solidFill>
+                <a:effectLst/>
+                <a:cs typeface="Times New Roman" panose="02020603050405020304" pitchFamily="18" charset="0"/>
+              </a:rPr>
+              <a:t> </a:t>
+            </a:r>
+            <a:r>
+              <a:rPr kumimoji="0" lang="en-US" altLang="en-US" b="0" i="0" u="none" strike="noStrike" cap="none" normalizeH="0" baseline="0" dirty="0" err="1" smtClean="0">
+                <a:ln>
+                  <a:noFill/>
+                </a:ln>
+                <a:solidFill>
+                  <a:schemeClr val="tx1"/>
+                </a:solidFill>
+                <a:effectLst/>
+                <a:cs typeface="Times New Roman" panose="02020603050405020304" pitchFamily="18" charset="0"/>
+              </a:rPr>
+              <a:t>Expliquez</a:t>
+            </a:r>
+            <a:r>
+              <a:rPr kumimoji="0" lang="en-US" altLang="en-US" b="0" i="0" u="none" strike="noStrike" cap="none" normalizeH="0" baseline="0" dirty="0" smtClean="0">
+                <a:ln>
+                  <a:noFill/>
+                </a:ln>
+                <a:solidFill>
+                  <a:schemeClr val="tx1"/>
+                </a:solidFill>
+                <a:effectLst/>
+                <a:cs typeface="Times New Roman" panose="02020603050405020304" pitchFamily="18" charset="0"/>
+              </a:rPr>
+              <a:t> comment </a:t>
+            </a:r>
+            <a:r>
+              <a:rPr kumimoji="0" lang="en-US" altLang="en-US" b="0" i="0" u="none" strike="noStrike" cap="none" normalizeH="0" baseline="0" dirty="0" err="1" smtClean="0">
+                <a:ln>
+                  <a:noFill/>
+                </a:ln>
+                <a:solidFill>
+                  <a:schemeClr val="tx1"/>
+                </a:solidFill>
+                <a:effectLst/>
+                <a:cs typeface="Times New Roman" panose="02020603050405020304" pitchFamily="18" charset="0"/>
+              </a:rPr>
+              <a:t>id_pere</a:t>
+            </a:r>
+            <a:r>
+              <a:rPr kumimoji="0" lang="en-US" altLang="en-US" b="0" i="0" u="none" strike="noStrike" cap="none" normalizeH="0" baseline="0" dirty="0" smtClean="0">
+                <a:ln>
+                  <a:noFill/>
+                </a:ln>
+                <a:solidFill>
+                  <a:schemeClr val="tx1"/>
+                </a:solidFill>
+                <a:effectLst/>
+                <a:cs typeface="Times New Roman" panose="02020603050405020304" pitchFamily="18" charset="0"/>
+              </a:rPr>
+              <a:t> et </a:t>
+            </a:r>
+            <a:r>
+              <a:rPr kumimoji="0" lang="en-US" altLang="en-US" b="0" i="0" u="none" strike="noStrike" cap="none" normalizeH="0" baseline="0" dirty="0" err="1" smtClean="0">
+                <a:ln>
+                  <a:noFill/>
+                </a:ln>
+                <a:solidFill>
+                  <a:schemeClr val="tx1"/>
+                </a:solidFill>
+                <a:effectLst/>
+                <a:cs typeface="Times New Roman" panose="02020603050405020304" pitchFamily="18" charset="0"/>
+              </a:rPr>
+              <a:t>id_mere</a:t>
+            </a:r>
+            <a:r>
+              <a:rPr kumimoji="0" lang="en-US" altLang="en-US" b="0" i="0" u="none" strike="noStrike" cap="none" normalizeH="0" baseline="0" dirty="0" smtClean="0">
+                <a:ln>
+                  <a:noFill/>
+                </a:ln>
+                <a:solidFill>
+                  <a:schemeClr val="tx1"/>
+                </a:solidFill>
+                <a:effectLst/>
+                <a:cs typeface="Times New Roman" panose="02020603050405020304" pitchFamily="18" charset="0"/>
+              </a:rPr>
+              <a:t> (</a:t>
+            </a:r>
+            <a:r>
+              <a:rPr kumimoji="0" lang="en-US" altLang="en-US" b="0" i="0" u="none" strike="noStrike" cap="none" normalizeH="0" baseline="0" dirty="0" err="1" smtClean="0">
+                <a:ln>
+                  <a:noFill/>
+                </a:ln>
+                <a:solidFill>
+                  <a:schemeClr val="tx1"/>
+                </a:solidFill>
+                <a:effectLst/>
+                <a:cs typeface="Times New Roman" panose="02020603050405020304" pitchFamily="18" charset="0"/>
+              </a:rPr>
+              <a:t>référençant</a:t>
+            </a:r>
+            <a:r>
+              <a:rPr kumimoji="0" lang="en-US" altLang="en-US" b="0" i="0" u="none" strike="noStrike" cap="none" normalizeH="0" baseline="0" dirty="0" smtClean="0">
+                <a:ln>
+                  <a:noFill/>
+                </a:ln>
+                <a:solidFill>
+                  <a:schemeClr val="tx1"/>
+                </a:solidFill>
+                <a:effectLst/>
+                <a:cs typeface="Times New Roman" panose="02020603050405020304" pitchFamily="18" charset="0"/>
+              </a:rPr>
+              <a:t> </a:t>
+            </a:r>
+            <a:r>
+              <a:rPr kumimoji="0" lang="en-US" altLang="en-US" b="0" i="0" u="none" strike="noStrike" cap="none" normalizeH="0" baseline="0" dirty="0" err="1" smtClean="0">
+                <a:ln>
+                  <a:noFill/>
+                </a:ln>
+                <a:solidFill>
+                  <a:schemeClr val="tx1"/>
+                </a:solidFill>
+                <a:effectLst/>
+                <a:cs typeface="Times New Roman" panose="02020603050405020304" pitchFamily="18" charset="0"/>
+              </a:rPr>
+              <a:t>id_personne</a:t>
+            </a:r>
+            <a:r>
+              <a:rPr kumimoji="0" lang="en-US" altLang="en-US" b="0" i="0" u="none" strike="noStrike" cap="none" normalizeH="0" baseline="0" dirty="0" smtClean="0">
+                <a:ln>
+                  <a:noFill/>
+                </a:ln>
+                <a:solidFill>
+                  <a:schemeClr val="tx1"/>
+                </a:solidFill>
+                <a:effectLst/>
+                <a:cs typeface="Times New Roman" panose="02020603050405020304" pitchFamily="18" charset="0"/>
+              </a:rPr>
+              <a:t> </a:t>
+            </a:r>
+            <a:r>
+              <a:rPr kumimoji="0" lang="en-US" altLang="en-US" b="0" i="0" u="none" strike="noStrike" cap="none" normalizeH="0" baseline="0" dirty="0" err="1" smtClean="0">
+                <a:ln>
+                  <a:noFill/>
+                </a:ln>
+                <a:solidFill>
+                  <a:schemeClr val="tx1"/>
+                </a:solidFill>
+                <a:effectLst/>
+                <a:cs typeface="Times New Roman" panose="02020603050405020304" pitchFamily="18" charset="0"/>
+              </a:rPr>
+              <a:t>dans</a:t>
+            </a:r>
+            <a:r>
+              <a:rPr kumimoji="0" lang="en-US" altLang="en-US" b="0" i="0" u="none" strike="noStrike" cap="none" normalizeH="0" baseline="0" dirty="0" smtClean="0">
+                <a:ln>
+                  <a:noFill/>
+                </a:ln>
+                <a:solidFill>
+                  <a:schemeClr val="tx1"/>
+                </a:solidFill>
+                <a:effectLst/>
+                <a:cs typeface="Times New Roman" panose="02020603050405020304" pitchFamily="18" charset="0"/>
+              </a:rPr>
+              <a:t> la </a:t>
+            </a:r>
+            <a:r>
+              <a:rPr kumimoji="0" lang="en-US" altLang="en-US" b="0" i="0" u="none" strike="noStrike" cap="none" normalizeH="0" baseline="0" dirty="0" err="1" smtClean="0">
+                <a:ln>
+                  <a:noFill/>
+                </a:ln>
+                <a:solidFill>
+                  <a:schemeClr val="tx1"/>
+                </a:solidFill>
+                <a:effectLst/>
+                <a:cs typeface="Times New Roman" panose="02020603050405020304" pitchFamily="18" charset="0"/>
+              </a:rPr>
+              <a:t>même</a:t>
+            </a:r>
+            <a:r>
+              <a:rPr kumimoji="0" lang="en-US" altLang="en-US" b="0" i="0" u="none" strike="noStrike" cap="none" normalizeH="0" baseline="0" dirty="0" smtClean="0">
+                <a:ln>
+                  <a:noFill/>
+                </a:ln>
+                <a:solidFill>
+                  <a:schemeClr val="tx1"/>
+                </a:solidFill>
+                <a:effectLst/>
+                <a:cs typeface="Times New Roman" panose="02020603050405020304" pitchFamily="18" charset="0"/>
+              </a:rPr>
+              <a:t> table) </a:t>
+            </a:r>
+            <a:r>
+              <a:rPr kumimoji="0" lang="en-US" altLang="en-US" b="0" i="0" u="none" strike="noStrike" cap="none" normalizeH="0" baseline="0" dirty="0" err="1" smtClean="0">
+                <a:ln>
+                  <a:noFill/>
+                </a:ln>
+                <a:solidFill>
+                  <a:schemeClr val="tx1"/>
+                </a:solidFill>
+                <a:effectLst/>
+                <a:cs typeface="Times New Roman" panose="02020603050405020304" pitchFamily="18" charset="0"/>
+              </a:rPr>
+              <a:t>sont</a:t>
+            </a:r>
+            <a:r>
+              <a:rPr kumimoji="0" lang="en-US" altLang="en-US" b="0" i="0" u="none" strike="noStrike" cap="none" normalizeH="0" baseline="0" dirty="0" smtClean="0">
+                <a:ln>
+                  <a:noFill/>
+                </a:ln>
+                <a:solidFill>
+                  <a:schemeClr val="tx1"/>
+                </a:solidFill>
+                <a:effectLst/>
+                <a:cs typeface="Times New Roman" panose="02020603050405020304" pitchFamily="18" charset="0"/>
+              </a:rPr>
+              <a:t> </a:t>
+            </a:r>
+            <a:r>
+              <a:rPr kumimoji="0" lang="en-US" altLang="en-US" b="0" i="0" u="none" strike="noStrike" cap="none" normalizeH="0" baseline="0" dirty="0" err="1" smtClean="0">
+                <a:ln>
+                  <a:noFill/>
+                </a:ln>
+                <a:solidFill>
+                  <a:schemeClr val="tx1"/>
+                </a:solidFill>
+                <a:effectLst/>
+                <a:cs typeface="Times New Roman" panose="02020603050405020304" pitchFamily="18" charset="0"/>
+              </a:rPr>
+              <a:t>utilisées</a:t>
+            </a:r>
+            <a:r>
+              <a:rPr kumimoji="0" lang="en-US" altLang="en-US" b="0" i="0" u="none" strike="noStrike" cap="none" normalizeH="0" baseline="0" dirty="0" smtClean="0">
+                <a:ln>
+                  <a:noFill/>
+                </a:ln>
+                <a:solidFill>
+                  <a:schemeClr val="tx1"/>
+                </a:solidFill>
+                <a:effectLst/>
+                <a:cs typeface="Times New Roman" panose="02020603050405020304" pitchFamily="18" charset="0"/>
+              </a:rPr>
+              <a:t> pour </a:t>
+            </a:r>
+            <a:r>
+              <a:rPr kumimoji="0" lang="en-US" altLang="en-US" b="0" i="0" u="none" strike="noStrike" cap="none" normalizeH="0" baseline="0" dirty="0" err="1" smtClean="0">
+                <a:ln>
+                  <a:noFill/>
+                </a:ln>
+                <a:solidFill>
+                  <a:schemeClr val="tx1"/>
+                </a:solidFill>
+                <a:effectLst/>
+                <a:cs typeface="Times New Roman" panose="02020603050405020304" pitchFamily="18" charset="0"/>
+              </a:rPr>
+              <a:t>établir</a:t>
+            </a:r>
+            <a:r>
+              <a:rPr kumimoji="0" lang="en-US" altLang="en-US" b="0" i="0" u="none" strike="noStrike" cap="none" normalizeH="0" baseline="0" dirty="0" smtClean="0">
+                <a:ln>
+                  <a:noFill/>
+                </a:ln>
+                <a:solidFill>
+                  <a:schemeClr val="tx1"/>
+                </a:solidFill>
+                <a:effectLst/>
+                <a:cs typeface="Times New Roman" panose="02020603050405020304" pitchFamily="18" charset="0"/>
+              </a:rPr>
+              <a:t> les liens de filiation. </a:t>
+            </a:r>
+            <a:r>
+              <a:rPr kumimoji="0" lang="en-US" altLang="en-US" b="0" i="0" u="none" strike="noStrike" cap="none" normalizeH="0" baseline="0" dirty="0" err="1" smtClean="0">
+                <a:ln>
+                  <a:noFill/>
+                </a:ln>
+                <a:solidFill>
+                  <a:schemeClr val="tx1"/>
+                </a:solidFill>
+                <a:effectLst/>
+                <a:cs typeface="Times New Roman" panose="02020603050405020304" pitchFamily="18" charset="0"/>
+              </a:rPr>
+              <a:t>Soulignez</a:t>
+            </a:r>
+            <a:r>
+              <a:rPr kumimoji="0" lang="en-US" altLang="en-US" b="0" i="0" u="none" strike="noStrike" cap="none" normalizeH="0" baseline="0" dirty="0" smtClean="0">
+                <a:ln>
+                  <a:noFill/>
+                </a:ln>
+                <a:solidFill>
+                  <a:schemeClr val="tx1"/>
+                </a:solidFill>
+                <a:effectLst/>
+                <a:cs typeface="Times New Roman" panose="02020603050405020304" pitchFamily="18" charset="0"/>
+              </a:rPr>
+              <a:t> que </a:t>
+            </a:r>
+            <a:r>
+              <a:rPr kumimoji="0" lang="en-US" altLang="en-US" b="0" i="0" u="none" strike="noStrike" cap="none" normalizeH="0" baseline="0" dirty="0" err="1" smtClean="0">
+                <a:ln>
+                  <a:noFill/>
+                </a:ln>
+                <a:solidFill>
+                  <a:schemeClr val="tx1"/>
+                </a:solidFill>
+                <a:effectLst/>
+                <a:cs typeface="Times New Roman" panose="02020603050405020304" pitchFamily="18" charset="0"/>
+              </a:rPr>
+              <a:t>c'est</a:t>
+            </a:r>
+            <a:r>
+              <a:rPr kumimoji="0" lang="en-US" altLang="en-US" b="0" i="0" u="none" strike="noStrike" cap="none" normalizeH="0" baseline="0" dirty="0" smtClean="0">
+                <a:ln>
+                  <a:noFill/>
+                </a:ln>
+                <a:solidFill>
+                  <a:schemeClr val="tx1"/>
+                </a:solidFill>
+                <a:effectLst/>
+                <a:cs typeface="Times New Roman" panose="02020603050405020304" pitchFamily="18" charset="0"/>
+              </a:rPr>
+              <a:t> </a:t>
+            </a:r>
+            <a:r>
+              <a:rPr kumimoji="0" lang="en-US" altLang="en-US" b="0" i="0" u="none" strike="noStrike" cap="none" normalizeH="0" baseline="0" dirty="0" err="1" smtClean="0">
+                <a:ln>
+                  <a:noFill/>
+                </a:ln>
+                <a:solidFill>
+                  <a:schemeClr val="tx1"/>
+                </a:solidFill>
+                <a:effectLst/>
+                <a:cs typeface="Times New Roman" panose="02020603050405020304" pitchFamily="18" charset="0"/>
+              </a:rPr>
+              <a:t>ce</a:t>
+            </a:r>
+            <a:r>
+              <a:rPr kumimoji="0" lang="en-US" altLang="en-US" b="0" i="0" u="none" strike="noStrike" cap="none" normalizeH="0" baseline="0" dirty="0" smtClean="0">
+                <a:ln>
+                  <a:noFill/>
+                </a:ln>
+                <a:solidFill>
+                  <a:schemeClr val="tx1"/>
+                </a:solidFill>
+                <a:effectLst/>
+                <a:cs typeface="Times New Roman" panose="02020603050405020304" pitchFamily="18" charset="0"/>
+              </a:rPr>
+              <a:t> qui </a:t>
+            </a:r>
+            <a:r>
+              <a:rPr kumimoji="0" lang="en-US" altLang="en-US" b="0" i="0" u="none" strike="noStrike" cap="none" normalizeH="0" baseline="0" dirty="0" err="1" smtClean="0">
+                <a:ln>
+                  <a:noFill/>
+                </a:ln>
+                <a:solidFill>
+                  <a:schemeClr val="tx1"/>
+                </a:solidFill>
+                <a:effectLst/>
+                <a:cs typeface="Times New Roman" panose="02020603050405020304" pitchFamily="18" charset="0"/>
+              </a:rPr>
+              <a:t>permet</a:t>
+            </a:r>
+            <a:r>
+              <a:rPr kumimoji="0" lang="en-US" altLang="en-US" b="0" i="0" u="none" strike="noStrike" cap="none" normalizeH="0" baseline="0" dirty="0" smtClean="0">
+                <a:ln>
+                  <a:noFill/>
+                </a:ln>
+                <a:solidFill>
+                  <a:schemeClr val="tx1"/>
+                </a:solidFill>
+                <a:effectLst/>
+                <a:cs typeface="Times New Roman" panose="02020603050405020304" pitchFamily="18" charset="0"/>
+              </a:rPr>
+              <a:t> de savoir qui </a:t>
+            </a:r>
+            <a:r>
+              <a:rPr kumimoji="0" lang="en-US" altLang="en-US" b="0" i="0" u="none" strike="noStrike" cap="none" normalizeH="0" baseline="0" dirty="0" err="1" smtClean="0">
+                <a:ln>
+                  <a:noFill/>
+                </a:ln>
+                <a:solidFill>
+                  <a:schemeClr val="tx1"/>
+                </a:solidFill>
+                <a:effectLst/>
+                <a:cs typeface="Times New Roman" panose="02020603050405020304" pitchFamily="18" charset="0"/>
+              </a:rPr>
+              <a:t>est</a:t>
+            </a:r>
+            <a:r>
+              <a:rPr kumimoji="0" lang="en-US" altLang="en-US" b="0" i="0" u="none" strike="noStrike" cap="none" normalizeH="0" baseline="0" dirty="0" smtClean="0">
+                <a:ln>
+                  <a:noFill/>
+                </a:ln>
+                <a:solidFill>
+                  <a:schemeClr val="tx1"/>
+                </a:solidFill>
+                <a:effectLst/>
+                <a:cs typeface="Times New Roman" panose="02020603050405020304" pitchFamily="18" charset="0"/>
+              </a:rPr>
+              <a:t> </a:t>
+            </a:r>
+            <a:r>
+              <a:rPr kumimoji="0" lang="en-US" altLang="en-US" b="0" i="0" u="none" strike="noStrike" cap="none" normalizeH="0" baseline="0" dirty="0" err="1" smtClean="0">
+                <a:ln>
+                  <a:noFill/>
+                </a:ln>
+                <a:solidFill>
+                  <a:schemeClr val="tx1"/>
+                </a:solidFill>
+                <a:effectLst/>
+                <a:cs typeface="Times New Roman" panose="02020603050405020304" pitchFamily="18" charset="0"/>
+              </a:rPr>
+              <a:t>l'enfant</a:t>
+            </a:r>
+            <a:r>
+              <a:rPr kumimoji="0" lang="en-US" altLang="en-US" b="0" i="0" u="none" strike="noStrike" cap="none" normalizeH="0" baseline="0" dirty="0" smtClean="0">
+                <a:ln>
+                  <a:noFill/>
+                </a:ln>
+                <a:solidFill>
+                  <a:schemeClr val="tx1"/>
+                </a:solidFill>
+                <a:effectLst/>
+                <a:cs typeface="Times New Roman" panose="02020603050405020304" pitchFamily="18" charset="0"/>
+              </a:rPr>
+              <a:t> de qui. </a:t>
+            </a:r>
+          </a:p>
+          <a:p>
+            <a:pPr marL="457200" marR="0" lvl="1" indent="0" algn="l" defTabSz="914400" rtl="0" eaLnBrk="0" fontAlgn="base" latinLnBrk="0" hangingPunct="0">
+              <a:lnSpc>
+                <a:spcPct val="100000"/>
+              </a:lnSpc>
+              <a:spcBef>
+                <a:spcPct val="0"/>
+              </a:spcBef>
+              <a:spcAft>
+                <a:spcPct val="0"/>
+              </a:spcAft>
+              <a:buClrTx/>
+              <a:buSzTx/>
+              <a:tabLst/>
+            </a:pPr>
+            <a:endParaRPr kumimoji="0" lang="en-US" altLang="en-US" b="0" i="0" u="none" strike="noStrike" cap="none" normalizeH="0" baseline="0" dirty="0" smtClean="0">
+              <a:ln>
+                <a:noFill/>
+              </a:ln>
+              <a:solidFill>
+                <a:schemeClr val="tx1"/>
+              </a:solidFill>
+              <a:effectLst/>
+              <a:cs typeface="Times New Roman" panose="02020603050405020304" pitchFamily="18" charset="0"/>
+            </a:endParaRPr>
+          </a:p>
+          <a:p>
+            <a:pPr marL="457200" marR="0" lvl="1" indent="0" algn="l" defTabSz="914400" rtl="0" eaLnBrk="0" fontAlgn="base" latinLnBrk="0" hangingPunct="0">
+              <a:lnSpc>
+                <a:spcPct val="100000"/>
+              </a:lnSpc>
+              <a:spcBef>
+                <a:spcPct val="0"/>
+              </a:spcBef>
+              <a:spcAft>
+                <a:spcPct val="0"/>
+              </a:spcAft>
+              <a:buClrTx/>
+              <a:buSzTx/>
+              <a:buFontTx/>
+              <a:buChar char="•"/>
+              <a:tabLst/>
+            </a:pPr>
+            <a:r>
+              <a:rPr kumimoji="0" lang="en-US" altLang="en-US" b="0" i="0" u="none" strike="noStrike" cap="none" normalizeH="0" baseline="0" dirty="0" err="1" smtClean="0">
+                <a:ln>
+                  <a:noFill/>
+                </a:ln>
+                <a:solidFill>
+                  <a:schemeClr val="tx1"/>
+                </a:solidFill>
+                <a:effectLst/>
+                <a:cs typeface="Times New Roman" panose="02020603050405020304" pitchFamily="18" charset="0"/>
+              </a:rPr>
+              <a:t>Mentionnez</a:t>
+            </a:r>
+            <a:r>
+              <a:rPr kumimoji="0" lang="en-US" altLang="en-US" b="0" i="0" u="none" strike="noStrike" cap="none" normalizeH="0" baseline="0" dirty="0" smtClean="0">
+                <a:ln>
+                  <a:noFill/>
+                </a:ln>
+                <a:solidFill>
+                  <a:schemeClr val="tx1"/>
+                </a:solidFill>
+                <a:effectLst/>
+                <a:cs typeface="Times New Roman" panose="02020603050405020304" pitchFamily="18" charset="0"/>
+              </a:rPr>
+              <a:t> les </a:t>
+            </a:r>
+            <a:r>
+              <a:rPr kumimoji="0" lang="en-US" altLang="en-US" b="0" i="0" u="none" strike="noStrike" cap="none" normalizeH="0" baseline="0" dirty="0" err="1" smtClean="0">
+                <a:ln>
+                  <a:noFill/>
+                </a:ln>
+                <a:solidFill>
+                  <a:schemeClr val="tx1"/>
+                </a:solidFill>
+                <a:effectLst/>
+                <a:cs typeface="Times New Roman" panose="02020603050405020304" pitchFamily="18" charset="0"/>
+              </a:rPr>
+              <a:t>autres</a:t>
+            </a:r>
+            <a:r>
+              <a:rPr kumimoji="0" lang="en-US" altLang="en-US" b="0" i="0" u="none" strike="noStrike" cap="none" normalizeH="0" baseline="0" dirty="0" smtClean="0">
+                <a:ln>
+                  <a:noFill/>
+                </a:ln>
+                <a:solidFill>
+                  <a:schemeClr val="tx1"/>
+                </a:solidFill>
+                <a:effectLst/>
+                <a:cs typeface="Times New Roman" panose="02020603050405020304" pitchFamily="18" charset="0"/>
+              </a:rPr>
+              <a:t> champs comme </a:t>
+            </a:r>
+            <a:r>
+              <a:rPr kumimoji="0" lang="en-US" altLang="en-US" b="0" i="0" u="none" strike="noStrike" cap="none" normalizeH="0" baseline="0" dirty="0" err="1" smtClean="0">
+                <a:ln>
+                  <a:noFill/>
+                </a:ln>
+                <a:solidFill>
+                  <a:schemeClr val="tx1"/>
+                </a:solidFill>
+                <a:effectLst/>
+                <a:cs typeface="Times New Roman" panose="02020603050405020304" pitchFamily="18" charset="0"/>
+              </a:rPr>
+              <a:t>sexe</a:t>
+            </a:r>
+            <a:r>
+              <a:rPr kumimoji="0" lang="en-US" altLang="en-US" b="0" i="0" u="none" strike="noStrike" cap="none" normalizeH="0" baseline="0" dirty="0" smtClean="0">
+                <a:ln>
+                  <a:noFill/>
+                </a:ln>
+                <a:solidFill>
+                  <a:schemeClr val="tx1"/>
+                </a:solidFill>
+                <a:effectLst/>
+                <a:cs typeface="Times New Roman" panose="02020603050405020304" pitchFamily="18" charset="0"/>
+              </a:rPr>
+              <a:t> et </a:t>
+            </a:r>
+            <a:r>
+              <a:rPr kumimoji="0" lang="en-US" altLang="en-US" b="0" i="0" u="none" strike="noStrike" cap="none" normalizeH="0" baseline="0" dirty="0" err="1" smtClean="0">
+                <a:ln>
+                  <a:noFill/>
+                </a:ln>
+                <a:solidFill>
+                  <a:schemeClr val="tx1"/>
+                </a:solidFill>
+                <a:effectLst/>
+                <a:cs typeface="Times New Roman" panose="02020603050405020304" pitchFamily="18" charset="0"/>
+              </a:rPr>
+              <a:t>id_conjoint</a:t>
+            </a:r>
+            <a:r>
+              <a:rPr kumimoji="0" lang="en-US" altLang="en-US" b="0" i="0" u="none" strike="noStrike" cap="none" normalizeH="0" baseline="0" dirty="0" smtClean="0">
+                <a:ln>
+                  <a:noFill/>
+                </a:ln>
+                <a:solidFill>
+                  <a:schemeClr val="tx1"/>
+                </a:solidFill>
+                <a:effectLst/>
+                <a:cs typeface="Times New Roman" panose="02020603050405020304" pitchFamily="18" charset="0"/>
+              </a:rPr>
+              <a:t>, </a:t>
+            </a:r>
+            <a:r>
+              <a:rPr kumimoji="0" lang="en-US" altLang="en-US" b="0" i="0" u="none" strike="noStrike" cap="none" normalizeH="0" baseline="0" dirty="0" err="1" smtClean="0">
+                <a:ln>
+                  <a:noFill/>
+                </a:ln>
+                <a:solidFill>
+                  <a:schemeClr val="tx1"/>
+                </a:solidFill>
+                <a:effectLst/>
+                <a:cs typeface="Times New Roman" panose="02020603050405020304" pitchFamily="18" charset="0"/>
+              </a:rPr>
+              <a:t>même</a:t>
+            </a:r>
+            <a:r>
+              <a:rPr kumimoji="0" lang="en-US" altLang="en-US" b="0" i="0" u="none" strike="noStrike" cap="none" normalizeH="0" baseline="0" dirty="0" smtClean="0">
+                <a:ln>
+                  <a:noFill/>
+                </a:ln>
+                <a:solidFill>
+                  <a:schemeClr val="tx1"/>
+                </a:solidFill>
+                <a:effectLst/>
+                <a:cs typeface="Times New Roman" panose="02020603050405020304" pitchFamily="18" charset="0"/>
+              </a:rPr>
+              <a:t> </a:t>
+            </a:r>
+            <a:r>
+              <a:rPr kumimoji="0" lang="en-US" altLang="en-US" b="0" i="0" u="none" strike="noStrike" cap="none" normalizeH="0" baseline="0" dirty="0" err="1" smtClean="0">
+                <a:ln>
+                  <a:noFill/>
+                </a:ln>
+                <a:solidFill>
+                  <a:schemeClr val="tx1"/>
+                </a:solidFill>
+                <a:effectLst/>
+                <a:cs typeface="Times New Roman" panose="02020603050405020304" pitchFamily="18" charset="0"/>
+              </a:rPr>
+              <a:t>s'ils</a:t>
+            </a:r>
+            <a:r>
+              <a:rPr kumimoji="0" lang="en-US" altLang="en-US" b="0" i="0" u="none" strike="noStrike" cap="none" normalizeH="0" baseline="0" dirty="0" smtClean="0">
+                <a:ln>
+                  <a:noFill/>
+                </a:ln>
+                <a:solidFill>
+                  <a:schemeClr val="tx1"/>
+                </a:solidFill>
+                <a:effectLst/>
+                <a:cs typeface="Times New Roman" panose="02020603050405020304" pitchFamily="18" charset="0"/>
+              </a:rPr>
+              <a:t> ne </a:t>
+            </a:r>
+            <a:r>
+              <a:rPr kumimoji="0" lang="en-US" altLang="en-US" b="0" i="0" u="none" strike="noStrike" cap="none" normalizeH="0" baseline="0" dirty="0" err="1" smtClean="0">
+                <a:ln>
+                  <a:noFill/>
+                </a:ln>
+                <a:solidFill>
+                  <a:schemeClr val="tx1"/>
+                </a:solidFill>
+                <a:effectLst/>
+                <a:cs typeface="Times New Roman" panose="02020603050405020304" pitchFamily="18" charset="0"/>
+              </a:rPr>
+              <a:t>sont</a:t>
+            </a:r>
+            <a:r>
+              <a:rPr kumimoji="0" lang="en-US" altLang="en-US" b="0" i="0" u="none" strike="noStrike" cap="none" normalizeH="0" baseline="0" dirty="0" smtClean="0">
+                <a:ln>
+                  <a:noFill/>
+                </a:ln>
+                <a:solidFill>
+                  <a:schemeClr val="tx1"/>
+                </a:solidFill>
+                <a:effectLst/>
+                <a:cs typeface="Times New Roman" panose="02020603050405020304" pitchFamily="18" charset="0"/>
+              </a:rPr>
+              <a:t> pas </a:t>
+            </a:r>
+            <a:r>
+              <a:rPr kumimoji="0" lang="en-US" altLang="en-US" b="0" i="0" u="none" strike="noStrike" cap="none" normalizeH="0" baseline="0" dirty="0" err="1" smtClean="0">
+                <a:ln>
+                  <a:noFill/>
+                </a:ln>
+                <a:solidFill>
+                  <a:schemeClr val="tx1"/>
+                </a:solidFill>
+                <a:effectLst/>
+                <a:cs typeface="Times New Roman" panose="02020603050405020304" pitchFamily="18" charset="0"/>
+              </a:rPr>
+              <a:t>tous</a:t>
+            </a:r>
+            <a:r>
+              <a:rPr kumimoji="0" lang="en-US" altLang="en-US" b="0" i="0" u="none" strike="noStrike" cap="none" normalizeH="0" baseline="0" dirty="0" smtClean="0">
+                <a:ln>
+                  <a:noFill/>
+                </a:ln>
+                <a:solidFill>
+                  <a:schemeClr val="tx1"/>
+                </a:solidFill>
+                <a:effectLst/>
+                <a:cs typeface="Times New Roman" panose="02020603050405020304" pitchFamily="18" charset="0"/>
+              </a:rPr>
+              <a:t> </a:t>
+            </a:r>
+            <a:r>
+              <a:rPr kumimoji="0" lang="en-US" altLang="en-US" b="0" i="0" u="none" strike="noStrike" cap="none" normalizeH="0" baseline="0" dirty="0" err="1" smtClean="0">
+                <a:ln>
+                  <a:noFill/>
+                </a:ln>
+                <a:solidFill>
+                  <a:schemeClr val="tx1"/>
+                </a:solidFill>
+                <a:effectLst/>
+                <a:cs typeface="Times New Roman" panose="02020603050405020304" pitchFamily="18" charset="0"/>
+              </a:rPr>
+              <a:t>utilisés</a:t>
+            </a:r>
+            <a:r>
+              <a:rPr kumimoji="0" lang="en-US" altLang="en-US" b="0" i="0" u="none" strike="noStrike" cap="none" normalizeH="0" baseline="0" dirty="0" smtClean="0">
+                <a:ln>
+                  <a:noFill/>
+                </a:ln>
+                <a:solidFill>
+                  <a:schemeClr val="tx1"/>
+                </a:solidFill>
+                <a:effectLst/>
+                <a:cs typeface="Times New Roman" panose="02020603050405020304" pitchFamily="18" charset="0"/>
+              </a:rPr>
+              <a:t> </a:t>
+            </a:r>
+            <a:r>
+              <a:rPr kumimoji="0" lang="en-US" altLang="en-US" b="0" i="0" u="none" strike="noStrike" cap="none" normalizeH="0" baseline="0" dirty="0" err="1" smtClean="0">
+                <a:ln>
+                  <a:noFill/>
+                </a:ln>
+                <a:solidFill>
+                  <a:schemeClr val="tx1"/>
+                </a:solidFill>
+                <a:effectLst/>
+                <a:cs typeface="Times New Roman" panose="02020603050405020304" pitchFamily="18" charset="0"/>
+              </a:rPr>
+              <a:t>dans</a:t>
+            </a:r>
+            <a:r>
+              <a:rPr kumimoji="0" lang="en-US" altLang="en-US" b="0" i="0" u="none" strike="noStrike" cap="none" normalizeH="0" baseline="0" dirty="0" smtClean="0">
+                <a:ln>
+                  <a:noFill/>
+                </a:ln>
+                <a:solidFill>
+                  <a:schemeClr val="tx1"/>
+                </a:solidFill>
+                <a:effectLst/>
+                <a:cs typeface="Times New Roman" panose="02020603050405020304" pitchFamily="18" charset="0"/>
+              </a:rPr>
+              <a:t> </a:t>
+            </a:r>
+            <a:r>
+              <a:rPr kumimoji="0" lang="en-US" altLang="en-US" b="0" i="0" u="none" strike="noStrike" cap="none" normalizeH="0" baseline="0" dirty="0" err="1" smtClean="0">
+                <a:ln>
+                  <a:noFill/>
+                </a:ln>
+                <a:solidFill>
+                  <a:schemeClr val="tx1"/>
+                </a:solidFill>
+                <a:effectLst/>
+                <a:cs typeface="Times New Roman" panose="02020603050405020304" pitchFamily="18" charset="0"/>
+              </a:rPr>
+              <a:t>l'affichage</a:t>
+            </a:r>
+            <a:r>
+              <a:rPr kumimoji="0" lang="en-US" altLang="en-US" b="0" i="0" u="none" strike="noStrike" cap="none" normalizeH="0" baseline="0" dirty="0" smtClean="0">
+                <a:ln>
+                  <a:noFill/>
+                </a:ln>
+                <a:solidFill>
+                  <a:schemeClr val="tx1"/>
+                </a:solidFill>
+                <a:effectLst/>
+                <a:cs typeface="Times New Roman" panose="02020603050405020304" pitchFamily="18" charset="0"/>
+              </a:rPr>
+              <a:t> </a:t>
+            </a:r>
+            <a:r>
+              <a:rPr kumimoji="0" lang="en-US" altLang="en-US" b="0" i="0" u="none" strike="noStrike" cap="none" normalizeH="0" baseline="0" dirty="0" err="1" smtClean="0">
+                <a:ln>
+                  <a:noFill/>
+                </a:ln>
+                <a:solidFill>
+                  <a:schemeClr val="tx1"/>
+                </a:solidFill>
+                <a:effectLst/>
+                <a:cs typeface="Times New Roman" panose="02020603050405020304" pitchFamily="18" charset="0"/>
+              </a:rPr>
+              <a:t>actuel</a:t>
+            </a:r>
+            <a:r>
+              <a:rPr kumimoji="0" lang="en-US" altLang="en-US" b="0" i="0" u="none" strike="noStrike" cap="none" normalizeH="0" baseline="0" dirty="0" smtClean="0">
+                <a:ln>
+                  <a:noFill/>
+                </a:ln>
+                <a:solidFill>
+                  <a:schemeClr val="tx1"/>
+                </a:solidFill>
+                <a:effectLst/>
+                <a:cs typeface="Times New Roman" panose="02020603050405020304" pitchFamily="18" charset="0"/>
+              </a:rPr>
+              <a:t>, </a:t>
+            </a:r>
+            <a:r>
+              <a:rPr kumimoji="0" lang="en-US" altLang="en-US" b="0" i="0" u="none" strike="noStrike" cap="none" normalizeH="0" baseline="0" dirty="0" err="1" smtClean="0">
+                <a:ln>
+                  <a:noFill/>
+                </a:ln>
+                <a:solidFill>
+                  <a:schemeClr val="tx1"/>
+                </a:solidFill>
+                <a:effectLst/>
+                <a:cs typeface="Times New Roman" panose="02020603050405020304" pitchFamily="18" charset="0"/>
+              </a:rPr>
+              <a:t>ils</a:t>
+            </a:r>
+            <a:r>
+              <a:rPr kumimoji="0" lang="en-US" altLang="en-US" b="0" i="0" u="none" strike="noStrike" cap="none" normalizeH="0" baseline="0" dirty="0" smtClean="0">
+                <a:ln>
+                  <a:noFill/>
+                </a:ln>
+                <a:solidFill>
+                  <a:schemeClr val="tx1"/>
+                </a:solidFill>
+                <a:effectLst/>
+                <a:cs typeface="Times New Roman" panose="02020603050405020304" pitchFamily="18" charset="0"/>
+              </a:rPr>
+              <a:t> </a:t>
+            </a:r>
+            <a:r>
+              <a:rPr kumimoji="0" lang="en-US" altLang="en-US" b="0" i="0" u="none" strike="noStrike" cap="none" normalizeH="0" baseline="0" dirty="0" err="1" smtClean="0">
+                <a:ln>
+                  <a:noFill/>
+                </a:ln>
+                <a:solidFill>
+                  <a:schemeClr val="tx1"/>
+                </a:solidFill>
+                <a:effectLst/>
+                <a:cs typeface="Times New Roman" panose="02020603050405020304" pitchFamily="18" charset="0"/>
+              </a:rPr>
+              <a:t>peuvent</a:t>
+            </a:r>
+            <a:r>
+              <a:rPr kumimoji="0" lang="en-US" altLang="en-US" b="0" i="0" u="none" strike="noStrike" cap="none" normalizeH="0" baseline="0" dirty="0" smtClean="0">
+                <a:ln>
+                  <a:noFill/>
+                </a:ln>
+                <a:solidFill>
+                  <a:schemeClr val="tx1"/>
+                </a:solidFill>
+                <a:effectLst/>
+                <a:cs typeface="Times New Roman" panose="02020603050405020304" pitchFamily="18" charset="0"/>
+              </a:rPr>
+              <a:t> </a:t>
+            </a:r>
+            <a:r>
+              <a:rPr kumimoji="0" lang="en-US" altLang="en-US" b="0" i="0" u="none" strike="noStrike" cap="none" normalizeH="0" baseline="0" dirty="0" err="1" smtClean="0">
+                <a:ln>
+                  <a:noFill/>
+                </a:ln>
+                <a:solidFill>
+                  <a:schemeClr val="tx1"/>
+                </a:solidFill>
+                <a:effectLst/>
+                <a:cs typeface="Times New Roman" panose="02020603050405020304" pitchFamily="18" charset="0"/>
+              </a:rPr>
+              <a:t>être</a:t>
+            </a:r>
+            <a:r>
+              <a:rPr kumimoji="0" lang="en-US" altLang="en-US" b="0" i="0" u="none" strike="noStrike" cap="none" normalizeH="0" baseline="0" dirty="0" smtClean="0">
+                <a:ln>
+                  <a:noFill/>
+                </a:ln>
+                <a:solidFill>
+                  <a:schemeClr val="tx1"/>
+                </a:solidFill>
+                <a:effectLst/>
+                <a:cs typeface="Times New Roman" panose="02020603050405020304" pitchFamily="18" charset="0"/>
+              </a:rPr>
+              <a:t> des extensions futures. </a:t>
+            </a:r>
+          </a:p>
+          <a:p>
+            <a:pPr marL="457200" marR="0" lvl="1" indent="0" algn="l" defTabSz="914400" rtl="0" eaLnBrk="0" fontAlgn="base" latinLnBrk="0" hangingPunct="0">
+              <a:lnSpc>
+                <a:spcPct val="100000"/>
+              </a:lnSpc>
+              <a:spcBef>
+                <a:spcPct val="0"/>
+              </a:spcBef>
+              <a:spcAft>
+                <a:spcPct val="0"/>
+              </a:spcAft>
+              <a:buClrTx/>
+              <a:buSzTx/>
+              <a:tabLst/>
+            </a:pPr>
+            <a:endParaRPr kumimoji="0" lang="en-US" altLang="en-US" b="0" i="0" u="none" strike="noStrike" cap="none" normalizeH="0" baseline="0" dirty="0" smtClean="0">
+              <a:ln>
+                <a:noFill/>
+              </a:ln>
+              <a:solidFill>
+                <a:schemeClr val="tx1"/>
+              </a:solidFill>
+              <a:effectLst/>
+              <a:cs typeface="Times New Roman" panose="02020603050405020304" pitchFamily="18" charset="0"/>
+            </a:endParaRPr>
+          </a:p>
+          <a:p>
+            <a:pPr marL="342900" marR="0" lvl="0" indent="-342900" algn="l" defTabSz="914400" rtl="0" eaLnBrk="0" fontAlgn="base" latinLnBrk="0" hangingPunct="0">
+              <a:lnSpc>
+                <a:spcPct val="100000"/>
+              </a:lnSpc>
+              <a:spcBef>
+                <a:spcPct val="0"/>
+              </a:spcBef>
+              <a:spcAft>
+                <a:spcPct val="0"/>
+              </a:spcAft>
+              <a:buClrTx/>
+              <a:buSzTx/>
+              <a:buFont typeface="Wingdings" panose="05000000000000000000" pitchFamily="2" charset="2"/>
+              <a:buChar char="q"/>
+              <a:tabLst/>
+            </a:pPr>
+            <a:r>
+              <a:rPr kumimoji="0" lang="en-US" altLang="en-US" b="1" i="0" u="none" strike="noStrike" cap="none" normalizeH="0" baseline="0" dirty="0" smtClean="0">
+                <a:ln>
+                  <a:noFill/>
+                </a:ln>
+                <a:solidFill>
+                  <a:schemeClr val="accent6">
+                    <a:lumMod val="75000"/>
+                  </a:schemeClr>
+                </a:solidFill>
+                <a:effectLst/>
+                <a:cs typeface="Times New Roman" panose="02020603050405020304" pitchFamily="18" charset="0"/>
+              </a:rPr>
+              <a:t>users</a:t>
+            </a:r>
+            <a:r>
+              <a:rPr kumimoji="0" lang="en-US" altLang="en-US" b="1" i="0" u="none" strike="noStrike" cap="none" normalizeH="0" baseline="0" dirty="0" smtClean="0">
+                <a:ln>
+                  <a:noFill/>
+                </a:ln>
+                <a:solidFill>
+                  <a:schemeClr val="tx1"/>
+                </a:solidFill>
+                <a:effectLst/>
+                <a:cs typeface="Times New Roman" panose="02020603050405020304" pitchFamily="18" charset="0"/>
+              </a:rPr>
+              <a:t>: </a:t>
+            </a:r>
+            <a:r>
+              <a:rPr kumimoji="0" lang="en-US" altLang="en-US" b="0" i="0" u="none" strike="noStrike" cap="none" normalizeH="0" baseline="0" dirty="0" smtClean="0">
+                <a:ln>
+                  <a:noFill/>
+                </a:ln>
+                <a:solidFill>
+                  <a:schemeClr val="tx1"/>
+                </a:solidFill>
+                <a:effectLst/>
+                <a:cs typeface="Times New Roman" panose="02020603050405020304" pitchFamily="18" charset="0"/>
+              </a:rPr>
+              <a:t> </a:t>
+            </a:r>
+            <a:r>
+              <a:rPr kumimoji="0" lang="en-US" altLang="en-US" b="0" i="0" u="none" strike="noStrike" cap="none" normalizeH="0" baseline="0" dirty="0" err="1" smtClean="0">
+                <a:ln>
+                  <a:noFill/>
+                </a:ln>
+                <a:solidFill>
+                  <a:schemeClr val="tx1"/>
+                </a:solidFill>
+                <a:effectLst/>
+                <a:cs typeface="Times New Roman" panose="02020603050405020304" pitchFamily="18" charset="0"/>
+              </a:rPr>
+              <a:t>Utilisée</a:t>
+            </a:r>
+            <a:r>
+              <a:rPr kumimoji="0" lang="en-US" altLang="en-US" b="0" i="0" u="none" strike="noStrike" cap="none" normalizeH="0" baseline="0" dirty="0" smtClean="0">
+                <a:ln>
+                  <a:noFill/>
+                </a:ln>
+                <a:solidFill>
+                  <a:schemeClr val="tx1"/>
+                </a:solidFill>
+                <a:effectLst/>
+                <a:cs typeface="Times New Roman" panose="02020603050405020304" pitchFamily="18" charset="0"/>
+              </a:rPr>
+              <a:t> pour la </a:t>
+            </a:r>
+            <a:r>
+              <a:rPr kumimoji="0" lang="en-US" altLang="en-US" b="0" i="0" u="none" strike="noStrike" cap="none" normalizeH="0" baseline="0" dirty="0" err="1" smtClean="0">
+                <a:ln>
+                  <a:noFill/>
+                </a:ln>
+                <a:solidFill>
+                  <a:schemeClr val="tx1"/>
+                </a:solidFill>
+                <a:effectLst/>
+                <a:cs typeface="Times New Roman" panose="02020603050405020304" pitchFamily="18" charset="0"/>
+              </a:rPr>
+              <a:t>gestion</a:t>
+            </a:r>
+            <a:r>
+              <a:rPr kumimoji="0" lang="en-US" altLang="en-US" b="0" i="0" u="none" strike="noStrike" cap="none" normalizeH="0" baseline="0" dirty="0" smtClean="0">
+                <a:ln>
+                  <a:noFill/>
+                </a:ln>
+                <a:solidFill>
+                  <a:schemeClr val="tx1"/>
+                </a:solidFill>
+                <a:effectLst/>
+                <a:cs typeface="Times New Roman" panose="02020603050405020304" pitchFamily="18" charset="0"/>
+              </a:rPr>
+              <a:t> des </a:t>
+            </a:r>
+            <a:r>
+              <a:rPr kumimoji="0" lang="en-US" altLang="en-US" b="0" i="0" u="none" strike="noStrike" cap="none" normalizeH="0" baseline="0" dirty="0" err="1" smtClean="0">
+                <a:ln>
+                  <a:noFill/>
+                </a:ln>
+                <a:solidFill>
+                  <a:schemeClr val="tx1"/>
+                </a:solidFill>
+                <a:effectLst/>
+                <a:cs typeface="Times New Roman" panose="02020603050405020304" pitchFamily="18" charset="0"/>
+              </a:rPr>
+              <a:t>utilisateurs</a:t>
+            </a:r>
+            <a:r>
+              <a:rPr kumimoji="0" lang="en-US" altLang="en-US" b="0" i="0" u="none" strike="noStrike" cap="none" normalizeH="0" baseline="0" dirty="0" smtClean="0">
+                <a:ln>
+                  <a:noFill/>
+                </a:ln>
+                <a:solidFill>
+                  <a:schemeClr val="tx1"/>
+                </a:solidFill>
+                <a:effectLst/>
+                <a:cs typeface="Times New Roman" panose="02020603050405020304" pitchFamily="18" charset="0"/>
+              </a:rPr>
+              <a:t> (</a:t>
+            </a:r>
+            <a:r>
+              <a:rPr kumimoji="0" lang="en-US" altLang="en-US" b="0" i="0" u="none" strike="noStrike" cap="none" normalizeH="0" baseline="0" dirty="0" err="1" smtClean="0">
+                <a:ln>
+                  <a:noFill/>
+                </a:ln>
+                <a:solidFill>
+                  <a:schemeClr val="tx1"/>
+                </a:solidFill>
+                <a:effectLst/>
+                <a:cs typeface="Times New Roman" panose="02020603050405020304" pitchFamily="18" charset="0"/>
+              </a:rPr>
+              <a:t>connexion</a:t>
+            </a:r>
+            <a:r>
+              <a:rPr kumimoji="0" lang="en-US" altLang="en-US" b="0" i="0" u="none" strike="noStrike" cap="none" normalizeH="0" baseline="0" dirty="0" smtClean="0">
+                <a:ln>
+                  <a:noFill/>
+                </a:ln>
+                <a:solidFill>
+                  <a:schemeClr val="tx1"/>
+                </a:solidFill>
+                <a:effectLst/>
+                <a:cs typeface="Times New Roman" panose="02020603050405020304" pitchFamily="18" charset="0"/>
+              </a:rPr>
+              <a:t>, etc.), </a:t>
+            </a:r>
+            <a:r>
+              <a:rPr kumimoji="0" lang="en-US" altLang="en-US" b="0" i="0" u="none" strike="noStrike" cap="none" normalizeH="0" baseline="0" dirty="0" err="1" smtClean="0">
+                <a:ln>
+                  <a:noFill/>
+                </a:ln>
+                <a:solidFill>
+                  <a:schemeClr val="tx1"/>
+                </a:solidFill>
+                <a:effectLst/>
+                <a:cs typeface="Times New Roman" panose="02020603050405020304" pitchFamily="18" charset="0"/>
+              </a:rPr>
+              <a:t>si</a:t>
+            </a:r>
+            <a:r>
+              <a:rPr kumimoji="0" lang="en-US" altLang="en-US" b="0" i="0" u="none" strike="noStrike" cap="none" normalizeH="0" baseline="0" dirty="0" smtClean="0">
+                <a:ln>
+                  <a:noFill/>
+                </a:ln>
+                <a:solidFill>
+                  <a:schemeClr val="tx1"/>
+                </a:solidFill>
+                <a:effectLst/>
+                <a:cs typeface="Times New Roman" panose="02020603050405020304" pitchFamily="18" charset="0"/>
+              </a:rPr>
+              <a:t> </a:t>
+            </a:r>
+            <a:r>
+              <a:rPr kumimoji="0" lang="en-US" altLang="en-US" b="0" i="0" u="none" strike="noStrike" cap="none" normalizeH="0" baseline="0" dirty="0" err="1" smtClean="0">
+                <a:ln>
+                  <a:noFill/>
+                </a:ln>
+                <a:solidFill>
+                  <a:schemeClr val="tx1"/>
+                </a:solidFill>
+                <a:effectLst/>
+                <a:cs typeface="Times New Roman" panose="02020603050405020304" pitchFamily="18" charset="0"/>
+              </a:rPr>
+              <a:t>c'est</a:t>
+            </a:r>
+            <a:r>
+              <a:rPr kumimoji="0" lang="en-US" altLang="en-US" b="0" i="0" u="none" strike="noStrike" cap="none" normalizeH="0" baseline="0" dirty="0" smtClean="0">
+                <a:ln>
+                  <a:noFill/>
+                </a:ln>
+                <a:solidFill>
+                  <a:schemeClr val="tx1"/>
+                </a:solidFill>
+                <a:effectLst/>
+                <a:cs typeface="Times New Roman" panose="02020603050405020304" pitchFamily="18" charset="0"/>
+              </a:rPr>
+              <a:t> pertinent pour </a:t>
+            </a:r>
+            <a:r>
+              <a:rPr kumimoji="0" lang="en-US" altLang="en-US" b="0" i="0" u="none" strike="noStrike" cap="none" normalizeH="0" baseline="0" dirty="0" err="1" smtClean="0">
+                <a:ln>
+                  <a:noFill/>
+                </a:ln>
+                <a:solidFill>
+                  <a:schemeClr val="tx1"/>
+                </a:solidFill>
+                <a:effectLst/>
+                <a:cs typeface="Times New Roman" panose="02020603050405020304" pitchFamily="18" charset="0"/>
+              </a:rPr>
+              <a:t>votre</a:t>
+            </a:r>
+            <a:r>
+              <a:rPr kumimoji="0" lang="en-US" altLang="en-US" b="0" i="0" u="none" strike="noStrike" cap="none" normalizeH="0" baseline="0" dirty="0" smtClean="0">
+                <a:ln>
+                  <a:noFill/>
+                </a:ln>
+                <a:solidFill>
+                  <a:schemeClr val="tx1"/>
+                </a:solidFill>
+                <a:effectLst/>
+                <a:cs typeface="Times New Roman" panose="02020603050405020304" pitchFamily="18" charset="0"/>
+              </a:rPr>
+              <a:t> application.</a:t>
+            </a:r>
+          </a:p>
+          <a:p>
+            <a:pPr marL="0" marR="0" lvl="0" indent="0" algn="l" defTabSz="914400" rtl="0" eaLnBrk="0" fontAlgn="base" latinLnBrk="0" hangingPunct="0">
+              <a:lnSpc>
+                <a:spcPct val="100000"/>
+              </a:lnSpc>
+              <a:spcBef>
+                <a:spcPct val="0"/>
+              </a:spcBef>
+              <a:spcAft>
+                <a:spcPct val="0"/>
+              </a:spcAft>
+              <a:buClrTx/>
+              <a:buSzTx/>
+              <a:buFontTx/>
+              <a:buNone/>
+              <a:tabLst/>
+            </a:pPr>
+            <a:endParaRPr kumimoji="0" lang="en-US" altLang="en-US" b="0" i="0" u="none" strike="noStrike" cap="none" normalizeH="0" baseline="0" dirty="0" smtClean="0">
+              <a:ln>
+                <a:noFill/>
+              </a:ln>
+              <a:solidFill>
+                <a:schemeClr val="tx1"/>
+              </a:solidFill>
+              <a:effectLst/>
+              <a:cs typeface="Times New Roman" panose="02020603050405020304" pitchFamily="18" charset="0"/>
+            </a:endParaRPr>
+          </a:p>
+        </p:txBody>
+      </p:sp>
+    </p:spTree>
+    <p:extLst>
+      <p:ext uri="{BB962C8B-B14F-4D97-AF65-F5344CB8AC3E}">
+        <p14:creationId xmlns:p14="http://schemas.microsoft.com/office/powerpoint/2010/main" val="3477146549"/>
+      </p:ext>
+    </p:extLst>
+  </p:cSld>
+  <p:clrMapOvr>
+    <a:masterClrMapping/>
+  </p:clrMapOvr>
+  <p:timing>
+    <p:tnLst>
+      <p:par>
+        <p:cTn id="1" dur="indefinite" restart="never" nodeType="tmRoot"/>
+      </p:par>
+    </p:tnLst>
+  </p:timing>
+</p:sld>
+</file>
+
+<file path=ppt/slides/slide8.xml><?xml version="1.0" encoding="utf-8"?>
+<p:sld xmlns:a="http://schemas.openxmlformats.org/drawingml/2006/main" xmlns:r="http://schemas.openxmlformats.org/officeDocument/2006/relationships" xmlns:p="http://schemas.openxmlformats.org/presentationml/2006/main">
+  <p:cSld>
+    <p:spTree>
+      <p:nvGrpSpPr>
+        <p:cNvPr id="1" name=""/>
+        <p:cNvGrpSpPr/>
+        <p:nvPr/>
+      </p:nvGrpSpPr>
+      <p:grpSpPr>
+        <a:xfrm>
+          <a:off x="0" y="0"/>
+          <a:ext cx="0" cy="0"/>
+          <a:chOff x="0" y="0"/>
+          <a:chExt cx="0" cy="0"/>
+        </a:xfrm>
+      </p:grpSpPr>
+      <p:sp>
+        <p:nvSpPr>
+          <p:cNvPr id="2" name="ZoneTexte 1"/>
+          <p:cNvSpPr txBox="1"/>
+          <p:nvPr/>
+        </p:nvSpPr>
+        <p:spPr>
+          <a:xfrm>
+            <a:off x="1005840" y="1240970"/>
+            <a:ext cx="9517059" cy="3170099"/>
+          </a:xfrm>
+          <a:prstGeom prst="rect">
+            <a:avLst/>
+          </a:prstGeom>
+          <a:noFill/>
+        </p:spPr>
+        <p:txBody>
+          <a:bodyPr wrap="square" rtlCol="0">
+            <a:spAutoFit/>
+          </a:bodyPr>
+          <a:lstStyle/>
+          <a:p>
+            <a:r>
+              <a:rPr lang="fr-FR" sz="2000" dirty="0" smtClean="0"/>
+              <a:t>      En </a:t>
+            </a:r>
+            <a:r>
+              <a:rPr lang="fr-FR" sz="2000" dirty="0"/>
+              <a:t>somme, ce projet d'arbre généalogique interactif, développé en Python avec Tkinter, a permis de concrétiser une visualisation claire et fonctionnelle des liens familiaux. </a:t>
+            </a:r>
+            <a:endParaRPr lang="fr-FR" sz="2000" dirty="0" smtClean="0"/>
+          </a:p>
+          <a:p>
+            <a:r>
+              <a:rPr lang="fr-FR" sz="2000" dirty="0"/>
+              <a:t> </a:t>
+            </a:r>
+            <a:r>
+              <a:rPr lang="fr-FR" sz="2000" dirty="0" smtClean="0"/>
+              <a:t>     Nous </a:t>
+            </a:r>
+            <a:r>
+              <a:rPr lang="fr-FR" sz="2000" dirty="0"/>
+              <a:t>avons réussi à mettre en place une structure de données robuste via MySQL, essentielle pour organiser les informations complexes et les relations de parenté. Ce travail a démontré notre capacité à intégrer différentes technologies pour créer une application conviviale et évolutive</a:t>
+            </a:r>
+            <a:r>
+              <a:rPr lang="fr-FR" sz="2000" dirty="0" smtClean="0"/>
+              <a:t>.</a:t>
+            </a:r>
+          </a:p>
+          <a:p>
+            <a:r>
+              <a:rPr lang="fr-FR" sz="2000" dirty="0"/>
+              <a:t> </a:t>
+            </a:r>
+            <a:r>
+              <a:rPr lang="fr-FR" sz="2000" dirty="0" smtClean="0"/>
+              <a:t>     </a:t>
+            </a:r>
+            <a:r>
+              <a:rPr lang="fr-FR" sz="2000" dirty="0"/>
+              <a:t>Bien que cette version offre déjà une exploration intuitive de l'arbre, des perspectives d'amélioration telles que l'ajout de fonctionnalités d'édition ou la gestion de scénarios familiaux plus complexes restent envisageables pour l'avenir.</a:t>
+            </a:r>
+            <a:endParaRPr lang="en-US" sz="2000" dirty="0"/>
+          </a:p>
+        </p:txBody>
+      </p:sp>
+      <p:sp>
+        <p:nvSpPr>
+          <p:cNvPr id="3" name="ZoneTexte 2"/>
+          <p:cNvSpPr txBox="1"/>
+          <p:nvPr/>
+        </p:nvSpPr>
+        <p:spPr>
+          <a:xfrm>
+            <a:off x="4448945" y="535576"/>
+            <a:ext cx="2630849" cy="523220"/>
+          </a:xfrm>
+          <a:prstGeom prst="rect">
+            <a:avLst/>
+          </a:prstGeom>
+          <a:noFill/>
+        </p:spPr>
+        <p:txBody>
+          <a:bodyPr wrap="none" rtlCol="0">
+            <a:spAutoFit/>
+          </a:bodyPr>
+          <a:lstStyle/>
+          <a:p>
+            <a:pPr marL="514350" indent="-514350" algn="ctr">
+              <a:buFont typeface="+mj-lt"/>
+              <a:buAutoNum type="romanUcPeriod" startAt="5"/>
+            </a:pPr>
+            <a:r>
+              <a:rPr lang="fr-FR" sz="2800" b="1" u="sng" dirty="0" smtClean="0">
+                <a:solidFill>
+                  <a:schemeClr val="accent6">
+                    <a:lumMod val="75000"/>
+                  </a:schemeClr>
+                </a:solidFill>
+                <a:latin typeface="Times New Roman" panose="02020603050405020304" pitchFamily="18" charset="0"/>
+                <a:cs typeface="Times New Roman" panose="02020603050405020304" pitchFamily="18" charset="0"/>
+              </a:rPr>
+              <a:t>Conclusion :</a:t>
+            </a:r>
+            <a:endParaRPr lang="en-US" sz="2800" b="1" u="sng" dirty="0">
+              <a:solidFill>
+                <a:schemeClr val="accent6">
+                  <a:lumMod val="75000"/>
+                </a:schemeClr>
+              </a:solidFill>
+              <a:latin typeface="Times New Roman" panose="02020603050405020304" pitchFamily="18" charset="0"/>
+              <a:cs typeface="Times New Roman" panose="02020603050405020304" pitchFamily="18" charset="0"/>
+            </a:endParaRPr>
+          </a:p>
+        </p:txBody>
+      </p:sp>
+    </p:spTree>
+    <p:extLst>
+      <p:ext uri="{BB962C8B-B14F-4D97-AF65-F5344CB8AC3E}">
+        <p14:creationId xmlns:p14="http://schemas.microsoft.com/office/powerpoint/2010/main" val="2431567924"/>
+      </p:ext>
+    </p:extLst>
+  </p:cSld>
+  <p:clrMapOvr>
+    <a:masterClrMapping/>
+  </p:clrMapOvr>
+  <p:timing>
+    <p:tnLst>
+      <p:par>
+        <p:cTn id="1" dur="indefinite" restart="never" nodeType="tmRoot"/>
+      </p:par>
+    </p:tnLst>
+  </p:timing>
+</p:sld>
+</file>
+
+<file path=ppt/slides/slide9.xml><?xml version="1.0" encoding="utf-8"?>
+<p:sld xmlns:a="http://schemas.openxmlformats.org/drawingml/2006/main" xmlns:r="http://schemas.openxmlformats.org/officeDocument/2006/relationships" xmlns:p="http://schemas.openxmlformats.org/presentationml/2006/main">
+  <p:cSld>
+    <p:spTree>
+      <p:nvGrpSpPr>
+        <p:cNvPr id="1" name=""/>
+        <p:cNvGrpSpPr/>
+        <p:nvPr/>
+      </p:nvGrpSpPr>
+      <p:grpSpPr>
+        <a:xfrm>
+          <a:off x="0" y="0"/>
+          <a:ext cx="0" cy="0"/>
+          <a:chOff x="0" y="0"/>
+          <a:chExt cx="0" cy="0"/>
+        </a:xfrm>
+      </p:grpSpPr>
+      <p:sp>
+        <p:nvSpPr>
+          <p:cNvPr id="3" name="Émoticône 2"/>
+          <p:cNvSpPr/>
+          <p:nvPr/>
+        </p:nvSpPr>
+        <p:spPr>
+          <a:xfrm>
+            <a:off x="5381898" y="3304174"/>
+            <a:ext cx="757646" cy="679269"/>
+          </a:xfrm>
+          <a:prstGeom prst="smileyFace">
+            <a:avLst/>
+          </a:prstGeom>
+          <a:solidFill>
+            <a:schemeClr val="bg1"/>
+          </a:solidFill>
+        </p:spPr>
+        <p:style>
+          <a:lnRef idx="2">
+            <a:schemeClr val="accent1">
+              <a:shade val="50000"/>
+            </a:schemeClr>
+          </a:lnRef>
+          <a:fillRef idx="1">
+            <a:schemeClr val="accent1"/>
+          </a:fillRef>
+          <a:effectRef idx="0">
+            <a:schemeClr val="accent1"/>
+          </a:effectRef>
+          <a:fontRef idx="minor">
+            <a:schemeClr val="lt1"/>
+          </a:fontRef>
+        </p:style>
+        <p:txBody>
+          <a:bodyPr rtlCol="0" anchor="ctr"/>
+          <a:lstStyle/>
+          <a:p>
+            <a:pPr algn="ctr"/>
+            <a:endParaRPr lang="en-US"/>
+          </a:p>
+        </p:txBody>
+      </p:sp>
+      <p:sp>
+        <p:nvSpPr>
+          <p:cNvPr id="5" name="Parchemin horizontal 4"/>
+          <p:cNvSpPr/>
+          <p:nvPr/>
+        </p:nvSpPr>
+        <p:spPr>
+          <a:xfrm>
+            <a:off x="1391195" y="1919875"/>
+            <a:ext cx="9287691" cy="1097280"/>
+          </a:xfrm>
+          <a:prstGeom prst="horizontalScroll">
+            <a:avLst/>
+          </a:prstGeom>
+        </p:spPr>
+        <p:style>
+          <a:lnRef idx="2">
+            <a:schemeClr val="accent1"/>
+          </a:lnRef>
+          <a:fillRef idx="1">
+            <a:schemeClr val="lt1"/>
+          </a:fillRef>
+          <a:effectRef idx="0">
+            <a:schemeClr val="accent1"/>
+          </a:effectRef>
+          <a:fontRef idx="minor">
+            <a:schemeClr val="dk1"/>
+          </a:fontRef>
+        </p:style>
+        <p:txBody>
+          <a:bodyPr rtlCol="0" anchor="ctr"/>
+          <a:lstStyle/>
+          <a:p>
+            <a:pPr algn="ctr"/>
+            <a:r>
+              <a:rPr lang="fr-FR" sz="3600" dirty="0">
+                <a:solidFill>
+                  <a:schemeClr val="accent2">
+                    <a:lumMod val="50000"/>
+                  </a:schemeClr>
+                </a:solidFill>
+                <a:latin typeface="Algerian" panose="04020705040A02060702" pitchFamily="82" charset="0"/>
+              </a:rPr>
+              <a:t>MERCI DE VOTRE AIMABLE ATTENTION </a:t>
+            </a:r>
+            <a:r>
+              <a:rPr lang="fr-FR" sz="3600" dirty="0" smtClean="0">
+                <a:solidFill>
+                  <a:schemeClr val="accent2">
+                    <a:lumMod val="50000"/>
+                  </a:schemeClr>
+                </a:solidFill>
+                <a:latin typeface="Algerian" panose="04020705040A02060702" pitchFamily="82" charset="0"/>
+              </a:rPr>
+              <a:t>!!!</a:t>
+            </a:r>
+            <a:endParaRPr lang="fr-FR" sz="3600" dirty="0">
+              <a:solidFill>
+                <a:schemeClr val="accent2">
+                  <a:lumMod val="50000"/>
+                </a:schemeClr>
+              </a:solidFill>
+              <a:latin typeface="Algerian" panose="04020705040A02060702" pitchFamily="82" charset="0"/>
+            </a:endParaRPr>
+          </a:p>
+        </p:txBody>
+      </p:sp>
+    </p:spTree>
+    <p:extLst>
+      <p:ext uri="{BB962C8B-B14F-4D97-AF65-F5344CB8AC3E}">
+        <p14:creationId xmlns:p14="http://schemas.microsoft.com/office/powerpoint/2010/main" val="89501661"/>
+      </p:ext>
+    </p:extLst>
+  </p:cSld>
+  <p:clrMapOvr>
+    <a:masterClrMapping/>
+  </p:clrMapOvr>
+  <p:timing>
+    <p:tnLst>
+      <p:par>
+        <p:cTn id="1" dur="indefinite" restart="never" nodeType="tmRoot"/>
+      </p:par>
+    </p:tnLst>
+  </p:timing>
 </p:sld>
 </file>
 

--- a/Présentation PP.pptx
+++ b/Présentation PP.pptx
@@ -11,9 +11,12 @@
     <p:sldId id="260" r:id="rId5"/>
     <p:sldId id="258" r:id="rId6"/>
     <p:sldId id="261" r:id="rId7"/>
-    <p:sldId id="262" r:id="rId8"/>
-    <p:sldId id="264" r:id="rId9"/>
-    <p:sldId id="265" r:id="rId10"/>
+    <p:sldId id="267" r:id="rId8"/>
+    <p:sldId id="262" r:id="rId9"/>
+    <p:sldId id="268" r:id="rId10"/>
+    <p:sldId id="266" r:id="rId11"/>
+    <p:sldId id="264" r:id="rId12"/>
+    <p:sldId id="265" r:id="rId13"/>
   </p:sldIdLst>
   <p:sldSz cx="12192000" cy="6858000"/>
   <p:notesSz cx="6858000" cy="9144000"/>
@@ -251,7 +254,7 @@
           <a:p>
             <a:fld id="{735EC88F-6CF8-4911-B764-5B0306CAC496}" type="datetimeFigureOut">
               <a:rPr lang="en-US" smtClean="0"/>
-              <a:t>6/11/2025</a:t>
+              <a:t>6/12/2025</a:t>
             </a:fld>
             <a:endParaRPr lang="en-US" dirty="0"/>
           </a:p>
@@ -421,7 +424,7 @@
           <a:p>
             <a:fld id="{735EC88F-6CF8-4911-B764-5B0306CAC496}" type="datetimeFigureOut">
               <a:rPr lang="en-US" smtClean="0"/>
-              <a:t>6/11/2025</a:t>
+              <a:t>6/12/2025</a:t>
             </a:fld>
             <a:endParaRPr lang="en-US" dirty="0"/>
           </a:p>
@@ -601,7 +604,7 @@
           <a:p>
             <a:fld id="{735EC88F-6CF8-4911-B764-5B0306CAC496}" type="datetimeFigureOut">
               <a:rPr lang="en-US" smtClean="0"/>
-              <a:t>6/11/2025</a:t>
+              <a:t>6/12/2025</a:t>
             </a:fld>
             <a:endParaRPr lang="en-US" dirty="0"/>
           </a:p>
@@ -771,7 +774,7 @@
           <a:p>
             <a:fld id="{735EC88F-6CF8-4911-B764-5B0306CAC496}" type="datetimeFigureOut">
               <a:rPr lang="en-US" smtClean="0"/>
-              <a:t>6/11/2025</a:t>
+              <a:t>6/12/2025</a:t>
             </a:fld>
             <a:endParaRPr lang="en-US" dirty="0"/>
           </a:p>
@@ -1017,7 +1020,7 @@
           <a:p>
             <a:fld id="{735EC88F-6CF8-4911-B764-5B0306CAC496}" type="datetimeFigureOut">
               <a:rPr lang="en-US" smtClean="0"/>
-              <a:t>6/11/2025</a:t>
+              <a:t>6/12/2025</a:t>
             </a:fld>
             <a:endParaRPr lang="en-US" dirty="0"/>
           </a:p>
@@ -1249,7 +1252,7 @@
           <a:p>
             <a:fld id="{735EC88F-6CF8-4911-B764-5B0306CAC496}" type="datetimeFigureOut">
               <a:rPr lang="en-US" smtClean="0"/>
-              <a:t>6/11/2025</a:t>
+              <a:t>6/12/2025</a:t>
             </a:fld>
             <a:endParaRPr lang="en-US" dirty="0"/>
           </a:p>
@@ -1616,7 +1619,7 @@
           <a:p>
             <a:fld id="{735EC88F-6CF8-4911-B764-5B0306CAC496}" type="datetimeFigureOut">
               <a:rPr lang="en-US" smtClean="0"/>
-              <a:t>6/11/2025</a:t>
+              <a:t>6/12/2025</a:t>
             </a:fld>
             <a:endParaRPr lang="en-US" dirty="0"/>
           </a:p>
@@ -1734,7 +1737,7 @@
           <a:p>
             <a:fld id="{735EC88F-6CF8-4911-B764-5B0306CAC496}" type="datetimeFigureOut">
               <a:rPr lang="en-US" smtClean="0"/>
-              <a:t>6/11/2025</a:t>
+              <a:t>6/12/2025</a:t>
             </a:fld>
             <a:endParaRPr lang="en-US" dirty="0"/>
           </a:p>
@@ -1829,7 +1832,7 @@
           <a:p>
             <a:fld id="{735EC88F-6CF8-4911-B764-5B0306CAC496}" type="datetimeFigureOut">
               <a:rPr lang="en-US" smtClean="0"/>
-              <a:t>6/11/2025</a:t>
+              <a:t>6/12/2025</a:t>
             </a:fld>
             <a:endParaRPr lang="en-US" dirty="0"/>
           </a:p>
@@ -2106,7 +2109,7 @@
           <a:p>
             <a:fld id="{735EC88F-6CF8-4911-B764-5B0306CAC496}" type="datetimeFigureOut">
               <a:rPr lang="en-US" smtClean="0"/>
-              <a:t>6/11/2025</a:t>
+              <a:t>6/12/2025</a:t>
             </a:fld>
             <a:endParaRPr lang="en-US" dirty="0"/>
           </a:p>
@@ -2359,7 +2362,7 @@
           <a:p>
             <a:fld id="{735EC88F-6CF8-4911-B764-5B0306CAC496}" type="datetimeFigureOut">
               <a:rPr lang="en-US" smtClean="0"/>
-              <a:t>6/11/2025</a:t>
+              <a:t>6/12/2025</a:t>
             </a:fld>
             <a:endParaRPr lang="en-US" dirty="0"/>
           </a:p>
@@ -2572,7 +2575,7 @@
           <a:p>
             <a:fld id="{735EC88F-6CF8-4911-B764-5B0306CAC496}" type="datetimeFigureOut">
               <a:rPr lang="en-US" smtClean="0"/>
-              <a:t>6/11/2025</a:t>
+              <a:t>6/12/2025</a:t>
             </a:fld>
             <a:endParaRPr lang="en-US" dirty="0"/>
           </a:p>
@@ -3444,6 +3447,413 @@
 </p:sld>
 </file>
 
+<file path=ppt/slides/slide10.xml><?xml version="1.0" encoding="utf-8"?>
+<p:sld xmlns:a="http://schemas.openxmlformats.org/drawingml/2006/main" xmlns:r="http://schemas.openxmlformats.org/officeDocument/2006/relationships" xmlns:p="http://schemas.openxmlformats.org/presentationml/2006/main">
+  <p:cSld>
+    <p:spTree>
+      <p:nvGrpSpPr>
+        <p:cNvPr id="1" name=""/>
+        <p:cNvGrpSpPr/>
+        <p:nvPr/>
+      </p:nvGrpSpPr>
+      <p:grpSpPr>
+        <a:xfrm>
+          <a:off x="0" y="0"/>
+          <a:ext cx="0" cy="0"/>
+          <a:chOff x="0" y="0"/>
+          <a:chExt cx="0" cy="0"/>
+        </a:xfrm>
+      </p:grpSpPr>
+      <p:pic>
+        <p:nvPicPr>
+          <p:cNvPr id="2" name="Image 1"/>
+          <p:cNvPicPr>
+            <a:picLocks noChangeAspect="1"/>
+          </p:cNvPicPr>
+          <p:nvPr/>
+        </p:nvPicPr>
+        <p:blipFill>
+          <a:blip r:embed="rId2">
+            <a:extLst>
+              <a:ext uri="{28A0092B-C50C-407E-A947-70E740481C1C}">
+                <a14:useLocalDpi xmlns:a14="http://schemas.microsoft.com/office/drawing/2010/main" val="0"/>
+              </a:ext>
+            </a:extLst>
+          </a:blip>
+          <a:stretch>
+            <a:fillRect/>
+          </a:stretch>
+        </p:blipFill>
+        <p:spPr>
+          <a:xfrm>
+            <a:off x="0" y="1132034"/>
+            <a:ext cx="12151343" cy="5229577"/>
+          </a:xfrm>
+          <a:prstGeom prst="rect">
+            <a:avLst/>
+          </a:prstGeom>
+        </p:spPr>
+      </p:pic>
+      <p:sp>
+        <p:nvSpPr>
+          <p:cNvPr id="3" name="ZoneTexte 2"/>
+          <p:cNvSpPr txBox="1"/>
+          <p:nvPr/>
+        </p:nvSpPr>
+        <p:spPr>
+          <a:xfrm>
+            <a:off x="1162594" y="418012"/>
+            <a:ext cx="5862952" cy="461665"/>
+          </a:xfrm>
+          <a:prstGeom prst="rect">
+            <a:avLst/>
+          </a:prstGeom>
+          <a:noFill/>
+        </p:spPr>
+        <p:txBody>
+          <a:bodyPr wrap="none" rtlCol="0">
+            <a:spAutoFit/>
+          </a:bodyPr>
+          <a:lstStyle/>
+          <a:p>
+            <a:pPr marL="342900" indent="-342900">
+              <a:buFont typeface="Wingdings" panose="05000000000000000000" pitchFamily="2" charset="2"/>
+              <a:buChar char="v"/>
+            </a:pPr>
+            <a:r>
+              <a:rPr lang="fr-FR" sz="2400" b="1" u="sng" dirty="0" smtClean="0">
+                <a:solidFill>
+                  <a:schemeClr val="accent2">
+                    <a:lumMod val="75000"/>
+                  </a:schemeClr>
+                </a:solidFill>
+              </a:rPr>
+              <a:t>Schéma représente la table « personnes »</a:t>
+            </a:r>
+            <a:endParaRPr lang="en-US" sz="2400" b="1" u="sng" dirty="0">
+              <a:solidFill>
+                <a:schemeClr val="accent2">
+                  <a:lumMod val="75000"/>
+                </a:schemeClr>
+              </a:solidFill>
+            </a:endParaRPr>
+          </a:p>
+        </p:txBody>
+      </p:sp>
+    </p:spTree>
+    <p:extLst>
+      <p:ext uri="{BB962C8B-B14F-4D97-AF65-F5344CB8AC3E}">
+        <p14:creationId xmlns:p14="http://schemas.microsoft.com/office/powerpoint/2010/main" val="1084833869"/>
+      </p:ext>
+    </p:extLst>
+  </p:cSld>
+  <p:clrMapOvr>
+    <a:masterClrMapping/>
+  </p:clrMapOvr>
+</p:sld>
+</file>
+
+<file path=ppt/slides/slide11.xml><?xml version="1.0" encoding="utf-8"?>
+<p:sld xmlns:a="http://schemas.openxmlformats.org/drawingml/2006/main" xmlns:r="http://schemas.openxmlformats.org/officeDocument/2006/relationships" xmlns:p="http://schemas.openxmlformats.org/presentationml/2006/main">
+  <p:cSld>
+    <p:spTree>
+      <p:nvGrpSpPr>
+        <p:cNvPr id="1" name=""/>
+        <p:cNvGrpSpPr/>
+        <p:nvPr/>
+      </p:nvGrpSpPr>
+      <p:grpSpPr>
+        <a:xfrm>
+          <a:off x="0" y="0"/>
+          <a:ext cx="0" cy="0"/>
+          <a:chOff x="0" y="0"/>
+          <a:chExt cx="0" cy="0"/>
+        </a:xfrm>
+      </p:grpSpPr>
+      <p:sp>
+        <p:nvSpPr>
+          <p:cNvPr id="2" name="ZoneTexte 1"/>
+          <p:cNvSpPr txBox="1"/>
+          <p:nvPr/>
+        </p:nvSpPr>
+        <p:spPr>
+          <a:xfrm>
+            <a:off x="1005840" y="1240970"/>
+            <a:ext cx="9517059" cy="3170099"/>
+          </a:xfrm>
+          <a:prstGeom prst="rect">
+            <a:avLst/>
+          </a:prstGeom>
+          <a:noFill/>
+        </p:spPr>
+        <p:txBody>
+          <a:bodyPr wrap="square" rtlCol="0">
+            <a:spAutoFit/>
+          </a:bodyPr>
+          <a:lstStyle/>
+          <a:p>
+            <a:r>
+              <a:rPr lang="fr-FR" sz="2000" dirty="0" smtClean="0"/>
+              <a:t>      En </a:t>
+            </a:r>
+            <a:r>
+              <a:rPr lang="fr-FR" sz="2000" dirty="0"/>
+              <a:t>somme, ce projet d'arbre généalogique interactif, développé en Python avec Tkinter, a permis de concrétiser une visualisation claire et fonctionnelle des liens familiaux. </a:t>
+            </a:r>
+            <a:endParaRPr lang="fr-FR" sz="2000" dirty="0" smtClean="0"/>
+          </a:p>
+          <a:p>
+            <a:r>
+              <a:rPr lang="fr-FR" sz="2000" dirty="0"/>
+              <a:t> </a:t>
+            </a:r>
+            <a:r>
+              <a:rPr lang="fr-FR" sz="2000" dirty="0" smtClean="0"/>
+              <a:t>     Nous </a:t>
+            </a:r>
+            <a:r>
+              <a:rPr lang="fr-FR" sz="2000" dirty="0"/>
+              <a:t>avons réussi à mettre en place une structure de données robuste via MySQL, essentielle pour organiser les informations complexes et les relations de parenté. Ce travail a démontré notre capacité à intégrer différentes technologies pour créer une application conviviale et évolutive</a:t>
+            </a:r>
+            <a:r>
+              <a:rPr lang="fr-FR" sz="2000" dirty="0" smtClean="0"/>
+              <a:t>.</a:t>
+            </a:r>
+          </a:p>
+          <a:p>
+            <a:r>
+              <a:rPr lang="fr-FR" sz="2000" dirty="0"/>
+              <a:t> </a:t>
+            </a:r>
+            <a:r>
+              <a:rPr lang="fr-FR" sz="2000" dirty="0" smtClean="0"/>
+              <a:t>     </a:t>
+            </a:r>
+            <a:r>
+              <a:rPr lang="fr-FR" sz="2000" dirty="0"/>
+              <a:t>Bien que cette version offre déjà une exploration intuitive de l'arbre, des perspectives d'amélioration telles que l'ajout de fonctionnalités d'édition ou la gestion de scénarios familiaux plus complexes restent envisageables pour l'avenir.</a:t>
+            </a:r>
+            <a:endParaRPr lang="en-US" sz="2000" dirty="0"/>
+          </a:p>
+        </p:txBody>
+      </p:sp>
+      <p:sp>
+        <p:nvSpPr>
+          <p:cNvPr id="3" name="ZoneTexte 2"/>
+          <p:cNvSpPr txBox="1"/>
+          <p:nvPr/>
+        </p:nvSpPr>
+        <p:spPr>
+          <a:xfrm>
+            <a:off x="4448945" y="535576"/>
+            <a:ext cx="2630849" cy="523220"/>
+          </a:xfrm>
+          <a:prstGeom prst="rect">
+            <a:avLst/>
+          </a:prstGeom>
+          <a:noFill/>
+        </p:spPr>
+        <p:txBody>
+          <a:bodyPr wrap="none" rtlCol="0">
+            <a:spAutoFit/>
+          </a:bodyPr>
+          <a:lstStyle/>
+          <a:p>
+            <a:pPr marL="514350" indent="-514350" algn="ctr">
+              <a:buFont typeface="+mj-lt"/>
+              <a:buAutoNum type="romanUcPeriod" startAt="5"/>
+            </a:pPr>
+            <a:r>
+              <a:rPr lang="fr-FR" sz="2800" b="1" u="sng" dirty="0" smtClean="0">
+                <a:solidFill>
+                  <a:schemeClr val="accent6">
+                    <a:lumMod val="75000"/>
+                  </a:schemeClr>
+                </a:solidFill>
+                <a:latin typeface="Times New Roman" panose="02020603050405020304" pitchFamily="18" charset="0"/>
+                <a:cs typeface="Times New Roman" panose="02020603050405020304" pitchFamily="18" charset="0"/>
+              </a:rPr>
+              <a:t>Conclusion :</a:t>
+            </a:r>
+            <a:endParaRPr lang="en-US" sz="2800" b="1" u="sng" dirty="0">
+              <a:solidFill>
+                <a:schemeClr val="accent6">
+                  <a:lumMod val="75000"/>
+                </a:schemeClr>
+              </a:solidFill>
+              <a:latin typeface="Times New Roman" panose="02020603050405020304" pitchFamily="18" charset="0"/>
+              <a:cs typeface="Times New Roman" panose="02020603050405020304" pitchFamily="18" charset="0"/>
+            </a:endParaRPr>
+          </a:p>
+        </p:txBody>
+      </p:sp>
+    </p:spTree>
+    <p:extLst>
+      <p:ext uri="{BB962C8B-B14F-4D97-AF65-F5344CB8AC3E}">
+        <p14:creationId xmlns:p14="http://schemas.microsoft.com/office/powerpoint/2010/main" val="2431567924"/>
+      </p:ext>
+    </p:extLst>
+  </p:cSld>
+  <p:clrMapOvr>
+    <a:masterClrMapping/>
+  </p:clrMapOvr>
+  <p:timing>
+    <p:tnLst>
+      <p:par>
+        <p:cTn id="1" dur="indefinite" restart="never" nodeType="tmRoot"/>
+      </p:par>
+    </p:tnLst>
+  </p:timing>
+</p:sld>
+</file>
+
+<file path=ppt/slides/slide12.xml><?xml version="1.0" encoding="utf-8"?>
+<p:sld xmlns:a="http://schemas.openxmlformats.org/drawingml/2006/main" xmlns:r="http://schemas.openxmlformats.org/officeDocument/2006/relationships" xmlns:p="http://schemas.openxmlformats.org/presentationml/2006/main">
+  <p:cSld>
+    <p:spTree>
+      <p:nvGrpSpPr>
+        <p:cNvPr id="1" name=""/>
+        <p:cNvGrpSpPr/>
+        <p:nvPr/>
+      </p:nvGrpSpPr>
+      <p:grpSpPr>
+        <a:xfrm>
+          <a:off x="0" y="0"/>
+          <a:ext cx="0" cy="0"/>
+          <a:chOff x="0" y="0"/>
+          <a:chExt cx="0" cy="0"/>
+        </a:xfrm>
+      </p:grpSpPr>
+      <p:sp>
+        <p:nvSpPr>
+          <p:cNvPr id="3" name="Émoticône 2"/>
+          <p:cNvSpPr/>
+          <p:nvPr/>
+        </p:nvSpPr>
+        <p:spPr>
+          <a:xfrm>
+            <a:off x="5381898" y="3304174"/>
+            <a:ext cx="757646" cy="679269"/>
+          </a:xfrm>
+          <a:prstGeom prst="smileyFace">
+            <a:avLst/>
+          </a:prstGeom>
+          <a:solidFill>
+            <a:schemeClr val="bg1"/>
+          </a:solidFill>
+        </p:spPr>
+        <p:style>
+          <a:lnRef idx="2">
+            <a:schemeClr val="accent1">
+              <a:shade val="50000"/>
+            </a:schemeClr>
+          </a:lnRef>
+          <a:fillRef idx="1">
+            <a:schemeClr val="accent1"/>
+          </a:fillRef>
+          <a:effectRef idx="0">
+            <a:schemeClr val="accent1"/>
+          </a:effectRef>
+          <a:fontRef idx="minor">
+            <a:schemeClr val="lt1"/>
+          </a:fontRef>
+        </p:style>
+        <p:txBody>
+          <a:bodyPr rtlCol="0" anchor="ctr"/>
+          <a:lstStyle/>
+          <a:p>
+            <a:pPr algn="ctr"/>
+            <a:endParaRPr lang="en-US"/>
+          </a:p>
+        </p:txBody>
+      </p:sp>
+      <p:sp>
+        <p:nvSpPr>
+          <p:cNvPr id="5" name="Parchemin horizontal 4"/>
+          <p:cNvSpPr/>
+          <p:nvPr/>
+        </p:nvSpPr>
+        <p:spPr>
+          <a:xfrm>
+            <a:off x="1391195" y="1919875"/>
+            <a:ext cx="9287691" cy="1097280"/>
+          </a:xfrm>
+          <a:prstGeom prst="horizontalScroll">
+            <a:avLst/>
+          </a:prstGeom>
+        </p:spPr>
+        <p:style>
+          <a:lnRef idx="2">
+            <a:schemeClr val="accent1"/>
+          </a:lnRef>
+          <a:fillRef idx="1">
+            <a:schemeClr val="lt1"/>
+          </a:fillRef>
+          <a:effectRef idx="0">
+            <a:schemeClr val="accent1"/>
+          </a:effectRef>
+          <a:fontRef idx="minor">
+            <a:schemeClr val="dk1"/>
+          </a:fontRef>
+        </p:style>
+        <p:txBody>
+          <a:bodyPr rtlCol="0" anchor="ctr"/>
+          <a:lstStyle/>
+          <a:p>
+            <a:pPr algn="ctr"/>
+            <a:r>
+              <a:rPr lang="fr-FR" sz="3600" dirty="0">
+                <a:solidFill>
+                  <a:schemeClr val="accent2">
+                    <a:lumMod val="50000"/>
+                  </a:schemeClr>
+                </a:solidFill>
+                <a:latin typeface="Algerian" panose="04020705040A02060702" pitchFamily="82" charset="0"/>
+              </a:rPr>
+              <a:t>MERCI DE VOTRE AIMABLE ATTENTION </a:t>
+            </a:r>
+            <a:r>
+              <a:rPr lang="fr-FR" sz="3600" dirty="0" smtClean="0">
+                <a:solidFill>
+                  <a:schemeClr val="accent2">
+                    <a:lumMod val="50000"/>
+                  </a:schemeClr>
+                </a:solidFill>
+                <a:latin typeface="Algerian" panose="04020705040A02060702" pitchFamily="82" charset="0"/>
+              </a:rPr>
+              <a:t>!!!</a:t>
+            </a:r>
+            <a:endParaRPr lang="fr-FR" sz="3600" dirty="0">
+              <a:solidFill>
+                <a:schemeClr val="accent2">
+                  <a:lumMod val="50000"/>
+                </a:schemeClr>
+              </a:solidFill>
+              <a:latin typeface="Algerian" panose="04020705040A02060702" pitchFamily="82" charset="0"/>
+            </a:endParaRPr>
+          </a:p>
+        </p:txBody>
+      </p:sp>
+    </p:spTree>
+    <p:extLst>
+      <p:ext uri="{BB962C8B-B14F-4D97-AF65-F5344CB8AC3E}">
+        <p14:creationId xmlns:p14="http://schemas.microsoft.com/office/powerpoint/2010/main" val="89501661"/>
+      </p:ext>
+    </p:extLst>
+  </p:cSld>
+  <p:clrMapOvr>
+    <a:masterClrMapping/>
+  </p:clrMapOvr>
+  <p:timing>
+    <p:tnLst>
+      <p:par>
+        <p:cTn id="1" dur="indefinite" restart="never" nodeType="tmRoot"/>
+      </p:par>
+    </p:tnLst>
+  </p:timing>
+</p:sld>
+</file>
+
 <file path=ppt/slides/slide2.xml><?xml version="1.0" encoding="utf-8"?>
 <p:sld xmlns:a="http://schemas.openxmlformats.org/drawingml/2006/main" xmlns:r="http://schemas.openxmlformats.org/officeDocument/2006/relationships" xmlns:p="http://schemas.openxmlformats.org/presentationml/2006/main">
   <p:cSld>
@@ -3599,7 +4009,6 @@
               <a:rPr lang="fr-FR" sz="2000" dirty="0" smtClean="0"/>
               <a:t>Choix des outils et technologies de développement</a:t>
             </a:r>
-            <a:endParaRPr lang="fr-FR" sz="2000" dirty="0" smtClean="0"/>
           </a:p>
           <a:p>
             <a:pPr marL="800100" lvl="1" indent="-342900">
@@ -3608,13 +4017,8 @@
             </a:pPr>
             <a:r>
               <a:rPr lang="fr-FR" sz="2000" dirty="0" smtClean="0"/>
-              <a:t>Présentation des tables dans la base de </a:t>
-            </a:r>
-            <a:r>
-              <a:rPr lang="fr-FR" sz="2000" dirty="0" smtClean="0"/>
-              <a:t>données</a:t>
-            </a:r>
-            <a:endParaRPr lang="fr-FR" sz="2000" dirty="0" smtClean="0"/>
+              <a:t>Présentation des tables dans la base de données</a:t>
+            </a:r>
           </a:p>
           <a:p>
             <a:pPr lvl="1"/>
@@ -4961,7 +5365,7 @@
         </p:nvSpPr>
         <p:spPr>
           <a:xfrm>
-            <a:off x="836023" y="535577"/>
+            <a:off x="600891" y="361460"/>
             <a:ext cx="7360989" cy="461665"/>
           </a:xfrm>
           <a:prstGeom prst="rect">
@@ -5025,8 +5429,8 @@
         </p:nvSpPr>
         <p:spPr bwMode="auto">
           <a:xfrm>
-            <a:off x="1211131" y="1233033"/>
-            <a:ext cx="10284183" cy="5216813"/>
+            <a:off x="600891" y="953754"/>
+            <a:ext cx="10780572" cy="6186309"/>
           </a:xfrm>
           <a:prstGeom prst="rect">
             <a:avLst/>
@@ -5074,7 +5478,7 @@
           </a:bodyPr>
           <a:lstStyle/>
           <a:p>
-            <a:pPr marL="0" marR="0" lvl="0" indent="0" algn="l" defTabSz="914400" rtl="0" eaLnBrk="0" fontAlgn="base" latinLnBrk="0" hangingPunct="0">
+            <a:pPr lvl="0" eaLnBrk="0" fontAlgn="base" hangingPunct="0">
               <a:lnSpc>
                 <a:spcPct val="150000"/>
               </a:lnSpc>
@@ -5084,19 +5488,18 @@
               <a:spcAft>
                 <a:spcPct val="0"/>
               </a:spcAft>
-              <a:buClrTx/>
-              <a:buSzTx/>
               <a:buFontTx/>
               <a:buChar char="•"/>
-              <a:tabLst/>
             </a:pPr>
             <a:r>
-              <a:rPr kumimoji="0" lang="en-US" altLang="en-US" sz="1800" b="1" i="0" u="none" strike="noStrike" cap="none" normalizeH="0" baseline="0" dirty="0" err="1" smtClean="0">
-                <a:ln>
-                  <a:noFill/>
-                </a:ln>
-                <a:solidFill>
-                  <a:schemeClr val="tx1"/>
+              <a:rPr kumimoji="0" lang="en-US" altLang="en-US" b="1" i="0" u="sng" strike="noStrike" cap="none" normalizeH="0" baseline="0" dirty="0" err="1" smtClean="0">
+                <a:ln>
+                  <a:noFill/>
+                </a:ln>
+                <a:solidFill>
+                  <a:schemeClr val="accent5">
+                    <a:lumMod val="75000"/>
+                  </a:schemeClr>
                 </a:solidFill>
                 <a:effectLst/>
                 <a:latin typeface="Arial" panose="020B0604020202020204" pitchFamily="34" charset="0"/>
@@ -5104,12 +5507,14 @@
               <a:t>Langage</a:t>
             </a:r>
             <a:r>
-              <a:rPr kumimoji="0" lang="en-US" altLang="en-US" sz="1800" b="1" i="0" u="none" strike="noStrike" cap="none" normalizeH="0" baseline="0" dirty="0" smtClean="0">
-                <a:ln>
-                  <a:noFill/>
-                </a:ln>
-                <a:solidFill>
-                  <a:schemeClr val="tx1"/>
+              <a:rPr kumimoji="0" lang="en-US" altLang="en-US" b="1" i="0" u="sng" strike="noStrike" cap="none" normalizeH="0" baseline="0" dirty="0" smtClean="0">
+                <a:ln>
+                  <a:noFill/>
+                </a:ln>
+                <a:solidFill>
+                  <a:schemeClr val="accent5">
+                    <a:lumMod val="75000"/>
+                  </a:schemeClr>
                 </a:solidFill>
                 <a:effectLst/>
                 <a:latin typeface="Arial" panose="020B0604020202020204" pitchFamily="34" charset="0"/>
@@ -5117,12 +5522,14 @@
               <a:t> de </a:t>
             </a:r>
             <a:r>
-              <a:rPr kumimoji="0" lang="en-US" altLang="en-US" sz="1800" b="1" i="0" u="none" strike="noStrike" cap="none" normalizeH="0" baseline="0" dirty="0" err="1" smtClean="0">
-                <a:ln>
-                  <a:noFill/>
-                </a:ln>
-                <a:solidFill>
-                  <a:schemeClr val="tx1"/>
+              <a:rPr kumimoji="0" lang="en-US" altLang="en-US" b="1" i="0" u="sng" strike="noStrike" cap="none" normalizeH="0" baseline="0" dirty="0" err="1" smtClean="0">
+                <a:ln>
+                  <a:noFill/>
+                </a:ln>
+                <a:solidFill>
+                  <a:schemeClr val="accent5">
+                    <a:lumMod val="75000"/>
+                  </a:schemeClr>
                 </a:solidFill>
                 <a:effectLst/>
                 <a:latin typeface="Arial" panose="020B0604020202020204" pitchFamily="34" charset="0"/>
@@ -5130,17 +5537,55 @@
               <a:t>Programmation</a:t>
             </a:r>
             <a:r>
-              <a:rPr kumimoji="0" lang="en-US" altLang="en-US" sz="1800" b="1" i="0" u="none" strike="noStrike" cap="none" normalizeH="0" baseline="0" dirty="0" smtClean="0">
-                <a:ln>
-                  <a:noFill/>
-                </a:ln>
-                <a:solidFill>
-                  <a:schemeClr val="tx1"/>
-                </a:solidFill>
-                <a:effectLst/>
-                <a:latin typeface="Arial" panose="020B0604020202020204" pitchFamily="34" charset="0"/>
-              </a:rPr>
-              <a:t> : Python</a:t>
+              <a:rPr kumimoji="0" lang="en-US" altLang="en-US" b="1" i="0" u="sng" strike="noStrike" cap="none" normalizeH="0" baseline="0" dirty="0" smtClean="0">
+                <a:ln>
+                  <a:noFill/>
+                </a:ln>
+                <a:solidFill>
+                  <a:schemeClr val="accent5">
+                    <a:lumMod val="75000"/>
+                  </a:schemeClr>
+                </a:solidFill>
+                <a:effectLst/>
+                <a:latin typeface="Arial" panose="020B0604020202020204" pitchFamily="34" charset="0"/>
+              </a:rPr>
+              <a:t> :</a:t>
+            </a:r>
+            <a:r>
+              <a:rPr kumimoji="0" lang="en-US" altLang="en-US" b="1" i="0" strike="noStrike" cap="none" normalizeH="0" baseline="0" dirty="0" smtClean="0">
+                <a:ln>
+                  <a:noFill/>
+                </a:ln>
+                <a:solidFill>
+                  <a:schemeClr val="accent5">
+                    <a:lumMod val="75000"/>
+                  </a:schemeClr>
+                </a:solidFill>
+                <a:effectLst/>
+                <a:latin typeface="Arial" panose="020B0604020202020204" pitchFamily="34" charset="0"/>
+              </a:rPr>
+              <a:t> “ </a:t>
+            </a:r>
+            <a:r>
+              <a:rPr lang="en-US" altLang="en-US" b="1" dirty="0" smtClean="0">
+                <a:latin typeface="Arial" panose="020B0604020202020204" pitchFamily="34" charset="0"/>
+              </a:rPr>
+              <a:t>Python</a:t>
+            </a:r>
+            <a:r>
+              <a:rPr kumimoji="0" lang="en-US" altLang="en-US" b="1" i="0" strike="noStrike" cap="none" normalizeH="0" baseline="0" dirty="0" smtClean="0">
+                <a:ln>
+                  <a:noFill/>
+                </a:ln>
+                <a:solidFill>
+                  <a:schemeClr val="accent5">
+                    <a:lumMod val="75000"/>
+                  </a:schemeClr>
+                </a:solidFill>
+                <a:effectLst/>
+                <a:latin typeface="Arial" panose="020B0604020202020204" pitchFamily="34" charset="0"/>
+              </a:rPr>
+              <a:t> “</a:t>
             </a:r>
             <a:r>
               <a:rPr kumimoji="0" lang="en-US" altLang="en-US" sz="1800" b="0" i="0" u="none" strike="noStrike" cap="none" normalizeH="0" baseline="0" dirty="0" smtClean="0">
@@ -5157,7 +5602,7 @@
             </a:r>
           </a:p>
           <a:p>
-            <a:pPr marL="0" marR="0" lvl="0" indent="0" algn="l" defTabSz="914400" rtl="0" eaLnBrk="0" fontAlgn="base" latinLnBrk="0" hangingPunct="0">
+            <a:pPr marL="742950" lvl="1" indent="-285750" eaLnBrk="0" fontAlgn="base" hangingPunct="0">
               <a:lnSpc>
                 <a:spcPct val="150000"/>
               </a:lnSpc>
@@ -5167,19 +5612,16 @@
               <a:spcAft>
                 <a:spcPct val="0"/>
               </a:spcAft>
-              <a:buClrTx/>
-              <a:buSzTx/>
-              <a:buFontTx/>
-              <a:buChar char="•"/>
-              <a:tabLst/>
+              <a:buFont typeface="Wingdings" panose="05000000000000000000" pitchFamily="2" charset="2"/>
+              <a:buChar char="v"/>
             </a:pPr>
             <a:r>
-              <a:rPr kumimoji="0" lang="en-US" altLang="en-US" sz="1800" b="1" i="0" u="none" strike="noStrike" cap="none" normalizeH="0" baseline="0" dirty="0" err="1" smtClean="0">
-                <a:ln>
-                  <a:noFill/>
-                </a:ln>
-                <a:solidFill>
-                  <a:schemeClr val="tx1"/>
+              <a:rPr kumimoji="0" lang="en-US" altLang="en-US" b="1" i="0" u="none" strike="noStrike" cap="none" normalizeH="0" baseline="0" dirty="0" err="1" smtClean="0">
+                <a:ln>
+                  <a:noFill/>
+                </a:ln>
+                <a:solidFill>
+                  <a:srgbClr val="C00000"/>
                 </a:solidFill>
                 <a:effectLst/>
                 <a:latin typeface="Arial" panose="020B0604020202020204" pitchFamily="34" charset="0"/>
@@ -5187,12 +5629,12 @@
               <a:t>Pourquoi</a:t>
             </a:r>
             <a:r>
-              <a:rPr kumimoji="0" lang="en-US" altLang="en-US" sz="1800" b="1" i="0" u="none" strike="noStrike" cap="none" normalizeH="0" baseline="0" dirty="0" smtClean="0">
-                <a:ln>
-                  <a:noFill/>
-                </a:ln>
-                <a:solidFill>
-                  <a:schemeClr val="tx1"/>
+              <a:rPr kumimoji="0" lang="en-US" altLang="en-US" b="1" i="0" u="none" strike="noStrike" cap="none" normalizeH="0" baseline="0" dirty="0" smtClean="0">
+                <a:ln>
+                  <a:noFill/>
+                </a:ln>
+                <a:solidFill>
+                  <a:srgbClr val="C00000"/>
                 </a:solidFill>
                 <a:effectLst/>
                 <a:latin typeface="Arial" panose="020B0604020202020204" pitchFamily="34" charset="0"/>
@@ -5200,151 +5642,21 @@
               <a:t> Python ?</a:t>
             </a:r>
             <a:r>
-              <a:rPr kumimoji="0" lang="en-US" altLang="en-US" sz="1800" b="0" i="0" u="none" strike="noStrike" cap="none" normalizeH="0" baseline="0" dirty="0" smtClean="0">
-                <a:ln>
-                  <a:noFill/>
-                </a:ln>
-                <a:solidFill>
-                  <a:schemeClr val="tx1"/>
+              <a:rPr kumimoji="0" lang="en-US" altLang="en-US" b="0" i="0" u="none" strike="noStrike" cap="none" normalizeH="0" baseline="0" dirty="0" smtClean="0">
+                <a:ln>
+                  <a:noFill/>
+                </a:ln>
+                <a:solidFill>
+                  <a:srgbClr val="C00000"/>
                 </a:solidFill>
                 <a:effectLst/>
                 <a:latin typeface="Arial" panose="020B0604020202020204" pitchFamily="34" charset="0"/>
               </a:rPr>
               <a:t> </a:t>
             </a:r>
-            <a:r>
-              <a:rPr kumimoji="0" lang="en-US" altLang="en-US" sz="1800" b="0" i="0" u="none" strike="noStrike" cap="none" normalizeH="0" baseline="0" dirty="0" err="1" smtClean="0">
-                <a:ln>
-                  <a:noFill/>
-                </a:ln>
-                <a:solidFill>
-                  <a:schemeClr val="tx1"/>
-                </a:solidFill>
-                <a:effectLst/>
-                <a:latin typeface="Arial" panose="020B0604020202020204" pitchFamily="34" charset="0"/>
-              </a:rPr>
-              <a:t>Facilité</a:t>
-            </a:r>
-            <a:r>
-              <a:rPr kumimoji="0" lang="en-US" altLang="en-US" sz="1800" b="0" i="0" u="none" strike="noStrike" cap="none" normalizeH="0" baseline="0" dirty="0" smtClean="0">
-                <a:ln>
-                  <a:noFill/>
-                </a:ln>
-                <a:solidFill>
-                  <a:schemeClr val="tx1"/>
-                </a:solidFill>
-                <a:effectLst/>
-                <a:latin typeface="Arial" panose="020B0604020202020204" pitchFamily="34" charset="0"/>
-              </a:rPr>
-              <a:t> </a:t>
-            </a:r>
-            <a:r>
-              <a:rPr kumimoji="0" lang="en-US" altLang="en-US" sz="1800" b="0" i="0" u="none" strike="noStrike" cap="none" normalizeH="0" baseline="0" dirty="0" err="1" smtClean="0">
-                <a:ln>
-                  <a:noFill/>
-                </a:ln>
-                <a:solidFill>
-                  <a:schemeClr val="tx1"/>
-                </a:solidFill>
-                <a:effectLst/>
-                <a:latin typeface="Arial" panose="020B0604020202020204" pitchFamily="34" charset="0"/>
-              </a:rPr>
-              <a:t>d'apprentissage</a:t>
-            </a:r>
-            <a:r>
-              <a:rPr kumimoji="0" lang="en-US" altLang="en-US" sz="1800" b="0" i="0" u="none" strike="noStrike" cap="none" normalizeH="0" baseline="0" dirty="0" smtClean="0">
-                <a:ln>
-                  <a:noFill/>
-                </a:ln>
-                <a:solidFill>
-                  <a:schemeClr val="tx1"/>
-                </a:solidFill>
-                <a:effectLst/>
-                <a:latin typeface="Arial" panose="020B0604020202020204" pitchFamily="34" charset="0"/>
-              </a:rPr>
-              <a:t>, polyvalence, </a:t>
-            </a:r>
-            <a:r>
-              <a:rPr kumimoji="0" lang="en-US" altLang="en-US" sz="1800" b="0" i="0" u="none" strike="noStrike" cap="none" normalizeH="0" baseline="0" dirty="0" err="1" smtClean="0">
-                <a:ln>
-                  <a:noFill/>
-                </a:ln>
-                <a:solidFill>
-                  <a:schemeClr val="tx1"/>
-                </a:solidFill>
-                <a:effectLst/>
-                <a:latin typeface="Arial" panose="020B0604020202020204" pitchFamily="34" charset="0"/>
-              </a:rPr>
-              <a:t>vaste</a:t>
-            </a:r>
-            <a:r>
-              <a:rPr kumimoji="0" lang="en-US" altLang="en-US" sz="1800" b="0" i="0" u="none" strike="noStrike" cap="none" normalizeH="0" baseline="0" dirty="0" smtClean="0">
-                <a:ln>
-                  <a:noFill/>
-                </a:ln>
-                <a:solidFill>
-                  <a:schemeClr val="tx1"/>
-                </a:solidFill>
-                <a:effectLst/>
-                <a:latin typeface="Arial" panose="020B0604020202020204" pitchFamily="34" charset="0"/>
-              </a:rPr>
-              <a:t> </a:t>
-            </a:r>
-            <a:r>
-              <a:rPr kumimoji="0" lang="en-US" altLang="en-US" sz="1800" b="0" i="0" u="none" strike="noStrike" cap="none" normalizeH="0" baseline="0" dirty="0" err="1" smtClean="0">
-                <a:ln>
-                  <a:noFill/>
-                </a:ln>
-                <a:solidFill>
-                  <a:schemeClr val="tx1"/>
-                </a:solidFill>
-                <a:effectLst/>
-                <a:latin typeface="Arial" panose="020B0604020202020204" pitchFamily="34" charset="0"/>
-              </a:rPr>
-              <a:t>écosystème</a:t>
-            </a:r>
-            <a:r>
-              <a:rPr kumimoji="0" lang="en-US" altLang="en-US" sz="1800" b="0" i="0" u="none" strike="noStrike" cap="none" normalizeH="0" baseline="0" dirty="0" smtClean="0">
-                <a:ln>
-                  <a:noFill/>
-                </a:ln>
-                <a:solidFill>
-                  <a:schemeClr val="tx1"/>
-                </a:solidFill>
-                <a:effectLst/>
-                <a:latin typeface="Arial" panose="020B0604020202020204" pitchFamily="34" charset="0"/>
-              </a:rPr>
-              <a:t> de </a:t>
-            </a:r>
-            <a:r>
-              <a:rPr kumimoji="0" lang="en-US" altLang="en-US" sz="1800" b="0" i="0" u="none" strike="noStrike" cap="none" normalizeH="0" baseline="0" dirty="0" err="1" smtClean="0">
-                <a:ln>
-                  <a:noFill/>
-                </a:ln>
-                <a:solidFill>
-                  <a:schemeClr val="tx1"/>
-                </a:solidFill>
-                <a:effectLst/>
-                <a:latin typeface="Arial" panose="020B0604020202020204" pitchFamily="34" charset="0"/>
-              </a:rPr>
-              <a:t>bibliothèques</a:t>
-            </a:r>
-            <a:r>
-              <a:rPr kumimoji="0" lang="en-US" altLang="en-US" sz="1800" b="0" i="0" u="none" strike="noStrike" cap="none" normalizeH="0" baseline="0" dirty="0" smtClean="0">
-                <a:ln>
-                  <a:noFill/>
-                </a:ln>
-                <a:solidFill>
-                  <a:schemeClr val="tx1"/>
-                </a:solidFill>
-                <a:effectLst/>
-                <a:latin typeface="Arial" panose="020B0604020202020204" pitchFamily="34" charset="0"/>
-              </a:rPr>
-              <a:t>. </a:t>
-            </a:r>
-          </a:p>
-          <a:p>
-            <a:pPr marL="0" marR="0" lvl="0" indent="0" algn="l" defTabSz="914400" rtl="0" eaLnBrk="0" fontAlgn="base" latinLnBrk="0" hangingPunct="0">
+          </a:p>
+          <a:p>
+            <a:pPr marL="1200150" lvl="2" indent="-285750" eaLnBrk="0" fontAlgn="base" hangingPunct="0">
               <a:lnSpc>
                 <a:spcPct val="150000"/>
               </a:lnSpc>
@@ -5354,105 +5666,24 @@
               <a:spcAft>
                 <a:spcPct val="0"/>
               </a:spcAft>
-              <a:buClrTx/>
-              <a:buSzTx/>
-              <a:buFontTx/>
-              <a:buChar char="•"/>
-              <a:tabLst/>
+              <a:buFont typeface="Wingdings" panose="05000000000000000000" pitchFamily="2" charset="2"/>
+              <a:buChar char="Ø"/>
             </a:pPr>
             <a:r>
-              <a:rPr kumimoji="0" lang="en-US" altLang="en-US" sz="1800" b="1" i="0" u="none" strike="noStrike" cap="none" normalizeH="0" baseline="0" dirty="0" smtClean="0">
-                <a:ln>
-                  <a:noFill/>
-                </a:ln>
-                <a:solidFill>
-                  <a:schemeClr val="tx1"/>
-                </a:solidFill>
-                <a:effectLst/>
-                <a:latin typeface="Arial" panose="020B0604020202020204" pitchFamily="34" charset="0"/>
-              </a:rPr>
-              <a:t>Interface </a:t>
-            </a:r>
-            <a:r>
-              <a:rPr kumimoji="0" lang="en-US" altLang="en-US" sz="1800" b="1" i="0" u="none" strike="noStrike" cap="none" normalizeH="0" baseline="0" dirty="0" err="1" smtClean="0">
-                <a:ln>
-                  <a:noFill/>
-                </a:ln>
-                <a:solidFill>
-                  <a:schemeClr val="tx1"/>
-                </a:solidFill>
-                <a:effectLst/>
-                <a:latin typeface="Arial" panose="020B0604020202020204" pitchFamily="34" charset="0"/>
-              </a:rPr>
-              <a:t>Graphique</a:t>
-            </a:r>
-            <a:r>
-              <a:rPr kumimoji="0" lang="en-US" altLang="en-US" sz="1800" b="1" i="0" u="none" strike="noStrike" cap="none" normalizeH="0" baseline="0" dirty="0" smtClean="0">
-                <a:ln>
-                  <a:noFill/>
-                </a:ln>
-                <a:solidFill>
-                  <a:schemeClr val="tx1"/>
-                </a:solidFill>
-                <a:effectLst/>
-                <a:latin typeface="Arial" panose="020B0604020202020204" pitchFamily="34" charset="0"/>
-              </a:rPr>
-              <a:t> : </a:t>
-            </a:r>
-            <a:r>
-              <a:rPr kumimoji="0" lang="en-US" altLang="en-US" sz="1800" b="1" i="0" u="none" strike="noStrike" cap="none" normalizeH="0" baseline="0" dirty="0" err="1" smtClean="0">
-                <a:ln>
-                  <a:noFill/>
-                </a:ln>
-                <a:solidFill>
-                  <a:schemeClr val="tx1"/>
-                </a:solidFill>
-                <a:effectLst/>
-                <a:latin typeface="Arial" panose="020B0604020202020204" pitchFamily="34" charset="0"/>
-              </a:rPr>
-              <a:t>Tkinter</a:t>
-            </a:r>
-            <a:r>
-              <a:rPr kumimoji="0" lang="en-US" altLang="en-US" sz="1800" b="1" i="0" u="none" strike="noStrike" cap="none" normalizeH="0" baseline="0" dirty="0" smtClean="0">
-                <a:ln>
-                  <a:noFill/>
-                </a:ln>
-                <a:solidFill>
-                  <a:schemeClr val="tx1"/>
-                </a:solidFill>
-                <a:effectLst/>
-                <a:latin typeface="Arial" panose="020B0604020202020204" pitchFamily="34" charset="0"/>
-              </a:rPr>
-              <a:t> (via </a:t>
-            </a:r>
-            <a:r>
-              <a:rPr kumimoji="0" lang="en-US" altLang="en-US" sz="1800" b="1" i="0" u="none" strike="noStrike" cap="none" normalizeH="0" baseline="0" dirty="0" err="1" smtClean="0">
-                <a:ln>
-                  <a:noFill/>
-                </a:ln>
-                <a:solidFill>
-                  <a:schemeClr val="tx1"/>
-                </a:solidFill>
-                <a:effectLst/>
-                <a:latin typeface="Arial" panose="020B0604020202020204" pitchFamily="34" charset="0"/>
-              </a:rPr>
-              <a:t>CustomTkinter</a:t>
-            </a:r>
-            <a:r>
-              <a:rPr kumimoji="0" lang="en-US" altLang="en-US" sz="1800" b="1" i="0" u="none" strike="noStrike" cap="none" normalizeH="0" baseline="0" dirty="0" smtClean="0">
-                <a:ln>
-                  <a:noFill/>
-                </a:ln>
-                <a:solidFill>
-                  <a:schemeClr val="tx1"/>
-                </a:solidFill>
-                <a:effectLst/>
-                <a:latin typeface="Arial" panose="020B0604020202020204" pitchFamily="34" charset="0"/>
-              </a:rPr>
-              <a:t>)</a:t>
-            </a:r>
-            <a:r>
-              <a:rPr kumimoji="0" lang="en-US" altLang="en-US" sz="1800" b="0" i="0" u="none" strike="noStrike" cap="none" normalizeH="0" baseline="0" dirty="0" smtClean="0">
+              <a:rPr kumimoji="0" lang="en-US" altLang="en-US" b="0" i="0" u="none" strike="noStrike" cap="none" normalizeH="0" baseline="0" dirty="0" err="1" smtClean="0">
+                <a:ln>
+                  <a:noFill/>
+                </a:ln>
+                <a:solidFill>
+                  <a:schemeClr val="tx1"/>
+                </a:solidFill>
+                <a:effectLst/>
+                <a:latin typeface="Arial" panose="020B0604020202020204" pitchFamily="34" charset="0"/>
+              </a:rPr>
+              <a:t>Facilité</a:t>
+            </a:r>
+            <a:r>
+              <a:rPr kumimoji="0" lang="en-US" altLang="en-US" b="0" i="0" u="none" strike="noStrike" cap="none" normalizeH="0" baseline="0" dirty="0" smtClean="0">
                 <a:ln>
                   <a:noFill/>
                 </a:ln>
@@ -5464,375 +5695,136 @@
               </a:rPr>
               <a:t> </a:t>
             </a:r>
-          </a:p>
-          <a:p>
-            <a:pPr marL="0" marR="0" lvl="0" indent="0" algn="l" defTabSz="914400" rtl="0" eaLnBrk="0" fontAlgn="base" latinLnBrk="0" hangingPunct="0">
+            <a:r>
+              <a:rPr kumimoji="0" lang="en-US" altLang="en-US" b="0" i="0" u="none" strike="noStrike" cap="none" normalizeH="0" baseline="0" dirty="0" err="1" smtClean="0">
+                <a:ln>
+                  <a:noFill/>
+                </a:ln>
+                <a:solidFill>
+                  <a:schemeClr val="tx1"/>
+                </a:solidFill>
+                <a:effectLst/>
+                <a:latin typeface="Arial" panose="020B0604020202020204" pitchFamily="34" charset="0"/>
+              </a:rPr>
+              <a:t>d'apprentissage</a:t>
+            </a:r>
+            <a:r>
+              <a:rPr kumimoji="0" lang="en-US" altLang="en-US" b="0" i="0" u="none" strike="noStrike" cap="none" normalizeH="0" baseline="0" dirty="0" smtClean="0">
+                <a:ln>
+                  <a:noFill/>
+                </a:ln>
+                <a:solidFill>
+                  <a:schemeClr val="tx1"/>
+                </a:solidFill>
+                <a:effectLst/>
+                <a:latin typeface="Arial" panose="020B0604020202020204" pitchFamily="34" charset="0"/>
+              </a:rPr>
+              <a:t>, polyvalence, </a:t>
+            </a:r>
+            <a:r>
+              <a:rPr kumimoji="0" lang="en-US" altLang="en-US" b="0" i="0" u="none" strike="noStrike" cap="none" normalizeH="0" baseline="0" dirty="0" err="1" smtClean="0">
+                <a:ln>
+                  <a:noFill/>
+                </a:ln>
+                <a:solidFill>
+                  <a:schemeClr val="tx1"/>
+                </a:solidFill>
+                <a:effectLst/>
+                <a:latin typeface="Arial" panose="020B0604020202020204" pitchFamily="34" charset="0"/>
+              </a:rPr>
+              <a:t>vaste</a:t>
+            </a:r>
+            <a:r>
+              <a:rPr kumimoji="0" lang="en-US" altLang="en-US" b="0" i="0" u="none" strike="noStrike" cap="none" normalizeH="0" baseline="0" dirty="0" smtClean="0">
+                <a:ln>
+                  <a:noFill/>
+                </a:ln>
+                <a:solidFill>
+                  <a:schemeClr val="tx1"/>
+                </a:solidFill>
+                <a:effectLst/>
+                <a:latin typeface="Arial" panose="020B0604020202020204" pitchFamily="34" charset="0"/>
+              </a:rPr>
+              <a:t> </a:t>
+            </a:r>
+            <a:r>
+              <a:rPr kumimoji="0" lang="en-US" altLang="en-US" b="0" i="0" u="none" strike="noStrike" cap="none" normalizeH="0" baseline="0" dirty="0" err="1" smtClean="0">
+                <a:ln>
+                  <a:noFill/>
+                </a:ln>
+                <a:solidFill>
+                  <a:schemeClr val="tx1"/>
+                </a:solidFill>
+                <a:effectLst/>
+                <a:latin typeface="Arial" panose="020B0604020202020204" pitchFamily="34" charset="0"/>
+              </a:rPr>
+              <a:t>écosystème</a:t>
+            </a:r>
+            <a:r>
+              <a:rPr kumimoji="0" lang="en-US" altLang="en-US" b="0" i="0" u="none" strike="noStrike" cap="none" normalizeH="0" baseline="0" dirty="0" smtClean="0">
+                <a:ln>
+                  <a:noFill/>
+                </a:ln>
+                <a:solidFill>
+                  <a:schemeClr val="tx1"/>
+                </a:solidFill>
+                <a:effectLst/>
+                <a:latin typeface="Arial" panose="020B0604020202020204" pitchFamily="34" charset="0"/>
+              </a:rPr>
+              <a:t> de </a:t>
+            </a:r>
+            <a:r>
+              <a:rPr kumimoji="0" lang="en-US" altLang="en-US" b="0" i="0" u="none" strike="noStrike" cap="none" normalizeH="0" baseline="0" dirty="0" err="1" smtClean="0">
+                <a:ln>
+                  <a:noFill/>
+                </a:ln>
+                <a:solidFill>
+                  <a:schemeClr val="tx1"/>
+                </a:solidFill>
+                <a:effectLst/>
+                <a:latin typeface="Arial" panose="020B0604020202020204" pitchFamily="34" charset="0"/>
+              </a:rPr>
+              <a:t>bibliothèques</a:t>
+            </a:r>
+            <a:r>
+              <a:rPr kumimoji="0" lang="en-US" altLang="en-US" b="0" i="0" u="none" strike="noStrike" cap="none" normalizeH="0" baseline="0" dirty="0" smtClean="0">
+                <a:ln>
+                  <a:noFill/>
+                </a:ln>
+                <a:solidFill>
+                  <a:schemeClr val="tx1"/>
+                </a:solidFill>
+                <a:effectLst/>
+                <a:latin typeface="Arial" panose="020B0604020202020204" pitchFamily="34" charset="0"/>
+              </a:rPr>
+              <a:t>. </a:t>
+            </a:r>
+            <a:endParaRPr lang="en-US" altLang="en-US" dirty="0">
+              <a:latin typeface="Arial" panose="020B0604020202020204" pitchFamily="34" charset="0"/>
+            </a:endParaRPr>
+          </a:p>
+          <a:p>
+            <a:pPr lvl="2" eaLnBrk="0" fontAlgn="base" hangingPunct="0">
               <a:spcBef>
                 <a:spcPct val="0"/>
               </a:spcBef>
               <a:spcAft>
                 <a:spcPct val="0"/>
               </a:spcAft>
-              <a:buClrTx/>
-              <a:buSzTx/>
-              <a:buFontTx/>
-              <a:buChar char="•"/>
-              <a:tabLst/>
             </a:pPr>
-            <a:r>
-              <a:rPr kumimoji="0" lang="en-US" altLang="en-US" sz="1800" b="1" i="0" u="none" strike="noStrike" cap="none" normalizeH="0" baseline="0" dirty="0" err="1" smtClean="0">
-                <a:ln>
-                  <a:noFill/>
-                </a:ln>
-                <a:solidFill>
-                  <a:schemeClr val="tx1"/>
-                </a:solidFill>
-                <a:effectLst/>
-                <a:latin typeface="Arial" panose="020B0604020202020204" pitchFamily="34" charset="0"/>
-              </a:rPr>
-              <a:t>Pourquoi</a:t>
-            </a:r>
-            <a:r>
-              <a:rPr kumimoji="0" lang="en-US" altLang="en-US" sz="1800" b="1" i="0" u="none" strike="noStrike" cap="none" normalizeH="0" baseline="0" dirty="0" smtClean="0">
-                <a:ln>
-                  <a:noFill/>
-                </a:ln>
-                <a:solidFill>
-                  <a:schemeClr val="tx1"/>
-                </a:solidFill>
-                <a:effectLst/>
-                <a:latin typeface="Arial" panose="020B0604020202020204" pitchFamily="34" charset="0"/>
-              </a:rPr>
-              <a:t> </a:t>
-            </a:r>
-            <a:r>
-              <a:rPr kumimoji="0" lang="en-US" altLang="en-US" sz="1800" b="1" i="0" u="none" strike="noStrike" cap="none" normalizeH="0" baseline="0" dirty="0" err="1" smtClean="0">
-                <a:ln>
-                  <a:noFill/>
-                </a:ln>
-                <a:solidFill>
-                  <a:schemeClr val="tx1"/>
-                </a:solidFill>
-                <a:effectLst/>
-                <a:latin typeface="Arial" panose="020B0604020202020204" pitchFamily="34" charset="0"/>
-              </a:rPr>
-              <a:t>Tkinter</a:t>
-            </a:r>
-            <a:r>
-              <a:rPr kumimoji="0" lang="en-US" altLang="en-US" sz="1800" b="1" i="0" u="none" strike="noStrike" cap="none" normalizeH="0" baseline="0" dirty="0" smtClean="0">
-                <a:ln>
-                  <a:noFill/>
-                </a:ln>
-                <a:solidFill>
-                  <a:schemeClr val="tx1"/>
-                </a:solidFill>
-                <a:effectLst/>
-                <a:latin typeface="Arial" panose="020B0604020202020204" pitchFamily="34" charset="0"/>
-              </a:rPr>
-              <a:t>/</a:t>
-            </a:r>
-            <a:r>
-              <a:rPr kumimoji="0" lang="en-US" altLang="en-US" sz="1800" b="1" i="0" u="none" strike="noStrike" cap="none" normalizeH="0" baseline="0" dirty="0" err="1" smtClean="0">
-                <a:ln>
-                  <a:noFill/>
-                </a:ln>
-                <a:solidFill>
-                  <a:schemeClr val="tx1"/>
-                </a:solidFill>
-                <a:effectLst/>
-                <a:latin typeface="Arial" panose="020B0604020202020204" pitchFamily="34" charset="0"/>
-              </a:rPr>
-              <a:t>CustomTkinter</a:t>
-            </a:r>
-            <a:r>
-              <a:rPr kumimoji="0" lang="en-US" altLang="en-US" sz="1800" b="1" i="0" u="none" strike="noStrike" cap="none" normalizeH="0" baseline="0" dirty="0" smtClean="0">
-                <a:ln>
-                  <a:noFill/>
-                </a:ln>
-                <a:solidFill>
-                  <a:schemeClr val="tx1"/>
-                </a:solidFill>
-                <a:effectLst/>
-                <a:latin typeface="Arial" panose="020B0604020202020204" pitchFamily="34" charset="0"/>
-              </a:rPr>
-              <a:t> ?</a:t>
-            </a:r>
-            <a:r>
-              <a:rPr kumimoji="0" lang="en-US" altLang="en-US" sz="1800" b="0" i="0" u="none" strike="noStrike" cap="none" normalizeH="0" baseline="0" dirty="0" smtClean="0">
-                <a:ln>
-                  <a:noFill/>
-                </a:ln>
-                <a:solidFill>
-                  <a:schemeClr val="tx1"/>
-                </a:solidFill>
-                <a:effectLst/>
-                <a:latin typeface="Arial" panose="020B0604020202020204" pitchFamily="34" charset="0"/>
-              </a:rPr>
-              <a:t> </a:t>
-            </a:r>
-            <a:r>
-              <a:rPr kumimoji="0" lang="en-US" altLang="en-US" sz="1800" b="0" i="0" u="none" strike="noStrike" cap="none" normalizeH="0" baseline="0" dirty="0" err="1" smtClean="0">
-                <a:ln>
-                  <a:noFill/>
-                </a:ln>
-                <a:solidFill>
-                  <a:schemeClr val="tx1"/>
-                </a:solidFill>
-                <a:effectLst/>
-                <a:latin typeface="Arial" panose="020B0604020202020204" pitchFamily="34" charset="0"/>
-              </a:rPr>
-              <a:t>Bibliothèque</a:t>
-            </a:r>
-            <a:r>
-              <a:rPr kumimoji="0" lang="en-US" altLang="en-US" sz="1800" b="0" i="0" u="none" strike="noStrike" cap="none" normalizeH="0" baseline="0" dirty="0" smtClean="0">
-                <a:ln>
-                  <a:noFill/>
-                </a:ln>
-                <a:solidFill>
-                  <a:schemeClr val="tx1"/>
-                </a:solidFill>
-                <a:effectLst/>
-                <a:latin typeface="Arial" panose="020B0604020202020204" pitchFamily="34" charset="0"/>
-              </a:rPr>
-              <a:t> standard de Python, </a:t>
-            </a:r>
-            <a:r>
-              <a:rPr kumimoji="0" lang="en-US" altLang="en-US" sz="1800" b="0" i="0" u="none" strike="noStrike" cap="none" normalizeH="0" baseline="0" dirty="0" err="1" smtClean="0">
-                <a:ln>
-                  <a:noFill/>
-                </a:ln>
-                <a:solidFill>
-                  <a:schemeClr val="tx1"/>
-                </a:solidFill>
-                <a:effectLst/>
-                <a:latin typeface="Arial" panose="020B0604020202020204" pitchFamily="34" charset="0"/>
-              </a:rPr>
-              <a:t>légèreté</a:t>
-            </a:r>
-            <a:r>
-              <a:rPr kumimoji="0" lang="en-US" altLang="en-US" sz="1800" b="0" i="0" u="none" strike="noStrike" cap="none" normalizeH="0" baseline="0" dirty="0" smtClean="0">
-                <a:ln>
-                  <a:noFill/>
-                </a:ln>
-                <a:solidFill>
-                  <a:schemeClr val="tx1"/>
-                </a:solidFill>
-                <a:effectLst/>
-                <a:latin typeface="Arial" panose="020B0604020202020204" pitchFamily="34" charset="0"/>
-              </a:rPr>
-              <a:t>, </a:t>
-            </a:r>
-            <a:r>
-              <a:rPr kumimoji="0" lang="en-US" altLang="en-US" sz="1800" b="0" i="0" u="none" strike="noStrike" cap="none" normalizeH="0" baseline="0" dirty="0" err="1" smtClean="0">
-                <a:ln>
-                  <a:noFill/>
-                </a:ln>
-                <a:solidFill>
-                  <a:schemeClr val="tx1"/>
-                </a:solidFill>
-                <a:effectLst/>
-                <a:latin typeface="Arial" panose="020B0604020202020204" pitchFamily="34" charset="0"/>
-              </a:rPr>
-              <a:t>facilité</a:t>
-            </a:r>
-            <a:r>
-              <a:rPr kumimoji="0" lang="en-US" altLang="en-US" sz="1800" b="0" i="0" u="none" strike="noStrike" cap="none" normalizeH="0" baseline="0" dirty="0" smtClean="0">
-                <a:ln>
-                  <a:noFill/>
-                </a:ln>
-                <a:solidFill>
-                  <a:schemeClr val="tx1"/>
-                </a:solidFill>
-                <a:effectLst/>
-                <a:latin typeface="Arial" panose="020B0604020202020204" pitchFamily="34" charset="0"/>
-              </a:rPr>
-              <a:t> </a:t>
-            </a:r>
-            <a:r>
-              <a:rPr kumimoji="0" lang="en-US" altLang="en-US" sz="1800" b="0" i="0" u="none" strike="noStrike" cap="none" normalizeH="0" baseline="0" dirty="0" err="1" smtClean="0">
-                <a:ln>
-                  <a:noFill/>
-                </a:ln>
-                <a:solidFill>
-                  <a:schemeClr val="tx1"/>
-                </a:solidFill>
-                <a:effectLst/>
-                <a:latin typeface="Arial" panose="020B0604020202020204" pitchFamily="34" charset="0"/>
-              </a:rPr>
-              <a:t>d'intégration</a:t>
-            </a:r>
-            <a:r>
-              <a:rPr kumimoji="0" lang="en-US" altLang="en-US" sz="1800" b="0" i="0" u="none" strike="noStrike" cap="none" normalizeH="0" baseline="0" dirty="0" smtClean="0">
-                <a:ln>
-                  <a:noFill/>
-                </a:ln>
-                <a:solidFill>
-                  <a:schemeClr val="tx1"/>
-                </a:solidFill>
-                <a:effectLst/>
-                <a:latin typeface="Arial" panose="020B0604020202020204" pitchFamily="34" charset="0"/>
-              </a:rPr>
-              <a:t>, </a:t>
-            </a:r>
-            <a:r>
-              <a:rPr kumimoji="0" lang="en-US" altLang="en-US" sz="1800" b="0" i="0" u="none" strike="noStrike" cap="none" normalizeH="0" baseline="0" dirty="0" err="1" smtClean="0">
-                <a:ln>
-                  <a:noFill/>
-                </a:ln>
-                <a:solidFill>
-                  <a:schemeClr val="tx1"/>
-                </a:solidFill>
-                <a:effectLst/>
-                <a:latin typeface="Arial" panose="020B0604020202020204" pitchFamily="34" charset="0"/>
-              </a:rPr>
-              <a:t>permet</a:t>
-            </a:r>
-            <a:r>
-              <a:rPr kumimoji="0" lang="en-US" altLang="en-US" sz="1800" b="0" i="0" u="none" strike="noStrike" cap="none" normalizeH="0" baseline="0" dirty="0" smtClean="0">
-                <a:ln>
-                  <a:noFill/>
-                </a:ln>
-                <a:solidFill>
-                  <a:schemeClr val="tx1"/>
-                </a:solidFill>
-                <a:effectLst/>
-                <a:latin typeface="Arial" panose="020B0604020202020204" pitchFamily="34" charset="0"/>
-              </a:rPr>
-              <a:t> </a:t>
-            </a:r>
-            <a:r>
-              <a:rPr kumimoji="0" lang="en-US" altLang="en-US" sz="1800" b="0" i="0" u="none" strike="noStrike" cap="none" normalizeH="0" baseline="0" dirty="0" err="1" smtClean="0">
-                <a:ln>
-                  <a:noFill/>
-                </a:ln>
-                <a:solidFill>
-                  <a:schemeClr val="tx1"/>
-                </a:solidFill>
-                <a:effectLst/>
-                <a:latin typeface="Arial" panose="020B0604020202020204" pitchFamily="34" charset="0"/>
-              </a:rPr>
-              <a:t>une</a:t>
-            </a:r>
-            <a:r>
-              <a:rPr kumimoji="0" lang="en-US" altLang="en-US" sz="1800" b="0" i="0" u="none" strike="noStrike" cap="none" normalizeH="0" baseline="0" dirty="0" smtClean="0">
-                <a:ln>
-                  <a:noFill/>
-                </a:ln>
-                <a:solidFill>
-                  <a:schemeClr val="tx1"/>
-                </a:solidFill>
-                <a:effectLst/>
-                <a:latin typeface="Arial" panose="020B0604020202020204" pitchFamily="34" charset="0"/>
-              </a:rPr>
-              <a:t> </a:t>
-            </a:r>
-            <a:r>
-              <a:rPr kumimoji="0" lang="en-US" altLang="en-US" sz="1800" b="0" i="0" u="none" strike="noStrike" cap="none" normalizeH="0" baseline="0" dirty="0" err="1" smtClean="0">
-                <a:ln>
-                  <a:noFill/>
-                </a:ln>
-                <a:solidFill>
-                  <a:schemeClr val="tx1"/>
-                </a:solidFill>
-                <a:effectLst/>
-                <a:latin typeface="Arial" panose="020B0604020202020204" pitchFamily="34" charset="0"/>
-              </a:rPr>
-              <a:t>personnalisation</a:t>
-            </a:r>
-            <a:r>
-              <a:rPr kumimoji="0" lang="en-US" altLang="en-US" sz="1800" b="0" i="0" u="none" strike="noStrike" cap="none" normalizeH="0" baseline="0" dirty="0" smtClean="0">
-                <a:ln>
-                  <a:noFill/>
-                </a:ln>
-                <a:solidFill>
-                  <a:schemeClr val="tx1"/>
-                </a:solidFill>
-                <a:effectLst/>
-                <a:latin typeface="Arial" panose="020B0604020202020204" pitchFamily="34" charset="0"/>
-              </a:rPr>
-              <a:t> </a:t>
-            </a:r>
-            <a:r>
-              <a:rPr kumimoji="0" lang="en-US" altLang="en-US" sz="1800" b="0" i="0" u="none" strike="noStrike" cap="none" normalizeH="0" baseline="0" dirty="0" err="1" smtClean="0">
-                <a:ln>
-                  <a:noFill/>
-                </a:ln>
-                <a:solidFill>
-                  <a:schemeClr val="tx1"/>
-                </a:solidFill>
-                <a:effectLst/>
-                <a:latin typeface="Arial" panose="020B0604020202020204" pitchFamily="34" charset="0"/>
-              </a:rPr>
-              <a:t>moderne</a:t>
-            </a:r>
-            <a:r>
-              <a:rPr kumimoji="0" lang="en-US" altLang="en-US" sz="1800" b="0" i="0" u="none" strike="noStrike" cap="none" normalizeH="0" baseline="0" dirty="0" smtClean="0">
-                <a:ln>
-                  <a:noFill/>
-                </a:ln>
-                <a:solidFill>
-                  <a:schemeClr val="tx1"/>
-                </a:solidFill>
-                <a:effectLst/>
-                <a:latin typeface="Arial" panose="020B0604020202020204" pitchFamily="34" charset="0"/>
-              </a:rPr>
-              <a:t> de </a:t>
-            </a:r>
-            <a:r>
-              <a:rPr kumimoji="0" lang="en-US" altLang="en-US" sz="1800" b="0" i="0" u="none" strike="noStrike" cap="none" normalizeH="0" baseline="0" dirty="0" err="1" smtClean="0">
-                <a:ln>
-                  <a:noFill/>
-                </a:ln>
-                <a:solidFill>
-                  <a:schemeClr val="tx1"/>
-                </a:solidFill>
-                <a:effectLst/>
-                <a:latin typeface="Arial" panose="020B0604020202020204" pitchFamily="34" charset="0"/>
-              </a:rPr>
-              <a:t>l'interface</a:t>
-            </a:r>
-            <a:r>
-              <a:rPr kumimoji="0" lang="en-US" altLang="en-US" sz="1800" b="0" i="0" u="none" strike="noStrike" cap="none" normalizeH="0" baseline="0" dirty="0" smtClean="0">
-                <a:ln>
-                  <a:noFill/>
-                </a:ln>
-                <a:solidFill>
-                  <a:schemeClr val="tx1"/>
-                </a:solidFill>
-                <a:effectLst/>
-                <a:latin typeface="Arial" panose="020B0604020202020204" pitchFamily="34" charset="0"/>
-              </a:rPr>
-              <a:t> </a:t>
-            </a:r>
-            <a:r>
-              <a:rPr kumimoji="0" lang="en-US" altLang="en-US" sz="1800" b="0" i="0" u="none" strike="noStrike" cap="none" normalizeH="0" baseline="0" dirty="0" err="1" smtClean="0">
-                <a:ln>
-                  <a:noFill/>
-                </a:ln>
-                <a:solidFill>
-                  <a:schemeClr val="tx1"/>
-                </a:solidFill>
-                <a:effectLst/>
-                <a:latin typeface="Arial" panose="020B0604020202020204" pitchFamily="34" charset="0"/>
-              </a:rPr>
-              <a:t>utilisateur</a:t>
-            </a:r>
-            <a:r>
-              <a:rPr kumimoji="0" lang="en-US" altLang="en-US" sz="1800" b="0" i="0" u="none" strike="noStrike" cap="none" normalizeH="0" baseline="0" dirty="0" smtClean="0">
-                <a:ln>
-                  <a:noFill/>
-                </a:ln>
-                <a:solidFill>
-                  <a:schemeClr val="tx1"/>
-                </a:solidFill>
-                <a:effectLst/>
-                <a:latin typeface="Arial" panose="020B0604020202020204" pitchFamily="34" charset="0"/>
-              </a:rPr>
-              <a:t>. </a:t>
-            </a:r>
-          </a:p>
-          <a:p>
-            <a:pPr marL="0" marR="0" lvl="0" indent="0" algn="l" defTabSz="914400" rtl="0" eaLnBrk="0" fontAlgn="base" latinLnBrk="0" hangingPunct="0">
+            <a:endParaRPr kumimoji="0" lang="en-US" altLang="en-US" b="0" i="0" u="none" strike="noStrike" cap="none" normalizeH="0" baseline="0" dirty="0" smtClean="0">
+              <a:ln>
+                <a:noFill/>
+              </a:ln>
+              <a:solidFill>
+                <a:schemeClr val="tx1"/>
+              </a:solidFill>
+              <a:effectLst/>
+              <a:latin typeface="Arial" panose="020B0604020202020204" pitchFamily="34" charset="0"/>
+            </a:endParaRPr>
+          </a:p>
+          <a:p>
+            <a:pPr marL="742950" lvl="1" indent="-285750" eaLnBrk="0" fontAlgn="base" hangingPunct="0">
               <a:lnSpc>
                 <a:spcPct val="150000"/>
               </a:lnSpc>
@@ -5842,10 +5834,165 @@
               <a:spcAft>
                 <a:spcPct val="0"/>
               </a:spcAft>
+              <a:buFont typeface="Wingdings" panose="05000000000000000000" pitchFamily="2" charset="2"/>
+              <a:buChar char="v"/>
+            </a:pPr>
+            <a:r>
+              <a:rPr kumimoji="0" lang="en-US" altLang="en-US" b="1" i="0" u="none" strike="noStrike" cap="none" normalizeH="0" baseline="0" dirty="0" smtClean="0">
+                <a:ln>
+                  <a:noFill/>
+                </a:ln>
+                <a:solidFill>
+                  <a:srgbClr val="C00000"/>
+                </a:solidFill>
+                <a:effectLst/>
+                <a:latin typeface="Arial" panose="020B0604020202020204" pitchFamily="34" charset="0"/>
+              </a:rPr>
+              <a:t>Interface </a:t>
+            </a:r>
+            <a:r>
+              <a:rPr kumimoji="0" lang="en-US" altLang="en-US" b="1" i="0" u="none" strike="noStrike" cap="none" normalizeH="0" baseline="0" dirty="0" err="1" smtClean="0">
+                <a:ln>
+                  <a:noFill/>
+                </a:ln>
+                <a:solidFill>
+                  <a:srgbClr val="C00000"/>
+                </a:solidFill>
+                <a:effectLst/>
+                <a:latin typeface="Arial" panose="020B0604020202020204" pitchFamily="34" charset="0"/>
+              </a:rPr>
+              <a:t>Graphique</a:t>
+            </a:r>
+            <a:r>
+              <a:rPr kumimoji="0" lang="en-US" altLang="en-US" b="1" i="0" u="none" strike="noStrike" cap="none" normalizeH="0" baseline="0" dirty="0" smtClean="0">
+                <a:ln>
+                  <a:noFill/>
+                </a:ln>
+                <a:solidFill>
+                  <a:srgbClr val="C00000"/>
+                </a:solidFill>
+                <a:effectLst/>
+                <a:latin typeface="Arial" panose="020B0604020202020204" pitchFamily="34" charset="0"/>
+              </a:rPr>
+              <a:t> :</a:t>
+            </a:r>
+          </a:p>
+          <a:p>
+            <a:pPr marL="1200150" lvl="2" indent="-285750" eaLnBrk="0" fontAlgn="base" hangingPunct="0">
+              <a:spcBef>
+                <a:spcPct val="0"/>
+              </a:spcBef>
+              <a:spcAft>
+                <a:spcPct val="0"/>
+              </a:spcAft>
+              <a:buFont typeface="Wingdings" panose="05000000000000000000" pitchFamily="2" charset="2"/>
+              <a:buChar char="Ø"/>
+            </a:pPr>
+            <a:r>
+              <a:rPr kumimoji="0" lang="en-US" altLang="en-US" b="1" i="0" u="none" strike="noStrike" cap="none" normalizeH="0" baseline="0" dirty="0" smtClean="0">
+                <a:ln>
+                  <a:noFill/>
+                </a:ln>
+                <a:solidFill>
+                  <a:schemeClr val="tx1"/>
+                </a:solidFill>
+                <a:effectLst/>
+                <a:latin typeface="Arial" panose="020B0604020202020204" pitchFamily="34" charset="0"/>
+              </a:rPr>
+              <a:t> </a:t>
+            </a:r>
+            <a:r>
+              <a:rPr kumimoji="0" lang="en-US" altLang="en-US" b="1" i="0" u="none" strike="noStrike" cap="none" normalizeH="0" baseline="0" dirty="0" err="1" smtClean="0">
+                <a:ln>
+                  <a:noFill/>
+                </a:ln>
+                <a:solidFill>
+                  <a:schemeClr val="tx1"/>
+                </a:solidFill>
+                <a:effectLst/>
+              </a:rPr>
+              <a:t>Tkinter</a:t>
+            </a:r>
+            <a:r>
+              <a:rPr kumimoji="0" lang="en-US" altLang="en-US" b="1" i="0" u="none" strike="noStrike" cap="none" normalizeH="0" baseline="0" dirty="0" smtClean="0">
+                <a:ln>
+                  <a:noFill/>
+                </a:ln>
+                <a:solidFill>
+                  <a:schemeClr val="tx1"/>
+                </a:solidFill>
+                <a:effectLst/>
+              </a:rPr>
+              <a:t> (via </a:t>
+            </a:r>
+            <a:r>
+              <a:rPr kumimoji="0" lang="en-US" altLang="en-US" b="1" i="0" u="none" strike="noStrike" cap="none" normalizeH="0" baseline="0" dirty="0" err="1" smtClean="0">
+                <a:ln>
+                  <a:noFill/>
+                </a:ln>
+                <a:solidFill>
+                  <a:schemeClr val="tx1"/>
+                </a:solidFill>
+                <a:effectLst/>
+              </a:rPr>
+              <a:t>CustomTkinter</a:t>
+            </a:r>
+            <a:r>
+              <a:rPr kumimoji="0" lang="en-US" altLang="en-US" b="1" i="0" u="none" strike="noStrike" cap="none" normalizeH="0" baseline="0" dirty="0" smtClean="0">
+                <a:ln>
+                  <a:noFill/>
+                </a:ln>
+                <a:solidFill>
+                  <a:schemeClr val="tx1"/>
+                </a:solidFill>
+                <a:effectLst/>
+              </a:rPr>
+              <a:t>)</a:t>
+            </a:r>
+            <a:r>
+              <a:rPr kumimoji="0" lang="en-US" altLang="en-US" b="0" i="0" u="none" strike="noStrike" cap="none" normalizeH="0" baseline="0" dirty="0" smtClean="0">
+                <a:ln>
+                  <a:noFill/>
+                </a:ln>
+                <a:solidFill>
+                  <a:schemeClr val="tx1"/>
+                </a:solidFill>
+                <a:effectLst/>
+              </a:rPr>
+              <a:t> </a:t>
+            </a:r>
+          </a:p>
+          <a:p>
+            <a:pPr lvl="2" eaLnBrk="0" fontAlgn="base" hangingPunct="0">
+              <a:spcBef>
+                <a:spcPct val="0"/>
+              </a:spcBef>
+              <a:spcAft>
+                <a:spcPct val="0"/>
+              </a:spcAft>
+            </a:pPr>
+            <a:endParaRPr kumimoji="0" lang="en-US" altLang="en-US" b="0" i="0" u="none" strike="noStrike" cap="none" normalizeH="0" baseline="0" dirty="0" smtClean="0">
+              <a:ln>
+                <a:noFill/>
+              </a:ln>
+              <a:solidFill>
+                <a:schemeClr val="tx1"/>
+              </a:solidFill>
+              <a:effectLst/>
+            </a:endParaRPr>
+          </a:p>
+          <a:p>
+            <a:pPr marL="285750" marR="0" lvl="0" indent="-285750" algn="l" defTabSz="914400" rtl="0" eaLnBrk="0" fontAlgn="base" latinLnBrk="0" hangingPunct="0">
+              <a:spcBef>
+                <a:spcPct val="0"/>
+              </a:spcBef>
+              <a:spcAft>
+                <a:spcPct val="0"/>
+              </a:spcAft>
               <a:buClrTx/>
               <a:buSzTx/>
-              <a:buFontTx/>
-              <a:buChar char="•"/>
+              <a:buFont typeface="Wingdings" panose="05000000000000000000" pitchFamily="2" charset="2"/>
+              <a:buChar char="v"/>
               <a:tabLst/>
             </a:pPr>
             <a:r>
@@ -5854,12 +6001,12 @@
                   <a:noFill/>
                 </a:ln>
                 <a:solidFill>
-                  <a:schemeClr val="tx1"/>
-                </a:solidFill>
-                <a:effectLst/>
-                <a:latin typeface="Arial" panose="020B0604020202020204" pitchFamily="34" charset="0"/>
-              </a:rPr>
-              <a:t>Gestion</a:t>
+                  <a:srgbClr val="C00000"/>
+                </a:solidFill>
+                <a:effectLst/>
+                <a:latin typeface="Arial" panose="020B0604020202020204" pitchFamily="34" charset="0"/>
+              </a:rPr>
+              <a:t>Pourquoi</a:t>
             </a:r>
             <a:r>
               <a:rPr kumimoji="0" lang="en-US" altLang="en-US" sz="1800" b="1" i="0" u="none" strike="noStrike" cap="none" normalizeH="0" baseline="0" dirty="0" smtClean="0">
@@ -5867,12 +6014,12 @@
                   <a:noFill/>
                 </a:ln>
                 <a:solidFill>
-                  <a:schemeClr val="tx1"/>
-                </a:solidFill>
-                <a:effectLst/>
-                <a:latin typeface="Arial" panose="020B0604020202020204" pitchFamily="34" charset="0"/>
-              </a:rPr>
-              <a:t> de Base de </a:t>
+                  <a:srgbClr val="C00000"/>
+                </a:solidFill>
+                <a:effectLst/>
+                <a:latin typeface="Arial" panose="020B0604020202020204" pitchFamily="34" charset="0"/>
+              </a:rPr>
+              <a:t> </a:t>
             </a:r>
             <a:r>
               <a:rPr kumimoji="0" lang="en-US" altLang="en-US" sz="1800" b="1" i="0" u="none" strike="noStrike" cap="none" normalizeH="0" baseline="0" dirty="0" err="1" smtClean="0">
@@ -5880,12 +6027,12 @@
                   <a:noFill/>
                 </a:ln>
                 <a:solidFill>
-                  <a:schemeClr val="tx1"/>
-                </a:solidFill>
-                <a:effectLst/>
-                <a:latin typeface="Arial" panose="020B0604020202020204" pitchFamily="34" charset="0"/>
-              </a:rPr>
-              <a:t>Données</a:t>
+                  <a:srgbClr val="C00000"/>
+                </a:solidFill>
+                <a:effectLst/>
+                <a:latin typeface="Arial" panose="020B0604020202020204" pitchFamily="34" charset="0"/>
+              </a:rPr>
+              <a:t>Tkinter</a:t>
             </a:r>
             <a:r>
               <a:rPr kumimoji="0" lang="en-US" altLang="en-US" sz="1800" b="1" i="0" u="none" strike="noStrike" cap="none" normalizeH="0" baseline="0" dirty="0" smtClean="0">
@@ -5893,12 +6040,12 @@
                   <a:noFill/>
                 </a:ln>
                 <a:solidFill>
-                  <a:schemeClr val="tx1"/>
-                </a:solidFill>
-                <a:effectLst/>
-                <a:latin typeface="Arial" panose="020B0604020202020204" pitchFamily="34" charset="0"/>
-              </a:rPr>
-              <a:t> : MySQL (via </a:t>
+                  <a:srgbClr val="C00000"/>
+                </a:solidFill>
+                <a:effectLst/>
+                <a:latin typeface="Arial" panose="020B0604020202020204" pitchFamily="34" charset="0"/>
+              </a:rPr>
+              <a:t>/</a:t>
             </a:r>
             <a:r>
               <a:rPr kumimoji="0" lang="en-US" altLang="en-US" sz="1800" b="1" i="0" u="none" strike="noStrike" cap="none" normalizeH="0" baseline="0" dirty="0" err="1" smtClean="0">
@@ -5906,12 +6053,12 @@
                   <a:noFill/>
                 </a:ln>
                 <a:solidFill>
-                  <a:schemeClr val="tx1"/>
-                </a:solidFill>
-                <a:effectLst/>
-                <a:latin typeface="Arial" panose="020B0604020202020204" pitchFamily="34" charset="0"/>
-              </a:rPr>
-              <a:t>phpMyAdmin</a:t>
+                  <a:srgbClr val="C00000"/>
+                </a:solidFill>
+                <a:effectLst/>
+                <a:latin typeface="Arial" panose="020B0604020202020204" pitchFamily="34" charset="0"/>
+              </a:rPr>
+              <a:t>CustomTkinter</a:t>
             </a:r>
             <a:r>
               <a:rPr kumimoji="0" lang="en-US" altLang="en-US" sz="1800" b="1" i="0" u="none" strike="noStrike" cap="none" normalizeH="0" baseline="0" dirty="0" smtClean="0">
@@ -5919,15 +6066,27 @@
                   <a:noFill/>
                 </a:ln>
                 <a:solidFill>
-                  <a:schemeClr val="tx1"/>
-                </a:solidFill>
-                <a:effectLst/>
-                <a:latin typeface="Arial" panose="020B0604020202020204" pitchFamily="34" charset="0"/>
-              </a:rPr>
-              <a:t>)</a:t>
-            </a:r>
-            <a:r>
-              <a:rPr kumimoji="0" lang="en-US" altLang="en-US" sz="1800" b="0" i="0" u="none" strike="noStrike" cap="none" normalizeH="0" baseline="0" dirty="0" smtClean="0">
+                  <a:srgbClr val="C00000"/>
+                </a:solidFill>
+                <a:effectLst/>
+                <a:latin typeface="Arial" panose="020B0604020202020204" pitchFamily="34" charset="0"/>
+              </a:rPr>
+              <a:t> ?</a:t>
+            </a:r>
+          </a:p>
+          <a:p>
+            <a:pPr marL="1200150" lvl="2" indent="-285750" eaLnBrk="0" fontAlgn="base" hangingPunct="0">
+              <a:spcBef>
+                <a:spcPct val="0"/>
+              </a:spcBef>
+              <a:spcAft>
+                <a:spcPct val="0"/>
+              </a:spcAft>
+              <a:buFont typeface="Wingdings" panose="05000000000000000000" pitchFamily="2" charset="2"/>
+              <a:buChar char="Ø"/>
+            </a:pPr>
+            <a:r>
+              <a:rPr kumimoji="0" lang="en-US" altLang="en-US" b="0" i="0" u="none" strike="noStrike" cap="none" normalizeH="0" baseline="0" dirty="0" smtClean="0">
                 <a:ln>
                   <a:noFill/>
                 </a:ln>
@@ -5939,9 +6098,292 @@
               </a:rPr>
               <a:t> </a:t>
             </a:r>
-          </a:p>
-          <a:p>
-            <a:pPr marL="0" marR="0" lvl="0" indent="0" algn="l" defTabSz="914400" rtl="0" eaLnBrk="0" fontAlgn="base" latinLnBrk="0" hangingPunct="0">
+            <a:r>
+              <a:rPr kumimoji="0" lang="en-US" altLang="en-US" b="0" i="0" u="none" strike="noStrike" cap="none" normalizeH="0" baseline="0" dirty="0" err="1" smtClean="0">
+                <a:ln>
+                  <a:noFill/>
+                </a:ln>
+                <a:solidFill>
+                  <a:schemeClr val="tx1"/>
+                </a:solidFill>
+                <a:effectLst/>
+                <a:latin typeface="Arial" panose="020B0604020202020204" pitchFamily="34" charset="0"/>
+              </a:rPr>
+              <a:t>Bibliothèque</a:t>
+            </a:r>
+            <a:r>
+              <a:rPr kumimoji="0" lang="en-US" altLang="en-US" b="0" i="0" u="none" strike="noStrike" cap="none" normalizeH="0" baseline="0" dirty="0" smtClean="0">
+                <a:ln>
+                  <a:noFill/>
+                </a:ln>
+                <a:solidFill>
+                  <a:schemeClr val="tx1"/>
+                </a:solidFill>
+                <a:effectLst/>
+                <a:latin typeface="Arial" panose="020B0604020202020204" pitchFamily="34" charset="0"/>
+              </a:rPr>
+              <a:t> standard de Python, </a:t>
+            </a:r>
+            <a:r>
+              <a:rPr kumimoji="0" lang="en-US" altLang="en-US" b="0" i="0" u="none" strike="noStrike" cap="none" normalizeH="0" baseline="0" dirty="0" err="1" smtClean="0">
+                <a:ln>
+                  <a:noFill/>
+                </a:ln>
+                <a:solidFill>
+                  <a:schemeClr val="tx1"/>
+                </a:solidFill>
+                <a:effectLst/>
+                <a:latin typeface="Arial" panose="020B0604020202020204" pitchFamily="34" charset="0"/>
+              </a:rPr>
+              <a:t>légèreté</a:t>
+            </a:r>
+            <a:r>
+              <a:rPr kumimoji="0" lang="en-US" altLang="en-US" b="0" i="0" u="none" strike="noStrike" cap="none" normalizeH="0" baseline="0" dirty="0" smtClean="0">
+                <a:ln>
+                  <a:noFill/>
+                </a:ln>
+                <a:solidFill>
+                  <a:schemeClr val="tx1"/>
+                </a:solidFill>
+                <a:effectLst/>
+                <a:latin typeface="Arial" panose="020B0604020202020204" pitchFamily="34" charset="0"/>
+              </a:rPr>
+              <a:t>, </a:t>
+            </a:r>
+            <a:r>
+              <a:rPr kumimoji="0" lang="en-US" altLang="en-US" b="0" i="0" u="none" strike="noStrike" cap="none" normalizeH="0" baseline="0" dirty="0" err="1" smtClean="0">
+                <a:ln>
+                  <a:noFill/>
+                </a:ln>
+                <a:solidFill>
+                  <a:schemeClr val="tx1"/>
+                </a:solidFill>
+                <a:effectLst/>
+                <a:latin typeface="Arial" panose="020B0604020202020204" pitchFamily="34" charset="0"/>
+              </a:rPr>
+              <a:t>facilité</a:t>
+            </a:r>
+            <a:r>
+              <a:rPr kumimoji="0" lang="en-US" altLang="en-US" b="0" i="0" u="none" strike="noStrike" cap="none" normalizeH="0" baseline="0" dirty="0" smtClean="0">
+                <a:ln>
+                  <a:noFill/>
+                </a:ln>
+                <a:solidFill>
+                  <a:schemeClr val="tx1"/>
+                </a:solidFill>
+                <a:effectLst/>
+                <a:latin typeface="Arial" panose="020B0604020202020204" pitchFamily="34" charset="0"/>
+              </a:rPr>
+              <a:t> </a:t>
+            </a:r>
+            <a:r>
+              <a:rPr kumimoji="0" lang="en-US" altLang="en-US" b="0" i="0" u="none" strike="noStrike" cap="none" normalizeH="0" baseline="0" dirty="0" err="1" smtClean="0">
+                <a:ln>
+                  <a:noFill/>
+                </a:ln>
+                <a:solidFill>
+                  <a:schemeClr val="tx1"/>
+                </a:solidFill>
+                <a:effectLst/>
+                <a:latin typeface="Arial" panose="020B0604020202020204" pitchFamily="34" charset="0"/>
+              </a:rPr>
+              <a:t>d'intégration</a:t>
+            </a:r>
+            <a:r>
+              <a:rPr kumimoji="0" lang="en-US" altLang="en-US" b="0" i="0" u="none" strike="noStrike" cap="none" normalizeH="0" baseline="0" dirty="0" smtClean="0">
+                <a:ln>
+                  <a:noFill/>
+                </a:ln>
+                <a:solidFill>
+                  <a:schemeClr val="tx1"/>
+                </a:solidFill>
+                <a:effectLst/>
+                <a:latin typeface="Arial" panose="020B0604020202020204" pitchFamily="34" charset="0"/>
+              </a:rPr>
+              <a:t>, </a:t>
+            </a:r>
+            <a:r>
+              <a:rPr kumimoji="0" lang="en-US" altLang="en-US" b="0" i="0" u="none" strike="noStrike" cap="none" normalizeH="0" baseline="0" dirty="0" err="1" smtClean="0">
+                <a:ln>
+                  <a:noFill/>
+                </a:ln>
+                <a:solidFill>
+                  <a:schemeClr val="tx1"/>
+                </a:solidFill>
+                <a:effectLst/>
+                <a:latin typeface="Arial" panose="020B0604020202020204" pitchFamily="34" charset="0"/>
+              </a:rPr>
+              <a:t>permet</a:t>
+            </a:r>
+            <a:r>
+              <a:rPr kumimoji="0" lang="en-US" altLang="en-US" b="0" i="0" u="none" strike="noStrike" cap="none" normalizeH="0" baseline="0" dirty="0" smtClean="0">
+                <a:ln>
+                  <a:noFill/>
+                </a:ln>
+                <a:solidFill>
+                  <a:schemeClr val="tx1"/>
+                </a:solidFill>
+                <a:effectLst/>
+                <a:latin typeface="Arial" panose="020B0604020202020204" pitchFamily="34" charset="0"/>
+              </a:rPr>
+              <a:t> </a:t>
+            </a:r>
+            <a:r>
+              <a:rPr kumimoji="0" lang="en-US" altLang="en-US" b="0" i="0" u="none" strike="noStrike" cap="none" normalizeH="0" baseline="0" dirty="0" err="1" smtClean="0">
+                <a:ln>
+                  <a:noFill/>
+                </a:ln>
+                <a:solidFill>
+                  <a:schemeClr val="tx1"/>
+                </a:solidFill>
+                <a:effectLst/>
+                <a:latin typeface="Arial" panose="020B0604020202020204" pitchFamily="34" charset="0"/>
+              </a:rPr>
+              <a:t>une</a:t>
+            </a:r>
+            <a:r>
+              <a:rPr kumimoji="0" lang="en-US" altLang="en-US" b="0" i="0" u="none" strike="noStrike" cap="none" normalizeH="0" baseline="0" dirty="0" smtClean="0">
+                <a:ln>
+                  <a:noFill/>
+                </a:ln>
+                <a:solidFill>
+                  <a:schemeClr val="tx1"/>
+                </a:solidFill>
+                <a:effectLst/>
+                <a:latin typeface="Arial" panose="020B0604020202020204" pitchFamily="34" charset="0"/>
+              </a:rPr>
+              <a:t> </a:t>
+            </a:r>
+            <a:r>
+              <a:rPr kumimoji="0" lang="en-US" altLang="en-US" b="0" i="0" u="none" strike="noStrike" cap="none" normalizeH="0" baseline="0" dirty="0" err="1" smtClean="0">
+                <a:ln>
+                  <a:noFill/>
+                </a:ln>
+                <a:solidFill>
+                  <a:schemeClr val="tx1"/>
+                </a:solidFill>
+                <a:effectLst/>
+                <a:latin typeface="Arial" panose="020B0604020202020204" pitchFamily="34" charset="0"/>
+              </a:rPr>
+              <a:t>personnalisation</a:t>
+            </a:r>
+            <a:r>
+              <a:rPr kumimoji="0" lang="en-US" altLang="en-US" b="0" i="0" u="none" strike="noStrike" cap="none" normalizeH="0" baseline="0" dirty="0" smtClean="0">
+                <a:ln>
+                  <a:noFill/>
+                </a:ln>
+                <a:solidFill>
+                  <a:schemeClr val="tx1"/>
+                </a:solidFill>
+                <a:effectLst/>
+                <a:latin typeface="Arial" panose="020B0604020202020204" pitchFamily="34" charset="0"/>
+              </a:rPr>
+              <a:t> </a:t>
+            </a:r>
+            <a:r>
+              <a:rPr kumimoji="0" lang="en-US" altLang="en-US" b="0" i="0" u="none" strike="noStrike" cap="none" normalizeH="0" baseline="0" dirty="0" err="1" smtClean="0">
+                <a:ln>
+                  <a:noFill/>
+                </a:ln>
+                <a:solidFill>
+                  <a:schemeClr val="tx1"/>
+                </a:solidFill>
+                <a:effectLst/>
+                <a:latin typeface="Arial" panose="020B0604020202020204" pitchFamily="34" charset="0"/>
+              </a:rPr>
+              <a:t>moderne</a:t>
+            </a:r>
+            <a:r>
+              <a:rPr kumimoji="0" lang="en-US" altLang="en-US" b="0" i="0" u="none" strike="noStrike" cap="none" normalizeH="0" baseline="0" dirty="0" smtClean="0">
+                <a:ln>
+                  <a:noFill/>
+                </a:ln>
+                <a:solidFill>
+                  <a:schemeClr val="tx1"/>
+                </a:solidFill>
+                <a:effectLst/>
+                <a:latin typeface="Arial" panose="020B0604020202020204" pitchFamily="34" charset="0"/>
+              </a:rPr>
+              <a:t> de </a:t>
+            </a:r>
+            <a:r>
+              <a:rPr kumimoji="0" lang="en-US" altLang="en-US" b="0" i="0" u="none" strike="noStrike" cap="none" normalizeH="0" baseline="0" dirty="0" err="1" smtClean="0">
+                <a:ln>
+                  <a:noFill/>
+                </a:ln>
+                <a:solidFill>
+                  <a:schemeClr val="tx1"/>
+                </a:solidFill>
+                <a:effectLst/>
+                <a:latin typeface="Arial" panose="020B0604020202020204" pitchFamily="34" charset="0"/>
+              </a:rPr>
+              <a:t>l'interface</a:t>
+            </a:r>
+            <a:r>
+              <a:rPr kumimoji="0" lang="en-US" altLang="en-US" b="0" i="0" u="none" strike="noStrike" cap="none" normalizeH="0" baseline="0" dirty="0" smtClean="0">
+                <a:ln>
+                  <a:noFill/>
+                </a:ln>
+                <a:solidFill>
+                  <a:schemeClr val="tx1"/>
+                </a:solidFill>
+                <a:effectLst/>
+                <a:latin typeface="Arial" panose="020B0604020202020204" pitchFamily="34" charset="0"/>
+              </a:rPr>
+              <a:t> </a:t>
+            </a:r>
+            <a:r>
+              <a:rPr kumimoji="0" lang="en-US" altLang="en-US" b="0" i="0" u="none" strike="noStrike" cap="none" normalizeH="0" baseline="0" dirty="0" err="1" smtClean="0">
+                <a:ln>
+                  <a:noFill/>
+                </a:ln>
+                <a:solidFill>
+                  <a:schemeClr val="tx1"/>
+                </a:solidFill>
+                <a:effectLst/>
+                <a:latin typeface="Arial" panose="020B0604020202020204" pitchFamily="34" charset="0"/>
+              </a:rPr>
+              <a:t>utilisateur</a:t>
+            </a:r>
+            <a:r>
+              <a:rPr kumimoji="0" lang="en-US" altLang="en-US" b="0" i="0" u="none" strike="noStrike" cap="none" normalizeH="0" baseline="0" dirty="0" smtClean="0">
+                <a:ln>
+                  <a:noFill/>
+                </a:ln>
+                <a:solidFill>
+                  <a:schemeClr val="tx1"/>
+                </a:solidFill>
+                <a:effectLst/>
+                <a:latin typeface="Arial" panose="020B0604020202020204" pitchFamily="34" charset="0"/>
+              </a:rPr>
+              <a:t>. </a:t>
+            </a:r>
+          </a:p>
+          <a:p>
+            <a:pPr marR="0" lvl="0" algn="l" defTabSz="914400" rtl="0" eaLnBrk="0" fontAlgn="base" latinLnBrk="0" hangingPunct="0">
+              <a:spcBef>
+                <a:spcPct val="0"/>
+              </a:spcBef>
+              <a:spcAft>
+                <a:spcPct val="0"/>
+              </a:spcAft>
+              <a:buClrTx/>
+              <a:buSzTx/>
+              <a:tabLst/>
+            </a:pPr>
+            <a:endParaRPr kumimoji="0" lang="en-US" altLang="en-US" sz="1800" b="0" i="0" u="none" strike="noStrike" cap="none" normalizeH="0" baseline="0" dirty="0" smtClean="0">
+              <a:ln>
+                <a:noFill/>
+              </a:ln>
+              <a:solidFill>
+                <a:schemeClr val="tx1"/>
+              </a:solidFill>
+              <a:effectLst/>
+              <a:latin typeface="Arial" panose="020B0604020202020204" pitchFamily="34" charset="0"/>
+            </a:endParaRPr>
+          </a:p>
+          <a:p>
+            <a:pPr marL="285750" marR="0" lvl="0" indent="-285750" algn="l" defTabSz="914400" rtl="0" eaLnBrk="0" fontAlgn="base" latinLnBrk="0" hangingPunct="0">
               <a:lnSpc>
                 <a:spcPct val="150000"/>
               </a:lnSpc>
@@ -5953,8 +6395,8 @@
               </a:spcAft>
               <a:buClrTx/>
               <a:buSzTx/>
-              <a:buFontTx/>
-              <a:buChar char="•"/>
+              <a:buFont typeface="Wingdings" panose="05000000000000000000" pitchFamily="2" charset="2"/>
+              <a:buChar char="v"/>
               <a:tabLst/>
             </a:pPr>
             <a:r>
@@ -5963,12 +6405,12 @@
                   <a:noFill/>
                 </a:ln>
                 <a:solidFill>
-                  <a:schemeClr val="tx1"/>
-                </a:solidFill>
-                <a:effectLst/>
-                <a:latin typeface="Arial" panose="020B0604020202020204" pitchFamily="34" charset="0"/>
-              </a:rPr>
-              <a:t>Pourquoi</a:t>
+                  <a:srgbClr val="C00000"/>
+                </a:solidFill>
+                <a:effectLst/>
+                <a:latin typeface="Arial" panose="020B0604020202020204" pitchFamily="34" charset="0"/>
+              </a:rPr>
+              <a:t>Bibliothèques</a:t>
             </a:r>
             <a:r>
               <a:rPr kumimoji="0" lang="en-US" altLang="en-US" sz="1800" b="1" i="0" u="none" strike="noStrike" cap="none" normalizeH="0" baseline="0" dirty="0" smtClean="0">
@@ -5976,12 +6418,38 @@
                   <a:noFill/>
                 </a:ln>
                 <a:solidFill>
-                  <a:schemeClr val="tx1"/>
-                </a:solidFill>
-                <a:effectLst/>
-                <a:latin typeface="Arial" panose="020B0604020202020204" pitchFamily="34" charset="0"/>
-              </a:rPr>
-              <a:t> MySQL ?</a:t>
+                  <a:srgbClr val="C00000"/>
+                </a:solidFill>
+                <a:effectLst/>
+                <a:latin typeface="Arial" panose="020B0604020202020204" pitchFamily="34" charset="0"/>
+              </a:rPr>
+              <a:t> Python </a:t>
+            </a:r>
+            <a:r>
+              <a:rPr kumimoji="0" lang="en-US" altLang="en-US" sz="1800" b="1" i="0" u="none" strike="noStrike" cap="none" normalizeH="0" baseline="0" dirty="0" err="1" smtClean="0">
+                <a:ln>
+                  <a:noFill/>
+                </a:ln>
+                <a:solidFill>
+                  <a:srgbClr val="C00000"/>
+                </a:solidFill>
+                <a:effectLst/>
+                <a:latin typeface="Arial" panose="020B0604020202020204" pitchFamily="34" charset="0"/>
+              </a:rPr>
+              <a:t>additionnelles</a:t>
+            </a:r>
+            <a:r>
+              <a:rPr kumimoji="0" lang="en-US" altLang="en-US" sz="1800" b="1" i="0" u="none" strike="noStrike" cap="none" normalizeH="0" baseline="0" dirty="0" smtClean="0">
+                <a:ln>
+                  <a:noFill/>
+                </a:ln>
+                <a:solidFill>
+                  <a:srgbClr val="C00000"/>
+                </a:solidFill>
+                <a:effectLst/>
+                <a:latin typeface="Arial" panose="020B0604020202020204" pitchFamily="34" charset="0"/>
+              </a:rPr>
+              <a:t> :</a:t>
             </a:r>
             <a:r>
               <a:rPr kumimoji="0" lang="en-US" altLang="en-US" sz="1800" b="0" i="0" u="none" strike="noStrike" cap="none" normalizeH="0" baseline="0" dirty="0" smtClean="0">
@@ -5989,146 +6457,16 @@
                   <a:noFill/>
                 </a:ln>
                 <a:solidFill>
-                  <a:schemeClr val="tx1"/>
-                </a:solidFill>
-                <a:effectLst/>
-                <a:latin typeface="Arial" panose="020B0604020202020204" pitchFamily="34" charset="0"/>
-              </a:rPr>
-              <a:t> Base de </a:t>
-            </a:r>
-            <a:r>
-              <a:rPr kumimoji="0" lang="en-US" altLang="en-US" sz="1800" b="0" i="0" u="none" strike="noStrike" cap="none" normalizeH="0" baseline="0" dirty="0" err="1" smtClean="0">
-                <a:ln>
-                  <a:noFill/>
-                </a:ln>
-                <a:solidFill>
-                  <a:schemeClr val="tx1"/>
-                </a:solidFill>
-                <a:effectLst/>
-                <a:latin typeface="Arial" panose="020B0604020202020204" pitchFamily="34" charset="0"/>
-              </a:rPr>
-              <a:t>données</a:t>
-            </a:r>
-            <a:r>
-              <a:rPr kumimoji="0" lang="en-US" altLang="en-US" sz="1800" b="0" i="0" u="none" strike="noStrike" cap="none" normalizeH="0" baseline="0" dirty="0" smtClean="0">
-                <a:ln>
-                  <a:noFill/>
-                </a:ln>
-                <a:solidFill>
-                  <a:schemeClr val="tx1"/>
+                  <a:srgbClr val="C00000"/>
                 </a:solidFill>
                 <a:effectLst/>
                 <a:latin typeface="Arial" panose="020B0604020202020204" pitchFamily="34" charset="0"/>
               </a:rPr>
               <a:t> </a:t>
             </a:r>
-            <a:r>
-              <a:rPr kumimoji="0" lang="en-US" altLang="en-US" sz="1800" b="0" i="0" u="none" strike="noStrike" cap="none" normalizeH="0" baseline="0" dirty="0" err="1" smtClean="0">
-                <a:ln>
-                  <a:noFill/>
-                </a:ln>
-                <a:solidFill>
-                  <a:schemeClr val="tx1"/>
-                </a:solidFill>
-                <a:effectLst/>
-                <a:latin typeface="Arial" panose="020B0604020202020204" pitchFamily="34" charset="0"/>
-              </a:rPr>
-              <a:t>relationnelle</a:t>
-            </a:r>
-            <a:r>
-              <a:rPr kumimoji="0" lang="en-US" altLang="en-US" sz="1800" b="0" i="0" u="none" strike="noStrike" cap="none" normalizeH="0" baseline="0" dirty="0" smtClean="0">
-                <a:ln>
-                  <a:noFill/>
-                </a:ln>
-                <a:solidFill>
-                  <a:schemeClr val="tx1"/>
-                </a:solidFill>
-                <a:effectLst/>
-                <a:latin typeface="Arial" panose="020B0604020202020204" pitchFamily="34" charset="0"/>
-              </a:rPr>
-              <a:t> </a:t>
-            </a:r>
-            <a:r>
-              <a:rPr kumimoji="0" lang="en-US" altLang="en-US" sz="1800" b="0" i="0" u="none" strike="noStrike" cap="none" normalizeH="0" baseline="0" dirty="0" err="1" smtClean="0">
-                <a:ln>
-                  <a:noFill/>
-                </a:ln>
-                <a:solidFill>
-                  <a:schemeClr val="tx1"/>
-                </a:solidFill>
-                <a:effectLst/>
-                <a:latin typeface="Arial" panose="020B0604020202020204" pitchFamily="34" charset="0"/>
-              </a:rPr>
-              <a:t>robuste</a:t>
-            </a:r>
-            <a:r>
-              <a:rPr kumimoji="0" lang="en-US" altLang="en-US" sz="1800" b="0" i="0" u="none" strike="noStrike" cap="none" normalizeH="0" baseline="0" dirty="0" smtClean="0">
-                <a:ln>
-                  <a:noFill/>
-                </a:ln>
-                <a:solidFill>
-                  <a:schemeClr val="tx1"/>
-                </a:solidFill>
-                <a:effectLst/>
-                <a:latin typeface="Arial" panose="020B0604020202020204" pitchFamily="34" charset="0"/>
-              </a:rPr>
-              <a:t> et </a:t>
-            </a:r>
-            <a:r>
-              <a:rPr kumimoji="0" lang="en-US" altLang="en-US" sz="1800" b="0" i="0" u="none" strike="noStrike" cap="none" normalizeH="0" baseline="0" dirty="0" err="1" smtClean="0">
-                <a:ln>
-                  <a:noFill/>
-                </a:ln>
-                <a:solidFill>
-                  <a:schemeClr val="tx1"/>
-                </a:solidFill>
-                <a:effectLst/>
-                <a:latin typeface="Arial" panose="020B0604020202020204" pitchFamily="34" charset="0"/>
-              </a:rPr>
-              <a:t>largement</a:t>
-            </a:r>
-            <a:r>
-              <a:rPr kumimoji="0" lang="en-US" altLang="en-US" sz="1800" b="0" i="0" u="none" strike="noStrike" cap="none" normalizeH="0" baseline="0" dirty="0" smtClean="0">
-                <a:ln>
-                  <a:noFill/>
-                </a:ln>
-                <a:solidFill>
-                  <a:schemeClr val="tx1"/>
-                </a:solidFill>
-                <a:effectLst/>
-                <a:latin typeface="Arial" panose="020B0604020202020204" pitchFamily="34" charset="0"/>
-              </a:rPr>
-              <a:t> </a:t>
-            </a:r>
-            <a:r>
-              <a:rPr kumimoji="0" lang="en-US" altLang="en-US" sz="1800" b="0" i="0" u="none" strike="noStrike" cap="none" normalizeH="0" baseline="0" dirty="0" err="1" smtClean="0">
-                <a:ln>
-                  <a:noFill/>
-                </a:ln>
-                <a:solidFill>
-                  <a:schemeClr val="tx1"/>
-                </a:solidFill>
-                <a:effectLst/>
-                <a:latin typeface="Arial" panose="020B0604020202020204" pitchFamily="34" charset="0"/>
-              </a:rPr>
-              <a:t>utilisée</a:t>
-            </a:r>
-            <a:r>
-              <a:rPr kumimoji="0" lang="en-US" altLang="en-US" sz="1800" b="0" i="0" u="none" strike="noStrike" cap="none" normalizeH="0" baseline="0" dirty="0" smtClean="0">
-                <a:ln>
-                  <a:noFill/>
-                </a:ln>
-                <a:solidFill>
-                  <a:schemeClr val="tx1"/>
-                </a:solidFill>
-                <a:effectLst/>
-                <a:latin typeface="Arial" panose="020B0604020202020204" pitchFamily="34" charset="0"/>
-              </a:rPr>
-              <a:t>, open-source. </a:t>
-            </a:r>
-          </a:p>
-          <a:p>
-            <a:pPr marL="0" marR="0" lvl="0" indent="0" algn="l" defTabSz="914400" rtl="0" eaLnBrk="0" fontAlgn="base" latinLnBrk="0" hangingPunct="0">
+          </a:p>
+          <a:p>
+            <a:pPr lvl="1" eaLnBrk="0" fontAlgn="base" hangingPunct="0">
               <a:lnSpc>
                 <a:spcPct val="150000"/>
               </a:lnSpc>
@@ -6138,132 +6476,76 @@
               <a:spcAft>
                 <a:spcPct val="0"/>
               </a:spcAft>
-              <a:buClrTx/>
-              <a:buSzTx/>
               <a:buFontTx/>
               <a:buChar char="•"/>
-              <a:tabLst/>
             </a:pPr>
             <a:r>
-              <a:rPr kumimoji="0" lang="en-US" altLang="en-US" sz="1800" b="1" i="0" u="none" strike="noStrike" cap="none" normalizeH="0" baseline="0" dirty="0" err="1" smtClean="0">
-                <a:ln>
-                  <a:noFill/>
-                </a:ln>
-                <a:solidFill>
-                  <a:schemeClr val="tx1"/>
-                </a:solidFill>
-                <a:effectLst/>
-                <a:latin typeface="Arial" panose="020B0604020202020204" pitchFamily="34" charset="0"/>
-              </a:rPr>
-              <a:t>phpMyAdmin</a:t>
-            </a:r>
-            <a:r>
-              <a:rPr kumimoji="0" lang="en-US" altLang="en-US" sz="1800" b="1" i="0" u="none" strike="noStrike" cap="none" normalizeH="0" baseline="0" dirty="0" smtClean="0">
-                <a:ln>
-                  <a:noFill/>
-                </a:ln>
-                <a:solidFill>
-                  <a:schemeClr val="tx1"/>
-                </a:solidFill>
-                <a:effectLst/>
-                <a:latin typeface="Arial" panose="020B0604020202020204" pitchFamily="34" charset="0"/>
-              </a:rPr>
-              <a:t> :</a:t>
-            </a:r>
-            <a:r>
-              <a:rPr kumimoji="0" lang="en-US" altLang="en-US" sz="1800" b="0" i="0" u="none" strike="noStrike" cap="none" normalizeH="0" baseline="0" dirty="0" smtClean="0">
-                <a:ln>
-                  <a:noFill/>
-                </a:ln>
-                <a:solidFill>
-                  <a:schemeClr val="tx1"/>
-                </a:solidFill>
-                <a:effectLst/>
-                <a:latin typeface="Arial" panose="020B0604020202020204" pitchFamily="34" charset="0"/>
-              </a:rPr>
-              <a:t> </a:t>
-            </a:r>
-            <a:r>
-              <a:rPr kumimoji="0" lang="en-US" altLang="en-US" sz="1800" b="0" i="0" u="none" strike="noStrike" cap="none" normalizeH="0" baseline="0" dirty="0" err="1" smtClean="0">
-                <a:ln>
-                  <a:noFill/>
-                </a:ln>
-                <a:solidFill>
-                  <a:schemeClr val="tx1"/>
-                </a:solidFill>
-                <a:effectLst/>
-                <a:latin typeface="Arial" panose="020B0604020202020204" pitchFamily="34" charset="0"/>
-              </a:rPr>
-              <a:t>Outil</a:t>
-            </a:r>
-            <a:r>
-              <a:rPr kumimoji="0" lang="en-US" altLang="en-US" sz="1800" b="0" i="0" u="none" strike="noStrike" cap="none" normalizeH="0" baseline="0" dirty="0" smtClean="0">
-                <a:ln>
-                  <a:noFill/>
-                </a:ln>
-                <a:solidFill>
-                  <a:schemeClr val="tx1"/>
-                </a:solidFill>
-                <a:effectLst/>
-                <a:latin typeface="Arial" panose="020B0604020202020204" pitchFamily="34" charset="0"/>
-              </a:rPr>
-              <a:t> web pour </a:t>
-            </a:r>
-            <a:r>
-              <a:rPr kumimoji="0" lang="en-US" altLang="en-US" sz="1800" b="0" i="0" u="none" strike="noStrike" cap="none" normalizeH="0" baseline="0" dirty="0" err="1" smtClean="0">
-                <a:ln>
-                  <a:noFill/>
-                </a:ln>
-                <a:solidFill>
-                  <a:schemeClr val="tx1"/>
-                </a:solidFill>
-                <a:effectLst/>
-                <a:latin typeface="Arial" panose="020B0604020202020204" pitchFamily="34" charset="0"/>
-              </a:rPr>
-              <a:t>l'administration</a:t>
-            </a:r>
-            <a:r>
-              <a:rPr kumimoji="0" lang="en-US" altLang="en-US" sz="1800" b="0" i="0" u="none" strike="noStrike" cap="none" normalizeH="0" baseline="0" dirty="0" smtClean="0">
-                <a:ln>
-                  <a:noFill/>
-                </a:ln>
-                <a:solidFill>
-                  <a:schemeClr val="tx1"/>
-                </a:solidFill>
-                <a:effectLst/>
-                <a:latin typeface="Arial" panose="020B0604020202020204" pitchFamily="34" charset="0"/>
-              </a:rPr>
-              <a:t> facile de la base de </a:t>
-            </a:r>
-            <a:r>
-              <a:rPr kumimoji="0" lang="en-US" altLang="en-US" sz="1800" b="0" i="0" u="none" strike="noStrike" cap="none" normalizeH="0" baseline="0" dirty="0" err="1" smtClean="0">
-                <a:ln>
-                  <a:noFill/>
-                </a:ln>
-                <a:solidFill>
-                  <a:schemeClr val="tx1"/>
-                </a:solidFill>
-                <a:effectLst/>
-                <a:latin typeface="Arial" panose="020B0604020202020204" pitchFamily="34" charset="0"/>
-              </a:rPr>
-              <a:t>données</a:t>
-            </a:r>
-            <a:r>
-              <a:rPr kumimoji="0" lang="en-US" altLang="en-US" sz="1800" b="0" i="0" u="none" strike="noStrike" cap="none" normalizeH="0" baseline="0" dirty="0" smtClean="0">
-                <a:ln>
-                  <a:noFill/>
-                </a:ln>
-                <a:solidFill>
-                  <a:schemeClr val="tx1"/>
-                </a:solidFill>
-                <a:effectLst/>
-                <a:latin typeface="Arial" panose="020B0604020202020204" pitchFamily="34" charset="0"/>
-              </a:rPr>
-              <a:t>. </a:t>
-            </a:r>
-          </a:p>
-          <a:p>
-            <a:pPr marL="0" marR="0" lvl="0" indent="0" algn="l" defTabSz="914400" rtl="0" eaLnBrk="0" fontAlgn="base" latinLnBrk="0" hangingPunct="0">
+              <a:rPr kumimoji="0" lang="en-US" altLang="en-US" b="1" i="0" u="none" strike="noStrike" cap="none" normalizeH="0" baseline="0" dirty="0" smtClean="0">
+                <a:ln>
+                  <a:noFill/>
+                </a:ln>
+                <a:solidFill>
+                  <a:schemeClr val="tx1"/>
+                </a:solidFill>
+                <a:effectLst/>
+              </a:rPr>
+              <a:t>Pillow (PIL) </a:t>
+            </a:r>
+            <a:r>
+              <a:rPr kumimoji="0" lang="en-US" altLang="en-US" b="1" i="0" u="none" strike="noStrike" cap="none" normalizeH="0" baseline="0" dirty="0" smtClean="0">
+                <a:ln>
+                  <a:noFill/>
+                </a:ln>
+                <a:solidFill>
+                  <a:schemeClr val="tx1"/>
+                </a:solidFill>
+                <a:effectLst/>
+                <a:latin typeface="Arial" panose="020B0604020202020204" pitchFamily="34" charset="0"/>
+              </a:rPr>
+              <a:t>:</a:t>
+            </a:r>
+            <a:r>
+              <a:rPr kumimoji="0" lang="en-US" altLang="en-US" b="0" i="0" u="none" strike="noStrike" cap="none" normalizeH="0" baseline="0" dirty="0" smtClean="0">
+                <a:ln>
+                  <a:noFill/>
+                </a:ln>
+                <a:solidFill>
+                  <a:schemeClr val="tx1"/>
+                </a:solidFill>
+                <a:effectLst/>
+                <a:latin typeface="Arial" panose="020B0604020202020204" pitchFamily="34" charset="0"/>
+              </a:rPr>
+              <a:t> Pour la manipulation et </a:t>
+            </a:r>
+            <a:r>
+              <a:rPr kumimoji="0" lang="en-US" altLang="en-US" b="0" i="0" u="none" strike="noStrike" cap="none" normalizeH="0" baseline="0" dirty="0" err="1" smtClean="0">
+                <a:ln>
+                  <a:noFill/>
+                </a:ln>
+                <a:solidFill>
+                  <a:schemeClr val="tx1"/>
+                </a:solidFill>
+                <a:effectLst/>
+                <a:latin typeface="Arial" panose="020B0604020202020204" pitchFamily="34" charset="0"/>
+              </a:rPr>
+              <a:t>l'affichage</a:t>
+            </a:r>
+            <a:r>
+              <a:rPr kumimoji="0" lang="en-US" altLang="en-US" b="0" i="0" u="none" strike="noStrike" cap="none" normalizeH="0" baseline="0" dirty="0" smtClean="0">
+                <a:ln>
+                  <a:noFill/>
+                </a:ln>
+                <a:solidFill>
+                  <a:schemeClr val="tx1"/>
+                </a:solidFill>
+                <a:effectLst/>
+                <a:latin typeface="Arial" panose="020B0604020202020204" pitchFamily="34" charset="0"/>
+              </a:rPr>
+              <a:t> des images (avatars). </a:t>
+            </a:r>
+          </a:p>
+          <a:p>
+            <a:pPr lvl="1" eaLnBrk="0" fontAlgn="base" hangingPunct="0">
               <a:lnSpc>
                 <a:spcPct val="150000"/>
               </a:lnSpc>
@@ -6273,66 +6555,87 @@
               <a:spcAft>
                 <a:spcPct val="0"/>
               </a:spcAft>
-              <a:buClrTx/>
-              <a:buSzTx/>
               <a:buFontTx/>
               <a:buChar char="•"/>
-              <a:tabLst/>
             </a:pPr>
             <a:r>
-              <a:rPr kumimoji="0" lang="en-US" altLang="en-US" sz="1800" b="1" i="0" u="none" strike="noStrike" cap="none" normalizeH="0" baseline="0" dirty="0" err="1" smtClean="0">
-                <a:ln>
-                  <a:noFill/>
-                </a:ln>
-                <a:solidFill>
-                  <a:schemeClr val="tx1"/>
-                </a:solidFill>
-                <a:effectLst/>
-                <a:latin typeface="Arial" panose="020B0604020202020204" pitchFamily="34" charset="0"/>
-              </a:rPr>
-              <a:t>Bibliothèques</a:t>
-            </a:r>
-            <a:r>
-              <a:rPr kumimoji="0" lang="en-US" altLang="en-US" sz="1800" b="1" i="0" u="none" strike="noStrike" cap="none" normalizeH="0" baseline="0" dirty="0" smtClean="0">
-                <a:ln>
-                  <a:noFill/>
-                </a:ln>
-                <a:solidFill>
-                  <a:schemeClr val="tx1"/>
-                </a:solidFill>
-                <a:effectLst/>
-                <a:latin typeface="Arial" panose="020B0604020202020204" pitchFamily="34" charset="0"/>
-              </a:rPr>
-              <a:t> Python </a:t>
-            </a:r>
-            <a:r>
-              <a:rPr kumimoji="0" lang="en-US" altLang="en-US" sz="1800" b="1" i="0" u="none" strike="noStrike" cap="none" normalizeH="0" baseline="0" dirty="0" err="1" smtClean="0">
-                <a:ln>
-                  <a:noFill/>
-                </a:ln>
-                <a:solidFill>
-                  <a:schemeClr val="tx1"/>
-                </a:solidFill>
-                <a:effectLst/>
-                <a:latin typeface="Arial" panose="020B0604020202020204" pitchFamily="34" charset="0"/>
-              </a:rPr>
-              <a:t>additionnelles</a:t>
-            </a:r>
-            <a:r>
-              <a:rPr kumimoji="0" lang="en-US" altLang="en-US" sz="1800" b="1" i="0" u="none" strike="noStrike" cap="none" normalizeH="0" baseline="0" dirty="0" smtClean="0">
-                <a:ln>
-                  <a:noFill/>
-                </a:ln>
-                <a:solidFill>
-                  <a:schemeClr val="tx1"/>
-                </a:solidFill>
-                <a:effectLst/>
-                <a:latin typeface="Arial" panose="020B0604020202020204" pitchFamily="34" charset="0"/>
+              <a:rPr kumimoji="0" lang="en-US" altLang="en-US" b="1" i="0" u="none" strike="noStrike" cap="none" normalizeH="0" baseline="0" dirty="0" err="1" smtClean="0">
+                <a:ln>
+                  <a:noFill/>
+                </a:ln>
+                <a:solidFill>
+                  <a:schemeClr val="tx1"/>
+                </a:solidFill>
+                <a:effectLst/>
+              </a:rPr>
+              <a:t>subprocess</a:t>
+            </a:r>
+            <a:r>
+              <a:rPr kumimoji="0" lang="en-US" altLang="en-US" sz="1100" b="1" i="0" u="none" strike="noStrike" cap="none" normalizeH="0" baseline="0" dirty="0" smtClean="0">
+                <a:ln>
+                  <a:noFill/>
+                </a:ln>
+                <a:solidFill>
+                  <a:schemeClr val="tx1"/>
+                </a:solidFill>
+                <a:effectLst/>
               </a:rPr>
               <a:t> :</a:t>
             </a:r>
             <a:r>
-              <a:rPr kumimoji="0" lang="en-US" altLang="en-US" sz="1800" b="0" i="0" u="none" strike="noStrike" cap="none" normalizeH="0" baseline="0" dirty="0" smtClean="0">
+              <a:rPr kumimoji="0" lang="en-US" altLang="en-US" b="0" i="0" u="none" strike="noStrike" cap="none" normalizeH="0" baseline="0" dirty="0" smtClean="0">
+                <a:ln>
+                  <a:noFill/>
+                </a:ln>
+                <a:solidFill>
+                  <a:schemeClr val="tx1"/>
+                </a:solidFill>
+                <a:effectLst/>
+                <a:latin typeface="Arial" panose="020B0604020202020204" pitchFamily="34" charset="0"/>
+              </a:rPr>
+              <a:t> Pour </a:t>
+            </a:r>
+            <a:r>
+              <a:rPr kumimoji="0" lang="en-US" altLang="en-US" b="0" i="0" u="none" strike="noStrike" cap="none" normalizeH="0" baseline="0" dirty="0" err="1" smtClean="0">
+                <a:ln>
+                  <a:noFill/>
+                </a:ln>
+                <a:solidFill>
+                  <a:schemeClr val="tx1"/>
+                </a:solidFill>
+                <a:effectLst/>
+                <a:latin typeface="Arial" panose="020B0604020202020204" pitchFamily="34" charset="0"/>
+              </a:rPr>
+              <a:t>l'ouverture</a:t>
+            </a:r>
+            <a:r>
+              <a:rPr kumimoji="0" lang="en-US" altLang="en-US" b="0" i="0" u="none" strike="noStrike" cap="none" normalizeH="0" baseline="0" dirty="0" smtClean="0">
+                <a:ln>
+                  <a:noFill/>
+                </a:ln>
+                <a:solidFill>
+                  <a:schemeClr val="tx1"/>
+                </a:solidFill>
+                <a:effectLst/>
+                <a:latin typeface="Arial" panose="020B0604020202020204" pitchFamily="34" charset="0"/>
+              </a:rPr>
+              <a:t> de </a:t>
+            </a:r>
+            <a:r>
+              <a:rPr kumimoji="0" lang="en-US" altLang="en-US" b="0" i="0" u="none" strike="noStrike" cap="none" normalizeH="0" baseline="0" dirty="0" err="1" smtClean="0">
+                <a:ln>
+                  <a:noFill/>
+                </a:ln>
+                <a:solidFill>
+                  <a:schemeClr val="tx1"/>
+                </a:solidFill>
+                <a:effectLst/>
+                <a:latin typeface="Arial" panose="020B0604020202020204" pitchFamily="34" charset="0"/>
+              </a:rPr>
+              <a:t>fenêtres</a:t>
+            </a:r>
+            <a:r>
+              <a:rPr kumimoji="0" lang="en-US" altLang="en-US" b="0" i="0" u="none" strike="noStrike" cap="none" normalizeH="0" baseline="0" dirty="0" smtClean="0">
                 <a:ln>
                   <a:noFill/>
                 </a:ln>
@@ -6344,9 +6647,151 @@
               </a:rPr>
               <a:t> </a:t>
             </a:r>
-          </a:p>
-          <a:p>
-            <a:pPr marL="0" marR="0" lvl="0" indent="0" algn="l" defTabSz="914400" rtl="0" eaLnBrk="0" fontAlgn="base" latinLnBrk="0" hangingPunct="0">
+            <a:r>
+              <a:rPr kumimoji="0" lang="en-US" altLang="en-US" b="0" i="0" u="none" strike="noStrike" cap="none" normalizeH="0" baseline="0" dirty="0" err="1" smtClean="0">
+                <a:ln>
+                  <a:noFill/>
+                </a:ln>
+                <a:solidFill>
+                  <a:schemeClr val="tx1"/>
+                </a:solidFill>
+                <a:effectLst/>
+                <a:latin typeface="Arial" panose="020B0604020202020204" pitchFamily="34" charset="0"/>
+              </a:rPr>
+              <a:t>secondaires</a:t>
+            </a:r>
+            <a:r>
+              <a:rPr kumimoji="0" lang="en-US" altLang="en-US" b="0" i="0" u="none" strike="noStrike" cap="none" normalizeH="0" baseline="0" dirty="0" smtClean="0">
+                <a:ln>
+                  <a:noFill/>
+                </a:ln>
+                <a:solidFill>
+                  <a:schemeClr val="tx1"/>
+                </a:solidFill>
+                <a:effectLst/>
+                <a:latin typeface="Arial" panose="020B0604020202020204" pitchFamily="34" charset="0"/>
+              </a:rPr>
+              <a:t> </a:t>
+            </a:r>
+            <a:r>
+              <a:rPr kumimoji="0" lang="en-US" altLang="en-US" b="0" i="0" u="none" strike="noStrike" cap="none" normalizeH="0" baseline="0" dirty="0" err="1" smtClean="0">
+                <a:ln>
+                  <a:noFill/>
+                </a:ln>
+                <a:solidFill>
+                  <a:schemeClr val="tx1"/>
+                </a:solidFill>
+                <a:effectLst/>
+                <a:latin typeface="Arial" panose="020B0604020202020204" pitchFamily="34" charset="0"/>
+              </a:rPr>
+              <a:t>ou</a:t>
+            </a:r>
+            <a:r>
+              <a:rPr kumimoji="0" lang="en-US" altLang="en-US" b="0" i="0" u="none" strike="noStrike" cap="none" normalizeH="0" baseline="0" dirty="0" smtClean="0">
+                <a:ln>
+                  <a:noFill/>
+                </a:ln>
+                <a:solidFill>
+                  <a:schemeClr val="tx1"/>
+                </a:solidFill>
+                <a:effectLst/>
+                <a:latin typeface="Arial" panose="020B0604020202020204" pitchFamily="34" charset="0"/>
+              </a:rPr>
+              <a:t> </a:t>
+            </a:r>
+            <a:r>
+              <a:rPr kumimoji="0" lang="en-US" altLang="en-US" b="0" i="0" u="none" strike="noStrike" cap="none" normalizeH="0" baseline="0" dirty="0" err="1" smtClean="0">
+                <a:ln>
+                  <a:noFill/>
+                </a:ln>
+                <a:solidFill>
+                  <a:schemeClr val="tx1"/>
+                </a:solidFill>
+                <a:effectLst/>
+                <a:latin typeface="Arial" panose="020B0604020202020204" pitchFamily="34" charset="0"/>
+              </a:rPr>
+              <a:t>l'exécution</a:t>
+            </a:r>
+            <a:r>
+              <a:rPr kumimoji="0" lang="en-US" altLang="en-US" b="0" i="0" u="none" strike="noStrike" cap="none" normalizeH="0" baseline="0" dirty="0" smtClean="0">
+                <a:ln>
+                  <a:noFill/>
+                </a:ln>
+                <a:solidFill>
+                  <a:schemeClr val="tx1"/>
+                </a:solidFill>
+                <a:effectLst/>
+                <a:latin typeface="Arial" panose="020B0604020202020204" pitchFamily="34" charset="0"/>
+              </a:rPr>
+              <a:t> de scripts </a:t>
+            </a:r>
+            <a:r>
+              <a:rPr kumimoji="0" lang="en-US" altLang="en-US" b="0" i="0" u="none" strike="noStrike" cap="none" normalizeH="0" baseline="0" dirty="0" err="1" smtClean="0">
+                <a:ln>
+                  <a:noFill/>
+                </a:ln>
+                <a:solidFill>
+                  <a:schemeClr val="tx1"/>
+                </a:solidFill>
+                <a:effectLst/>
+                <a:latin typeface="Arial" panose="020B0604020202020204" pitchFamily="34" charset="0"/>
+              </a:rPr>
+              <a:t>externes</a:t>
+            </a:r>
+            <a:r>
+              <a:rPr kumimoji="0" lang="en-US" altLang="en-US" b="0" i="0" u="none" strike="noStrike" cap="none" normalizeH="0" baseline="0" dirty="0" smtClean="0">
+                <a:ln>
+                  <a:noFill/>
+                </a:ln>
+                <a:solidFill>
+                  <a:schemeClr val="tx1"/>
+                </a:solidFill>
+                <a:effectLst/>
+                <a:latin typeface="Arial" panose="020B0604020202020204" pitchFamily="34" charset="0"/>
+              </a:rPr>
+              <a:t> (</a:t>
+            </a:r>
+            <a:r>
+              <a:rPr kumimoji="0" lang="en-US" altLang="en-US" sz="1000" b="0" i="0" u="none" strike="noStrike" cap="none" normalizeH="0" baseline="0" dirty="0" smtClean="0">
+                <a:ln>
+                  <a:noFill/>
+                </a:ln>
+                <a:solidFill>
+                  <a:schemeClr val="tx1"/>
+                </a:solidFill>
+                <a:effectLst/>
+                <a:latin typeface="Arial Unicode MS" panose="020B0604020202020204" pitchFamily="34" charset="-128"/>
+              </a:rPr>
+              <a:t>plus_infos_fenetre.py</a:t>
+            </a:r>
+            <a:r>
+              <a:rPr kumimoji="0" lang="en-US" altLang="en-US" sz="1100" b="0" i="0" u="none" strike="noStrike" cap="none" normalizeH="0" baseline="0" dirty="0" smtClean="0">
+                <a:ln>
+                  <a:noFill/>
+                </a:ln>
+                <a:solidFill>
+                  <a:schemeClr val="tx1"/>
+                </a:solidFill>
+                <a:effectLst/>
+              </a:rPr>
+              <a:t>).</a:t>
+            </a:r>
+            <a:r>
+              <a:rPr kumimoji="0" lang="en-US" altLang="en-US" b="0" i="0" u="none" strike="noStrike" cap="none" normalizeH="0" baseline="0" dirty="0" smtClean="0">
+                <a:ln>
+                  <a:noFill/>
+                </a:ln>
+                <a:solidFill>
+                  <a:schemeClr val="tx1"/>
+                </a:solidFill>
+                <a:effectLst/>
+                <a:latin typeface="Arial" panose="020B0604020202020204" pitchFamily="34" charset="0"/>
+              </a:rPr>
+              <a:t> </a:t>
+            </a:r>
+          </a:p>
+          <a:p>
+            <a:pPr lvl="1" eaLnBrk="0" fontAlgn="base" hangingPunct="0">
               <a:lnSpc>
                 <a:spcPct val="150000"/>
               </a:lnSpc>
@@ -6356,94 +6801,32 @@
               <a:spcAft>
                 <a:spcPct val="0"/>
               </a:spcAft>
-              <a:buClrTx/>
-              <a:buSzTx/>
               <a:buFontTx/>
               <a:buChar char="•"/>
-              <a:tabLst/>
             </a:pPr>
             <a:r>
-              <a:rPr kumimoji="0" lang="en-US" altLang="en-US" sz="1800" b="1" i="0" u="none" strike="noStrike" cap="none" normalizeH="0" baseline="0" dirty="0" smtClean="0">
-                <a:ln>
-                  <a:noFill/>
-                </a:ln>
-                <a:solidFill>
-                  <a:schemeClr val="tx1"/>
-                </a:solidFill>
-                <a:effectLst/>
-                <a:latin typeface="Arial" panose="020B0604020202020204" pitchFamily="34" charset="0"/>
-              </a:rPr>
-              <a:t>Pillow (PIL) :</a:t>
-            </a:r>
-            <a:r>
-              <a:rPr kumimoji="0" lang="en-US" altLang="en-US" sz="1800" b="0" i="0" u="none" strike="noStrike" cap="none" normalizeH="0" baseline="0" dirty="0" smtClean="0">
-                <a:ln>
-                  <a:noFill/>
-                </a:ln>
-                <a:solidFill>
-                  <a:schemeClr val="tx1"/>
-                </a:solidFill>
-                <a:effectLst/>
-                <a:latin typeface="Arial" panose="020B0604020202020204" pitchFamily="34" charset="0"/>
-              </a:rPr>
-              <a:t> Pour la manipulation et </a:t>
-            </a:r>
-            <a:r>
-              <a:rPr kumimoji="0" lang="en-US" altLang="en-US" sz="1800" b="0" i="0" u="none" strike="noStrike" cap="none" normalizeH="0" baseline="0" dirty="0" err="1" smtClean="0">
-                <a:ln>
-                  <a:noFill/>
-                </a:ln>
-                <a:solidFill>
-                  <a:schemeClr val="tx1"/>
-                </a:solidFill>
-                <a:effectLst/>
-                <a:latin typeface="Arial" panose="020B0604020202020204" pitchFamily="34" charset="0"/>
-              </a:rPr>
-              <a:t>l'affichage</a:t>
-            </a:r>
-            <a:r>
-              <a:rPr kumimoji="0" lang="en-US" altLang="en-US" sz="1800" b="0" i="0" u="none" strike="noStrike" cap="none" normalizeH="0" baseline="0" dirty="0" smtClean="0">
-                <a:ln>
-                  <a:noFill/>
-                </a:ln>
-                <a:solidFill>
-                  <a:schemeClr val="tx1"/>
-                </a:solidFill>
-                <a:effectLst/>
-                <a:latin typeface="Arial" panose="020B0604020202020204" pitchFamily="34" charset="0"/>
-              </a:rPr>
-              <a:t> des images (avatars). </a:t>
-            </a:r>
-          </a:p>
-          <a:p>
-            <a:pPr marL="0" marR="0" lvl="0" indent="0" algn="l" defTabSz="914400" rtl="0" eaLnBrk="0" fontAlgn="base" latinLnBrk="0" hangingPunct="0">
-              <a:lnSpc>
-                <a:spcPct val="150000"/>
-              </a:lnSpc>
-              <a:spcBef>
-                <a:spcPct val="0"/>
-              </a:spcBef>
-              <a:spcAft>
-                <a:spcPct val="0"/>
-              </a:spcAft>
-              <a:buClrTx/>
-              <a:buSzTx/>
-              <a:buFontTx/>
-              <a:buChar char="•"/>
-              <a:tabLst/>
-            </a:pPr>
-            <a:r>
-              <a:rPr kumimoji="0" lang="en-US" altLang="en-US" sz="1000" b="1" i="0" u="none" strike="noStrike" cap="none" normalizeH="0" baseline="0" dirty="0" err="1" smtClean="0">
-                <a:ln>
-                  <a:noFill/>
-                </a:ln>
-                <a:solidFill>
-                  <a:schemeClr val="tx1"/>
-                </a:solidFill>
-                <a:effectLst/>
-                <a:latin typeface="Arial Unicode MS" panose="020B0604020202020204" pitchFamily="34" charset="-128"/>
-              </a:rPr>
-              <a:t>subprocess</a:t>
+              <a:rPr kumimoji="0" lang="en-US" altLang="en-US" b="1" i="0" u="none" strike="noStrike" cap="none" normalizeH="0" baseline="0" dirty="0" err="1" smtClean="0">
+                <a:ln>
+                  <a:noFill/>
+                </a:ln>
+                <a:solidFill>
+                  <a:schemeClr val="tx1"/>
+                </a:solidFill>
+                <a:effectLst/>
+              </a:rPr>
+              <a:t>os</a:t>
+            </a:r>
+            <a:r>
+              <a:rPr kumimoji="0" lang="en-US" altLang="en-US" b="1" i="0" u="none" strike="noStrike" cap="none" normalizeH="0" baseline="0" dirty="0" smtClean="0">
+                <a:ln>
+                  <a:noFill/>
+                </a:ln>
+                <a:solidFill>
+                  <a:schemeClr val="tx1"/>
+                </a:solidFill>
+                <a:effectLst/>
+              </a:rPr>
+              <a:t> </a:t>
             </a:r>
             <a:r>
               <a:rPr kumimoji="0" lang="en-US" altLang="en-US" sz="1100" b="1" i="0" u="none" strike="noStrike" cap="none" normalizeH="0" baseline="0" dirty="0" smtClean="0">
@@ -6455,36 +6838,62 @@
                 </a:solidFill>
                 <a:effectLst/>
               </a:rPr>
-              <a:t> :</a:t>
-            </a:r>
-            <a:r>
-              <a:rPr kumimoji="0" lang="en-US" altLang="en-US" sz="1800" b="0" i="0" u="none" strike="noStrike" cap="none" normalizeH="0" baseline="0" dirty="0" smtClean="0">
-                <a:ln>
-                  <a:noFill/>
-                </a:ln>
-                <a:solidFill>
-                  <a:schemeClr val="tx1"/>
-                </a:solidFill>
-                <a:effectLst/>
-                <a:latin typeface="Arial" panose="020B0604020202020204" pitchFamily="34" charset="0"/>
-              </a:rPr>
-              <a:t> Pour </a:t>
-            </a:r>
-            <a:r>
-              <a:rPr kumimoji="0" lang="en-US" altLang="en-US" sz="1800" b="0" i="0" u="none" strike="noStrike" cap="none" normalizeH="0" baseline="0" dirty="0" err="1" smtClean="0">
-                <a:ln>
-                  <a:noFill/>
-                </a:ln>
-                <a:solidFill>
-                  <a:schemeClr val="tx1"/>
-                </a:solidFill>
-                <a:effectLst/>
-                <a:latin typeface="Arial" panose="020B0604020202020204" pitchFamily="34" charset="0"/>
-              </a:rPr>
-              <a:t>l'ouverture</a:t>
-            </a:r>
-            <a:r>
-              <a:rPr kumimoji="0" lang="en-US" altLang="en-US" sz="1800" b="0" i="0" u="none" strike="noStrike" cap="none" normalizeH="0" baseline="0" dirty="0" smtClean="0">
+              <a:t>:</a:t>
+            </a:r>
+            <a:r>
+              <a:rPr kumimoji="0" lang="en-US" altLang="en-US" b="0" i="0" u="none" strike="noStrike" cap="none" normalizeH="0" baseline="0" dirty="0" smtClean="0">
+                <a:ln>
+                  <a:noFill/>
+                </a:ln>
+                <a:solidFill>
+                  <a:schemeClr val="tx1"/>
+                </a:solidFill>
+                <a:effectLst/>
+                <a:latin typeface="Arial" panose="020B0604020202020204" pitchFamily="34" charset="0"/>
+              </a:rPr>
+              <a:t> Pour la </a:t>
+            </a:r>
+            <a:r>
+              <a:rPr kumimoji="0" lang="en-US" altLang="en-US" b="0" i="0" u="none" strike="noStrike" cap="none" normalizeH="0" baseline="0" dirty="0" err="1" smtClean="0">
+                <a:ln>
+                  <a:noFill/>
+                </a:ln>
+                <a:solidFill>
+                  <a:schemeClr val="tx1"/>
+                </a:solidFill>
+                <a:effectLst/>
+                <a:latin typeface="Arial" panose="020B0604020202020204" pitchFamily="34" charset="0"/>
+              </a:rPr>
+              <a:t>gestion</a:t>
+            </a:r>
+            <a:r>
+              <a:rPr kumimoji="0" lang="en-US" altLang="en-US" b="0" i="0" u="none" strike="noStrike" cap="none" normalizeH="0" baseline="0" dirty="0" smtClean="0">
+                <a:ln>
+                  <a:noFill/>
+                </a:ln>
+                <a:solidFill>
+                  <a:schemeClr val="tx1"/>
+                </a:solidFill>
+                <a:effectLst/>
+                <a:latin typeface="Arial" panose="020B0604020202020204" pitchFamily="34" charset="0"/>
+              </a:rPr>
+              <a:t> des </a:t>
+            </a:r>
+            <a:r>
+              <a:rPr kumimoji="0" lang="en-US" altLang="en-US" b="0" i="0" u="none" strike="noStrike" cap="none" normalizeH="0" baseline="0" dirty="0" err="1" smtClean="0">
+                <a:ln>
+                  <a:noFill/>
+                </a:ln>
+                <a:solidFill>
+                  <a:schemeClr val="tx1"/>
+                </a:solidFill>
+                <a:effectLst/>
+                <a:latin typeface="Arial" panose="020B0604020202020204" pitchFamily="34" charset="0"/>
+              </a:rPr>
+              <a:t>chemins</a:t>
+            </a:r>
+            <a:r>
+              <a:rPr kumimoji="0" lang="en-US" altLang="en-US" b="0" i="0" u="none" strike="noStrike" cap="none" normalizeH="0" baseline="0" dirty="0" smtClean="0">
                 <a:ln>
                   <a:noFill/>
                 </a:ln>
@@ -6497,283 +6906,7 @@
               <a:t> de </a:t>
             </a:r>
             <a:r>
-              <a:rPr kumimoji="0" lang="en-US" altLang="en-US" sz="1800" b="0" i="0" u="none" strike="noStrike" cap="none" normalizeH="0" baseline="0" dirty="0" err="1" smtClean="0">
-                <a:ln>
-                  <a:noFill/>
-                </a:ln>
-                <a:solidFill>
-                  <a:schemeClr val="tx1"/>
-                </a:solidFill>
-                <a:effectLst/>
-                <a:latin typeface="Arial" panose="020B0604020202020204" pitchFamily="34" charset="0"/>
-              </a:rPr>
-              <a:t>fenêtres</a:t>
-            </a:r>
-            <a:r>
-              <a:rPr kumimoji="0" lang="en-US" altLang="en-US" sz="1800" b="0" i="0" u="none" strike="noStrike" cap="none" normalizeH="0" baseline="0" dirty="0" smtClean="0">
-                <a:ln>
-                  <a:noFill/>
-                </a:ln>
-                <a:solidFill>
-                  <a:schemeClr val="tx1"/>
-                </a:solidFill>
-                <a:effectLst/>
-                <a:latin typeface="Arial" panose="020B0604020202020204" pitchFamily="34" charset="0"/>
-              </a:rPr>
-              <a:t> </a:t>
-            </a:r>
-            <a:r>
-              <a:rPr kumimoji="0" lang="en-US" altLang="en-US" sz="1800" b="0" i="0" u="none" strike="noStrike" cap="none" normalizeH="0" baseline="0" dirty="0" err="1" smtClean="0">
-                <a:ln>
-                  <a:noFill/>
-                </a:ln>
-                <a:solidFill>
-                  <a:schemeClr val="tx1"/>
-                </a:solidFill>
-                <a:effectLst/>
-                <a:latin typeface="Arial" panose="020B0604020202020204" pitchFamily="34" charset="0"/>
-              </a:rPr>
-              <a:t>secondaires</a:t>
-            </a:r>
-            <a:r>
-              <a:rPr kumimoji="0" lang="en-US" altLang="en-US" sz="1800" b="0" i="0" u="none" strike="noStrike" cap="none" normalizeH="0" baseline="0" dirty="0" smtClean="0">
-                <a:ln>
-                  <a:noFill/>
-                </a:ln>
-                <a:solidFill>
-                  <a:schemeClr val="tx1"/>
-                </a:solidFill>
-                <a:effectLst/>
-                <a:latin typeface="Arial" panose="020B0604020202020204" pitchFamily="34" charset="0"/>
-              </a:rPr>
-              <a:t> </a:t>
-            </a:r>
-            <a:r>
-              <a:rPr kumimoji="0" lang="en-US" altLang="en-US" sz="1800" b="0" i="0" u="none" strike="noStrike" cap="none" normalizeH="0" baseline="0" dirty="0" err="1" smtClean="0">
-                <a:ln>
-                  <a:noFill/>
-                </a:ln>
-                <a:solidFill>
-                  <a:schemeClr val="tx1"/>
-                </a:solidFill>
-                <a:effectLst/>
-                <a:latin typeface="Arial" panose="020B0604020202020204" pitchFamily="34" charset="0"/>
-              </a:rPr>
-              <a:t>ou</a:t>
-            </a:r>
-            <a:r>
-              <a:rPr kumimoji="0" lang="en-US" altLang="en-US" sz="1800" b="0" i="0" u="none" strike="noStrike" cap="none" normalizeH="0" baseline="0" dirty="0" smtClean="0">
-                <a:ln>
-                  <a:noFill/>
-                </a:ln>
-                <a:solidFill>
-                  <a:schemeClr val="tx1"/>
-                </a:solidFill>
-                <a:effectLst/>
-                <a:latin typeface="Arial" panose="020B0604020202020204" pitchFamily="34" charset="0"/>
-              </a:rPr>
-              <a:t> </a:t>
-            </a:r>
-            <a:r>
-              <a:rPr kumimoji="0" lang="en-US" altLang="en-US" sz="1800" b="0" i="0" u="none" strike="noStrike" cap="none" normalizeH="0" baseline="0" dirty="0" err="1" smtClean="0">
-                <a:ln>
-                  <a:noFill/>
-                </a:ln>
-                <a:solidFill>
-                  <a:schemeClr val="tx1"/>
-                </a:solidFill>
-                <a:effectLst/>
-                <a:latin typeface="Arial" panose="020B0604020202020204" pitchFamily="34" charset="0"/>
-              </a:rPr>
-              <a:t>l'exécution</a:t>
-            </a:r>
-            <a:r>
-              <a:rPr kumimoji="0" lang="en-US" altLang="en-US" sz="1800" b="0" i="0" u="none" strike="noStrike" cap="none" normalizeH="0" baseline="0" dirty="0" smtClean="0">
-                <a:ln>
-                  <a:noFill/>
-                </a:ln>
-                <a:solidFill>
-                  <a:schemeClr val="tx1"/>
-                </a:solidFill>
-                <a:effectLst/>
-                <a:latin typeface="Arial" panose="020B0604020202020204" pitchFamily="34" charset="0"/>
-              </a:rPr>
-              <a:t> de scripts </a:t>
-            </a:r>
-            <a:r>
-              <a:rPr kumimoji="0" lang="en-US" altLang="en-US" sz="1800" b="0" i="0" u="none" strike="noStrike" cap="none" normalizeH="0" baseline="0" dirty="0" err="1" smtClean="0">
-                <a:ln>
-                  <a:noFill/>
-                </a:ln>
-                <a:solidFill>
-                  <a:schemeClr val="tx1"/>
-                </a:solidFill>
-                <a:effectLst/>
-                <a:latin typeface="Arial" panose="020B0604020202020204" pitchFamily="34" charset="0"/>
-              </a:rPr>
-              <a:t>externes</a:t>
-            </a:r>
-            <a:r>
-              <a:rPr kumimoji="0" lang="en-US" altLang="en-US" sz="1800" b="0" i="0" u="none" strike="noStrike" cap="none" normalizeH="0" baseline="0" dirty="0" smtClean="0">
-                <a:ln>
-                  <a:noFill/>
-                </a:ln>
-                <a:solidFill>
-                  <a:schemeClr val="tx1"/>
-                </a:solidFill>
-                <a:effectLst/>
-                <a:latin typeface="Arial" panose="020B0604020202020204" pitchFamily="34" charset="0"/>
-              </a:rPr>
-              <a:t> (</a:t>
-            </a:r>
-            <a:r>
-              <a:rPr kumimoji="0" lang="en-US" altLang="en-US" sz="1000" b="0" i="0" u="none" strike="noStrike" cap="none" normalizeH="0" baseline="0" dirty="0" smtClean="0">
-                <a:ln>
-                  <a:noFill/>
-                </a:ln>
-                <a:solidFill>
-                  <a:schemeClr val="tx1"/>
-                </a:solidFill>
-                <a:effectLst/>
-                <a:latin typeface="Arial Unicode MS" panose="020B0604020202020204" pitchFamily="34" charset="-128"/>
-              </a:rPr>
-              <a:t>plus_infos_fenetre.py</a:t>
-            </a:r>
-            <a:r>
-              <a:rPr kumimoji="0" lang="en-US" altLang="en-US" sz="1100" b="0" i="0" u="none" strike="noStrike" cap="none" normalizeH="0" baseline="0" dirty="0" smtClean="0">
-                <a:ln>
-                  <a:noFill/>
-                </a:ln>
-                <a:solidFill>
-                  <a:schemeClr val="tx1"/>
-                </a:solidFill>
-                <a:effectLst/>
-              </a:rPr>
-              <a:t>).</a:t>
-            </a:r>
-            <a:r>
-              <a:rPr kumimoji="0" lang="en-US" altLang="en-US" sz="1800" b="0" i="0" u="none" strike="noStrike" cap="none" normalizeH="0" baseline="0" dirty="0" smtClean="0">
-                <a:ln>
-                  <a:noFill/>
-                </a:ln>
-                <a:solidFill>
-                  <a:schemeClr val="tx1"/>
-                </a:solidFill>
-                <a:effectLst/>
-                <a:latin typeface="Arial" panose="020B0604020202020204" pitchFamily="34" charset="0"/>
-              </a:rPr>
-              <a:t> </a:t>
-            </a:r>
-          </a:p>
-          <a:p>
-            <a:pPr marL="0" marR="0" lvl="0" indent="0" algn="l" defTabSz="914400" rtl="0" eaLnBrk="0" fontAlgn="base" latinLnBrk="0" hangingPunct="0">
-              <a:lnSpc>
-                <a:spcPct val="150000"/>
-              </a:lnSpc>
-              <a:spcBef>
-                <a:spcPct val="0"/>
-              </a:spcBef>
-              <a:spcAft>
-                <a:spcPct val="0"/>
-              </a:spcAft>
-              <a:buClrTx/>
-              <a:buSzTx/>
-              <a:buFontTx/>
-              <a:buChar char="•"/>
-              <a:tabLst/>
-            </a:pPr>
-            <a:r>
-              <a:rPr kumimoji="0" lang="en-US" altLang="en-US" sz="1000" b="1" i="0" u="none" strike="noStrike" cap="none" normalizeH="0" baseline="0" dirty="0" err="1" smtClean="0">
-                <a:ln>
-                  <a:noFill/>
-                </a:ln>
-                <a:solidFill>
-                  <a:schemeClr val="tx1"/>
-                </a:solidFill>
-                <a:effectLst/>
-                <a:latin typeface="Arial Unicode MS" panose="020B0604020202020204" pitchFamily="34" charset="-128"/>
-              </a:rPr>
-              <a:t>os</a:t>
-            </a:r>
-            <a:r>
-              <a:rPr kumimoji="0" lang="en-US" altLang="en-US" sz="1100" b="1" i="0" u="none" strike="noStrike" cap="none" normalizeH="0" baseline="0" dirty="0" smtClean="0">
-                <a:ln>
-                  <a:noFill/>
-                </a:ln>
-                <a:solidFill>
-                  <a:schemeClr val="tx1"/>
-                </a:solidFill>
-                <a:effectLst/>
-              </a:rPr>
-              <a:t> :</a:t>
-            </a:r>
-            <a:r>
-              <a:rPr kumimoji="0" lang="en-US" altLang="en-US" sz="1800" b="0" i="0" u="none" strike="noStrike" cap="none" normalizeH="0" baseline="0" dirty="0" smtClean="0">
-                <a:ln>
-                  <a:noFill/>
-                </a:ln>
-                <a:solidFill>
-                  <a:schemeClr val="tx1"/>
-                </a:solidFill>
-                <a:effectLst/>
-                <a:latin typeface="Arial" panose="020B0604020202020204" pitchFamily="34" charset="0"/>
-              </a:rPr>
-              <a:t> Pour la </a:t>
-            </a:r>
-            <a:r>
-              <a:rPr kumimoji="0" lang="en-US" altLang="en-US" sz="1800" b="0" i="0" u="none" strike="noStrike" cap="none" normalizeH="0" baseline="0" dirty="0" err="1" smtClean="0">
-                <a:ln>
-                  <a:noFill/>
-                </a:ln>
-                <a:solidFill>
-                  <a:schemeClr val="tx1"/>
-                </a:solidFill>
-                <a:effectLst/>
-                <a:latin typeface="Arial" panose="020B0604020202020204" pitchFamily="34" charset="0"/>
-              </a:rPr>
-              <a:t>gestion</a:t>
-            </a:r>
-            <a:r>
-              <a:rPr kumimoji="0" lang="en-US" altLang="en-US" sz="1800" b="0" i="0" u="none" strike="noStrike" cap="none" normalizeH="0" baseline="0" dirty="0" smtClean="0">
-                <a:ln>
-                  <a:noFill/>
-                </a:ln>
-                <a:solidFill>
-                  <a:schemeClr val="tx1"/>
-                </a:solidFill>
-                <a:effectLst/>
-                <a:latin typeface="Arial" panose="020B0604020202020204" pitchFamily="34" charset="0"/>
-              </a:rPr>
-              <a:t> des </a:t>
-            </a:r>
-            <a:r>
-              <a:rPr kumimoji="0" lang="en-US" altLang="en-US" sz="1800" b="0" i="0" u="none" strike="noStrike" cap="none" normalizeH="0" baseline="0" dirty="0" err="1" smtClean="0">
-                <a:ln>
-                  <a:noFill/>
-                </a:ln>
-                <a:solidFill>
-                  <a:schemeClr val="tx1"/>
-                </a:solidFill>
-                <a:effectLst/>
-                <a:latin typeface="Arial" panose="020B0604020202020204" pitchFamily="34" charset="0"/>
-              </a:rPr>
-              <a:t>chemins</a:t>
-            </a:r>
-            <a:r>
-              <a:rPr kumimoji="0" lang="en-US" altLang="en-US" sz="1800" b="0" i="0" u="none" strike="noStrike" cap="none" normalizeH="0" baseline="0" dirty="0" smtClean="0">
-                <a:ln>
-                  <a:noFill/>
-                </a:ln>
-                <a:solidFill>
-                  <a:schemeClr val="tx1"/>
-                </a:solidFill>
-                <a:effectLst/>
-                <a:latin typeface="Arial" panose="020B0604020202020204" pitchFamily="34" charset="0"/>
-              </a:rPr>
-              <a:t> de </a:t>
-            </a:r>
-            <a:r>
-              <a:rPr kumimoji="0" lang="en-US" altLang="en-US" sz="1800" b="0" i="0" u="none" strike="noStrike" cap="none" normalizeH="0" baseline="0" dirty="0" err="1" smtClean="0">
+              <a:rPr kumimoji="0" lang="en-US" altLang="en-US" b="0" i="0" u="none" strike="noStrike" cap="none" normalizeH="0" baseline="0" dirty="0" err="1" smtClean="0">
                 <a:ln>
                   <a:noFill/>
                 </a:ln>
@@ -6786,7 +6919,7 @@
               <a:t>fichiers</a:t>
             </a:r>
             <a:r>
-              <a:rPr kumimoji="0" lang="en-US" altLang="en-US" sz="1800" b="0" i="0" u="none" strike="noStrike" cap="none" normalizeH="0" baseline="0" dirty="0" smtClean="0">
+              <a:rPr kumimoji="0" lang="en-US" altLang="en-US" b="0" i="0" u="none" strike="noStrike" cap="none" normalizeH="0" baseline="0" dirty="0" smtClean="0">
                 <a:ln>
                   <a:noFill/>
                 </a:ln>
@@ -6868,6 +7001,466 @@
       </p:grpSpPr>
       <p:sp>
         <p:nvSpPr>
+          <p:cNvPr id="2" name="Rectangle 1"/>
+          <p:cNvSpPr/>
+          <p:nvPr/>
+        </p:nvSpPr>
+        <p:spPr>
+          <a:xfrm>
+            <a:off x="1153885" y="1169687"/>
+            <a:ext cx="8355874" cy="2862322"/>
+          </a:xfrm>
+          <a:prstGeom prst="rect">
+            <a:avLst/>
+          </a:prstGeom>
+        </p:spPr>
+        <p:txBody>
+          <a:bodyPr wrap="square">
+            <a:spAutoFit/>
+          </a:bodyPr>
+          <a:lstStyle/>
+          <a:p>
+            <a:pPr marL="285750" lvl="0" indent="-285750" eaLnBrk="0" fontAlgn="base" hangingPunct="0">
+              <a:lnSpc>
+                <a:spcPct val="150000"/>
+              </a:lnSpc>
+              <a:spcBef>
+                <a:spcPct val="0"/>
+              </a:spcBef>
+              <a:spcAft>
+                <a:spcPct val="0"/>
+              </a:spcAft>
+              <a:buFont typeface="Wingdings" panose="05000000000000000000" pitchFamily="2" charset="2"/>
+              <a:buChar char="q"/>
+            </a:pPr>
+            <a:r>
+              <a:rPr lang="en-US" altLang="en-US" b="1" u="sng" dirty="0" smtClean="0">
+                <a:latin typeface="Arial" panose="020B0604020202020204" pitchFamily="34" charset="0"/>
+              </a:rPr>
+              <a:t>MySQL</a:t>
+            </a:r>
+            <a:r>
+              <a:rPr lang="en-US" altLang="en-US" b="1" dirty="0" smtClean="0">
+                <a:latin typeface="Arial" panose="020B0604020202020204" pitchFamily="34" charset="0"/>
+              </a:rPr>
+              <a:t> </a:t>
+            </a:r>
+            <a:r>
+              <a:rPr lang="en-US" altLang="en-US" b="1" dirty="0">
+                <a:latin typeface="Arial" panose="020B0604020202020204" pitchFamily="34" charset="0"/>
+              </a:rPr>
+              <a:t>(via </a:t>
+            </a:r>
+            <a:r>
+              <a:rPr lang="en-US" altLang="en-US" b="1" dirty="0" err="1">
+                <a:latin typeface="Arial" panose="020B0604020202020204" pitchFamily="34" charset="0"/>
+              </a:rPr>
+              <a:t>phpMyAdmin</a:t>
+            </a:r>
+            <a:r>
+              <a:rPr lang="en-US" altLang="en-US" b="1" dirty="0">
+                <a:latin typeface="Arial" panose="020B0604020202020204" pitchFamily="34" charset="0"/>
+              </a:rPr>
+              <a:t>)</a:t>
+            </a:r>
+            <a:r>
+              <a:rPr lang="en-US" altLang="en-US" dirty="0">
+                <a:latin typeface="Arial" panose="020B0604020202020204" pitchFamily="34" charset="0"/>
+              </a:rPr>
+              <a:t> </a:t>
+            </a:r>
+            <a:r>
+              <a:rPr lang="en-US" altLang="en-US" dirty="0" smtClean="0">
+                <a:latin typeface="Arial" panose="020B0604020202020204" pitchFamily="34" charset="0"/>
+              </a:rPr>
+              <a:t>:</a:t>
+            </a:r>
+            <a:endParaRPr lang="en-US" altLang="en-US" dirty="0">
+              <a:latin typeface="Arial" panose="020B0604020202020204" pitchFamily="34" charset="0"/>
+            </a:endParaRPr>
+          </a:p>
+          <a:p>
+            <a:pPr lvl="0" eaLnBrk="0" fontAlgn="base" hangingPunct="0">
+              <a:spcBef>
+                <a:spcPct val="0"/>
+              </a:spcBef>
+              <a:spcAft>
+                <a:spcPct val="0"/>
+              </a:spcAft>
+              <a:buFontTx/>
+              <a:buChar char="•"/>
+            </a:pPr>
+            <a:endParaRPr lang="fr-FR" altLang="en-US" dirty="0" smtClean="0">
+              <a:latin typeface="Arial" panose="020B0604020202020204" pitchFamily="34" charset="0"/>
+            </a:endParaRPr>
+          </a:p>
+          <a:p>
+            <a:pPr lvl="0" eaLnBrk="0" fontAlgn="base" hangingPunct="0">
+              <a:spcBef>
+                <a:spcPct val="0"/>
+              </a:spcBef>
+              <a:spcAft>
+                <a:spcPct val="0"/>
+              </a:spcAft>
+              <a:buFontTx/>
+              <a:buChar char="•"/>
+            </a:pPr>
+            <a:endParaRPr lang="fr-FR" altLang="en-US" dirty="0">
+              <a:latin typeface="Arial" panose="020B0604020202020204" pitchFamily="34" charset="0"/>
+            </a:endParaRPr>
+          </a:p>
+          <a:p>
+            <a:pPr lvl="0" eaLnBrk="0" fontAlgn="base" hangingPunct="0">
+              <a:spcBef>
+                <a:spcPct val="0"/>
+              </a:spcBef>
+              <a:spcAft>
+                <a:spcPct val="0"/>
+              </a:spcAft>
+              <a:buFontTx/>
+              <a:buChar char="•"/>
+            </a:pPr>
+            <a:endParaRPr lang="en-US" altLang="en-US" dirty="0" smtClean="0">
+              <a:latin typeface="Arial" panose="020B0604020202020204" pitchFamily="34" charset="0"/>
+            </a:endParaRPr>
+          </a:p>
+          <a:p>
+            <a:pPr lvl="0" eaLnBrk="0" fontAlgn="base" hangingPunct="0">
+              <a:lnSpc>
+                <a:spcPct val="150000"/>
+              </a:lnSpc>
+              <a:spcBef>
+                <a:spcPct val="0"/>
+              </a:spcBef>
+              <a:spcAft>
+                <a:spcPct val="0"/>
+              </a:spcAft>
+              <a:buFontTx/>
+              <a:buChar char="•"/>
+            </a:pPr>
+            <a:r>
+              <a:rPr lang="en-US" altLang="en-US" b="1" dirty="0" err="1" smtClean="0">
+                <a:latin typeface="Arial" panose="020B0604020202020204" pitchFamily="34" charset="0"/>
+              </a:rPr>
+              <a:t>Pourquoi</a:t>
+            </a:r>
+            <a:r>
+              <a:rPr lang="en-US" altLang="en-US" b="1" dirty="0" smtClean="0">
+                <a:latin typeface="Arial" panose="020B0604020202020204" pitchFamily="34" charset="0"/>
+              </a:rPr>
+              <a:t> </a:t>
+            </a:r>
+            <a:r>
+              <a:rPr lang="en-US" altLang="en-US" b="1" dirty="0">
+                <a:latin typeface="Arial" panose="020B0604020202020204" pitchFamily="34" charset="0"/>
+              </a:rPr>
+              <a:t>MySQL ?</a:t>
+            </a:r>
+            <a:r>
+              <a:rPr lang="en-US" altLang="en-US" dirty="0">
+                <a:latin typeface="Arial" panose="020B0604020202020204" pitchFamily="34" charset="0"/>
+              </a:rPr>
+              <a:t> Base de </a:t>
+            </a:r>
+            <a:r>
+              <a:rPr lang="en-US" altLang="en-US" dirty="0" err="1">
+                <a:latin typeface="Arial" panose="020B0604020202020204" pitchFamily="34" charset="0"/>
+              </a:rPr>
+              <a:t>données</a:t>
+            </a:r>
+            <a:r>
+              <a:rPr lang="en-US" altLang="en-US" dirty="0">
+                <a:latin typeface="Arial" panose="020B0604020202020204" pitchFamily="34" charset="0"/>
+              </a:rPr>
+              <a:t> </a:t>
+            </a:r>
+            <a:r>
+              <a:rPr lang="en-US" altLang="en-US" dirty="0" err="1">
+                <a:latin typeface="Arial" panose="020B0604020202020204" pitchFamily="34" charset="0"/>
+              </a:rPr>
+              <a:t>relationnelle</a:t>
+            </a:r>
+            <a:r>
+              <a:rPr lang="en-US" altLang="en-US" dirty="0">
+                <a:latin typeface="Arial" panose="020B0604020202020204" pitchFamily="34" charset="0"/>
+              </a:rPr>
+              <a:t> </a:t>
+            </a:r>
+            <a:r>
+              <a:rPr lang="en-US" altLang="en-US" dirty="0" err="1">
+                <a:latin typeface="Arial" panose="020B0604020202020204" pitchFamily="34" charset="0"/>
+              </a:rPr>
+              <a:t>robuste</a:t>
+            </a:r>
+            <a:r>
+              <a:rPr lang="en-US" altLang="en-US" dirty="0">
+                <a:latin typeface="Arial" panose="020B0604020202020204" pitchFamily="34" charset="0"/>
+              </a:rPr>
+              <a:t> et </a:t>
+            </a:r>
+            <a:r>
+              <a:rPr lang="en-US" altLang="en-US" dirty="0" err="1">
+                <a:latin typeface="Arial" panose="020B0604020202020204" pitchFamily="34" charset="0"/>
+              </a:rPr>
+              <a:t>largement</a:t>
+            </a:r>
+            <a:r>
+              <a:rPr lang="en-US" altLang="en-US" dirty="0">
+                <a:latin typeface="Arial" panose="020B0604020202020204" pitchFamily="34" charset="0"/>
+              </a:rPr>
+              <a:t> </a:t>
+            </a:r>
+            <a:r>
+              <a:rPr lang="en-US" altLang="en-US" dirty="0" smtClean="0">
+                <a:latin typeface="Arial" panose="020B0604020202020204" pitchFamily="34" charset="0"/>
+              </a:rPr>
+              <a:t>                     				</a:t>
+            </a:r>
+            <a:r>
+              <a:rPr lang="en-US" altLang="en-US" dirty="0" err="1" smtClean="0">
+                <a:latin typeface="Arial" panose="020B0604020202020204" pitchFamily="34" charset="0"/>
+              </a:rPr>
+              <a:t>ilisée</a:t>
+            </a:r>
+            <a:r>
+              <a:rPr lang="en-US" altLang="en-US" dirty="0">
+                <a:latin typeface="Arial" panose="020B0604020202020204" pitchFamily="34" charset="0"/>
+              </a:rPr>
+              <a:t>, open-source. </a:t>
+            </a:r>
+            <a:endParaRPr lang="en-US" altLang="en-US" dirty="0" smtClean="0">
+              <a:latin typeface="Arial" panose="020B0604020202020204" pitchFamily="34" charset="0"/>
+            </a:endParaRPr>
+          </a:p>
+          <a:p>
+            <a:pPr lvl="0" eaLnBrk="0" fontAlgn="base" hangingPunct="0">
+              <a:spcBef>
+                <a:spcPct val="0"/>
+              </a:spcBef>
+              <a:spcAft>
+                <a:spcPct val="0"/>
+              </a:spcAft>
+              <a:buFontTx/>
+              <a:buChar char="•"/>
+            </a:pPr>
+            <a:endParaRPr lang="en-US" altLang="en-US" dirty="0">
+              <a:latin typeface="Arial" panose="020B0604020202020204" pitchFamily="34" charset="0"/>
+            </a:endParaRPr>
+          </a:p>
+          <a:p>
+            <a:pPr lvl="0" eaLnBrk="0" fontAlgn="base" hangingPunct="0">
+              <a:lnSpc>
+                <a:spcPct val="150000"/>
+              </a:lnSpc>
+              <a:spcBef>
+                <a:spcPct val="0"/>
+              </a:spcBef>
+              <a:spcAft>
+                <a:spcPct val="0"/>
+              </a:spcAft>
+              <a:buFontTx/>
+              <a:buChar char="•"/>
+            </a:pPr>
+            <a:r>
+              <a:rPr lang="en-US" altLang="en-US" b="1" dirty="0" err="1">
+                <a:latin typeface="Arial" panose="020B0604020202020204" pitchFamily="34" charset="0"/>
+              </a:rPr>
+              <a:t>phpMyAdmin</a:t>
+            </a:r>
+            <a:r>
+              <a:rPr lang="en-US" altLang="en-US" b="1" dirty="0">
+                <a:latin typeface="Arial" panose="020B0604020202020204" pitchFamily="34" charset="0"/>
+              </a:rPr>
+              <a:t> :</a:t>
+            </a:r>
+            <a:r>
+              <a:rPr lang="en-US" altLang="en-US" dirty="0">
+                <a:latin typeface="Arial" panose="020B0604020202020204" pitchFamily="34" charset="0"/>
+              </a:rPr>
+              <a:t> </a:t>
+            </a:r>
+            <a:r>
+              <a:rPr lang="en-US" altLang="en-US" dirty="0" err="1">
+                <a:latin typeface="Arial" panose="020B0604020202020204" pitchFamily="34" charset="0"/>
+              </a:rPr>
+              <a:t>Outil</a:t>
+            </a:r>
+            <a:r>
+              <a:rPr lang="en-US" altLang="en-US" dirty="0">
+                <a:latin typeface="Arial" panose="020B0604020202020204" pitchFamily="34" charset="0"/>
+              </a:rPr>
+              <a:t> web pour </a:t>
+            </a:r>
+            <a:r>
+              <a:rPr lang="en-US" altLang="en-US" dirty="0" err="1">
+                <a:latin typeface="Arial" panose="020B0604020202020204" pitchFamily="34" charset="0"/>
+              </a:rPr>
+              <a:t>l'administration</a:t>
+            </a:r>
+            <a:r>
+              <a:rPr lang="en-US" altLang="en-US" dirty="0">
+                <a:latin typeface="Arial" panose="020B0604020202020204" pitchFamily="34" charset="0"/>
+              </a:rPr>
+              <a:t> facile de la base de </a:t>
+            </a:r>
+            <a:r>
+              <a:rPr lang="en-US" altLang="en-US" dirty="0" err="1">
+                <a:latin typeface="Arial" panose="020B0604020202020204" pitchFamily="34" charset="0"/>
+              </a:rPr>
+              <a:t>données</a:t>
+            </a:r>
+            <a:r>
+              <a:rPr lang="en-US" altLang="en-US" dirty="0">
+                <a:latin typeface="Arial" panose="020B0604020202020204" pitchFamily="34" charset="0"/>
+              </a:rPr>
+              <a:t>. </a:t>
+            </a:r>
+            <a:endParaRPr lang="en-US" dirty="0"/>
+          </a:p>
+        </p:txBody>
+      </p:sp>
+      <p:sp>
+        <p:nvSpPr>
+          <p:cNvPr id="3" name="ZoneTexte 2"/>
+          <p:cNvSpPr txBox="1"/>
+          <p:nvPr/>
+        </p:nvSpPr>
+        <p:spPr>
+          <a:xfrm>
+            <a:off x="731520" y="509451"/>
+            <a:ext cx="4370107" cy="461665"/>
+          </a:xfrm>
+          <a:prstGeom prst="rect">
+            <a:avLst/>
+          </a:prstGeom>
+          <a:noFill/>
+        </p:spPr>
+        <p:txBody>
+          <a:bodyPr wrap="none" rtlCol="0">
+            <a:spAutoFit/>
+          </a:bodyPr>
+          <a:lstStyle/>
+          <a:p>
+            <a:pPr marL="342900" indent="-342900">
+              <a:buFont typeface="Wingdings" panose="05000000000000000000" pitchFamily="2" charset="2"/>
+              <a:buChar char="v"/>
+            </a:pPr>
+            <a:r>
+              <a:rPr lang="fr-FR" sz="2400" b="1" u="sng" dirty="0" smtClean="0">
+                <a:solidFill>
+                  <a:schemeClr val="accent4">
+                    <a:lumMod val="75000"/>
+                  </a:schemeClr>
+                </a:solidFill>
+                <a:latin typeface="Times New Roman" panose="02020603050405020304" pitchFamily="18" charset="0"/>
+                <a:cs typeface="Times New Roman" panose="02020603050405020304" pitchFamily="18" charset="0"/>
+              </a:rPr>
+              <a:t>Gestion de Base de Données :</a:t>
+            </a:r>
+            <a:endParaRPr lang="en-US" sz="2400" b="1" u="sng" dirty="0">
+              <a:solidFill>
+                <a:schemeClr val="accent4">
+                  <a:lumMod val="75000"/>
+                </a:schemeClr>
+              </a:solidFill>
+              <a:latin typeface="Times New Roman" panose="02020603050405020304" pitchFamily="18" charset="0"/>
+              <a:cs typeface="Times New Roman" panose="02020603050405020304" pitchFamily="18" charset="0"/>
+            </a:endParaRPr>
+          </a:p>
+        </p:txBody>
+      </p:sp>
+      <p:pic>
+        <p:nvPicPr>
+          <p:cNvPr id="4" name="Image 3"/>
+          <p:cNvPicPr>
+            <a:picLocks noChangeAspect="1"/>
+          </p:cNvPicPr>
+          <p:nvPr/>
+        </p:nvPicPr>
+        <p:blipFill>
+          <a:blip r:embed="rId2" cstate="print">
+            <a:extLst>
+              <a:ext uri="{28A0092B-C50C-407E-A947-70E740481C1C}">
+                <a14:useLocalDpi xmlns:a14="http://schemas.microsoft.com/office/drawing/2010/main" val="0"/>
+              </a:ext>
+            </a:extLst>
+          </a:blip>
+          <a:stretch>
+            <a:fillRect/>
+          </a:stretch>
+        </p:blipFill>
+        <p:spPr>
+          <a:xfrm>
+            <a:off x="5253446" y="910266"/>
+            <a:ext cx="2336075" cy="1206973"/>
+          </a:xfrm>
+          <a:prstGeom prst="rect">
+            <a:avLst/>
+          </a:prstGeom>
+        </p:spPr>
+      </p:pic>
+      <p:pic>
+        <p:nvPicPr>
+          <p:cNvPr id="5" name="Image 4"/>
+          <p:cNvPicPr>
+            <a:picLocks noChangeAspect="1"/>
+          </p:cNvPicPr>
+          <p:nvPr/>
+        </p:nvPicPr>
+        <p:blipFill>
+          <a:blip r:embed="rId3" cstate="print">
+            <a:extLst>
+              <a:ext uri="{28A0092B-C50C-407E-A947-70E740481C1C}">
+                <a14:useLocalDpi xmlns:a14="http://schemas.microsoft.com/office/drawing/2010/main" val="0"/>
+              </a:ext>
+            </a:extLst>
+          </a:blip>
+          <a:stretch>
+            <a:fillRect/>
+          </a:stretch>
+        </p:blipFill>
+        <p:spPr>
+          <a:xfrm>
+            <a:off x="7589521" y="3148948"/>
+            <a:ext cx="3657854" cy="2585645"/>
+          </a:xfrm>
+          <a:prstGeom prst="rect">
+            <a:avLst/>
+          </a:prstGeom>
+        </p:spPr>
+      </p:pic>
+    </p:spTree>
+    <p:extLst>
+      <p:ext uri="{BB962C8B-B14F-4D97-AF65-F5344CB8AC3E}">
+        <p14:creationId xmlns:p14="http://schemas.microsoft.com/office/powerpoint/2010/main" val="3520847568"/>
+      </p:ext>
+    </p:extLst>
+  </p:cSld>
+  <p:clrMapOvr>
+    <a:masterClrMapping/>
+  </p:clrMapOvr>
+</p:sld>
+</file>
+
+<file path=ppt/slides/slide8.xml><?xml version="1.0" encoding="utf-8"?>
+<p:sld xmlns:a="http://schemas.openxmlformats.org/drawingml/2006/main" xmlns:r="http://schemas.openxmlformats.org/officeDocument/2006/relationships" xmlns:p="http://schemas.openxmlformats.org/presentationml/2006/main">
+  <p:cSld>
+    <p:spTree>
+      <p:nvGrpSpPr>
+        <p:cNvPr id="1" name=""/>
+        <p:cNvGrpSpPr/>
+        <p:nvPr/>
+      </p:nvGrpSpPr>
+      <p:grpSpPr>
+        <a:xfrm>
+          <a:off x="0" y="0"/>
+          <a:ext cx="0" cy="0"/>
+          <a:chOff x="0" y="0"/>
+          <a:chExt cx="0" cy="0"/>
+        </a:xfrm>
+      </p:grpSpPr>
+      <p:sp>
+        <p:nvSpPr>
           <p:cNvPr id="4" name="Rectangle 2"/>
           <p:cNvSpPr>
             <a:spLocks noChangeArrowheads="1"/>
@@ -7026,7 +7619,7 @@
               <a:t> table :</a:t>
             </a:r>
             <a:r>
-              <a:rPr kumimoji="0" lang="en-US" altLang="en-US" sz="2400" b="0" i="0" u="sng" strike="noStrike" cap="none" normalizeH="0" baseline="0" dirty="0" smtClean="0">
+              <a:rPr kumimoji="0" lang="en-US" altLang="en-US" sz="2400" b="0" i="0" strike="noStrike" cap="none" normalizeH="0" baseline="0" dirty="0" smtClean="0">
                 <a:ln>
                   <a:noFill/>
                 </a:ln>
@@ -7038,7 +7631,7 @@
                 <a:effectLst/>
                 <a:cs typeface="Times New Roman" panose="02020603050405020304" pitchFamily="18" charset="0"/>
               </a:rPr>
-              <a:t> </a:t>
+              <a:t>  </a:t>
             </a:r>
             <a:r>
               <a:rPr kumimoji="0" lang="en-US" altLang="en-US" b="0" i="0" u="none" strike="noStrike" cap="none" normalizeH="0" baseline="0" dirty="0" err="1" smtClean="0">
@@ -9252,160 +9845,6 @@
     <p:extLst>
       <p:ext uri="{BB962C8B-B14F-4D97-AF65-F5344CB8AC3E}">
         <p14:creationId xmlns:p14="http://schemas.microsoft.com/office/powerpoint/2010/main" val="3477146549"/>
-      </p:ext>
-    </p:extLst>
-  </p:cSld>
-  <p:clrMapOvr>
-    <a:masterClrMapping/>
-  </p:clrMapOvr>
-  <p:timing>
-    <p:tnLst>
-      <p:par>
-        <p:cTn id="1" dur="indefinite" restart="never" nodeType="tmRoot"/>
-      </p:par>
-    </p:tnLst>
-  </p:timing>
-</p:sld>
-</file>
-
-<file path=ppt/slides/slide8.xml><?xml version="1.0" encoding="utf-8"?>
-<p:sld xmlns:a="http://schemas.openxmlformats.org/drawingml/2006/main" xmlns:r="http://schemas.openxmlformats.org/officeDocument/2006/relationships" xmlns:p="http://schemas.openxmlformats.org/presentationml/2006/main">
-  <p:cSld>
-    <p:spTree>
-      <p:nvGrpSpPr>
-        <p:cNvPr id="1" name=""/>
-        <p:cNvGrpSpPr/>
-        <p:nvPr/>
-      </p:nvGrpSpPr>
-      <p:grpSpPr>
-        <a:xfrm>
-          <a:off x="0" y="0"/>
-          <a:ext cx="0" cy="0"/>
-          <a:chOff x="0" y="0"/>
-          <a:chExt cx="0" cy="0"/>
-        </a:xfrm>
-      </p:grpSpPr>
-      <p:sp>
-        <p:nvSpPr>
-          <p:cNvPr id="2" name="ZoneTexte 1"/>
-          <p:cNvSpPr txBox="1"/>
-          <p:nvPr/>
-        </p:nvSpPr>
-        <p:spPr>
-          <a:xfrm>
-            <a:off x="1005840" y="1240970"/>
-            <a:ext cx="9517059" cy="3170099"/>
-          </a:xfrm>
-          <a:prstGeom prst="rect">
-            <a:avLst/>
-          </a:prstGeom>
-          <a:noFill/>
-        </p:spPr>
-        <p:txBody>
-          <a:bodyPr wrap="square" rtlCol="0">
-            <a:spAutoFit/>
-          </a:bodyPr>
-          <a:lstStyle/>
-          <a:p>
-            <a:r>
-              <a:rPr lang="fr-FR" sz="2000" dirty="0" smtClean="0"/>
-              <a:t>      En </a:t>
-            </a:r>
-            <a:r>
-              <a:rPr lang="fr-FR" sz="2000" dirty="0"/>
-              <a:t>somme, ce projet d'arbre généalogique interactif, développé en Python avec Tkinter, a permis de concrétiser une visualisation claire et fonctionnelle des liens familiaux. </a:t>
-            </a:r>
-            <a:endParaRPr lang="fr-FR" sz="2000" dirty="0" smtClean="0"/>
-          </a:p>
-          <a:p>
-            <a:r>
-              <a:rPr lang="fr-FR" sz="2000" dirty="0"/>
-              <a:t> </a:t>
-            </a:r>
-            <a:r>
-              <a:rPr lang="fr-FR" sz="2000" dirty="0" smtClean="0"/>
-              <a:t>     Nous </a:t>
-            </a:r>
-            <a:r>
-              <a:rPr lang="fr-FR" sz="2000" dirty="0"/>
-              <a:t>avons réussi à mettre en place une structure de données robuste via MySQL, essentielle pour organiser les informations complexes et les relations de parenté. Ce travail a démontré notre capacité à intégrer différentes technologies pour créer une application conviviale et évolutive</a:t>
-            </a:r>
-            <a:r>
-              <a:rPr lang="fr-FR" sz="2000" dirty="0" smtClean="0"/>
-              <a:t>.</a:t>
-            </a:r>
-          </a:p>
-          <a:p>
-            <a:r>
-              <a:rPr lang="fr-FR" sz="2000" dirty="0"/>
-              <a:t> </a:t>
-            </a:r>
-            <a:r>
-              <a:rPr lang="fr-FR" sz="2000" dirty="0" smtClean="0"/>
-              <a:t>     </a:t>
-            </a:r>
-            <a:r>
-              <a:rPr lang="fr-FR" sz="2000" dirty="0"/>
-              <a:t>Bien que cette version offre déjà une exploration intuitive de l'arbre, des perspectives d'amélioration telles que l'ajout de fonctionnalités d'édition ou la gestion de scénarios familiaux plus complexes restent envisageables pour l'avenir.</a:t>
-            </a:r>
-            <a:endParaRPr lang="en-US" sz="2000" dirty="0"/>
-          </a:p>
-        </p:txBody>
-      </p:sp>
-      <p:sp>
-        <p:nvSpPr>
-          <p:cNvPr id="3" name="ZoneTexte 2"/>
-          <p:cNvSpPr txBox="1"/>
-          <p:nvPr/>
-        </p:nvSpPr>
-        <p:spPr>
-          <a:xfrm>
-            <a:off x="4448945" y="535576"/>
-            <a:ext cx="2630849" cy="523220"/>
-          </a:xfrm>
-          <a:prstGeom prst="rect">
-            <a:avLst/>
-          </a:prstGeom>
-          <a:noFill/>
-        </p:spPr>
-        <p:txBody>
-          <a:bodyPr wrap="none" rtlCol="0">
-            <a:spAutoFit/>
-          </a:bodyPr>
-          <a:lstStyle/>
-          <a:p>
-            <a:pPr marL="514350" indent="-514350" algn="ctr">
-              <a:buFont typeface="+mj-lt"/>
-              <a:buAutoNum type="romanUcPeriod" startAt="5"/>
-            </a:pPr>
-            <a:r>
-              <a:rPr lang="fr-FR" sz="2800" b="1" u="sng" dirty="0" smtClean="0">
-                <a:solidFill>
-                  <a:schemeClr val="accent6">
-                    <a:lumMod val="75000"/>
-                  </a:schemeClr>
-                </a:solidFill>
-                <a:latin typeface="Times New Roman" panose="02020603050405020304" pitchFamily="18" charset="0"/>
-                <a:cs typeface="Times New Roman" panose="02020603050405020304" pitchFamily="18" charset="0"/>
-              </a:rPr>
-              <a:t>Conclusion :</a:t>
-            </a:r>
-            <a:endParaRPr lang="en-US" sz="2800" b="1" u="sng" dirty="0">
-              <a:solidFill>
-                <a:schemeClr val="accent6">
-                  <a:lumMod val="75000"/>
-                </a:schemeClr>
-              </a:solidFill>
-              <a:latin typeface="Times New Roman" panose="02020603050405020304" pitchFamily="18" charset="0"/>
-              <a:cs typeface="Times New Roman" panose="02020603050405020304" pitchFamily="18" charset="0"/>
-            </a:endParaRPr>
-          </a:p>
-        </p:txBody>
-      </p:sp>
-    </p:spTree>
-    <p:extLst>
-      <p:ext uri="{BB962C8B-B14F-4D97-AF65-F5344CB8AC3E}">
-        <p14:creationId xmlns:p14="http://schemas.microsoft.com/office/powerpoint/2010/main" val="2431567924"/>
       </p:ext>
     </p:extLst>
   </p:cSld>
@@ -9441,21 +9880,19 @@
       </p:grpSpPr>
       <p:sp>
         <p:nvSpPr>
-          <p:cNvPr id="3" name="Émoticône 2"/>
+          <p:cNvPr id="2" name="Organigramme : Stockage interne 1"/>
           <p:cNvSpPr/>
           <p:nvPr/>
         </p:nvSpPr>
         <p:spPr>
           <a:xfrm>
-            <a:off x="5381898" y="3304174"/>
-            <a:ext cx="757646" cy="679269"/>
+            <a:off x="822960" y="1175657"/>
+            <a:ext cx="1975319" cy="2664823"/>
           </a:xfrm>
-          <a:prstGeom prst="smileyFace">
+          <a:prstGeom prst="flowChartInternalStorage">
             <a:avLst/>
           </a:prstGeom>
-          <a:solidFill>
-            <a:schemeClr val="bg1"/>
-          </a:solidFill>
+          <a:noFill/>
         </p:spPr>
         <p:style>
           <a:lnRef idx="2">
@@ -9478,37 +9915,125 @@
           <a:lstStyle/>
           <a:p>
             <a:pPr algn="ctr"/>
-            <a:endParaRPr lang="en-US"/>
+            <a:endParaRPr lang="en-US" dirty="0"/>
           </a:p>
         </p:txBody>
       </p:sp>
       <p:sp>
         <p:nvSpPr>
-          <p:cNvPr id="5" name="Parchemin horizontal 4"/>
+          <p:cNvPr id="3" name="ZoneTexte 2"/>
+          <p:cNvSpPr txBox="1"/>
+          <p:nvPr/>
+        </p:nvSpPr>
+        <p:spPr>
+          <a:xfrm>
+            <a:off x="1186768" y="1175653"/>
+            <a:ext cx="1534010" cy="369332"/>
+          </a:xfrm>
+          <a:prstGeom prst="rect">
+            <a:avLst/>
+          </a:prstGeom>
+          <a:noFill/>
+        </p:spPr>
+        <p:txBody>
+          <a:bodyPr wrap="none" rtlCol="0">
+            <a:spAutoFit/>
+          </a:bodyPr>
+          <a:lstStyle/>
+          <a:p>
+            <a:r>
+              <a:rPr lang="fr-FR" dirty="0" err="1" smtClean="0"/>
+              <a:t>Grand-Parents</a:t>
+            </a:r>
+            <a:endParaRPr lang="en-US" dirty="0"/>
+          </a:p>
+        </p:txBody>
+      </p:sp>
+      <p:sp>
+        <p:nvSpPr>
+          <p:cNvPr id="4" name="ZoneTexte 3"/>
+          <p:cNvSpPr txBox="1"/>
+          <p:nvPr/>
+        </p:nvSpPr>
+        <p:spPr>
+          <a:xfrm>
+            <a:off x="1242384" y="1741972"/>
+            <a:ext cx="1136469" cy="1323439"/>
+          </a:xfrm>
+          <a:prstGeom prst="rect">
+            <a:avLst/>
+          </a:prstGeom>
+          <a:noFill/>
+        </p:spPr>
+        <p:txBody>
+          <a:bodyPr wrap="square" rtlCol="0">
+            <a:spAutoFit/>
+          </a:bodyPr>
+          <a:lstStyle/>
+          <a:p>
+            <a:r>
+              <a:rPr lang="fr-FR" sz="1600" dirty="0" smtClean="0"/>
+              <a:t>id</a:t>
+            </a:r>
+          </a:p>
+          <a:p>
+            <a:r>
+              <a:rPr lang="fr-FR" sz="1600" dirty="0" smtClean="0"/>
+              <a:t>nom</a:t>
+            </a:r>
+          </a:p>
+          <a:p>
+            <a:r>
+              <a:rPr lang="fr-FR" sz="1600" dirty="0" err="1" smtClean="0"/>
+              <a:t>age</a:t>
+            </a:r>
+            <a:endParaRPr lang="fr-FR" sz="1600" dirty="0" smtClean="0"/>
+          </a:p>
+          <a:p>
+            <a:r>
+              <a:rPr lang="fr-FR" sz="1600" dirty="0" smtClean="0"/>
+              <a:t>infos</a:t>
+            </a:r>
+          </a:p>
+          <a:p>
+            <a:r>
+              <a:rPr lang="fr-FR" sz="1600" dirty="0" smtClean="0"/>
+              <a:t>avatar</a:t>
+            </a:r>
+            <a:endParaRPr lang="en-US" sz="1600" dirty="0"/>
+          </a:p>
+        </p:txBody>
+      </p:sp>
+      <p:sp>
+        <p:nvSpPr>
+          <p:cNvPr id="6" name="Organigramme : Stockage interne 5"/>
           <p:cNvSpPr/>
           <p:nvPr/>
         </p:nvSpPr>
         <p:spPr>
           <a:xfrm>
-            <a:off x="1391195" y="1919875"/>
-            <a:ext cx="9287691" cy="1097280"/>
+            <a:off x="4239773" y="1188008"/>
+            <a:ext cx="1975319" cy="2664823"/>
           </a:xfrm>
-          <a:prstGeom prst="horizontalScroll">
+          <a:prstGeom prst="flowChartInternalStorage">
             <a:avLst/>
           </a:prstGeom>
+          <a:noFill/>
         </p:spPr>
         <p:style>
           <a:lnRef idx="2">
-            <a:schemeClr val="accent1"/>
+            <a:schemeClr val="accent1">
+              <a:shade val="50000"/>
+            </a:schemeClr>
           </a:lnRef>
           <a:fillRef idx="1">
-            <a:schemeClr val="lt1"/>
+            <a:schemeClr val="accent1"/>
           </a:fillRef>
           <a:effectRef idx="0">
             <a:schemeClr val="accent1"/>
           </a:effectRef>
           <a:fontRef idx="minor">
-            <a:schemeClr val="dk1"/>
+            <a:schemeClr val="lt1"/>
           </a:fontRef>
         </p:style>
         <p:txBody>
@@ -9516,56 +10041,818 @@
           <a:lstStyle/>
           <a:p>
             <a:pPr algn="ctr"/>
-            <a:r>
-              <a:rPr lang="fr-FR" sz="3600" dirty="0">
-                <a:solidFill>
-                  <a:schemeClr val="accent2">
-                    <a:lumMod val="50000"/>
-                  </a:schemeClr>
-                </a:solidFill>
-                <a:latin typeface="Algerian" panose="04020705040A02060702" pitchFamily="82" charset="0"/>
-              </a:rPr>
-              <a:t>MERCI DE VOTRE AIMABLE ATTENTION </a:t>
-            </a:r>
-            <a:r>
-              <a:rPr lang="fr-FR" sz="3600" dirty="0" smtClean="0">
-                <a:solidFill>
-                  <a:schemeClr val="accent2">
-                    <a:lumMod val="50000"/>
-                  </a:schemeClr>
-                </a:solidFill>
-                <a:latin typeface="Algerian" panose="04020705040A02060702" pitchFamily="82" charset="0"/>
-              </a:rPr>
-              <a:t>!!!</a:t>
-            </a:r>
-            <a:endParaRPr lang="fr-FR" sz="3600" dirty="0">
-              <a:solidFill>
-                <a:schemeClr val="accent2">
-                  <a:lumMod val="50000"/>
-                </a:schemeClr>
-              </a:solidFill>
-              <a:latin typeface="Algerian" panose="04020705040A02060702" pitchFamily="82" charset="0"/>
-            </a:endParaRPr>
+            <a:endParaRPr lang="en-US" dirty="0"/>
           </a:p>
         </p:txBody>
       </p:sp>
+      <p:sp>
+        <p:nvSpPr>
+          <p:cNvPr id="7" name="Organigramme : Stockage interne 6"/>
+          <p:cNvSpPr/>
+          <p:nvPr/>
+        </p:nvSpPr>
+        <p:spPr>
+          <a:xfrm>
+            <a:off x="8003177" y="1175656"/>
+            <a:ext cx="1975319" cy="2664823"/>
+          </a:xfrm>
+          <a:prstGeom prst="flowChartInternalStorage">
+            <a:avLst/>
+          </a:prstGeom>
+          <a:noFill/>
+        </p:spPr>
+        <p:style>
+          <a:lnRef idx="2">
+            <a:schemeClr val="accent1">
+              <a:shade val="50000"/>
+            </a:schemeClr>
+          </a:lnRef>
+          <a:fillRef idx="1">
+            <a:schemeClr val="accent1"/>
+          </a:fillRef>
+          <a:effectRef idx="0">
+            <a:schemeClr val="accent1"/>
+          </a:effectRef>
+          <a:fontRef idx="minor">
+            <a:schemeClr val="lt1"/>
+          </a:fontRef>
+        </p:style>
+        <p:txBody>
+          <a:bodyPr rtlCol="0" anchor="ctr"/>
+          <a:lstStyle/>
+          <a:p>
+            <a:pPr algn="ctr"/>
+            <a:endParaRPr lang="en-US" dirty="0"/>
+          </a:p>
+        </p:txBody>
+      </p:sp>
+      <p:sp>
+        <p:nvSpPr>
+          <p:cNvPr id="8" name="ZoneTexte 7"/>
+          <p:cNvSpPr txBox="1"/>
+          <p:nvPr/>
+        </p:nvSpPr>
+        <p:spPr>
+          <a:xfrm>
+            <a:off x="4810522" y="1751954"/>
+            <a:ext cx="1136469" cy="1323439"/>
+          </a:xfrm>
+          <a:prstGeom prst="rect">
+            <a:avLst/>
+          </a:prstGeom>
+          <a:noFill/>
+        </p:spPr>
+        <p:txBody>
+          <a:bodyPr wrap="square" rtlCol="0">
+            <a:spAutoFit/>
+          </a:bodyPr>
+          <a:lstStyle/>
+          <a:p>
+            <a:r>
+              <a:rPr lang="fr-FR" sz="1600" dirty="0" smtClean="0"/>
+              <a:t>id</a:t>
+            </a:r>
+          </a:p>
+          <a:p>
+            <a:r>
+              <a:rPr lang="fr-FR" sz="1600" dirty="0" smtClean="0"/>
+              <a:t>nom</a:t>
+            </a:r>
+          </a:p>
+          <a:p>
+            <a:r>
+              <a:rPr lang="fr-FR" sz="1600" dirty="0" err="1" smtClean="0"/>
+              <a:t>age</a:t>
+            </a:r>
+            <a:endParaRPr lang="fr-FR" sz="1600" dirty="0" smtClean="0"/>
+          </a:p>
+          <a:p>
+            <a:r>
+              <a:rPr lang="fr-FR" sz="1600" dirty="0" smtClean="0"/>
+              <a:t>infos</a:t>
+            </a:r>
+          </a:p>
+          <a:p>
+            <a:r>
+              <a:rPr lang="fr-FR" sz="1600" dirty="0" smtClean="0"/>
+              <a:t>avatar</a:t>
+            </a:r>
+            <a:endParaRPr lang="en-US" sz="1600" dirty="0"/>
+          </a:p>
+        </p:txBody>
+      </p:sp>
+      <p:sp>
+        <p:nvSpPr>
+          <p:cNvPr id="9" name="ZoneTexte 8"/>
+          <p:cNvSpPr txBox="1"/>
+          <p:nvPr/>
+        </p:nvSpPr>
+        <p:spPr>
+          <a:xfrm>
+            <a:off x="8422601" y="1830957"/>
+            <a:ext cx="1136469" cy="1354217"/>
+          </a:xfrm>
+          <a:prstGeom prst="rect">
+            <a:avLst/>
+          </a:prstGeom>
+          <a:noFill/>
+        </p:spPr>
+        <p:txBody>
+          <a:bodyPr wrap="square" rtlCol="0">
+            <a:spAutoFit/>
+          </a:bodyPr>
+          <a:lstStyle/>
+          <a:p>
+            <a:r>
+              <a:rPr lang="fr-FR" sz="1600" dirty="0" smtClean="0"/>
+              <a:t>id</a:t>
+            </a:r>
+          </a:p>
+          <a:p>
+            <a:r>
+              <a:rPr lang="fr-FR" sz="1600" dirty="0" smtClean="0"/>
+              <a:t>nom</a:t>
+            </a:r>
+          </a:p>
+          <a:p>
+            <a:r>
+              <a:rPr lang="fr-FR" sz="1600" dirty="0" err="1" smtClean="0"/>
+              <a:t>age</a:t>
+            </a:r>
+            <a:endParaRPr lang="fr-FR" sz="1600" dirty="0" smtClean="0"/>
+          </a:p>
+          <a:p>
+            <a:r>
+              <a:rPr lang="fr-FR" sz="1600" dirty="0" smtClean="0"/>
+              <a:t>infos</a:t>
+            </a:r>
+          </a:p>
+          <a:p>
+            <a:r>
+              <a:rPr lang="fr-FR" sz="1600" dirty="0" smtClean="0"/>
+              <a:t>avatar</a:t>
+            </a:r>
+            <a:endParaRPr lang="en-US" sz="1600" dirty="0"/>
+          </a:p>
+        </p:txBody>
+      </p:sp>
+      <p:sp>
+        <p:nvSpPr>
+          <p:cNvPr id="10" name="ZoneTexte 9"/>
+          <p:cNvSpPr txBox="1"/>
+          <p:nvPr/>
+        </p:nvSpPr>
+        <p:spPr>
+          <a:xfrm>
+            <a:off x="4784764" y="1188008"/>
+            <a:ext cx="887935" cy="369332"/>
+          </a:xfrm>
+          <a:prstGeom prst="rect">
+            <a:avLst/>
+          </a:prstGeom>
+          <a:noFill/>
+        </p:spPr>
+        <p:txBody>
+          <a:bodyPr wrap="none" rtlCol="0">
+            <a:spAutoFit/>
+          </a:bodyPr>
+          <a:lstStyle/>
+          <a:p>
+            <a:r>
+              <a:rPr lang="fr-FR" dirty="0" smtClean="0"/>
+              <a:t>Parents</a:t>
+            </a:r>
+            <a:endParaRPr lang="en-US" dirty="0"/>
+          </a:p>
+        </p:txBody>
+      </p:sp>
+      <p:sp>
+        <p:nvSpPr>
+          <p:cNvPr id="11" name="ZoneTexte 10"/>
+          <p:cNvSpPr txBox="1"/>
+          <p:nvPr/>
+        </p:nvSpPr>
+        <p:spPr>
+          <a:xfrm>
+            <a:off x="4788469" y="3992912"/>
+            <a:ext cx="1158522" cy="369332"/>
+          </a:xfrm>
+          <a:prstGeom prst="rect">
+            <a:avLst/>
+          </a:prstGeom>
+          <a:noFill/>
+        </p:spPr>
+        <p:txBody>
+          <a:bodyPr wrap="none" rtlCol="0">
+            <a:spAutoFit/>
+          </a:bodyPr>
+          <a:lstStyle/>
+          <a:p>
+            <a:r>
+              <a:rPr lang="fr-FR" dirty="0" smtClean="0"/>
+              <a:t>personnes</a:t>
+            </a:r>
+            <a:endParaRPr lang="en-US" dirty="0"/>
+          </a:p>
+        </p:txBody>
+      </p:sp>
+      <p:sp>
+        <p:nvSpPr>
+          <p:cNvPr id="12" name="Rectangle 11"/>
+          <p:cNvSpPr/>
+          <p:nvPr/>
+        </p:nvSpPr>
+        <p:spPr>
+          <a:xfrm>
+            <a:off x="4492096" y="3291836"/>
+            <a:ext cx="1727125" cy="548639"/>
+          </a:xfrm>
+          <a:prstGeom prst="rect">
+            <a:avLst/>
+          </a:prstGeom>
+          <a:noFill/>
+        </p:spPr>
+        <p:style>
+          <a:lnRef idx="2">
+            <a:schemeClr val="accent1">
+              <a:shade val="50000"/>
+            </a:schemeClr>
+          </a:lnRef>
+          <a:fillRef idx="1">
+            <a:schemeClr val="accent1"/>
+          </a:fillRef>
+          <a:effectRef idx="0">
+            <a:schemeClr val="accent1"/>
+          </a:effectRef>
+          <a:fontRef idx="minor">
+            <a:schemeClr val="lt1"/>
+          </a:fontRef>
+        </p:style>
+        <p:txBody>
+          <a:bodyPr rtlCol="0" anchor="ctr"/>
+          <a:lstStyle/>
+          <a:p>
+            <a:pPr algn="ctr"/>
+            <a:endParaRPr lang="en-US"/>
+          </a:p>
+        </p:txBody>
+      </p:sp>
+      <p:sp>
+        <p:nvSpPr>
+          <p:cNvPr id="14" name="Rectangle 13"/>
+          <p:cNvSpPr/>
+          <p:nvPr/>
+        </p:nvSpPr>
+        <p:spPr>
+          <a:xfrm>
+            <a:off x="8251371" y="3252643"/>
+            <a:ext cx="1727125" cy="548639"/>
+          </a:xfrm>
+          <a:prstGeom prst="rect">
+            <a:avLst/>
+          </a:prstGeom>
+          <a:noFill/>
+        </p:spPr>
+        <p:style>
+          <a:lnRef idx="2">
+            <a:schemeClr val="accent1">
+              <a:shade val="50000"/>
+            </a:schemeClr>
+          </a:lnRef>
+          <a:fillRef idx="1">
+            <a:schemeClr val="accent1"/>
+          </a:fillRef>
+          <a:effectRef idx="0">
+            <a:schemeClr val="accent1"/>
+          </a:effectRef>
+          <a:fontRef idx="minor">
+            <a:schemeClr val="lt1"/>
+          </a:fontRef>
+        </p:style>
+        <p:txBody>
+          <a:bodyPr rtlCol="0" anchor="ctr"/>
+          <a:lstStyle/>
+          <a:p>
+            <a:pPr algn="ctr"/>
+            <a:endParaRPr lang="en-US"/>
+          </a:p>
+        </p:txBody>
+      </p:sp>
+      <p:sp>
+        <p:nvSpPr>
+          <p:cNvPr id="16" name="ZoneTexte 15"/>
+          <p:cNvSpPr txBox="1"/>
+          <p:nvPr/>
+        </p:nvSpPr>
+        <p:spPr>
+          <a:xfrm>
+            <a:off x="4865091" y="3234574"/>
+            <a:ext cx="965239" cy="584775"/>
+          </a:xfrm>
+          <a:prstGeom prst="rect">
+            <a:avLst/>
+          </a:prstGeom>
+          <a:noFill/>
+        </p:spPr>
+        <p:txBody>
+          <a:bodyPr wrap="square" rtlCol="0">
+            <a:spAutoFit/>
+          </a:bodyPr>
+          <a:lstStyle/>
+          <a:p>
+            <a:r>
+              <a:rPr lang="fr-FR" sz="1600" dirty="0" err="1" smtClean="0"/>
+              <a:t>id_pere</a:t>
+            </a:r>
+            <a:endParaRPr lang="fr-FR" sz="1600" dirty="0" smtClean="0"/>
+          </a:p>
+          <a:p>
+            <a:r>
+              <a:rPr lang="fr-FR" sz="1600" dirty="0" err="1" smtClean="0"/>
+              <a:t>id_mere</a:t>
+            </a:r>
+            <a:endParaRPr lang="en-US" sz="1600" dirty="0"/>
+          </a:p>
+        </p:txBody>
+      </p:sp>
+      <p:sp>
+        <p:nvSpPr>
+          <p:cNvPr id="17" name="ZoneTexte 16"/>
+          <p:cNvSpPr txBox="1"/>
+          <p:nvPr/>
+        </p:nvSpPr>
+        <p:spPr>
+          <a:xfrm>
+            <a:off x="8632313" y="3255700"/>
+            <a:ext cx="965239" cy="584775"/>
+          </a:xfrm>
+          <a:prstGeom prst="rect">
+            <a:avLst/>
+          </a:prstGeom>
+          <a:noFill/>
+        </p:spPr>
+        <p:txBody>
+          <a:bodyPr wrap="square" rtlCol="0">
+            <a:spAutoFit/>
+          </a:bodyPr>
+          <a:lstStyle/>
+          <a:p>
+            <a:r>
+              <a:rPr lang="fr-FR" sz="1600" dirty="0" err="1" smtClean="0"/>
+              <a:t>id_pere</a:t>
+            </a:r>
+            <a:endParaRPr lang="fr-FR" sz="1600" dirty="0" smtClean="0"/>
+          </a:p>
+          <a:p>
+            <a:r>
+              <a:rPr lang="fr-FR" sz="1600" dirty="0" err="1" smtClean="0"/>
+              <a:t>id_mere</a:t>
+            </a:r>
+            <a:endParaRPr lang="en-US" sz="1600" dirty="0"/>
+          </a:p>
+        </p:txBody>
+      </p:sp>
+      <p:cxnSp>
+        <p:nvCxnSpPr>
+          <p:cNvPr id="19" name="Connecteur en angle 18"/>
+          <p:cNvCxnSpPr/>
+          <p:nvPr/>
+        </p:nvCxnSpPr>
+        <p:spPr>
+          <a:xfrm>
+            <a:off x="2837410" y="1741972"/>
+            <a:ext cx="1364532" cy="319503"/>
+          </a:xfrm>
+          <a:prstGeom prst="bentConnector3">
+            <a:avLst>
+              <a:gd name="adj1" fmla="val 50000"/>
+            </a:avLst>
+          </a:prstGeom>
+          <a:ln>
+            <a:tailEnd type="triangle"/>
+          </a:ln>
+        </p:spPr>
+        <p:style>
+          <a:lnRef idx="1">
+            <a:schemeClr val="accent1"/>
+          </a:lnRef>
+          <a:fillRef idx="0">
+            <a:schemeClr val="accent1"/>
+          </a:fillRef>
+          <a:effectRef idx="0">
+            <a:schemeClr val="accent1"/>
+          </a:effectRef>
+          <a:fontRef idx="minor">
+            <a:schemeClr val="tx1"/>
+          </a:fontRef>
+        </p:style>
+      </p:cxnSp>
+      <p:cxnSp>
+        <p:nvCxnSpPr>
+          <p:cNvPr id="21" name="Connecteur en angle 20"/>
+          <p:cNvCxnSpPr/>
+          <p:nvPr/>
+        </p:nvCxnSpPr>
+        <p:spPr>
+          <a:xfrm>
+            <a:off x="6255525" y="1919941"/>
+            <a:ext cx="1786785" cy="141534"/>
+          </a:xfrm>
+          <a:prstGeom prst="bentConnector3">
+            <a:avLst/>
+          </a:prstGeom>
+          <a:ln>
+            <a:tailEnd type="triangle"/>
+          </a:ln>
+        </p:spPr>
+        <p:style>
+          <a:lnRef idx="1">
+            <a:schemeClr val="accent1"/>
+          </a:lnRef>
+          <a:fillRef idx="0">
+            <a:schemeClr val="accent1"/>
+          </a:fillRef>
+          <a:effectRef idx="0">
+            <a:schemeClr val="accent1"/>
+          </a:effectRef>
+          <a:fontRef idx="minor">
+            <a:schemeClr val="tx1"/>
+          </a:fontRef>
+        </p:style>
+      </p:cxnSp>
+      <p:sp>
+        <p:nvSpPr>
+          <p:cNvPr id="25" name="ZoneTexte 24"/>
+          <p:cNvSpPr txBox="1"/>
+          <p:nvPr/>
+        </p:nvSpPr>
+        <p:spPr>
+          <a:xfrm>
+            <a:off x="1953773" y="247837"/>
+            <a:ext cx="7051930" cy="523220"/>
+          </a:xfrm>
+          <a:prstGeom prst="rect">
+            <a:avLst/>
+          </a:prstGeom>
+          <a:noFill/>
+        </p:spPr>
+        <p:txBody>
+          <a:bodyPr wrap="none" rtlCol="0">
+            <a:spAutoFit/>
+          </a:bodyPr>
+          <a:lstStyle/>
+          <a:p>
+            <a:r>
+              <a:rPr lang="fr-FR" sz="2800" u="sng" dirty="0" smtClean="0">
+                <a:solidFill>
+                  <a:srgbClr val="C00000"/>
+                </a:solidFill>
+                <a:latin typeface="Times New Roman" panose="02020603050405020304" pitchFamily="18" charset="0"/>
+                <a:cs typeface="Times New Roman" panose="02020603050405020304" pitchFamily="18" charset="0"/>
+              </a:rPr>
+              <a:t>Représentation des tables dans Base de données</a:t>
+            </a:r>
+            <a:endParaRPr lang="en-US" sz="2800" u="sng" dirty="0">
+              <a:solidFill>
+                <a:srgbClr val="C00000"/>
+              </a:solidFill>
+              <a:latin typeface="Times New Roman" panose="02020603050405020304" pitchFamily="18" charset="0"/>
+              <a:cs typeface="Times New Roman" panose="02020603050405020304" pitchFamily="18" charset="0"/>
+            </a:endParaRPr>
+          </a:p>
+        </p:txBody>
+      </p:sp>
+      <p:sp>
+        <p:nvSpPr>
+          <p:cNvPr id="18" name="Organigramme : Stockage interne 17"/>
+          <p:cNvSpPr/>
+          <p:nvPr/>
+        </p:nvSpPr>
+        <p:spPr>
+          <a:xfrm>
+            <a:off x="4224816" y="3978531"/>
+            <a:ext cx="2245010" cy="2740164"/>
+          </a:xfrm>
+          <a:prstGeom prst="flowChartInternalStorage">
+            <a:avLst/>
+          </a:prstGeom>
+          <a:noFill/>
+        </p:spPr>
+        <p:style>
+          <a:lnRef idx="2">
+            <a:schemeClr val="accent1">
+              <a:shade val="50000"/>
+            </a:schemeClr>
+          </a:lnRef>
+          <a:fillRef idx="1">
+            <a:schemeClr val="accent1"/>
+          </a:fillRef>
+          <a:effectRef idx="0">
+            <a:schemeClr val="accent1"/>
+          </a:effectRef>
+          <a:fontRef idx="minor">
+            <a:schemeClr val="lt1"/>
+          </a:fontRef>
+        </p:style>
+        <p:txBody>
+          <a:bodyPr rtlCol="0" anchor="ctr"/>
+          <a:lstStyle/>
+          <a:p>
+            <a:pPr algn="ctr"/>
+            <a:endParaRPr lang="en-US" dirty="0"/>
+          </a:p>
+        </p:txBody>
+      </p:sp>
+      <p:sp>
+        <p:nvSpPr>
+          <p:cNvPr id="20" name="ZoneTexte 19"/>
+          <p:cNvSpPr txBox="1"/>
+          <p:nvPr/>
+        </p:nvSpPr>
+        <p:spPr>
+          <a:xfrm>
+            <a:off x="8535671" y="1188008"/>
+            <a:ext cx="880434" cy="369332"/>
+          </a:xfrm>
+          <a:prstGeom prst="rect">
+            <a:avLst/>
+          </a:prstGeom>
+          <a:noFill/>
+        </p:spPr>
+        <p:txBody>
+          <a:bodyPr wrap="none" rtlCol="0">
+            <a:spAutoFit/>
+          </a:bodyPr>
+          <a:lstStyle/>
+          <a:p>
+            <a:r>
+              <a:rPr lang="fr-FR" dirty="0"/>
+              <a:t>E</a:t>
+            </a:r>
+            <a:r>
+              <a:rPr lang="fr-FR" dirty="0" smtClean="0"/>
+              <a:t>nfants</a:t>
+            </a:r>
+            <a:endParaRPr lang="en-US" dirty="0"/>
+          </a:p>
+        </p:txBody>
+      </p:sp>
+      <p:sp>
+        <p:nvSpPr>
+          <p:cNvPr id="22" name="ZoneTexte 21"/>
+          <p:cNvSpPr txBox="1"/>
+          <p:nvPr/>
+        </p:nvSpPr>
+        <p:spPr>
+          <a:xfrm>
+            <a:off x="4699021" y="5713660"/>
+            <a:ext cx="1550816" cy="1077218"/>
+          </a:xfrm>
+          <a:prstGeom prst="rect">
+            <a:avLst/>
+          </a:prstGeom>
+          <a:noFill/>
+        </p:spPr>
+        <p:txBody>
+          <a:bodyPr wrap="square" rtlCol="0">
+            <a:spAutoFit/>
+          </a:bodyPr>
+          <a:lstStyle/>
+          <a:p>
+            <a:r>
+              <a:rPr lang="fr-FR" sz="1600" dirty="0" err="1" smtClean="0"/>
+              <a:t>id_personne</a:t>
+            </a:r>
+            <a:endParaRPr lang="fr-FR" sz="1600" dirty="0" smtClean="0"/>
+          </a:p>
+          <a:p>
+            <a:r>
+              <a:rPr lang="fr-FR" sz="1600" dirty="0" err="1" smtClean="0"/>
+              <a:t>id_pere</a:t>
+            </a:r>
+            <a:endParaRPr lang="fr-FR" sz="1600" dirty="0" smtClean="0"/>
+          </a:p>
+          <a:p>
+            <a:r>
+              <a:rPr lang="fr-FR" sz="1600" dirty="0" err="1" smtClean="0"/>
+              <a:t>id_mere</a:t>
+            </a:r>
+            <a:endParaRPr lang="fr-FR" sz="1600" dirty="0" smtClean="0"/>
+          </a:p>
+          <a:p>
+            <a:r>
+              <a:rPr lang="fr-FR" sz="1600" dirty="0" err="1" smtClean="0"/>
+              <a:t>id_conjoint</a:t>
+            </a:r>
+            <a:endParaRPr lang="en-US" sz="1600" dirty="0"/>
+          </a:p>
+        </p:txBody>
+      </p:sp>
+      <p:sp>
+        <p:nvSpPr>
+          <p:cNvPr id="23" name="Rectangle 22"/>
+          <p:cNvSpPr/>
+          <p:nvPr/>
+        </p:nvSpPr>
+        <p:spPr>
+          <a:xfrm>
+            <a:off x="4508550" y="5720941"/>
+            <a:ext cx="1931759" cy="1011489"/>
+          </a:xfrm>
+          <a:prstGeom prst="rect">
+            <a:avLst/>
+          </a:prstGeom>
+          <a:noFill/>
+        </p:spPr>
+        <p:style>
+          <a:lnRef idx="2">
+            <a:schemeClr val="accent1">
+              <a:shade val="50000"/>
+            </a:schemeClr>
+          </a:lnRef>
+          <a:fillRef idx="1">
+            <a:schemeClr val="accent1"/>
+          </a:fillRef>
+          <a:effectRef idx="0">
+            <a:schemeClr val="accent1"/>
+          </a:effectRef>
+          <a:fontRef idx="minor">
+            <a:schemeClr val="lt1"/>
+          </a:fontRef>
+        </p:style>
+        <p:txBody>
+          <a:bodyPr rtlCol="0" anchor="ctr"/>
+          <a:lstStyle/>
+          <a:p>
+            <a:pPr algn="ctr"/>
+            <a:endParaRPr lang="en-US"/>
+          </a:p>
+        </p:txBody>
+      </p:sp>
+      <p:sp>
+        <p:nvSpPr>
+          <p:cNvPr id="5" name="ZoneTexte 4"/>
+          <p:cNvSpPr txBox="1"/>
+          <p:nvPr/>
+        </p:nvSpPr>
+        <p:spPr>
+          <a:xfrm>
+            <a:off x="4810522" y="4331047"/>
+            <a:ext cx="787588" cy="1477328"/>
+          </a:xfrm>
+          <a:prstGeom prst="rect">
+            <a:avLst/>
+          </a:prstGeom>
+          <a:noFill/>
+        </p:spPr>
+        <p:txBody>
+          <a:bodyPr wrap="none" rtlCol="0">
+            <a:spAutoFit/>
+          </a:bodyPr>
+          <a:lstStyle/>
+          <a:p>
+            <a:r>
+              <a:rPr lang="fr-FR" dirty="0" smtClean="0"/>
+              <a:t>nom</a:t>
+            </a:r>
+          </a:p>
+          <a:p>
+            <a:r>
+              <a:rPr lang="fr-FR" dirty="0" err="1" smtClean="0"/>
+              <a:t>age</a:t>
+            </a:r>
+            <a:endParaRPr lang="fr-FR" dirty="0" smtClean="0"/>
+          </a:p>
+          <a:p>
+            <a:r>
+              <a:rPr lang="fr-FR" dirty="0" smtClean="0"/>
+              <a:t>infos</a:t>
+            </a:r>
+          </a:p>
+          <a:p>
+            <a:r>
+              <a:rPr lang="fr-FR" dirty="0" smtClean="0"/>
+              <a:t>avatar</a:t>
+            </a:r>
+          </a:p>
+          <a:p>
+            <a:r>
+              <a:rPr lang="fr-FR" dirty="0" smtClean="0"/>
+              <a:t>sexe</a:t>
+            </a:r>
+            <a:endParaRPr lang="en-US" dirty="0"/>
+          </a:p>
+        </p:txBody>
+      </p:sp>
+      <p:cxnSp>
+        <p:nvCxnSpPr>
+          <p:cNvPr id="38" name="Connecteur en angle 37"/>
+          <p:cNvCxnSpPr/>
+          <p:nvPr/>
+        </p:nvCxnSpPr>
+        <p:spPr>
+          <a:xfrm>
+            <a:off x="2837410" y="3801282"/>
+            <a:ext cx="1364532" cy="560962"/>
+          </a:xfrm>
+          <a:prstGeom prst="bentConnector3">
+            <a:avLst/>
+          </a:prstGeom>
+          <a:ln>
+            <a:tailEnd type="triangle"/>
+          </a:ln>
+        </p:spPr>
+        <p:style>
+          <a:lnRef idx="1">
+            <a:schemeClr val="accent1"/>
+          </a:lnRef>
+          <a:fillRef idx="0">
+            <a:schemeClr val="accent1"/>
+          </a:fillRef>
+          <a:effectRef idx="0">
+            <a:schemeClr val="accent1"/>
+          </a:effectRef>
+          <a:fontRef idx="minor">
+            <a:schemeClr val="tx1"/>
+          </a:fontRef>
+        </p:style>
+      </p:cxnSp>
+      <p:cxnSp>
+        <p:nvCxnSpPr>
+          <p:cNvPr id="40" name="Connecteur en angle 39"/>
+          <p:cNvCxnSpPr/>
+          <p:nvPr/>
+        </p:nvCxnSpPr>
+        <p:spPr>
+          <a:xfrm rot="10800000" flipV="1">
+            <a:off x="6532698" y="3383279"/>
+            <a:ext cx="1378623" cy="947767"/>
+          </a:xfrm>
+          <a:prstGeom prst="bentConnector3">
+            <a:avLst/>
+          </a:prstGeom>
+          <a:ln>
+            <a:tailEnd type="triangle"/>
+          </a:ln>
+        </p:spPr>
+        <p:style>
+          <a:lnRef idx="1">
+            <a:schemeClr val="accent1"/>
+          </a:lnRef>
+          <a:fillRef idx="0">
+            <a:schemeClr val="accent1"/>
+          </a:fillRef>
+          <a:effectRef idx="0">
+            <a:schemeClr val="accent1"/>
+          </a:effectRef>
+          <a:fontRef idx="minor">
+            <a:schemeClr val="tx1"/>
+          </a:fontRef>
+        </p:style>
+      </p:cxnSp>
+      <p:cxnSp>
+        <p:nvCxnSpPr>
+          <p:cNvPr id="46" name="Connecteur droit avec flèche 45"/>
+          <p:cNvCxnSpPr/>
+          <p:nvPr/>
+        </p:nvCxnSpPr>
+        <p:spPr>
+          <a:xfrm>
+            <a:off x="5378756" y="3852831"/>
+            <a:ext cx="0" cy="140081"/>
+          </a:xfrm>
+          <a:prstGeom prst="straightConnector1">
+            <a:avLst/>
+          </a:prstGeom>
+          <a:ln>
+            <a:tailEnd type="triangle"/>
+          </a:ln>
+        </p:spPr>
+        <p:style>
+          <a:lnRef idx="1">
+            <a:schemeClr val="accent1"/>
+          </a:lnRef>
+          <a:fillRef idx="0">
+            <a:schemeClr val="accent1"/>
+          </a:fillRef>
+          <a:effectRef idx="0">
+            <a:schemeClr val="accent1"/>
+          </a:effectRef>
+          <a:fontRef idx="minor">
+            <a:schemeClr val="tx1"/>
+          </a:fontRef>
+        </p:style>
+      </p:cxnSp>
     </p:spTree>
     <p:extLst>
       <p:ext uri="{BB962C8B-B14F-4D97-AF65-F5344CB8AC3E}">
-        <p14:creationId xmlns:p14="http://schemas.microsoft.com/office/powerpoint/2010/main" val="89501661"/>
+        <p14:creationId xmlns:p14="http://schemas.microsoft.com/office/powerpoint/2010/main" val="2374818118"/>
       </p:ext>
     </p:extLst>
   </p:cSld>
   <p:clrMapOvr>
     <a:masterClrMapping/>
   </p:clrMapOvr>
-  <p:timing>
-    <p:tnLst>
-      <p:par>
-        <p:cTn id="1" dur="indefinite" restart="never" nodeType="tmRoot"/>
-      </p:par>
-    </p:tnLst>
-  </p:timing>
 </p:sld>
 </file>
 
